--- a/Apresentações/TRE DMAIC - Improve -FollowUP.pptx
+++ b/Apresentações/TRE DMAIC - Improve -FollowUP.pptx
@@ -7,15 +7,30 @@
   <p:sldIdLst>
     <p:sldId id="256" r:id="rId2"/>
     <p:sldId id="258" r:id="rId3"/>
-    <p:sldId id="265" r:id="rId4"/>
+    <p:sldId id="283" r:id="rId4"/>
     <p:sldId id="257" r:id="rId5"/>
     <p:sldId id="259" r:id="rId6"/>
-    <p:sldId id="260" r:id="rId7"/>
-    <p:sldId id="261" r:id="rId8"/>
-    <p:sldId id="262" r:id="rId9"/>
-    <p:sldId id="266" r:id="rId10"/>
-    <p:sldId id="267" r:id="rId11"/>
-    <p:sldId id="264" r:id="rId12"/>
+    <p:sldId id="284" r:id="rId7"/>
+    <p:sldId id="260" r:id="rId8"/>
+    <p:sldId id="261" r:id="rId9"/>
+    <p:sldId id="262" r:id="rId10"/>
+    <p:sldId id="266" r:id="rId11"/>
+    <p:sldId id="267" r:id="rId12"/>
+    <p:sldId id="264" r:id="rId13"/>
+    <p:sldId id="273" r:id="rId14"/>
+    <p:sldId id="274" r:id="rId15"/>
+    <p:sldId id="268" r:id="rId16"/>
+    <p:sldId id="275" r:id="rId17"/>
+    <p:sldId id="276" r:id="rId18"/>
+    <p:sldId id="269" r:id="rId19"/>
+    <p:sldId id="277" r:id="rId20"/>
+    <p:sldId id="278" r:id="rId21"/>
+    <p:sldId id="270" r:id="rId22"/>
+    <p:sldId id="279" r:id="rId23"/>
+    <p:sldId id="271" r:id="rId24"/>
+    <p:sldId id="280" r:id="rId25"/>
+    <p:sldId id="272" r:id="rId26"/>
+    <p:sldId id="282" r:id="rId27"/>
   </p:sldIdLst>
   <p:sldSz cx="12192000" cy="6858000"/>
   <p:notesSz cx="6858000" cy="9144000"/>
@@ -348,7 +363,7 @@
           <a:p>
             <a:fld id="{96DFF08F-DC6B-4601-B491-B0F83F6DD2DA}" type="datetimeFigureOut">
               <a:rPr lang="en-US" dirty="0"/>
-              <a:t>2/25/2018</a:t>
+              <a:t>2/28/2018</a:t>
             </a:fld>
             <a:endParaRPr lang="en-US" dirty="0"/>
           </a:p>
@@ -390,7 +405,7 @@
           <a:p>
             <a:fld id="{4FAB73BC-B049-4115-A692-8D63A059BFB8}" type="slidenum">
               <a:rPr lang="en-US" dirty="0"/>
-              <a:t>‹#›</a:t>
+              <a:t>‹nº›</a:t>
             </a:fld>
             <a:endParaRPr lang="en-US" dirty="0"/>
           </a:p>
@@ -551,7 +566,7 @@
           <a:p>
             <a:fld id="{96DFF08F-DC6B-4601-B491-B0F83F6DD2DA}" type="datetimeFigureOut">
               <a:rPr lang="en-US" dirty="0"/>
-              <a:t>2/25/2018</a:t>
+              <a:t>2/28/2018</a:t>
             </a:fld>
             <a:endParaRPr lang="en-US" dirty="0"/>
           </a:p>
@@ -593,7 +608,7 @@
           <a:p>
             <a:fld id="{4FAB73BC-B049-4115-A692-8D63A059BFB8}" type="slidenum">
               <a:rPr lang="en-US" dirty="0"/>
-              <a:t>‹#›</a:t>
+              <a:t>‹nº›</a:t>
             </a:fld>
             <a:endParaRPr lang="en-US" dirty="0"/>
           </a:p>
@@ -802,7 +817,7 @@
           <a:p>
             <a:fld id="{96DFF08F-DC6B-4601-B491-B0F83F6DD2DA}" type="datetimeFigureOut">
               <a:rPr lang="en-US" dirty="0"/>
-              <a:t>2/25/2018</a:t>
+              <a:t>2/28/2018</a:t>
             </a:fld>
             <a:endParaRPr lang="en-US" dirty="0"/>
           </a:p>
@@ -844,7 +859,7 @@
           <a:p>
             <a:fld id="{4FAB73BC-B049-4115-A692-8D63A059BFB8}" type="slidenum">
               <a:rPr lang="en-US" dirty="0"/>
-              <a:t>‹#›</a:t>
+              <a:t>‹nº›</a:t>
             </a:fld>
             <a:endParaRPr lang="en-US" dirty="0"/>
           </a:p>
@@ -967,7 +982,7 @@
           <a:p>
             <a:fld id="{D62CEF3B-A037-46D0-B02C-1428F07E9383}" type="datetimeFigureOut">
               <a:rPr lang="en-US" dirty="0"/>
-              <a:t>2/25/2018</a:t>
+              <a:t>2/28/2018</a:t>
             </a:fld>
             <a:endParaRPr lang="en-US" dirty="0"/>
           </a:p>
@@ -1009,7 +1024,7 @@
           <a:p>
             <a:fld id="{4CE482DC-2269-4F26-9D2A-7E44B1A4CD85}" type="slidenum">
               <a:rPr lang="en-US" dirty="0"/>
-              <a:t>‹#›</a:t>
+              <a:t>‹nº›</a:t>
             </a:fld>
             <a:endParaRPr lang="en-US" dirty="0"/>
           </a:p>
@@ -1305,7 +1320,7 @@
           <a:p>
             <a:fld id="{96DFF08F-DC6B-4601-B491-B0F83F6DD2DA}" type="datetimeFigureOut">
               <a:rPr lang="en-US" dirty="0"/>
-              <a:t>2/25/2018</a:t>
+              <a:t>2/28/2018</a:t>
             </a:fld>
             <a:endParaRPr lang="en-US" dirty="0"/>
           </a:p>
@@ -1347,7 +1362,7 @@
           <a:p>
             <a:fld id="{4FAB73BC-B049-4115-A692-8D63A059BFB8}" type="slidenum">
               <a:rPr lang="en-US" dirty="0"/>
-              <a:t>‹#›</a:t>
+              <a:t>‹nº›</a:t>
             </a:fld>
             <a:endParaRPr lang="en-US" dirty="0"/>
           </a:p>
@@ -1575,7 +1590,7 @@
           <a:p>
             <a:fld id="{96DFF08F-DC6B-4601-B491-B0F83F6DD2DA}" type="datetimeFigureOut">
               <a:rPr lang="en-US" dirty="0"/>
-              <a:t>2/25/2018</a:t>
+              <a:t>2/28/2018</a:t>
             </a:fld>
             <a:endParaRPr lang="en-US" dirty="0"/>
           </a:p>
@@ -1617,7 +1632,7 @@
           <a:p>
             <a:fld id="{4FAB73BC-B049-4115-A692-8D63A059BFB8}" type="slidenum">
               <a:rPr lang="en-US" dirty="0"/>
-              <a:t>‹#›</a:t>
+              <a:t>‹nº›</a:t>
             </a:fld>
             <a:endParaRPr lang="en-US" dirty="0"/>
           </a:p>
@@ -1949,7 +1964,7 @@
           <a:p>
             <a:fld id="{96DFF08F-DC6B-4601-B491-B0F83F6DD2DA}" type="datetimeFigureOut">
               <a:rPr lang="en-US" dirty="0"/>
-              <a:t>2/25/2018</a:t>
+              <a:t>2/28/2018</a:t>
             </a:fld>
             <a:endParaRPr lang="en-US" dirty="0"/>
           </a:p>
@@ -1991,7 +2006,7 @@
           <a:p>
             <a:fld id="{4FAB73BC-B049-4115-A692-8D63A059BFB8}" type="slidenum">
               <a:rPr lang="en-US" dirty="0"/>
-              <a:t>‹#›</a:t>
+              <a:t>‹nº›</a:t>
             </a:fld>
             <a:endParaRPr lang="en-US" dirty="0"/>
           </a:p>
@@ -2062,7 +2077,7 @@
           <a:p>
             <a:fld id="{96DFF08F-DC6B-4601-B491-B0F83F6DD2DA}" type="datetimeFigureOut">
               <a:rPr lang="en-US" dirty="0"/>
-              <a:t>2/25/2018</a:t>
+              <a:t>2/28/2018</a:t>
             </a:fld>
             <a:endParaRPr lang="en-US" dirty="0"/>
           </a:p>
@@ -2104,7 +2119,7 @@
           <a:p>
             <a:fld id="{4FAB73BC-B049-4115-A692-8D63A059BFB8}" type="slidenum">
               <a:rPr lang="en-US" dirty="0"/>
-              <a:t>‹#›</a:t>
+              <a:t>‹nº›</a:t>
             </a:fld>
             <a:endParaRPr lang="en-US" dirty="0"/>
           </a:p>
@@ -2229,7 +2244,7 @@
             <a:fld id="{96DFF08F-DC6B-4601-B491-B0F83F6DD2DA}" type="datetimeFigureOut">
               <a:rPr lang="en-US" dirty="0"/>
               <a:pPr/>
-              <a:t>2/25/2018</a:t>
+              <a:t>2/28/2018</a:t>
             </a:fld>
             <a:endParaRPr lang="en-US" dirty="0"/>
           </a:p>
@@ -2280,7 +2295,7 @@
             <a:fld id="{4FAB73BC-B049-4115-A692-8D63A059BFB8}" type="slidenum">
               <a:rPr lang="en-US" dirty="0"/>
               <a:pPr/>
-              <a:t>‹#›</a:t>
+              <a:t>‹nº›</a:t>
             </a:fld>
             <a:endParaRPr lang="en-US" dirty="0"/>
           </a:p>
@@ -2580,7 +2595,7 @@
             <a:fld id="{96DFF08F-DC6B-4601-B491-B0F83F6DD2DA}" type="datetimeFigureOut">
               <a:rPr lang="en-US" dirty="0"/>
               <a:pPr/>
-              <a:t>2/25/2018</a:t>
+              <a:t>2/28/2018</a:t>
             </a:fld>
             <a:endParaRPr lang="en-US" dirty="0"/>
           </a:p>
@@ -2644,7 +2659,7 @@
             <a:fld id="{4FAB73BC-B049-4115-A692-8D63A059BFB8}" type="slidenum">
               <a:rPr lang="en-US" dirty="0"/>
               <a:pPr/>
-              <a:t>‹#›</a:t>
+              <a:t>‹nº›</a:t>
             </a:fld>
             <a:endParaRPr lang="en-US" dirty="0"/>
           </a:p>
@@ -2953,7 +2968,7 @@
           <a:p>
             <a:fld id="{96DFF08F-DC6B-4601-B491-B0F83F6DD2DA}" type="datetimeFigureOut">
               <a:rPr lang="en-US" dirty="0"/>
-              <a:t>2/25/2018</a:t>
+              <a:t>2/28/2018</a:t>
             </a:fld>
             <a:endParaRPr lang="en-US" dirty="0"/>
           </a:p>
@@ -2995,7 +3010,7 @@
           <a:p>
             <a:fld id="{4FAB73BC-B049-4115-A692-8D63A059BFB8}" type="slidenum">
               <a:rPr lang="en-US" dirty="0"/>
-              <a:t>‹#›</a:t>
+              <a:t>‹nº›</a:t>
             </a:fld>
             <a:endParaRPr lang="en-US" dirty="0"/>
           </a:p>
@@ -3236,7 +3251,7 @@
             <a:fld id="{96DFF08F-DC6B-4601-B491-B0F83F6DD2DA}" type="datetimeFigureOut">
               <a:rPr lang="en-US" dirty="0"/>
               <a:pPr/>
-              <a:t>2/25/2018</a:t>
+              <a:t>2/28/2018</a:t>
             </a:fld>
             <a:endParaRPr lang="en-US" dirty="0"/>
           </a:p>
@@ -3311,7 +3326,7 @@
             <a:fld id="{4FAB73BC-B049-4115-A692-8D63A059BFB8}" type="slidenum">
               <a:rPr lang="en-US" dirty="0"/>
               <a:pPr/>
-              <a:t>‹#›</a:t>
+              <a:t>‹nº›</a:t>
             </a:fld>
             <a:endParaRPr lang="en-US" dirty="0"/>
           </a:p>
@@ -4021,8 +4036,8 @@
         </p:nvSpPr>
         <p:spPr>
           <a:xfrm>
-            <a:off x="792480" y="0"/>
-            <a:ext cx="10058400" cy="1450757"/>
+            <a:off x="832237" y="134517"/>
+            <a:ext cx="10058400" cy="915350"/>
           </a:xfrm>
         </p:spPr>
         <p:txBody>
@@ -4031,31 +4046,203 @@
           <a:p>
             <a:r>
               <a:rPr lang="en-US" dirty="0" err="1"/>
-              <a:t>Acompanhamento</a:t>
+              <a:t>Implementação</a:t>
             </a:r>
             <a:r>
               <a:rPr lang="en-US" dirty="0"/>
-              <a:t> dos Dados</a:t>
-            </a:r>
-            <a:br>
-              <a:rPr lang="en-US" dirty="0"/>
-            </a:br>
-            <a:r>
-              <a:rPr lang="en-US" dirty="0"/>
-              <a:t>Cartas de </a:t>
+              <a:t> das </a:t>
             </a:r>
             <a:r>
               <a:rPr lang="en-US" dirty="0" err="1"/>
-              <a:t>Controle</a:t>
+              <a:t>solucões</a:t>
             </a:r>
             <a:endParaRPr lang="en-US" dirty="0"/>
           </a:p>
         </p:txBody>
       </p:sp>
+      <p:pic>
+        <p:nvPicPr>
+          <p:cNvPr id="11" name="Picture 10">
+            <a:extLst>
+              <a:ext uri="{FF2B5EF4-FFF2-40B4-BE49-F238E27FC236}">
+                <a16:creationId xmlns:a16="http://schemas.microsoft.com/office/drawing/2014/main" id="{7F73D499-D5F5-41F9-8F6E-10F87F0341A4}"/>
+              </a:ext>
+            </a:extLst>
+          </p:cNvPr>
+          <p:cNvPicPr>
+            <a:picLocks noChangeAspect="1"/>
+          </p:cNvPicPr>
+          <p:nvPr/>
+        </p:nvPicPr>
+        <p:blipFill>
+          <a:blip r:embed="rId2"/>
+          <a:stretch>
+            <a:fillRect/>
+          </a:stretch>
+        </p:blipFill>
+        <p:spPr>
+          <a:xfrm rot="21011834">
+            <a:off x="261822" y="1745008"/>
+            <a:ext cx="3663780" cy="2416484"/>
+          </a:xfrm>
+          <a:prstGeom prst="rect">
+            <a:avLst/>
+          </a:prstGeom>
+        </p:spPr>
+      </p:pic>
+      <p:pic>
+        <p:nvPicPr>
+          <p:cNvPr id="13" name="Picture 12">
+            <a:extLst>
+              <a:ext uri="{FF2B5EF4-FFF2-40B4-BE49-F238E27FC236}">
+                <a16:creationId xmlns:a16="http://schemas.microsoft.com/office/drawing/2014/main" id="{BE50E276-80F5-4B54-B42B-44AA7915525F}"/>
+              </a:ext>
+            </a:extLst>
+          </p:cNvPr>
+          <p:cNvPicPr>
+            <a:picLocks noChangeAspect="1"/>
+          </p:cNvPicPr>
+          <p:nvPr/>
+        </p:nvPicPr>
+        <p:blipFill>
+          <a:blip r:embed="rId3"/>
+          <a:stretch>
+            <a:fillRect/>
+          </a:stretch>
+        </p:blipFill>
+        <p:spPr>
+          <a:xfrm rot="432731">
+            <a:off x="4125582" y="4157427"/>
+            <a:ext cx="3663781" cy="2060877"/>
+          </a:xfrm>
+          <a:prstGeom prst="rect">
+            <a:avLst/>
+          </a:prstGeom>
+        </p:spPr>
+      </p:pic>
+      <p:pic>
+        <p:nvPicPr>
+          <p:cNvPr id="17" name="Picture 16">
+            <a:extLst>
+              <a:ext uri="{FF2B5EF4-FFF2-40B4-BE49-F238E27FC236}">
+                <a16:creationId xmlns:a16="http://schemas.microsoft.com/office/drawing/2014/main" id="{84ABC840-4C01-44A7-AD1C-45EDB7F301E9}"/>
+              </a:ext>
+            </a:extLst>
+          </p:cNvPr>
+          <p:cNvPicPr>
+            <a:picLocks noChangeAspect="1"/>
+          </p:cNvPicPr>
+          <p:nvPr/>
+        </p:nvPicPr>
+        <p:blipFill>
+          <a:blip r:embed="rId4"/>
+          <a:stretch>
+            <a:fillRect/>
+          </a:stretch>
+        </p:blipFill>
+        <p:spPr>
+          <a:xfrm>
+            <a:off x="4128194" y="1491790"/>
+            <a:ext cx="3950435" cy="2443806"/>
+          </a:xfrm>
+          <a:prstGeom prst="rect">
+            <a:avLst/>
+          </a:prstGeom>
+        </p:spPr>
+      </p:pic>
+      <p:pic>
+        <p:nvPicPr>
+          <p:cNvPr id="4" name="Picture 3">
+            <a:extLst>
+              <a:ext uri="{FF2B5EF4-FFF2-40B4-BE49-F238E27FC236}">
+                <a16:creationId xmlns:a16="http://schemas.microsoft.com/office/drawing/2014/main" id="{76171C17-5B55-43E4-9D89-409EF4C156AA}"/>
+              </a:ext>
+            </a:extLst>
+          </p:cNvPr>
+          <p:cNvPicPr>
+            <a:picLocks noChangeAspect="1"/>
+          </p:cNvPicPr>
+          <p:nvPr/>
+        </p:nvPicPr>
+        <p:blipFill>
+          <a:blip r:embed="rId5"/>
+          <a:stretch>
+            <a:fillRect/>
+          </a:stretch>
+        </p:blipFill>
+        <p:spPr>
+          <a:xfrm>
+            <a:off x="170348" y="4110667"/>
+            <a:ext cx="3950435" cy="2154398"/>
+          </a:xfrm>
+          <a:prstGeom prst="rect">
+            <a:avLst/>
+          </a:prstGeom>
+        </p:spPr>
+      </p:pic>
+      <p:pic>
+        <p:nvPicPr>
+          <p:cNvPr id="10" name="Content Placeholder 9">
+            <a:extLst>
+              <a:ext uri="{FF2B5EF4-FFF2-40B4-BE49-F238E27FC236}">
+                <a16:creationId xmlns:a16="http://schemas.microsoft.com/office/drawing/2014/main" id="{AC27A7BF-ACD3-4235-83B1-DC77E39F6323}"/>
+              </a:ext>
+            </a:extLst>
+          </p:cNvPr>
+          <p:cNvPicPr>
+            <a:picLocks noGrp="1" noChangeAspect="1"/>
+          </p:cNvPicPr>
+          <p:nvPr>
+            <p:ph idx="1"/>
+          </p:nvPr>
+        </p:nvPicPr>
+        <p:blipFill>
+          <a:blip r:embed="rId6"/>
+          <a:stretch>
+            <a:fillRect/>
+          </a:stretch>
+        </p:blipFill>
+        <p:spPr>
+          <a:xfrm rot="616676">
+            <a:off x="8125204" y="1525677"/>
+            <a:ext cx="3550701" cy="1997269"/>
+          </a:xfrm>
+        </p:spPr>
+      </p:pic>
+      <p:pic>
+        <p:nvPicPr>
+          <p:cNvPr id="9" name="Imagem 8">
+            <a:extLst>
+              <a:ext uri="{FF2B5EF4-FFF2-40B4-BE49-F238E27FC236}">
+                <a16:creationId xmlns:a16="http://schemas.microsoft.com/office/drawing/2014/main" id="{8BFC63E6-653E-4BE6-BD22-44682F206A3C}"/>
+              </a:ext>
+            </a:extLst>
+          </p:cNvPr>
+          <p:cNvPicPr>
+            <a:picLocks noChangeAspect="1"/>
+          </p:cNvPicPr>
+          <p:nvPr/>
+        </p:nvPicPr>
+        <p:blipFill>
+          <a:blip r:embed="rId7"/>
+          <a:stretch>
+            <a:fillRect/>
+          </a:stretch>
+        </p:blipFill>
+        <p:spPr>
+          <a:xfrm>
+            <a:off x="8063807" y="3597864"/>
+            <a:ext cx="4012016" cy="2747333"/>
+          </a:xfrm>
+          <a:prstGeom prst="rect">
+            <a:avLst/>
+          </a:prstGeom>
+        </p:spPr>
+      </p:pic>
     </p:spTree>
     <p:extLst>
       <p:ext uri="{BB962C8B-B14F-4D97-AF65-F5344CB8AC3E}">
-        <p14:creationId xmlns:p14="http://schemas.microsoft.com/office/powerpoint/2010/main" val="1149324235"/>
+        <p14:creationId xmlns:p14="http://schemas.microsoft.com/office/powerpoint/2010/main" val="181413399"/>
       </p:ext>
     </p:extLst>
   </p:cSld>
@@ -4082,10 +4269,1392 @@
           <a:chExt cx="0" cy="0"/>
         </a:xfrm>
       </p:grpSpPr>
+      <p:sp>
+        <p:nvSpPr>
+          <p:cNvPr id="2" name="Title 1"/>
+          <p:cNvSpPr>
+            <a:spLocks noGrp="1"/>
+          </p:cNvSpPr>
+          <p:nvPr>
+            <p:ph type="title"/>
+          </p:nvPr>
+        </p:nvSpPr>
+        <p:spPr>
+          <a:xfrm>
+            <a:off x="792480" y="0"/>
+            <a:ext cx="10058400" cy="1450757"/>
+          </a:xfrm>
+        </p:spPr>
+        <p:txBody>
+          <a:bodyPr/>
+          <a:lstStyle/>
+          <a:p>
+            <a:r>
+              <a:rPr lang="en-US" dirty="0"/>
+              <a:t>Acompanhamento dos Dados</a:t>
+            </a:r>
+            <a:br>
+              <a:rPr lang="en-US" dirty="0"/>
+            </a:br>
+            <a:r>
+              <a:rPr lang="en-US" dirty="0"/>
+              <a:t>Cartas de </a:t>
+            </a:r>
+            <a:r>
+              <a:rPr lang="en-US" dirty="0" err="1"/>
+              <a:t>Controle</a:t>
+            </a:r>
+            <a:endParaRPr lang="en-US" dirty="0"/>
+          </a:p>
+        </p:txBody>
+      </p:sp>
+      <p:sp>
+        <p:nvSpPr>
+          <p:cNvPr id="3" name="TextBox 2">
+            <a:extLst>
+              <a:ext uri="{FF2B5EF4-FFF2-40B4-BE49-F238E27FC236}">
+                <a16:creationId xmlns:a16="http://schemas.microsoft.com/office/drawing/2014/main" id="{65273BDD-CC3E-4D5A-A47F-B32E58ED5B40}"/>
+              </a:ext>
+            </a:extLst>
+          </p:cNvPr>
+          <p:cNvSpPr txBox="1"/>
+          <p:nvPr/>
+        </p:nvSpPr>
+        <p:spPr>
+          <a:xfrm>
+            <a:off x="928048" y="2101755"/>
+            <a:ext cx="1610436" cy="2954655"/>
+          </a:xfrm>
+          <a:prstGeom prst="rect">
+            <a:avLst/>
+          </a:prstGeom>
+          <a:noFill/>
+        </p:spPr>
+        <p:txBody>
+          <a:bodyPr wrap="square" rtlCol="0">
+            <a:spAutoFit/>
+          </a:bodyPr>
+          <a:lstStyle/>
+          <a:p>
+            <a:r>
+              <a:rPr lang="pt-BR" sz="2400" dirty="0"/>
+              <a:t>CSTA</a:t>
+            </a:r>
+          </a:p>
+          <a:p>
+            <a:r>
+              <a:rPr lang="pt-BR" sz="2400" dirty="0"/>
+              <a:t>ST</a:t>
+            </a:r>
+          </a:p>
+          <a:p>
+            <a:r>
+              <a:rPr lang="pt-BR" sz="2400" dirty="0"/>
+              <a:t>SESEG</a:t>
+            </a:r>
+          </a:p>
+          <a:p>
+            <a:endParaRPr lang="pt-BR" sz="2400" dirty="0"/>
+          </a:p>
+          <a:p>
+            <a:r>
+              <a:rPr lang="pt-BR" sz="2400" dirty="0"/>
+              <a:t>SAPRE</a:t>
+            </a:r>
+          </a:p>
+          <a:p>
+            <a:r>
+              <a:rPr lang="pt-BR" sz="2400" dirty="0"/>
+              <a:t>SMIC</a:t>
+            </a:r>
+          </a:p>
+          <a:p>
+            <a:r>
+              <a:rPr lang="pt-BR" sz="2400" dirty="0"/>
+              <a:t>SMIN</a:t>
+            </a:r>
+          </a:p>
+          <a:p>
+            <a:endParaRPr lang="pt-BR" dirty="0"/>
+          </a:p>
+        </p:txBody>
+      </p:sp>
+    </p:spTree>
+    <p:extLst>
+      <p:ext uri="{BB962C8B-B14F-4D97-AF65-F5344CB8AC3E}">
+        <p14:creationId xmlns:p14="http://schemas.microsoft.com/office/powerpoint/2010/main" val="1149324235"/>
+      </p:ext>
+    </p:extLst>
+  </p:cSld>
+  <p:clrMapOvr>
+    <a:masterClrMapping/>
+  </p:clrMapOvr>
+</p:sld>
+</file>
+
+<file path=ppt/slides/slide12.xml><?xml version="1.0" encoding="utf-8"?>
+<p:sld xmlns:a="http://schemas.openxmlformats.org/drawingml/2006/main" xmlns:r="http://schemas.openxmlformats.org/officeDocument/2006/relationships" xmlns:p="http://schemas.openxmlformats.org/presentationml/2006/main">
+  <p:cSld>
+    <p:spTree>
+      <p:nvGrpSpPr>
+        <p:cNvPr id="1" name=""/>
+        <p:cNvGrpSpPr/>
+        <p:nvPr/>
+      </p:nvGrpSpPr>
+      <p:grpSpPr>
+        <a:xfrm>
+          <a:off x="0" y="0"/>
+          <a:ext cx="0" cy="0"/>
+          <a:chOff x="0" y="0"/>
+          <a:chExt cx="0" cy="0"/>
+        </a:xfrm>
+      </p:grpSpPr>
+      <p:sp>
+        <p:nvSpPr>
+          <p:cNvPr id="2" name="Title 1">
+            <a:extLst>
+              <a:ext uri="{FF2B5EF4-FFF2-40B4-BE49-F238E27FC236}">
+                <a16:creationId xmlns:a16="http://schemas.microsoft.com/office/drawing/2014/main" id="{BADC52AC-57CB-4192-872F-0792D0CF119A}"/>
+              </a:ext>
+            </a:extLst>
+          </p:cNvPr>
+          <p:cNvSpPr>
+            <a:spLocks noGrp="1"/>
+          </p:cNvSpPr>
+          <p:nvPr>
+            <p:ph type="title"/>
+          </p:nvPr>
+        </p:nvSpPr>
+        <p:spPr/>
+        <p:txBody>
+          <a:bodyPr/>
+          <a:lstStyle/>
+          <a:p>
+            <a:r>
+              <a:rPr lang="pt-BR" dirty="0"/>
+              <a:t>CSTA</a:t>
+            </a:r>
+          </a:p>
+        </p:txBody>
+      </p:sp>
+      <p:sp>
+        <p:nvSpPr>
+          <p:cNvPr id="3" name="TextBox 2">
+            <a:extLst>
+              <a:ext uri="{FF2B5EF4-FFF2-40B4-BE49-F238E27FC236}">
+                <a16:creationId xmlns:a16="http://schemas.microsoft.com/office/drawing/2014/main" id="{DDFB070A-D0FD-40F3-9F18-82EB481C4E49}"/>
+              </a:ext>
+            </a:extLst>
+          </p:cNvPr>
+          <p:cNvSpPr txBox="1"/>
+          <p:nvPr/>
+        </p:nvSpPr>
+        <p:spPr>
+          <a:xfrm>
+            <a:off x="421716" y="1951672"/>
+            <a:ext cx="1526354" cy="707886"/>
+          </a:xfrm>
+          <a:prstGeom prst="rect">
+            <a:avLst/>
+          </a:prstGeom>
+          <a:noFill/>
+        </p:spPr>
+        <p:txBody>
+          <a:bodyPr wrap="square" rtlCol="0">
+            <a:spAutoFit/>
+          </a:bodyPr>
+          <a:lstStyle/>
+          <a:p>
+            <a:r>
+              <a:rPr lang="pt-BR" sz="2000" dirty="0"/>
+              <a:t>META:</a:t>
+            </a:r>
+          </a:p>
+          <a:p>
+            <a:r>
+              <a:rPr lang="pt-BR" sz="2000" dirty="0"/>
+              <a:t>7,31 Dias </a:t>
+            </a:r>
+          </a:p>
+        </p:txBody>
+      </p:sp>
+      <p:pic>
+        <p:nvPicPr>
+          <p:cNvPr id="4" name="Picture 3">
+            <a:extLst>
+              <a:ext uri="{FF2B5EF4-FFF2-40B4-BE49-F238E27FC236}">
+                <a16:creationId xmlns:a16="http://schemas.microsoft.com/office/drawing/2014/main" id="{D9DEF0ED-7126-48A1-8806-D7D17BBE910E}"/>
+              </a:ext>
+            </a:extLst>
+          </p:cNvPr>
+          <p:cNvPicPr>
+            <a:picLocks noChangeAspect="1"/>
+          </p:cNvPicPr>
+          <p:nvPr/>
+        </p:nvPicPr>
+        <p:blipFill>
+          <a:blip r:embed="rId2"/>
+          <a:stretch>
+            <a:fillRect/>
+          </a:stretch>
+        </p:blipFill>
+        <p:spPr>
+          <a:xfrm>
+            <a:off x="421716" y="2812315"/>
+            <a:ext cx="5231017" cy="3501094"/>
+          </a:xfrm>
+          <a:prstGeom prst="rect">
+            <a:avLst/>
+          </a:prstGeom>
+        </p:spPr>
+      </p:pic>
+      <p:pic>
+        <p:nvPicPr>
+          <p:cNvPr id="5" name="Picture 4">
+            <a:extLst>
+              <a:ext uri="{FF2B5EF4-FFF2-40B4-BE49-F238E27FC236}">
+                <a16:creationId xmlns:a16="http://schemas.microsoft.com/office/drawing/2014/main" id="{48F2900F-A0A2-42B1-86E4-2146FC5951D3}"/>
+              </a:ext>
+            </a:extLst>
+          </p:cNvPr>
+          <p:cNvPicPr>
+            <a:picLocks noChangeAspect="1"/>
+          </p:cNvPicPr>
+          <p:nvPr/>
+        </p:nvPicPr>
+        <p:blipFill>
+          <a:blip r:embed="rId3"/>
+          <a:stretch>
+            <a:fillRect/>
+          </a:stretch>
+        </p:blipFill>
+        <p:spPr>
+          <a:xfrm>
+            <a:off x="5924663" y="2812315"/>
+            <a:ext cx="5231017" cy="3501094"/>
+          </a:xfrm>
+          <a:prstGeom prst="rect">
+            <a:avLst/>
+          </a:prstGeom>
+        </p:spPr>
+      </p:pic>
     </p:spTree>
     <p:extLst>
       <p:ext uri="{BB962C8B-B14F-4D97-AF65-F5344CB8AC3E}">
         <p14:creationId xmlns:p14="http://schemas.microsoft.com/office/powerpoint/2010/main" val="2028095013"/>
+      </p:ext>
+    </p:extLst>
+  </p:cSld>
+  <p:clrMapOvr>
+    <a:masterClrMapping/>
+  </p:clrMapOvr>
+</p:sld>
+</file>
+
+<file path=ppt/slides/slide13.xml><?xml version="1.0" encoding="utf-8"?>
+<p:sld xmlns:a="http://schemas.openxmlformats.org/drawingml/2006/main" xmlns:r="http://schemas.openxmlformats.org/officeDocument/2006/relationships" xmlns:p="http://schemas.openxmlformats.org/presentationml/2006/main">
+  <p:cSld>
+    <p:spTree>
+      <p:nvGrpSpPr>
+        <p:cNvPr id="1" name=""/>
+        <p:cNvGrpSpPr/>
+        <p:nvPr/>
+      </p:nvGrpSpPr>
+      <p:grpSpPr>
+        <a:xfrm>
+          <a:off x="0" y="0"/>
+          <a:ext cx="0" cy="0"/>
+          <a:chOff x="0" y="0"/>
+          <a:chExt cx="0" cy="0"/>
+        </a:xfrm>
+      </p:grpSpPr>
+      <p:sp>
+        <p:nvSpPr>
+          <p:cNvPr id="2" name="Title 1">
+            <a:extLst>
+              <a:ext uri="{FF2B5EF4-FFF2-40B4-BE49-F238E27FC236}">
+                <a16:creationId xmlns:a16="http://schemas.microsoft.com/office/drawing/2014/main" id="{BADC52AC-57CB-4192-872F-0792D0CF119A}"/>
+              </a:ext>
+            </a:extLst>
+          </p:cNvPr>
+          <p:cNvSpPr>
+            <a:spLocks noGrp="1"/>
+          </p:cNvSpPr>
+          <p:nvPr>
+            <p:ph type="title"/>
+          </p:nvPr>
+        </p:nvSpPr>
+        <p:spPr/>
+        <p:txBody>
+          <a:bodyPr/>
+          <a:lstStyle/>
+          <a:p>
+            <a:r>
+              <a:rPr lang="pt-BR" dirty="0"/>
+              <a:t>CSTA</a:t>
+            </a:r>
+          </a:p>
+        </p:txBody>
+      </p:sp>
+      <p:sp>
+        <p:nvSpPr>
+          <p:cNvPr id="3" name="TextBox 2">
+            <a:extLst>
+              <a:ext uri="{FF2B5EF4-FFF2-40B4-BE49-F238E27FC236}">
+                <a16:creationId xmlns:a16="http://schemas.microsoft.com/office/drawing/2014/main" id="{DDFB070A-D0FD-40F3-9F18-82EB481C4E49}"/>
+              </a:ext>
+            </a:extLst>
+          </p:cNvPr>
+          <p:cNvSpPr txBox="1"/>
+          <p:nvPr/>
+        </p:nvSpPr>
+        <p:spPr>
+          <a:xfrm>
+            <a:off x="421716" y="1951672"/>
+            <a:ext cx="1351128" cy="707886"/>
+          </a:xfrm>
+          <a:prstGeom prst="rect">
+            <a:avLst/>
+          </a:prstGeom>
+          <a:noFill/>
+        </p:spPr>
+        <p:txBody>
+          <a:bodyPr wrap="square" rtlCol="0">
+            <a:spAutoFit/>
+          </a:bodyPr>
+          <a:lstStyle/>
+          <a:p>
+            <a:r>
+              <a:rPr lang="pt-BR" sz="2000" dirty="0"/>
+              <a:t>META:</a:t>
+            </a:r>
+          </a:p>
+          <a:p>
+            <a:r>
+              <a:rPr lang="pt-BR" sz="2000" dirty="0"/>
+              <a:t>7,31 Dias</a:t>
+            </a:r>
+          </a:p>
+        </p:txBody>
+      </p:sp>
+      <p:pic>
+        <p:nvPicPr>
+          <p:cNvPr id="7" name="Picture 6">
+            <a:extLst>
+              <a:ext uri="{FF2B5EF4-FFF2-40B4-BE49-F238E27FC236}">
+                <a16:creationId xmlns:a16="http://schemas.microsoft.com/office/drawing/2014/main" id="{0D9EB8C8-BE27-4365-A968-D58C078CE593}"/>
+              </a:ext>
+            </a:extLst>
+          </p:cNvPr>
+          <p:cNvPicPr>
+            <a:picLocks noChangeAspect="1"/>
+          </p:cNvPicPr>
+          <p:nvPr/>
+        </p:nvPicPr>
+        <p:blipFill>
+          <a:blip r:embed="rId2"/>
+          <a:stretch>
+            <a:fillRect/>
+          </a:stretch>
+        </p:blipFill>
+        <p:spPr>
+          <a:xfrm>
+            <a:off x="2346051" y="1737360"/>
+            <a:ext cx="6938664" cy="4644014"/>
+          </a:xfrm>
+          <a:prstGeom prst="rect">
+            <a:avLst/>
+          </a:prstGeom>
+        </p:spPr>
+      </p:pic>
+    </p:spTree>
+    <p:extLst>
+      <p:ext uri="{BB962C8B-B14F-4D97-AF65-F5344CB8AC3E}">
+        <p14:creationId xmlns:p14="http://schemas.microsoft.com/office/powerpoint/2010/main" val="2734478045"/>
+      </p:ext>
+    </p:extLst>
+  </p:cSld>
+  <p:clrMapOvr>
+    <a:masterClrMapping/>
+  </p:clrMapOvr>
+</p:sld>
+</file>
+
+<file path=ppt/slides/slide14.xml><?xml version="1.0" encoding="utf-8"?>
+<p:sld xmlns:a="http://schemas.openxmlformats.org/drawingml/2006/main" xmlns:r="http://schemas.openxmlformats.org/officeDocument/2006/relationships" xmlns:p="http://schemas.openxmlformats.org/presentationml/2006/main">
+  <p:cSld>
+    <p:spTree>
+      <p:nvGrpSpPr>
+        <p:cNvPr id="1" name=""/>
+        <p:cNvGrpSpPr/>
+        <p:nvPr/>
+      </p:nvGrpSpPr>
+      <p:grpSpPr>
+        <a:xfrm>
+          <a:off x="0" y="0"/>
+          <a:ext cx="0" cy="0"/>
+          <a:chOff x="0" y="0"/>
+          <a:chExt cx="0" cy="0"/>
+        </a:xfrm>
+      </p:grpSpPr>
+      <p:sp>
+        <p:nvSpPr>
+          <p:cNvPr id="2" name="Title 1">
+            <a:extLst>
+              <a:ext uri="{FF2B5EF4-FFF2-40B4-BE49-F238E27FC236}">
+                <a16:creationId xmlns:a16="http://schemas.microsoft.com/office/drawing/2014/main" id="{BADC52AC-57CB-4192-872F-0792D0CF119A}"/>
+              </a:ext>
+            </a:extLst>
+          </p:cNvPr>
+          <p:cNvSpPr>
+            <a:spLocks noGrp="1"/>
+          </p:cNvSpPr>
+          <p:nvPr>
+            <p:ph type="title"/>
+          </p:nvPr>
+        </p:nvSpPr>
+        <p:spPr/>
+        <p:txBody>
+          <a:bodyPr/>
+          <a:lstStyle/>
+          <a:p>
+            <a:r>
+              <a:rPr lang="pt-BR" dirty="0"/>
+              <a:t>Detalhamento dos pontos-fora dos limites</a:t>
+            </a:r>
+          </a:p>
+        </p:txBody>
+      </p:sp>
+      <p:sp>
+        <p:nvSpPr>
+          <p:cNvPr id="3" name="TextBox 2">
+            <a:extLst>
+              <a:ext uri="{FF2B5EF4-FFF2-40B4-BE49-F238E27FC236}">
+                <a16:creationId xmlns:a16="http://schemas.microsoft.com/office/drawing/2014/main" id="{DDFB070A-D0FD-40F3-9F18-82EB481C4E49}"/>
+              </a:ext>
+            </a:extLst>
+          </p:cNvPr>
+          <p:cNvSpPr txBox="1"/>
+          <p:nvPr/>
+        </p:nvSpPr>
+        <p:spPr>
+          <a:xfrm>
+            <a:off x="421716" y="1885412"/>
+            <a:ext cx="1351128" cy="707886"/>
+          </a:xfrm>
+          <a:prstGeom prst="rect">
+            <a:avLst/>
+          </a:prstGeom>
+          <a:noFill/>
+        </p:spPr>
+        <p:txBody>
+          <a:bodyPr wrap="square" rtlCol="0">
+            <a:spAutoFit/>
+          </a:bodyPr>
+          <a:lstStyle/>
+          <a:p>
+            <a:r>
+              <a:rPr lang="pt-BR" sz="2000" dirty="0"/>
+              <a:t>META:</a:t>
+            </a:r>
+          </a:p>
+          <a:p>
+            <a:r>
+              <a:rPr lang="pt-BR" sz="2000" dirty="0"/>
+              <a:t>7,31 Dias</a:t>
+            </a:r>
+          </a:p>
+        </p:txBody>
+      </p:sp>
+      <p:pic>
+        <p:nvPicPr>
+          <p:cNvPr id="5" name="Picture 4" descr="Screen Clipping">
+            <a:extLst>
+              <a:ext uri="{FF2B5EF4-FFF2-40B4-BE49-F238E27FC236}">
+                <a16:creationId xmlns:a16="http://schemas.microsoft.com/office/drawing/2014/main" id="{87A72D3D-ABE0-484B-ACD3-9B5E8999C606}"/>
+              </a:ext>
+            </a:extLst>
+          </p:cNvPr>
+          <p:cNvPicPr>
+            <a:picLocks noChangeAspect="1"/>
+          </p:cNvPicPr>
+          <p:nvPr/>
+        </p:nvPicPr>
+        <p:blipFill>
+          <a:blip r:embed="rId2"/>
+          <a:stretch>
+            <a:fillRect/>
+          </a:stretch>
+        </p:blipFill>
+        <p:spPr>
+          <a:xfrm>
+            <a:off x="861875" y="2658980"/>
+            <a:ext cx="8326012" cy="933580"/>
+          </a:xfrm>
+          <a:prstGeom prst="rect">
+            <a:avLst/>
+          </a:prstGeom>
+        </p:spPr>
+      </p:pic>
+      <p:pic>
+        <p:nvPicPr>
+          <p:cNvPr id="8" name="Picture 7" descr="Screen Clipping">
+            <a:extLst>
+              <a:ext uri="{FF2B5EF4-FFF2-40B4-BE49-F238E27FC236}">
+                <a16:creationId xmlns:a16="http://schemas.microsoft.com/office/drawing/2014/main" id="{2CA5BB5B-317F-4A84-BE5A-CDFF2CE29D55}"/>
+              </a:ext>
+            </a:extLst>
+          </p:cNvPr>
+          <p:cNvPicPr>
+            <a:picLocks noChangeAspect="1"/>
+          </p:cNvPicPr>
+          <p:nvPr/>
+        </p:nvPicPr>
+        <p:blipFill>
+          <a:blip r:embed="rId3"/>
+          <a:stretch>
+            <a:fillRect/>
+          </a:stretch>
+        </p:blipFill>
+        <p:spPr>
+          <a:xfrm>
+            <a:off x="852349" y="3765124"/>
+            <a:ext cx="8335538" cy="266737"/>
+          </a:xfrm>
+          <a:prstGeom prst="rect">
+            <a:avLst/>
+          </a:prstGeom>
+        </p:spPr>
+      </p:pic>
+      <p:pic>
+        <p:nvPicPr>
+          <p:cNvPr id="10" name="Picture 9" descr="Screen Clipping">
+            <a:extLst>
+              <a:ext uri="{FF2B5EF4-FFF2-40B4-BE49-F238E27FC236}">
+                <a16:creationId xmlns:a16="http://schemas.microsoft.com/office/drawing/2014/main" id="{8C265B5D-48AF-45E1-AA45-6F4D6D463772}"/>
+              </a:ext>
+            </a:extLst>
+          </p:cNvPr>
+          <p:cNvPicPr>
+            <a:picLocks noChangeAspect="1"/>
+          </p:cNvPicPr>
+          <p:nvPr/>
+        </p:nvPicPr>
+        <p:blipFill>
+          <a:blip r:embed="rId4"/>
+          <a:stretch>
+            <a:fillRect/>
+          </a:stretch>
+        </p:blipFill>
+        <p:spPr>
+          <a:xfrm>
+            <a:off x="852349" y="4140919"/>
+            <a:ext cx="8221222" cy="238158"/>
+          </a:xfrm>
+          <a:prstGeom prst="rect">
+            <a:avLst/>
+          </a:prstGeom>
+        </p:spPr>
+      </p:pic>
+      <p:pic>
+        <p:nvPicPr>
+          <p:cNvPr id="12" name="Picture 11" descr="Screen Clipping">
+            <a:extLst>
+              <a:ext uri="{FF2B5EF4-FFF2-40B4-BE49-F238E27FC236}">
+                <a16:creationId xmlns:a16="http://schemas.microsoft.com/office/drawing/2014/main" id="{6C6C4AC4-3DE7-4548-ADC1-9FF9BE87037D}"/>
+              </a:ext>
+            </a:extLst>
+          </p:cNvPr>
+          <p:cNvPicPr>
+            <a:picLocks noChangeAspect="1"/>
+          </p:cNvPicPr>
+          <p:nvPr/>
+        </p:nvPicPr>
+        <p:blipFill>
+          <a:blip r:embed="rId5"/>
+          <a:stretch>
+            <a:fillRect/>
+          </a:stretch>
+        </p:blipFill>
+        <p:spPr>
+          <a:xfrm>
+            <a:off x="852349" y="4477787"/>
+            <a:ext cx="8326012" cy="333422"/>
+          </a:xfrm>
+          <a:prstGeom prst="rect">
+            <a:avLst/>
+          </a:prstGeom>
+        </p:spPr>
+      </p:pic>
+      <p:pic>
+        <p:nvPicPr>
+          <p:cNvPr id="14" name="Picture 13" descr="Screen Clipping">
+            <a:extLst>
+              <a:ext uri="{FF2B5EF4-FFF2-40B4-BE49-F238E27FC236}">
+                <a16:creationId xmlns:a16="http://schemas.microsoft.com/office/drawing/2014/main" id="{C1FB1112-2F2E-4A44-955D-BF507CA027EA}"/>
+              </a:ext>
+            </a:extLst>
+          </p:cNvPr>
+          <p:cNvPicPr>
+            <a:picLocks noChangeAspect="1"/>
+          </p:cNvPicPr>
+          <p:nvPr/>
+        </p:nvPicPr>
+        <p:blipFill>
+          <a:blip r:embed="rId6"/>
+          <a:stretch>
+            <a:fillRect/>
+          </a:stretch>
+        </p:blipFill>
+        <p:spPr>
+          <a:xfrm>
+            <a:off x="861875" y="4872186"/>
+            <a:ext cx="8326012" cy="1190791"/>
+          </a:xfrm>
+          <a:prstGeom prst="rect">
+            <a:avLst/>
+          </a:prstGeom>
+        </p:spPr>
+      </p:pic>
+    </p:spTree>
+    <p:extLst>
+      <p:ext uri="{BB962C8B-B14F-4D97-AF65-F5344CB8AC3E}">
+        <p14:creationId xmlns:p14="http://schemas.microsoft.com/office/powerpoint/2010/main" val="781040077"/>
+      </p:ext>
+    </p:extLst>
+  </p:cSld>
+  <p:clrMapOvr>
+    <a:masterClrMapping/>
+  </p:clrMapOvr>
+</p:sld>
+</file>
+
+<file path=ppt/slides/slide15.xml><?xml version="1.0" encoding="utf-8"?>
+<p:sld xmlns:a="http://schemas.openxmlformats.org/drawingml/2006/main" xmlns:r="http://schemas.openxmlformats.org/officeDocument/2006/relationships" xmlns:p="http://schemas.openxmlformats.org/presentationml/2006/main">
+  <p:cSld>
+    <p:spTree>
+      <p:nvGrpSpPr>
+        <p:cNvPr id="1" name=""/>
+        <p:cNvGrpSpPr/>
+        <p:nvPr/>
+      </p:nvGrpSpPr>
+      <p:grpSpPr>
+        <a:xfrm>
+          <a:off x="0" y="0"/>
+          <a:ext cx="0" cy="0"/>
+          <a:chOff x="0" y="0"/>
+          <a:chExt cx="0" cy="0"/>
+        </a:xfrm>
+      </p:grpSpPr>
+      <p:sp>
+        <p:nvSpPr>
+          <p:cNvPr id="2" name="Title 1">
+            <a:extLst>
+              <a:ext uri="{FF2B5EF4-FFF2-40B4-BE49-F238E27FC236}">
+                <a16:creationId xmlns:a16="http://schemas.microsoft.com/office/drawing/2014/main" id="{BADC52AC-57CB-4192-872F-0792D0CF119A}"/>
+              </a:ext>
+            </a:extLst>
+          </p:cNvPr>
+          <p:cNvSpPr>
+            <a:spLocks noGrp="1"/>
+          </p:cNvSpPr>
+          <p:nvPr>
+            <p:ph type="title"/>
+          </p:nvPr>
+        </p:nvSpPr>
+        <p:spPr/>
+        <p:txBody>
+          <a:bodyPr/>
+          <a:lstStyle/>
+          <a:p>
+            <a:r>
+              <a:rPr lang="pt-BR" dirty="0"/>
+              <a:t>ST</a:t>
+            </a:r>
+          </a:p>
+        </p:txBody>
+      </p:sp>
+      <p:sp>
+        <p:nvSpPr>
+          <p:cNvPr id="3" name="TextBox 2">
+            <a:extLst>
+              <a:ext uri="{FF2B5EF4-FFF2-40B4-BE49-F238E27FC236}">
+                <a16:creationId xmlns:a16="http://schemas.microsoft.com/office/drawing/2014/main" id="{DDFB070A-D0FD-40F3-9F18-82EB481C4E49}"/>
+              </a:ext>
+            </a:extLst>
+          </p:cNvPr>
+          <p:cNvSpPr txBox="1"/>
+          <p:nvPr/>
+        </p:nvSpPr>
+        <p:spPr>
+          <a:xfrm>
+            <a:off x="421716" y="1951672"/>
+            <a:ext cx="1351128" cy="707886"/>
+          </a:xfrm>
+          <a:prstGeom prst="rect">
+            <a:avLst/>
+          </a:prstGeom>
+          <a:noFill/>
+        </p:spPr>
+        <p:txBody>
+          <a:bodyPr wrap="square" rtlCol="0">
+            <a:spAutoFit/>
+          </a:bodyPr>
+          <a:lstStyle/>
+          <a:p>
+            <a:r>
+              <a:rPr lang="pt-BR" sz="2000" dirty="0"/>
+              <a:t>META:</a:t>
+            </a:r>
+          </a:p>
+          <a:p>
+            <a:r>
+              <a:rPr lang="pt-BR" sz="2000" dirty="0"/>
+              <a:t>3,10 Dias</a:t>
+            </a:r>
+          </a:p>
+        </p:txBody>
+      </p:sp>
+      <p:pic>
+        <p:nvPicPr>
+          <p:cNvPr id="6" name="Picture 5">
+            <a:extLst>
+              <a:ext uri="{FF2B5EF4-FFF2-40B4-BE49-F238E27FC236}">
+                <a16:creationId xmlns:a16="http://schemas.microsoft.com/office/drawing/2014/main" id="{D2FE4F16-B6BE-41EB-A9F9-47EE71DDB11A}"/>
+              </a:ext>
+            </a:extLst>
+          </p:cNvPr>
+          <p:cNvPicPr>
+            <a:picLocks noChangeAspect="1"/>
+          </p:cNvPicPr>
+          <p:nvPr/>
+        </p:nvPicPr>
+        <p:blipFill>
+          <a:blip r:embed="rId2"/>
+          <a:stretch>
+            <a:fillRect/>
+          </a:stretch>
+        </p:blipFill>
+        <p:spPr>
+          <a:xfrm>
+            <a:off x="524640" y="2812315"/>
+            <a:ext cx="5231017" cy="3501094"/>
+          </a:xfrm>
+          <a:prstGeom prst="rect">
+            <a:avLst/>
+          </a:prstGeom>
+        </p:spPr>
+      </p:pic>
+      <p:pic>
+        <p:nvPicPr>
+          <p:cNvPr id="8" name="Picture 7">
+            <a:extLst>
+              <a:ext uri="{FF2B5EF4-FFF2-40B4-BE49-F238E27FC236}">
+                <a16:creationId xmlns:a16="http://schemas.microsoft.com/office/drawing/2014/main" id="{3744CB26-A353-4BB1-B8E5-F0D61C306690}"/>
+              </a:ext>
+            </a:extLst>
+          </p:cNvPr>
+          <p:cNvPicPr>
+            <a:picLocks noChangeAspect="1"/>
+          </p:cNvPicPr>
+          <p:nvPr/>
+        </p:nvPicPr>
+        <p:blipFill>
+          <a:blip r:embed="rId3"/>
+          <a:stretch>
+            <a:fillRect/>
+          </a:stretch>
+        </p:blipFill>
+        <p:spPr>
+          <a:xfrm>
+            <a:off x="5924663" y="2812315"/>
+            <a:ext cx="5231017" cy="3501094"/>
+          </a:xfrm>
+          <a:prstGeom prst="rect">
+            <a:avLst/>
+          </a:prstGeom>
+        </p:spPr>
+      </p:pic>
+    </p:spTree>
+    <p:extLst>
+      <p:ext uri="{BB962C8B-B14F-4D97-AF65-F5344CB8AC3E}">
+        <p14:creationId xmlns:p14="http://schemas.microsoft.com/office/powerpoint/2010/main" val="2406898303"/>
+      </p:ext>
+    </p:extLst>
+  </p:cSld>
+  <p:clrMapOvr>
+    <a:masterClrMapping/>
+  </p:clrMapOvr>
+</p:sld>
+</file>
+
+<file path=ppt/slides/slide16.xml><?xml version="1.0" encoding="utf-8"?>
+<p:sld xmlns:a="http://schemas.openxmlformats.org/drawingml/2006/main" xmlns:r="http://schemas.openxmlformats.org/officeDocument/2006/relationships" xmlns:p="http://schemas.openxmlformats.org/presentationml/2006/main">
+  <p:cSld>
+    <p:spTree>
+      <p:nvGrpSpPr>
+        <p:cNvPr id="1" name=""/>
+        <p:cNvGrpSpPr/>
+        <p:nvPr/>
+      </p:nvGrpSpPr>
+      <p:grpSpPr>
+        <a:xfrm>
+          <a:off x="0" y="0"/>
+          <a:ext cx="0" cy="0"/>
+          <a:chOff x="0" y="0"/>
+          <a:chExt cx="0" cy="0"/>
+        </a:xfrm>
+      </p:grpSpPr>
+      <p:sp>
+        <p:nvSpPr>
+          <p:cNvPr id="2" name="Title 1">
+            <a:extLst>
+              <a:ext uri="{FF2B5EF4-FFF2-40B4-BE49-F238E27FC236}">
+                <a16:creationId xmlns:a16="http://schemas.microsoft.com/office/drawing/2014/main" id="{BADC52AC-57CB-4192-872F-0792D0CF119A}"/>
+              </a:ext>
+            </a:extLst>
+          </p:cNvPr>
+          <p:cNvSpPr>
+            <a:spLocks noGrp="1"/>
+          </p:cNvSpPr>
+          <p:nvPr>
+            <p:ph type="title"/>
+          </p:nvPr>
+        </p:nvSpPr>
+        <p:spPr/>
+        <p:txBody>
+          <a:bodyPr/>
+          <a:lstStyle/>
+          <a:p>
+            <a:r>
+              <a:rPr lang="pt-BR" dirty="0"/>
+              <a:t>ST</a:t>
+            </a:r>
+          </a:p>
+        </p:txBody>
+      </p:sp>
+      <p:sp>
+        <p:nvSpPr>
+          <p:cNvPr id="3" name="TextBox 2">
+            <a:extLst>
+              <a:ext uri="{FF2B5EF4-FFF2-40B4-BE49-F238E27FC236}">
+                <a16:creationId xmlns:a16="http://schemas.microsoft.com/office/drawing/2014/main" id="{DDFB070A-D0FD-40F3-9F18-82EB481C4E49}"/>
+              </a:ext>
+            </a:extLst>
+          </p:cNvPr>
+          <p:cNvSpPr txBox="1"/>
+          <p:nvPr/>
+        </p:nvSpPr>
+        <p:spPr>
+          <a:xfrm>
+            <a:off x="421716" y="1951672"/>
+            <a:ext cx="1351128" cy="707886"/>
+          </a:xfrm>
+          <a:prstGeom prst="rect">
+            <a:avLst/>
+          </a:prstGeom>
+          <a:noFill/>
+        </p:spPr>
+        <p:txBody>
+          <a:bodyPr wrap="square" rtlCol="0">
+            <a:spAutoFit/>
+          </a:bodyPr>
+          <a:lstStyle/>
+          <a:p>
+            <a:r>
+              <a:rPr lang="pt-BR" sz="2000" dirty="0"/>
+              <a:t>META:</a:t>
+            </a:r>
+          </a:p>
+          <a:p>
+            <a:r>
+              <a:rPr lang="pt-BR" sz="2000" dirty="0"/>
+              <a:t>3,10 Dias</a:t>
+            </a:r>
+          </a:p>
+        </p:txBody>
+      </p:sp>
+      <p:pic>
+        <p:nvPicPr>
+          <p:cNvPr id="9" name="Picture 8">
+            <a:extLst>
+              <a:ext uri="{FF2B5EF4-FFF2-40B4-BE49-F238E27FC236}">
+                <a16:creationId xmlns:a16="http://schemas.microsoft.com/office/drawing/2014/main" id="{60A2BBC3-C6F2-423A-8F2B-0D38E39641ED}"/>
+              </a:ext>
+            </a:extLst>
+          </p:cNvPr>
+          <p:cNvPicPr>
+            <a:picLocks noChangeAspect="1"/>
+          </p:cNvPicPr>
+          <p:nvPr/>
+        </p:nvPicPr>
+        <p:blipFill>
+          <a:blip r:embed="rId2"/>
+          <a:stretch>
+            <a:fillRect/>
+          </a:stretch>
+        </p:blipFill>
+        <p:spPr>
+          <a:xfrm>
+            <a:off x="2291882" y="1951672"/>
+            <a:ext cx="6579116" cy="4403370"/>
+          </a:xfrm>
+          <a:prstGeom prst="rect">
+            <a:avLst/>
+          </a:prstGeom>
+        </p:spPr>
+      </p:pic>
+    </p:spTree>
+    <p:extLst>
+      <p:ext uri="{BB962C8B-B14F-4D97-AF65-F5344CB8AC3E}">
+        <p14:creationId xmlns:p14="http://schemas.microsoft.com/office/powerpoint/2010/main" val="3658033880"/>
+      </p:ext>
+    </p:extLst>
+  </p:cSld>
+  <p:clrMapOvr>
+    <a:masterClrMapping/>
+  </p:clrMapOvr>
+</p:sld>
+</file>
+
+<file path=ppt/slides/slide17.xml><?xml version="1.0" encoding="utf-8"?>
+<p:sld xmlns:a="http://schemas.openxmlformats.org/drawingml/2006/main" xmlns:r="http://schemas.openxmlformats.org/officeDocument/2006/relationships" xmlns:p="http://schemas.openxmlformats.org/presentationml/2006/main">
+  <p:cSld>
+    <p:spTree>
+      <p:nvGrpSpPr>
+        <p:cNvPr id="1" name=""/>
+        <p:cNvGrpSpPr/>
+        <p:nvPr/>
+      </p:nvGrpSpPr>
+      <p:grpSpPr>
+        <a:xfrm>
+          <a:off x="0" y="0"/>
+          <a:ext cx="0" cy="0"/>
+          <a:chOff x="0" y="0"/>
+          <a:chExt cx="0" cy="0"/>
+        </a:xfrm>
+      </p:grpSpPr>
+      <p:sp>
+        <p:nvSpPr>
+          <p:cNvPr id="2" name="Title 1">
+            <a:extLst>
+              <a:ext uri="{FF2B5EF4-FFF2-40B4-BE49-F238E27FC236}">
+                <a16:creationId xmlns:a16="http://schemas.microsoft.com/office/drawing/2014/main" id="{BADC52AC-57CB-4192-872F-0792D0CF119A}"/>
+              </a:ext>
+            </a:extLst>
+          </p:cNvPr>
+          <p:cNvSpPr>
+            <a:spLocks noGrp="1"/>
+          </p:cNvSpPr>
+          <p:nvPr>
+            <p:ph type="title"/>
+          </p:nvPr>
+        </p:nvSpPr>
+        <p:spPr/>
+        <p:txBody>
+          <a:bodyPr/>
+          <a:lstStyle/>
+          <a:p>
+            <a:r>
+              <a:rPr lang="pt-BR" dirty="0"/>
+              <a:t>ST  Detalhamento dos pontos-fora dos limites</a:t>
+            </a:r>
+          </a:p>
+        </p:txBody>
+      </p:sp>
+      <p:sp>
+        <p:nvSpPr>
+          <p:cNvPr id="3" name="TextBox 2">
+            <a:extLst>
+              <a:ext uri="{FF2B5EF4-FFF2-40B4-BE49-F238E27FC236}">
+                <a16:creationId xmlns:a16="http://schemas.microsoft.com/office/drawing/2014/main" id="{DDFB070A-D0FD-40F3-9F18-82EB481C4E49}"/>
+              </a:ext>
+            </a:extLst>
+          </p:cNvPr>
+          <p:cNvSpPr txBox="1"/>
+          <p:nvPr/>
+        </p:nvSpPr>
+        <p:spPr>
+          <a:xfrm>
+            <a:off x="421716" y="1951672"/>
+            <a:ext cx="1351128" cy="707886"/>
+          </a:xfrm>
+          <a:prstGeom prst="rect">
+            <a:avLst/>
+          </a:prstGeom>
+          <a:noFill/>
+        </p:spPr>
+        <p:txBody>
+          <a:bodyPr wrap="square" rtlCol="0">
+            <a:spAutoFit/>
+          </a:bodyPr>
+          <a:lstStyle/>
+          <a:p>
+            <a:r>
+              <a:rPr lang="pt-BR" sz="2000" dirty="0"/>
+              <a:t>META:</a:t>
+            </a:r>
+          </a:p>
+          <a:p>
+            <a:r>
+              <a:rPr lang="pt-BR" sz="2000" dirty="0"/>
+              <a:t>3,10 Dias</a:t>
+            </a:r>
+          </a:p>
+        </p:txBody>
+      </p:sp>
+      <p:pic>
+        <p:nvPicPr>
+          <p:cNvPr id="6" name="Picture 5" descr="Screen Clipping">
+            <a:extLst>
+              <a:ext uri="{FF2B5EF4-FFF2-40B4-BE49-F238E27FC236}">
+                <a16:creationId xmlns:a16="http://schemas.microsoft.com/office/drawing/2014/main" id="{4DDD5A8C-F501-4C2A-8801-8C8C21ED0223}"/>
+              </a:ext>
+            </a:extLst>
+          </p:cNvPr>
+          <p:cNvPicPr>
+            <a:picLocks noChangeAspect="1"/>
+          </p:cNvPicPr>
+          <p:nvPr/>
+        </p:nvPicPr>
+        <p:blipFill>
+          <a:blip r:embed="rId2"/>
+          <a:stretch>
+            <a:fillRect/>
+          </a:stretch>
+        </p:blipFill>
+        <p:spPr>
+          <a:xfrm>
+            <a:off x="1946544" y="1951672"/>
+            <a:ext cx="9383434" cy="2133898"/>
+          </a:xfrm>
+          <a:prstGeom prst="rect">
+            <a:avLst/>
+          </a:prstGeom>
+        </p:spPr>
+      </p:pic>
+      <p:pic>
+        <p:nvPicPr>
+          <p:cNvPr id="7" name="Picture 6" descr="Screen Clipping">
+            <a:extLst>
+              <a:ext uri="{FF2B5EF4-FFF2-40B4-BE49-F238E27FC236}">
+                <a16:creationId xmlns:a16="http://schemas.microsoft.com/office/drawing/2014/main" id="{27567888-55D8-43BC-B344-FD297D25B80D}"/>
+              </a:ext>
+            </a:extLst>
+          </p:cNvPr>
+          <p:cNvPicPr>
+            <a:picLocks noChangeAspect="1"/>
+          </p:cNvPicPr>
+          <p:nvPr/>
+        </p:nvPicPr>
+        <p:blipFill>
+          <a:blip r:embed="rId3"/>
+          <a:stretch>
+            <a:fillRect/>
+          </a:stretch>
+        </p:blipFill>
+        <p:spPr>
+          <a:xfrm>
+            <a:off x="1946544" y="4299882"/>
+            <a:ext cx="8630854" cy="552527"/>
+          </a:xfrm>
+          <a:prstGeom prst="rect">
+            <a:avLst/>
+          </a:prstGeom>
+        </p:spPr>
+      </p:pic>
+    </p:spTree>
+    <p:extLst>
+      <p:ext uri="{BB962C8B-B14F-4D97-AF65-F5344CB8AC3E}">
+        <p14:creationId xmlns:p14="http://schemas.microsoft.com/office/powerpoint/2010/main" val="100868315"/>
+      </p:ext>
+    </p:extLst>
+  </p:cSld>
+  <p:clrMapOvr>
+    <a:masterClrMapping/>
+  </p:clrMapOvr>
+</p:sld>
+</file>
+
+<file path=ppt/slides/slide18.xml><?xml version="1.0" encoding="utf-8"?>
+<p:sld xmlns:a="http://schemas.openxmlformats.org/drawingml/2006/main" xmlns:r="http://schemas.openxmlformats.org/officeDocument/2006/relationships" xmlns:p="http://schemas.openxmlformats.org/presentationml/2006/main">
+  <p:cSld>
+    <p:spTree>
+      <p:nvGrpSpPr>
+        <p:cNvPr id="1" name=""/>
+        <p:cNvGrpSpPr/>
+        <p:nvPr/>
+      </p:nvGrpSpPr>
+      <p:grpSpPr>
+        <a:xfrm>
+          <a:off x="0" y="0"/>
+          <a:ext cx="0" cy="0"/>
+          <a:chOff x="0" y="0"/>
+          <a:chExt cx="0" cy="0"/>
+        </a:xfrm>
+      </p:grpSpPr>
+      <p:sp>
+        <p:nvSpPr>
+          <p:cNvPr id="2" name="Title 1">
+            <a:extLst>
+              <a:ext uri="{FF2B5EF4-FFF2-40B4-BE49-F238E27FC236}">
+                <a16:creationId xmlns:a16="http://schemas.microsoft.com/office/drawing/2014/main" id="{BADC52AC-57CB-4192-872F-0792D0CF119A}"/>
+              </a:ext>
+            </a:extLst>
+          </p:cNvPr>
+          <p:cNvSpPr>
+            <a:spLocks noGrp="1"/>
+          </p:cNvSpPr>
+          <p:nvPr>
+            <p:ph type="title"/>
+          </p:nvPr>
+        </p:nvSpPr>
+        <p:spPr/>
+        <p:txBody>
+          <a:bodyPr/>
+          <a:lstStyle/>
+          <a:p>
+            <a:r>
+              <a:rPr lang="pt-BR" dirty="0"/>
+              <a:t>SESEG</a:t>
+            </a:r>
+          </a:p>
+        </p:txBody>
+      </p:sp>
+      <p:sp>
+        <p:nvSpPr>
+          <p:cNvPr id="3" name="TextBox 2">
+            <a:extLst>
+              <a:ext uri="{FF2B5EF4-FFF2-40B4-BE49-F238E27FC236}">
+                <a16:creationId xmlns:a16="http://schemas.microsoft.com/office/drawing/2014/main" id="{DDFB070A-D0FD-40F3-9F18-82EB481C4E49}"/>
+              </a:ext>
+            </a:extLst>
+          </p:cNvPr>
+          <p:cNvSpPr txBox="1"/>
+          <p:nvPr/>
+        </p:nvSpPr>
+        <p:spPr>
+          <a:xfrm>
+            <a:off x="421716" y="1819152"/>
+            <a:ext cx="1351128" cy="707886"/>
+          </a:xfrm>
+          <a:prstGeom prst="rect">
+            <a:avLst/>
+          </a:prstGeom>
+          <a:noFill/>
+        </p:spPr>
+        <p:txBody>
+          <a:bodyPr wrap="square" rtlCol="0">
+            <a:spAutoFit/>
+          </a:bodyPr>
+          <a:lstStyle/>
+          <a:p>
+            <a:r>
+              <a:rPr lang="pt-BR" sz="2000" dirty="0"/>
+              <a:t>META:</a:t>
+            </a:r>
+          </a:p>
+          <a:p>
+            <a:r>
+              <a:rPr lang="pt-BR" sz="2000" dirty="0"/>
+              <a:t> 8,88 Dias</a:t>
+            </a:r>
+          </a:p>
+        </p:txBody>
+      </p:sp>
+      <p:pic>
+        <p:nvPicPr>
+          <p:cNvPr id="6" name="Picture 5">
+            <a:extLst>
+              <a:ext uri="{FF2B5EF4-FFF2-40B4-BE49-F238E27FC236}">
+                <a16:creationId xmlns:a16="http://schemas.microsoft.com/office/drawing/2014/main" id="{C2681076-2F48-4911-B3F5-A365FDD1AE3B}"/>
+              </a:ext>
+            </a:extLst>
+          </p:cNvPr>
+          <p:cNvPicPr>
+            <a:picLocks noChangeAspect="1"/>
+          </p:cNvPicPr>
+          <p:nvPr/>
+        </p:nvPicPr>
+        <p:blipFill>
+          <a:blip r:embed="rId2"/>
+          <a:stretch>
+            <a:fillRect/>
+          </a:stretch>
+        </p:blipFill>
+        <p:spPr>
+          <a:xfrm>
+            <a:off x="567170" y="2598003"/>
+            <a:ext cx="5231017" cy="3501094"/>
+          </a:xfrm>
+          <a:prstGeom prst="rect">
+            <a:avLst/>
+          </a:prstGeom>
+        </p:spPr>
+      </p:pic>
+      <p:pic>
+        <p:nvPicPr>
+          <p:cNvPr id="7" name="Picture 6">
+            <a:extLst>
+              <a:ext uri="{FF2B5EF4-FFF2-40B4-BE49-F238E27FC236}">
+                <a16:creationId xmlns:a16="http://schemas.microsoft.com/office/drawing/2014/main" id="{9FADDA66-006D-445A-AC8A-80E594AE769B}"/>
+              </a:ext>
+            </a:extLst>
+          </p:cNvPr>
+          <p:cNvPicPr>
+            <a:picLocks noChangeAspect="1"/>
+          </p:cNvPicPr>
+          <p:nvPr/>
+        </p:nvPicPr>
+        <p:blipFill>
+          <a:blip r:embed="rId3"/>
+          <a:stretch>
+            <a:fillRect/>
+          </a:stretch>
+        </p:blipFill>
+        <p:spPr>
+          <a:xfrm>
+            <a:off x="6126480" y="2598003"/>
+            <a:ext cx="5231017" cy="3501094"/>
+          </a:xfrm>
+          <a:prstGeom prst="rect">
+            <a:avLst/>
+          </a:prstGeom>
+        </p:spPr>
+      </p:pic>
+    </p:spTree>
+    <p:extLst>
+      <p:ext uri="{BB962C8B-B14F-4D97-AF65-F5344CB8AC3E}">
+        <p14:creationId xmlns:p14="http://schemas.microsoft.com/office/powerpoint/2010/main" val="1693170418"/>
+      </p:ext>
+    </p:extLst>
+  </p:cSld>
+  <p:clrMapOvr>
+    <a:masterClrMapping/>
+  </p:clrMapOvr>
+</p:sld>
+</file>
+
+<file path=ppt/slides/slide19.xml><?xml version="1.0" encoding="utf-8"?>
+<p:sld xmlns:a="http://schemas.openxmlformats.org/drawingml/2006/main" xmlns:r="http://schemas.openxmlformats.org/officeDocument/2006/relationships" xmlns:p="http://schemas.openxmlformats.org/presentationml/2006/main">
+  <p:cSld>
+    <p:spTree>
+      <p:nvGrpSpPr>
+        <p:cNvPr id="1" name=""/>
+        <p:cNvGrpSpPr/>
+        <p:nvPr/>
+      </p:nvGrpSpPr>
+      <p:grpSpPr>
+        <a:xfrm>
+          <a:off x="0" y="0"/>
+          <a:ext cx="0" cy="0"/>
+          <a:chOff x="0" y="0"/>
+          <a:chExt cx="0" cy="0"/>
+        </a:xfrm>
+      </p:grpSpPr>
+      <p:sp>
+        <p:nvSpPr>
+          <p:cNvPr id="2" name="Title 1">
+            <a:extLst>
+              <a:ext uri="{FF2B5EF4-FFF2-40B4-BE49-F238E27FC236}">
+                <a16:creationId xmlns:a16="http://schemas.microsoft.com/office/drawing/2014/main" id="{BADC52AC-57CB-4192-872F-0792D0CF119A}"/>
+              </a:ext>
+            </a:extLst>
+          </p:cNvPr>
+          <p:cNvSpPr>
+            <a:spLocks noGrp="1"/>
+          </p:cNvSpPr>
+          <p:nvPr>
+            <p:ph type="title"/>
+          </p:nvPr>
+        </p:nvSpPr>
+        <p:spPr/>
+        <p:txBody>
+          <a:bodyPr/>
+          <a:lstStyle/>
+          <a:p>
+            <a:r>
+              <a:rPr lang="pt-BR" dirty="0"/>
+              <a:t>SESEG</a:t>
+            </a:r>
+          </a:p>
+        </p:txBody>
+      </p:sp>
+      <p:sp>
+        <p:nvSpPr>
+          <p:cNvPr id="3" name="TextBox 2">
+            <a:extLst>
+              <a:ext uri="{FF2B5EF4-FFF2-40B4-BE49-F238E27FC236}">
+                <a16:creationId xmlns:a16="http://schemas.microsoft.com/office/drawing/2014/main" id="{DDFB070A-D0FD-40F3-9F18-82EB481C4E49}"/>
+              </a:ext>
+            </a:extLst>
+          </p:cNvPr>
+          <p:cNvSpPr txBox="1"/>
+          <p:nvPr/>
+        </p:nvSpPr>
+        <p:spPr>
+          <a:xfrm>
+            <a:off x="421716" y="1951672"/>
+            <a:ext cx="1351128" cy="707886"/>
+          </a:xfrm>
+          <a:prstGeom prst="rect">
+            <a:avLst/>
+          </a:prstGeom>
+          <a:noFill/>
+        </p:spPr>
+        <p:txBody>
+          <a:bodyPr wrap="square" rtlCol="0">
+            <a:spAutoFit/>
+          </a:bodyPr>
+          <a:lstStyle/>
+          <a:p>
+            <a:r>
+              <a:rPr lang="pt-BR" sz="2000" dirty="0"/>
+              <a:t>META:</a:t>
+            </a:r>
+          </a:p>
+          <a:p>
+            <a:r>
+              <a:rPr lang="pt-BR" sz="2000" dirty="0"/>
+              <a:t> 8,88 Dias</a:t>
+            </a:r>
+          </a:p>
+        </p:txBody>
+      </p:sp>
+      <p:pic>
+        <p:nvPicPr>
+          <p:cNvPr id="4" name="Picture 3">
+            <a:extLst>
+              <a:ext uri="{FF2B5EF4-FFF2-40B4-BE49-F238E27FC236}">
+                <a16:creationId xmlns:a16="http://schemas.microsoft.com/office/drawing/2014/main" id="{21AF1701-58C6-4312-997C-9B6F1F20B287}"/>
+              </a:ext>
+            </a:extLst>
+          </p:cNvPr>
+          <p:cNvPicPr>
+            <a:picLocks noChangeAspect="1"/>
+          </p:cNvPicPr>
+          <p:nvPr/>
+        </p:nvPicPr>
+        <p:blipFill>
+          <a:blip r:embed="rId2"/>
+          <a:stretch>
+            <a:fillRect/>
+          </a:stretch>
+        </p:blipFill>
+        <p:spPr>
+          <a:xfrm>
+            <a:off x="2638003" y="1869838"/>
+            <a:ext cx="6722092" cy="4499063"/>
+          </a:xfrm>
+          <a:prstGeom prst="rect">
+            <a:avLst/>
+          </a:prstGeom>
+        </p:spPr>
+      </p:pic>
+    </p:spTree>
+    <p:extLst>
+      <p:ext uri="{BB962C8B-B14F-4D97-AF65-F5344CB8AC3E}">
+        <p14:creationId xmlns:p14="http://schemas.microsoft.com/office/powerpoint/2010/main" val="2491815973"/>
       </p:ext>
     </p:extLst>
   </p:cSld>
@@ -4381,6 +5950,1119 @@
 </p:sld>
 </file>
 
+<file path=ppt/slides/slide20.xml><?xml version="1.0" encoding="utf-8"?>
+<p:sld xmlns:a="http://schemas.openxmlformats.org/drawingml/2006/main" xmlns:r="http://schemas.openxmlformats.org/officeDocument/2006/relationships" xmlns:p="http://schemas.openxmlformats.org/presentationml/2006/main">
+  <p:cSld>
+    <p:spTree>
+      <p:nvGrpSpPr>
+        <p:cNvPr id="1" name=""/>
+        <p:cNvGrpSpPr/>
+        <p:nvPr/>
+      </p:nvGrpSpPr>
+      <p:grpSpPr>
+        <a:xfrm>
+          <a:off x="0" y="0"/>
+          <a:ext cx="0" cy="0"/>
+          <a:chOff x="0" y="0"/>
+          <a:chExt cx="0" cy="0"/>
+        </a:xfrm>
+      </p:grpSpPr>
+      <p:sp>
+        <p:nvSpPr>
+          <p:cNvPr id="2" name="Title 1">
+            <a:extLst>
+              <a:ext uri="{FF2B5EF4-FFF2-40B4-BE49-F238E27FC236}">
+                <a16:creationId xmlns:a16="http://schemas.microsoft.com/office/drawing/2014/main" id="{BADC52AC-57CB-4192-872F-0792D0CF119A}"/>
+              </a:ext>
+            </a:extLst>
+          </p:cNvPr>
+          <p:cNvSpPr>
+            <a:spLocks noGrp="1"/>
+          </p:cNvSpPr>
+          <p:nvPr>
+            <p:ph type="title"/>
+          </p:nvPr>
+        </p:nvSpPr>
+        <p:spPr/>
+        <p:txBody>
+          <a:bodyPr/>
+          <a:lstStyle/>
+          <a:p>
+            <a:r>
+              <a:rPr lang="pt-BR" dirty="0"/>
+              <a:t>SESEG Detalhamento dos pontos-fora dos limites</a:t>
+            </a:r>
+          </a:p>
+        </p:txBody>
+      </p:sp>
+      <p:sp>
+        <p:nvSpPr>
+          <p:cNvPr id="3" name="TextBox 2">
+            <a:extLst>
+              <a:ext uri="{FF2B5EF4-FFF2-40B4-BE49-F238E27FC236}">
+                <a16:creationId xmlns:a16="http://schemas.microsoft.com/office/drawing/2014/main" id="{DDFB070A-D0FD-40F3-9F18-82EB481C4E49}"/>
+              </a:ext>
+            </a:extLst>
+          </p:cNvPr>
+          <p:cNvSpPr txBox="1"/>
+          <p:nvPr/>
+        </p:nvSpPr>
+        <p:spPr>
+          <a:xfrm>
+            <a:off x="421716" y="1951672"/>
+            <a:ext cx="1318851" cy="707886"/>
+          </a:xfrm>
+          <a:prstGeom prst="rect">
+            <a:avLst/>
+          </a:prstGeom>
+          <a:noFill/>
+        </p:spPr>
+        <p:txBody>
+          <a:bodyPr wrap="square" rtlCol="0">
+            <a:spAutoFit/>
+          </a:bodyPr>
+          <a:lstStyle/>
+          <a:p>
+            <a:r>
+              <a:rPr lang="pt-BR" sz="2000" dirty="0"/>
+              <a:t>META:</a:t>
+            </a:r>
+          </a:p>
+          <a:p>
+            <a:r>
+              <a:rPr lang="pt-BR" sz="2000" dirty="0"/>
+              <a:t> 8,88 Dias</a:t>
+            </a:r>
+          </a:p>
+        </p:txBody>
+      </p:sp>
+      <p:pic>
+        <p:nvPicPr>
+          <p:cNvPr id="6" name="Picture 5" descr="Screen Clipping">
+            <a:extLst>
+              <a:ext uri="{FF2B5EF4-FFF2-40B4-BE49-F238E27FC236}">
+                <a16:creationId xmlns:a16="http://schemas.microsoft.com/office/drawing/2014/main" id="{DB23E6D0-A6DA-4E9A-999C-96A10E5F69C6}"/>
+              </a:ext>
+            </a:extLst>
+          </p:cNvPr>
+          <p:cNvPicPr>
+            <a:picLocks noChangeAspect="1"/>
+          </p:cNvPicPr>
+          <p:nvPr/>
+        </p:nvPicPr>
+        <p:blipFill>
+          <a:blip r:embed="rId2"/>
+          <a:stretch>
+            <a:fillRect/>
+          </a:stretch>
+        </p:blipFill>
+        <p:spPr>
+          <a:xfrm>
+            <a:off x="1801526" y="2493213"/>
+            <a:ext cx="8649907" cy="209579"/>
+          </a:xfrm>
+          <a:prstGeom prst="rect">
+            <a:avLst/>
+          </a:prstGeom>
+        </p:spPr>
+      </p:pic>
+      <p:pic>
+        <p:nvPicPr>
+          <p:cNvPr id="8" name="Picture 7" descr="Screen Clipping">
+            <a:extLst>
+              <a:ext uri="{FF2B5EF4-FFF2-40B4-BE49-F238E27FC236}">
+                <a16:creationId xmlns:a16="http://schemas.microsoft.com/office/drawing/2014/main" id="{08B9A532-4498-4575-9C91-DF8FE0D378AD}"/>
+              </a:ext>
+            </a:extLst>
+          </p:cNvPr>
+          <p:cNvPicPr>
+            <a:picLocks noChangeAspect="1"/>
+          </p:cNvPicPr>
+          <p:nvPr/>
+        </p:nvPicPr>
+        <p:blipFill>
+          <a:blip r:embed="rId3"/>
+          <a:stretch>
+            <a:fillRect/>
+          </a:stretch>
+        </p:blipFill>
+        <p:spPr>
+          <a:xfrm>
+            <a:off x="1772844" y="2980195"/>
+            <a:ext cx="8735644" cy="247685"/>
+          </a:xfrm>
+          <a:prstGeom prst="rect">
+            <a:avLst/>
+          </a:prstGeom>
+        </p:spPr>
+      </p:pic>
+      <p:pic>
+        <p:nvPicPr>
+          <p:cNvPr id="10" name="Picture 9" descr="Screen Clipping">
+            <a:extLst>
+              <a:ext uri="{FF2B5EF4-FFF2-40B4-BE49-F238E27FC236}">
+                <a16:creationId xmlns:a16="http://schemas.microsoft.com/office/drawing/2014/main" id="{A38903AA-E272-48F6-B48F-3E862D9A71FE}"/>
+              </a:ext>
+            </a:extLst>
+          </p:cNvPr>
+          <p:cNvPicPr>
+            <a:picLocks noChangeAspect="1"/>
+          </p:cNvPicPr>
+          <p:nvPr/>
+        </p:nvPicPr>
+        <p:blipFill>
+          <a:blip r:embed="rId4"/>
+          <a:stretch>
+            <a:fillRect/>
+          </a:stretch>
+        </p:blipFill>
+        <p:spPr>
+          <a:xfrm>
+            <a:off x="1742467" y="3429000"/>
+            <a:ext cx="8707065" cy="314369"/>
+          </a:xfrm>
+          <a:prstGeom prst="rect">
+            <a:avLst/>
+          </a:prstGeom>
+        </p:spPr>
+      </p:pic>
+      <p:pic>
+        <p:nvPicPr>
+          <p:cNvPr id="12" name="Picture 11" descr="Screen Clipping">
+            <a:extLst>
+              <a:ext uri="{FF2B5EF4-FFF2-40B4-BE49-F238E27FC236}">
+                <a16:creationId xmlns:a16="http://schemas.microsoft.com/office/drawing/2014/main" id="{DC9DFCB5-B452-405A-821F-1A3FEE90C91F}"/>
+              </a:ext>
+            </a:extLst>
+          </p:cNvPr>
+          <p:cNvPicPr>
+            <a:picLocks noChangeAspect="1"/>
+          </p:cNvPicPr>
+          <p:nvPr/>
+        </p:nvPicPr>
+        <p:blipFill>
+          <a:blip r:embed="rId5"/>
+          <a:stretch>
+            <a:fillRect/>
+          </a:stretch>
+        </p:blipFill>
+        <p:spPr>
+          <a:xfrm>
+            <a:off x="1742467" y="3930395"/>
+            <a:ext cx="8916644" cy="390580"/>
+          </a:xfrm>
+          <a:prstGeom prst="rect">
+            <a:avLst/>
+          </a:prstGeom>
+        </p:spPr>
+      </p:pic>
+      <p:pic>
+        <p:nvPicPr>
+          <p:cNvPr id="14" name="Picture 13" descr="Screen Clipping">
+            <a:extLst>
+              <a:ext uri="{FF2B5EF4-FFF2-40B4-BE49-F238E27FC236}">
+                <a16:creationId xmlns:a16="http://schemas.microsoft.com/office/drawing/2014/main" id="{AD9BD945-E5EA-406D-AC17-BA38E3339881}"/>
+              </a:ext>
+            </a:extLst>
+          </p:cNvPr>
+          <p:cNvPicPr>
+            <a:picLocks noChangeAspect="1"/>
+          </p:cNvPicPr>
+          <p:nvPr/>
+        </p:nvPicPr>
+        <p:blipFill>
+          <a:blip r:embed="rId6"/>
+          <a:stretch>
+            <a:fillRect/>
+          </a:stretch>
+        </p:blipFill>
+        <p:spPr>
+          <a:xfrm>
+            <a:off x="1742467" y="4508001"/>
+            <a:ext cx="8840434" cy="323895"/>
+          </a:xfrm>
+          <a:prstGeom prst="rect">
+            <a:avLst/>
+          </a:prstGeom>
+        </p:spPr>
+      </p:pic>
+      <p:pic>
+        <p:nvPicPr>
+          <p:cNvPr id="16" name="Picture 15" descr="Screen Clipping">
+            <a:extLst>
+              <a:ext uri="{FF2B5EF4-FFF2-40B4-BE49-F238E27FC236}">
+                <a16:creationId xmlns:a16="http://schemas.microsoft.com/office/drawing/2014/main" id="{538D797B-FF8F-4D4B-B6C3-8CF1256526FA}"/>
+              </a:ext>
+            </a:extLst>
+          </p:cNvPr>
+          <p:cNvPicPr>
+            <a:picLocks noChangeAspect="1"/>
+          </p:cNvPicPr>
+          <p:nvPr/>
+        </p:nvPicPr>
+        <p:blipFill>
+          <a:blip r:embed="rId7"/>
+          <a:stretch>
+            <a:fillRect/>
+          </a:stretch>
+        </p:blipFill>
+        <p:spPr>
+          <a:xfrm>
+            <a:off x="1742468" y="5020777"/>
+            <a:ext cx="8916644" cy="790685"/>
+          </a:xfrm>
+          <a:prstGeom prst="rect">
+            <a:avLst/>
+          </a:prstGeom>
+        </p:spPr>
+      </p:pic>
+    </p:spTree>
+    <p:extLst>
+      <p:ext uri="{BB962C8B-B14F-4D97-AF65-F5344CB8AC3E}">
+        <p14:creationId xmlns:p14="http://schemas.microsoft.com/office/powerpoint/2010/main" val="1985005480"/>
+      </p:ext>
+    </p:extLst>
+  </p:cSld>
+  <p:clrMapOvr>
+    <a:masterClrMapping/>
+  </p:clrMapOvr>
+</p:sld>
+</file>
+
+<file path=ppt/slides/slide21.xml><?xml version="1.0" encoding="utf-8"?>
+<p:sld xmlns:a="http://schemas.openxmlformats.org/drawingml/2006/main" xmlns:r="http://schemas.openxmlformats.org/officeDocument/2006/relationships" xmlns:p="http://schemas.openxmlformats.org/presentationml/2006/main">
+  <p:cSld>
+    <p:spTree>
+      <p:nvGrpSpPr>
+        <p:cNvPr id="1" name=""/>
+        <p:cNvGrpSpPr/>
+        <p:nvPr/>
+      </p:nvGrpSpPr>
+      <p:grpSpPr>
+        <a:xfrm>
+          <a:off x="0" y="0"/>
+          <a:ext cx="0" cy="0"/>
+          <a:chOff x="0" y="0"/>
+          <a:chExt cx="0" cy="0"/>
+        </a:xfrm>
+      </p:grpSpPr>
+      <p:sp>
+        <p:nvSpPr>
+          <p:cNvPr id="2" name="Title 1">
+            <a:extLst>
+              <a:ext uri="{FF2B5EF4-FFF2-40B4-BE49-F238E27FC236}">
+                <a16:creationId xmlns:a16="http://schemas.microsoft.com/office/drawing/2014/main" id="{BADC52AC-57CB-4192-872F-0792D0CF119A}"/>
+              </a:ext>
+            </a:extLst>
+          </p:cNvPr>
+          <p:cNvSpPr>
+            <a:spLocks noGrp="1"/>
+          </p:cNvSpPr>
+          <p:nvPr>
+            <p:ph type="title"/>
+          </p:nvPr>
+        </p:nvSpPr>
+        <p:spPr/>
+        <p:txBody>
+          <a:bodyPr/>
+          <a:lstStyle/>
+          <a:p>
+            <a:r>
+              <a:rPr lang="pt-BR" dirty="0"/>
+              <a:t>SAPRE</a:t>
+            </a:r>
+          </a:p>
+        </p:txBody>
+      </p:sp>
+      <p:sp>
+        <p:nvSpPr>
+          <p:cNvPr id="3" name="TextBox 2">
+            <a:extLst>
+              <a:ext uri="{FF2B5EF4-FFF2-40B4-BE49-F238E27FC236}">
+                <a16:creationId xmlns:a16="http://schemas.microsoft.com/office/drawing/2014/main" id="{DDFB070A-D0FD-40F3-9F18-82EB481C4E49}"/>
+              </a:ext>
+            </a:extLst>
+          </p:cNvPr>
+          <p:cNvSpPr txBox="1"/>
+          <p:nvPr/>
+        </p:nvSpPr>
+        <p:spPr>
+          <a:xfrm>
+            <a:off x="421716" y="1819152"/>
+            <a:ext cx="1351128" cy="707886"/>
+          </a:xfrm>
+          <a:prstGeom prst="rect">
+            <a:avLst/>
+          </a:prstGeom>
+          <a:noFill/>
+        </p:spPr>
+        <p:txBody>
+          <a:bodyPr wrap="square" rtlCol="0">
+            <a:spAutoFit/>
+          </a:bodyPr>
+          <a:lstStyle/>
+          <a:p>
+            <a:r>
+              <a:rPr lang="pt-BR" sz="2000" dirty="0"/>
+              <a:t>META:</a:t>
+            </a:r>
+          </a:p>
+          <a:p>
+            <a:r>
+              <a:rPr lang="pt-BR" sz="2000" dirty="0"/>
+              <a:t>18 Dias</a:t>
+            </a:r>
+          </a:p>
+        </p:txBody>
+      </p:sp>
+      <p:pic>
+        <p:nvPicPr>
+          <p:cNvPr id="6" name="Picture 5">
+            <a:extLst>
+              <a:ext uri="{FF2B5EF4-FFF2-40B4-BE49-F238E27FC236}">
+                <a16:creationId xmlns:a16="http://schemas.microsoft.com/office/drawing/2014/main" id="{67EC6AAF-549D-4500-9189-51B09FDFC3E0}"/>
+              </a:ext>
+            </a:extLst>
+          </p:cNvPr>
+          <p:cNvPicPr>
+            <a:picLocks noChangeAspect="1"/>
+          </p:cNvPicPr>
+          <p:nvPr/>
+        </p:nvPicPr>
+        <p:blipFill>
+          <a:blip r:embed="rId2"/>
+          <a:stretch>
+            <a:fillRect/>
+          </a:stretch>
+        </p:blipFill>
+        <p:spPr>
+          <a:xfrm>
+            <a:off x="971207" y="2598003"/>
+            <a:ext cx="5231017" cy="3501094"/>
+          </a:xfrm>
+          <a:prstGeom prst="rect">
+            <a:avLst/>
+          </a:prstGeom>
+        </p:spPr>
+      </p:pic>
+      <p:pic>
+        <p:nvPicPr>
+          <p:cNvPr id="7" name="Picture 6">
+            <a:extLst>
+              <a:ext uri="{FF2B5EF4-FFF2-40B4-BE49-F238E27FC236}">
+                <a16:creationId xmlns:a16="http://schemas.microsoft.com/office/drawing/2014/main" id="{3A1B608B-E3B7-4B49-BF90-655E74524312}"/>
+              </a:ext>
+            </a:extLst>
+          </p:cNvPr>
+          <p:cNvPicPr>
+            <a:picLocks noChangeAspect="1"/>
+          </p:cNvPicPr>
+          <p:nvPr/>
+        </p:nvPicPr>
+        <p:blipFill>
+          <a:blip r:embed="rId3"/>
+          <a:stretch>
+            <a:fillRect/>
+          </a:stretch>
+        </p:blipFill>
+        <p:spPr>
+          <a:xfrm>
+            <a:off x="6372547" y="2598003"/>
+            <a:ext cx="5231017" cy="3501094"/>
+          </a:xfrm>
+          <a:prstGeom prst="rect">
+            <a:avLst/>
+          </a:prstGeom>
+        </p:spPr>
+      </p:pic>
+    </p:spTree>
+    <p:extLst>
+      <p:ext uri="{BB962C8B-B14F-4D97-AF65-F5344CB8AC3E}">
+        <p14:creationId xmlns:p14="http://schemas.microsoft.com/office/powerpoint/2010/main" val="3524198294"/>
+      </p:ext>
+    </p:extLst>
+  </p:cSld>
+  <p:clrMapOvr>
+    <a:masterClrMapping/>
+  </p:clrMapOvr>
+</p:sld>
+</file>
+
+<file path=ppt/slides/slide22.xml><?xml version="1.0" encoding="utf-8"?>
+<p:sld xmlns:a="http://schemas.openxmlformats.org/drawingml/2006/main" xmlns:r="http://schemas.openxmlformats.org/officeDocument/2006/relationships" xmlns:p="http://schemas.openxmlformats.org/presentationml/2006/main">
+  <p:cSld>
+    <p:spTree>
+      <p:nvGrpSpPr>
+        <p:cNvPr id="1" name=""/>
+        <p:cNvGrpSpPr/>
+        <p:nvPr/>
+      </p:nvGrpSpPr>
+      <p:grpSpPr>
+        <a:xfrm>
+          <a:off x="0" y="0"/>
+          <a:ext cx="0" cy="0"/>
+          <a:chOff x="0" y="0"/>
+          <a:chExt cx="0" cy="0"/>
+        </a:xfrm>
+      </p:grpSpPr>
+      <p:sp>
+        <p:nvSpPr>
+          <p:cNvPr id="2" name="Title 1">
+            <a:extLst>
+              <a:ext uri="{FF2B5EF4-FFF2-40B4-BE49-F238E27FC236}">
+                <a16:creationId xmlns:a16="http://schemas.microsoft.com/office/drawing/2014/main" id="{BADC52AC-57CB-4192-872F-0792D0CF119A}"/>
+              </a:ext>
+            </a:extLst>
+          </p:cNvPr>
+          <p:cNvSpPr>
+            <a:spLocks noGrp="1"/>
+          </p:cNvSpPr>
+          <p:nvPr>
+            <p:ph type="title"/>
+          </p:nvPr>
+        </p:nvSpPr>
+        <p:spPr/>
+        <p:txBody>
+          <a:bodyPr/>
+          <a:lstStyle/>
+          <a:p>
+            <a:r>
+              <a:rPr lang="pt-BR" dirty="0"/>
+              <a:t>SAPRE</a:t>
+            </a:r>
+          </a:p>
+        </p:txBody>
+      </p:sp>
+      <p:sp>
+        <p:nvSpPr>
+          <p:cNvPr id="3" name="TextBox 2">
+            <a:extLst>
+              <a:ext uri="{FF2B5EF4-FFF2-40B4-BE49-F238E27FC236}">
+                <a16:creationId xmlns:a16="http://schemas.microsoft.com/office/drawing/2014/main" id="{DDFB070A-D0FD-40F3-9F18-82EB481C4E49}"/>
+              </a:ext>
+            </a:extLst>
+          </p:cNvPr>
+          <p:cNvSpPr txBox="1"/>
+          <p:nvPr/>
+        </p:nvSpPr>
+        <p:spPr>
+          <a:xfrm>
+            <a:off x="421716" y="1951672"/>
+            <a:ext cx="1351128" cy="707886"/>
+          </a:xfrm>
+          <a:prstGeom prst="rect">
+            <a:avLst/>
+          </a:prstGeom>
+          <a:noFill/>
+        </p:spPr>
+        <p:txBody>
+          <a:bodyPr wrap="square" rtlCol="0">
+            <a:spAutoFit/>
+          </a:bodyPr>
+          <a:lstStyle/>
+          <a:p>
+            <a:r>
+              <a:rPr lang="pt-BR" sz="2000" dirty="0"/>
+              <a:t>META:</a:t>
+            </a:r>
+          </a:p>
+          <a:p>
+            <a:r>
+              <a:rPr lang="pt-BR" sz="2000" dirty="0"/>
+              <a:t>18 Dias</a:t>
+            </a:r>
+          </a:p>
+        </p:txBody>
+      </p:sp>
+      <p:pic>
+        <p:nvPicPr>
+          <p:cNvPr id="4" name="Picture 3">
+            <a:extLst>
+              <a:ext uri="{FF2B5EF4-FFF2-40B4-BE49-F238E27FC236}">
+                <a16:creationId xmlns:a16="http://schemas.microsoft.com/office/drawing/2014/main" id="{C6963C1E-8F1D-4517-9B1C-4FDF30F48E49}"/>
+              </a:ext>
+            </a:extLst>
+          </p:cNvPr>
+          <p:cNvPicPr>
+            <a:picLocks noChangeAspect="1"/>
+          </p:cNvPicPr>
+          <p:nvPr/>
+        </p:nvPicPr>
+        <p:blipFill>
+          <a:blip r:embed="rId2"/>
+          <a:stretch>
+            <a:fillRect/>
+          </a:stretch>
+        </p:blipFill>
+        <p:spPr>
+          <a:xfrm>
+            <a:off x="2236481" y="1822787"/>
+            <a:ext cx="6737398" cy="4509308"/>
+          </a:xfrm>
+          <a:prstGeom prst="rect">
+            <a:avLst/>
+          </a:prstGeom>
+        </p:spPr>
+      </p:pic>
+    </p:spTree>
+    <p:extLst>
+      <p:ext uri="{BB962C8B-B14F-4D97-AF65-F5344CB8AC3E}">
+        <p14:creationId xmlns:p14="http://schemas.microsoft.com/office/powerpoint/2010/main" val="38120862"/>
+      </p:ext>
+    </p:extLst>
+  </p:cSld>
+  <p:clrMapOvr>
+    <a:masterClrMapping/>
+  </p:clrMapOvr>
+</p:sld>
+</file>
+
+<file path=ppt/slides/slide23.xml><?xml version="1.0" encoding="utf-8"?>
+<p:sld xmlns:a="http://schemas.openxmlformats.org/drawingml/2006/main" xmlns:r="http://schemas.openxmlformats.org/officeDocument/2006/relationships" xmlns:p="http://schemas.openxmlformats.org/presentationml/2006/main">
+  <p:cSld>
+    <p:spTree>
+      <p:nvGrpSpPr>
+        <p:cNvPr id="1" name=""/>
+        <p:cNvGrpSpPr/>
+        <p:nvPr/>
+      </p:nvGrpSpPr>
+      <p:grpSpPr>
+        <a:xfrm>
+          <a:off x="0" y="0"/>
+          <a:ext cx="0" cy="0"/>
+          <a:chOff x="0" y="0"/>
+          <a:chExt cx="0" cy="0"/>
+        </a:xfrm>
+      </p:grpSpPr>
+      <p:sp>
+        <p:nvSpPr>
+          <p:cNvPr id="2" name="Title 1">
+            <a:extLst>
+              <a:ext uri="{FF2B5EF4-FFF2-40B4-BE49-F238E27FC236}">
+                <a16:creationId xmlns:a16="http://schemas.microsoft.com/office/drawing/2014/main" id="{BADC52AC-57CB-4192-872F-0792D0CF119A}"/>
+              </a:ext>
+            </a:extLst>
+          </p:cNvPr>
+          <p:cNvSpPr>
+            <a:spLocks noGrp="1"/>
+          </p:cNvSpPr>
+          <p:nvPr>
+            <p:ph type="title"/>
+          </p:nvPr>
+        </p:nvSpPr>
+        <p:spPr/>
+        <p:txBody>
+          <a:bodyPr/>
+          <a:lstStyle/>
+          <a:p>
+            <a:r>
+              <a:rPr lang="pt-BR" dirty="0"/>
+              <a:t>SMIC</a:t>
+            </a:r>
+          </a:p>
+        </p:txBody>
+      </p:sp>
+      <p:sp>
+        <p:nvSpPr>
+          <p:cNvPr id="3" name="TextBox 2">
+            <a:extLst>
+              <a:ext uri="{FF2B5EF4-FFF2-40B4-BE49-F238E27FC236}">
+                <a16:creationId xmlns:a16="http://schemas.microsoft.com/office/drawing/2014/main" id="{DDFB070A-D0FD-40F3-9F18-82EB481C4E49}"/>
+              </a:ext>
+            </a:extLst>
+          </p:cNvPr>
+          <p:cNvSpPr txBox="1"/>
+          <p:nvPr/>
+        </p:nvSpPr>
+        <p:spPr>
+          <a:xfrm>
+            <a:off x="421716" y="1832404"/>
+            <a:ext cx="1351128" cy="707886"/>
+          </a:xfrm>
+          <a:prstGeom prst="rect">
+            <a:avLst/>
+          </a:prstGeom>
+          <a:noFill/>
+        </p:spPr>
+        <p:txBody>
+          <a:bodyPr wrap="square" rtlCol="0">
+            <a:spAutoFit/>
+          </a:bodyPr>
+          <a:lstStyle/>
+          <a:p>
+            <a:r>
+              <a:rPr lang="pt-BR" sz="2000" dirty="0"/>
+              <a:t>META:</a:t>
+            </a:r>
+          </a:p>
+          <a:p>
+            <a:r>
+              <a:rPr lang="pt-BR" sz="2000" dirty="0"/>
+              <a:t>9,14 Dias</a:t>
+            </a:r>
+          </a:p>
+        </p:txBody>
+      </p:sp>
+      <p:pic>
+        <p:nvPicPr>
+          <p:cNvPr id="8" name="Picture 7">
+            <a:extLst>
+              <a:ext uri="{FF2B5EF4-FFF2-40B4-BE49-F238E27FC236}">
+                <a16:creationId xmlns:a16="http://schemas.microsoft.com/office/drawing/2014/main" id="{BA3721EE-0D95-4A65-844D-2A5036D3F38E}"/>
+              </a:ext>
+            </a:extLst>
+          </p:cNvPr>
+          <p:cNvPicPr>
+            <a:picLocks noChangeAspect="1"/>
+          </p:cNvPicPr>
+          <p:nvPr/>
+        </p:nvPicPr>
+        <p:blipFill>
+          <a:blip r:embed="rId2"/>
+          <a:stretch>
+            <a:fillRect/>
+          </a:stretch>
+        </p:blipFill>
+        <p:spPr>
+          <a:xfrm>
+            <a:off x="6126480" y="2598003"/>
+            <a:ext cx="5231017" cy="3501094"/>
+          </a:xfrm>
+          <a:prstGeom prst="rect">
+            <a:avLst/>
+          </a:prstGeom>
+        </p:spPr>
+      </p:pic>
+      <p:pic>
+        <p:nvPicPr>
+          <p:cNvPr id="9" name="Picture 8">
+            <a:extLst>
+              <a:ext uri="{FF2B5EF4-FFF2-40B4-BE49-F238E27FC236}">
+                <a16:creationId xmlns:a16="http://schemas.microsoft.com/office/drawing/2014/main" id="{78CD7448-D016-4118-9F5C-F83205A988AE}"/>
+              </a:ext>
+            </a:extLst>
+          </p:cNvPr>
+          <p:cNvPicPr>
+            <a:picLocks noChangeAspect="1"/>
+          </p:cNvPicPr>
+          <p:nvPr/>
+        </p:nvPicPr>
+        <p:blipFill>
+          <a:blip r:embed="rId3"/>
+          <a:stretch>
+            <a:fillRect/>
+          </a:stretch>
+        </p:blipFill>
+        <p:spPr>
+          <a:xfrm>
+            <a:off x="716025" y="2598003"/>
+            <a:ext cx="5231017" cy="3501094"/>
+          </a:xfrm>
+          <a:prstGeom prst="rect">
+            <a:avLst/>
+          </a:prstGeom>
+        </p:spPr>
+      </p:pic>
+    </p:spTree>
+    <p:extLst>
+      <p:ext uri="{BB962C8B-B14F-4D97-AF65-F5344CB8AC3E}">
+        <p14:creationId xmlns:p14="http://schemas.microsoft.com/office/powerpoint/2010/main" val="2203971453"/>
+      </p:ext>
+    </p:extLst>
+  </p:cSld>
+  <p:clrMapOvr>
+    <a:masterClrMapping/>
+  </p:clrMapOvr>
+</p:sld>
+</file>
+
+<file path=ppt/slides/slide24.xml><?xml version="1.0" encoding="utf-8"?>
+<p:sld xmlns:a="http://schemas.openxmlformats.org/drawingml/2006/main" xmlns:r="http://schemas.openxmlformats.org/officeDocument/2006/relationships" xmlns:p="http://schemas.openxmlformats.org/presentationml/2006/main">
+  <p:cSld>
+    <p:spTree>
+      <p:nvGrpSpPr>
+        <p:cNvPr id="1" name=""/>
+        <p:cNvGrpSpPr/>
+        <p:nvPr/>
+      </p:nvGrpSpPr>
+      <p:grpSpPr>
+        <a:xfrm>
+          <a:off x="0" y="0"/>
+          <a:ext cx="0" cy="0"/>
+          <a:chOff x="0" y="0"/>
+          <a:chExt cx="0" cy="0"/>
+        </a:xfrm>
+      </p:grpSpPr>
+      <p:sp>
+        <p:nvSpPr>
+          <p:cNvPr id="2" name="Title 1">
+            <a:extLst>
+              <a:ext uri="{FF2B5EF4-FFF2-40B4-BE49-F238E27FC236}">
+                <a16:creationId xmlns:a16="http://schemas.microsoft.com/office/drawing/2014/main" id="{BADC52AC-57CB-4192-872F-0792D0CF119A}"/>
+              </a:ext>
+            </a:extLst>
+          </p:cNvPr>
+          <p:cNvSpPr>
+            <a:spLocks noGrp="1"/>
+          </p:cNvSpPr>
+          <p:nvPr>
+            <p:ph type="title"/>
+          </p:nvPr>
+        </p:nvSpPr>
+        <p:spPr/>
+        <p:txBody>
+          <a:bodyPr/>
+          <a:lstStyle/>
+          <a:p>
+            <a:r>
+              <a:rPr lang="pt-BR" dirty="0"/>
+              <a:t>SMIC</a:t>
+            </a:r>
+          </a:p>
+        </p:txBody>
+      </p:sp>
+      <p:sp>
+        <p:nvSpPr>
+          <p:cNvPr id="3" name="TextBox 2">
+            <a:extLst>
+              <a:ext uri="{FF2B5EF4-FFF2-40B4-BE49-F238E27FC236}">
+                <a16:creationId xmlns:a16="http://schemas.microsoft.com/office/drawing/2014/main" id="{DDFB070A-D0FD-40F3-9F18-82EB481C4E49}"/>
+              </a:ext>
+            </a:extLst>
+          </p:cNvPr>
+          <p:cNvSpPr txBox="1"/>
+          <p:nvPr/>
+        </p:nvSpPr>
+        <p:spPr>
+          <a:xfrm>
+            <a:off x="421716" y="1951672"/>
+            <a:ext cx="1351128" cy="707886"/>
+          </a:xfrm>
+          <a:prstGeom prst="rect">
+            <a:avLst/>
+          </a:prstGeom>
+          <a:noFill/>
+        </p:spPr>
+        <p:txBody>
+          <a:bodyPr wrap="square" rtlCol="0">
+            <a:spAutoFit/>
+          </a:bodyPr>
+          <a:lstStyle/>
+          <a:p>
+            <a:r>
+              <a:rPr lang="pt-BR" sz="2000" dirty="0"/>
+              <a:t>META:</a:t>
+            </a:r>
+          </a:p>
+          <a:p>
+            <a:r>
+              <a:rPr lang="pt-BR" sz="2000" dirty="0"/>
+              <a:t>9,14 Dias</a:t>
+            </a:r>
+          </a:p>
+        </p:txBody>
+      </p:sp>
+      <p:pic>
+        <p:nvPicPr>
+          <p:cNvPr id="4" name="Picture 3">
+            <a:extLst>
+              <a:ext uri="{FF2B5EF4-FFF2-40B4-BE49-F238E27FC236}">
+                <a16:creationId xmlns:a16="http://schemas.microsoft.com/office/drawing/2014/main" id="{5CAD49BA-A858-4822-BB46-22B35E58028C}"/>
+              </a:ext>
+            </a:extLst>
+          </p:cNvPr>
+          <p:cNvPicPr>
+            <a:picLocks noChangeAspect="1"/>
+          </p:cNvPicPr>
+          <p:nvPr/>
+        </p:nvPicPr>
+        <p:blipFill>
+          <a:blip r:embed="rId2"/>
+          <a:stretch>
+            <a:fillRect/>
+          </a:stretch>
+        </p:blipFill>
+        <p:spPr>
+          <a:xfrm>
+            <a:off x="2395970" y="1951672"/>
+            <a:ext cx="6503481" cy="4352748"/>
+          </a:xfrm>
+          <a:prstGeom prst="rect">
+            <a:avLst/>
+          </a:prstGeom>
+        </p:spPr>
+      </p:pic>
+    </p:spTree>
+    <p:extLst>
+      <p:ext uri="{BB962C8B-B14F-4D97-AF65-F5344CB8AC3E}">
+        <p14:creationId xmlns:p14="http://schemas.microsoft.com/office/powerpoint/2010/main" val="3730482238"/>
+      </p:ext>
+    </p:extLst>
+  </p:cSld>
+  <p:clrMapOvr>
+    <a:masterClrMapping/>
+  </p:clrMapOvr>
+</p:sld>
+</file>
+
+<file path=ppt/slides/slide25.xml><?xml version="1.0" encoding="utf-8"?>
+<p:sld xmlns:a="http://schemas.openxmlformats.org/drawingml/2006/main" xmlns:r="http://schemas.openxmlformats.org/officeDocument/2006/relationships" xmlns:p="http://schemas.openxmlformats.org/presentationml/2006/main">
+  <p:cSld>
+    <p:spTree>
+      <p:nvGrpSpPr>
+        <p:cNvPr id="1" name=""/>
+        <p:cNvGrpSpPr/>
+        <p:nvPr/>
+      </p:nvGrpSpPr>
+      <p:grpSpPr>
+        <a:xfrm>
+          <a:off x="0" y="0"/>
+          <a:ext cx="0" cy="0"/>
+          <a:chOff x="0" y="0"/>
+          <a:chExt cx="0" cy="0"/>
+        </a:xfrm>
+      </p:grpSpPr>
+      <p:sp>
+        <p:nvSpPr>
+          <p:cNvPr id="2" name="Title 1">
+            <a:extLst>
+              <a:ext uri="{FF2B5EF4-FFF2-40B4-BE49-F238E27FC236}">
+                <a16:creationId xmlns:a16="http://schemas.microsoft.com/office/drawing/2014/main" id="{BADC52AC-57CB-4192-872F-0792D0CF119A}"/>
+              </a:ext>
+            </a:extLst>
+          </p:cNvPr>
+          <p:cNvSpPr>
+            <a:spLocks noGrp="1"/>
+          </p:cNvSpPr>
+          <p:nvPr>
+            <p:ph type="title"/>
+          </p:nvPr>
+        </p:nvSpPr>
+        <p:spPr/>
+        <p:txBody>
+          <a:bodyPr/>
+          <a:lstStyle/>
+          <a:p>
+            <a:r>
+              <a:rPr lang="pt-BR" dirty="0"/>
+              <a:t>SMIN</a:t>
+            </a:r>
+          </a:p>
+        </p:txBody>
+      </p:sp>
+      <p:sp>
+        <p:nvSpPr>
+          <p:cNvPr id="3" name="TextBox 2">
+            <a:extLst>
+              <a:ext uri="{FF2B5EF4-FFF2-40B4-BE49-F238E27FC236}">
+                <a16:creationId xmlns:a16="http://schemas.microsoft.com/office/drawing/2014/main" id="{DDFB070A-D0FD-40F3-9F18-82EB481C4E49}"/>
+              </a:ext>
+            </a:extLst>
+          </p:cNvPr>
+          <p:cNvSpPr txBox="1"/>
+          <p:nvPr/>
+        </p:nvSpPr>
+        <p:spPr>
+          <a:xfrm>
+            <a:off x="421716" y="1951672"/>
+            <a:ext cx="1351128" cy="707886"/>
+          </a:xfrm>
+          <a:prstGeom prst="rect">
+            <a:avLst/>
+          </a:prstGeom>
+          <a:noFill/>
+        </p:spPr>
+        <p:txBody>
+          <a:bodyPr wrap="square" rtlCol="0">
+            <a:spAutoFit/>
+          </a:bodyPr>
+          <a:lstStyle/>
+          <a:p>
+            <a:r>
+              <a:rPr lang="pt-BR" sz="2000" dirty="0"/>
+              <a:t>META:</a:t>
+            </a:r>
+          </a:p>
+          <a:p>
+            <a:r>
+              <a:rPr lang="pt-BR" sz="2000" dirty="0"/>
+              <a:t>19,20 Dias</a:t>
+            </a:r>
+          </a:p>
+        </p:txBody>
+      </p:sp>
+      <p:pic>
+        <p:nvPicPr>
+          <p:cNvPr id="6" name="Picture 5">
+            <a:extLst>
+              <a:ext uri="{FF2B5EF4-FFF2-40B4-BE49-F238E27FC236}">
+                <a16:creationId xmlns:a16="http://schemas.microsoft.com/office/drawing/2014/main" id="{5DFCA716-062F-4C1D-993F-7367DF08FC20}"/>
+              </a:ext>
+            </a:extLst>
+          </p:cNvPr>
+          <p:cNvPicPr>
+            <a:picLocks noChangeAspect="1"/>
+          </p:cNvPicPr>
+          <p:nvPr/>
+        </p:nvPicPr>
+        <p:blipFill>
+          <a:blip r:embed="rId2"/>
+          <a:stretch>
+            <a:fillRect/>
+          </a:stretch>
+        </p:blipFill>
+        <p:spPr>
+          <a:xfrm>
+            <a:off x="2821373" y="2385352"/>
+            <a:ext cx="5231017" cy="3501094"/>
+          </a:xfrm>
+          <a:prstGeom prst="rect">
+            <a:avLst/>
+          </a:prstGeom>
+        </p:spPr>
+      </p:pic>
+    </p:spTree>
+    <p:extLst>
+      <p:ext uri="{BB962C8B-B14F-4D97-AF65-F5344CB8AC3E}">
+        <p14:creationId xmlns:p14="http://schemas.microsoft.com/office/powerpoint/2010/main" val="1018087795"/>
+      </p:ext>
+    </p:extLst>
+  </p:cSld>
+  <p:clrMapOvr>
+    <a:masterClrMapping/>
+  </p:clrMapOvr>
+</p:sld>
+</file>
+
+<file path=ppt/slides/slide26.xml><?xml version="1.0" encoding="utf-8"?>
+<p:sld xmlns:a="http://schemas.openxmlformats.org/drawingml/2006/main" xmlns:r="http://schemas.openxmlformats.org/officeDocument/2006/relationships" xmlns:p="http://schemas.openxmlformats.org/presentationml/2006/main">
+  <p:cSld>
+    <p:spTree>
+      <p:nvGrpSpPr>
+        <p:cNvPr id="1" name=""/>
+        <p:cNvGrpSpPr/>
+        <p:nvPr/>
+      </p:nvGrpSpPr>
+      <p:grpSpPr>
+        <a:xfrm>
+          <a:off x="0" y="0"/>
+          <a:ext cx="0" cy="0"/>
+          <a:chOff x="0" y="0"/>
+          <a:chExt cx="0" cy="0"/>
+        </a:xfrm>
+      </p:grpSpPr>
+      <p:sp>
+        <p:nvSpPr>
+          <p:cNvPr id="2" name="Title 1">
+            <a:extLst>
+              <a:ext uri="{FF2B5EF4-FFF2-40B4-BE49-F238E27FC236}">
+                <a16:creationId xmlns:a16="http://schemas.microsoft.com/office/drawing/2014/main" id="{BADC52AC-57CB-4192-872F-0792D0CF119A}"/>
+              </a:ext>
+            </a:extLst>
+          </p:cNvPr>
+          <p:cNvSpPr>
+            <a:spLocks noGrp="1"/>
+          </p:cNvSpPr>
+          <p:nvPr>
+            <p:ph type="title"/>
+          </p:nvPr>
+        </p:nvSpPr>
+        <p:spPr/>
+        <p:txBody>
+          <a:bodyPr/>
+          <a:lstStyle/>
+          <a:p>
+            <a:r>
+              <a:rPr lang="pt-BR" dirty="0"/>
+              <a:t>SMIN</a:t>
+            </a:r>
+          </a:p>
+        </p:txBody>
+      </p:sp>
+      <p:sp>
+        <p:nvSpPr>
+          <p:cNvPr id="3" name="TextBox 2">
+            <a:extLst>
+              <a:ext uri="{FF2B5EF4-FFF2-40B4-BE49-F238E27FC236}">
+                <a16:creationId xmlns:a16="http://schemas.microsoft.com/office/drawing/2014/main" id="{DDFB070A-D0FD-40F3-9F18-82EB481C4E49}"/>
+              </a:ext>
+            </a:extLst>
+          </p:cNvPr>
+          <p:cNvSpPr txBox="1"/>
+          <p:nvPr/>
+        </p:nvSpPr>
+        <p:spPr>
+          <a:xfrm>
+            <a:off x="421716" y="1951672"/>
+            <a:ext cx="1351128" cy="707886"/>
+          </a:xfrm>
+          <a:prstGeom prst="rect">
+            <a:avLst/>
+          </a:prstGeom>
+          <a:noFill/>
+        </p:spPr>
+        <p:txBody>
+          <a:bodyPr wrap="square" rtlCol="0">
+            <a:spAutoFit/>
+          </a:bodyPr>
+          <a:lstStyle/>
+          <a:p>
+            <a:r>
+              <a:rPr lang="pt-BR" sz="2000" dirty="0"/>
+              <a:t>META:</a:t>
+            </a:r>
+          </a:p>
+          <a:p>
+            <a:r>
+              <a:rPr lang="pt-BR" sz="2000" dirty="0"/>
+              <a:t>19,20 Dias</a:t>
+            </a:r>
+          </a:p>
+        </p:txBody>
+      </p:sp>
+      <p:pic>
+        <p:nvPicPr>
+          <p:cNvPr id="4" name="Picture 3">
+            <a:extLst>
+              <a:ext uri="{FF2B5EF4-FFF2-40B4-BE49-F238E27FC236}">
+                <a16:creationId xmlns:a16="http://schemas.microsoft.com/office/drawing/2014/main" id="{B17E228D-EE12-4EB8-B1FD-B142FB26915D}"/>
+              </a:ext>
+            </a:extLst>
+          </p:cNvPr>
+          <p:cNvPicPr>
+            <a:picLocks noChangeAspect="1"/>
+          </p:cNvPicPr>
+          <p:nvPr/>
+        </p:nvPicPr>
+        <p:blipFill>
+          <a:blip r:embed="rId2"/>
+          <a:stretch>
+            <a:fillRect/>
+          </a:stretch>
+        </p:blipFill>
+        <p:spPr>
+          <a:xfrm>
+            <a:off x="2850396" y="1784479"/>
+            <a:ext cx="6552167" cy="4385333"/>
+          </a:xfrm>
+          <a:prstGeom prst="rect">
+            <a:avLst/>
+          </a:prstGeom>
+        </p:spPr>
+      </p:pic>
+    </p:spTree>
+    <p:extLst>
+      <p:ext uri="{BB962C8B-B14F-4D97-AF65-F5344CB8AC3E}">
+        <p14:creationId xmlns:p14="http://schemas.microsoft.com/office/powerpoint/2010/main" val="408399758"/>
+      </p:ext>
+    </p:extLst>
+  </p:cSld>
+  <p:clrMapOvr>
+    <a:masterClrMapping/>
+  </p:clrMapOvr>
+</p:sld>
+</file>
+
 <file path=ppt/slides/slide3.xml><?xml version="1.0" encoding="utf-8"?>
 <p:sld xmlns:a="http://schemas.openxmlformats.org/drawingml/2006/main" xmlns:r="http://schemas.openxmlformats.org/officeDocument/2006/relationships" xmlns:p="http://schemas.openxmlformats.org/presentationml/2006/main">
   <p:cSld>
@@ -4414,11 +7096,17 @@
             <p:ph type="title"/>
           </p:nvPr>
         </p:nvSpPr>
-        <p:spPr/>
+        <p:spPr>
+          <a:xfrm>
+            <a:off x="1097280" y="286604"/>
+            <a:ext cx="10058400" cy="853084"/>
+          </a:xfrm>
+        </p:spPr>
         <p:txBody>
           <a:bodyPr/>
           <a:lstStyle/>
           <a:p>
+            <a:pPr algn="ctr"/>
             <a:r>
               <a:rPr lang="pt-BR" dirty="0"/>
               <a:t>Relembrando nosso Foco</a:t>
@@ -4428,55 +7116,38 @@
       </p:sp>
       <p:pic>
         <p:nvPicPr>
-          <p:cNvPr id="4" name="Imagem 49">
+          <p:cNvPr id="5" name="Imagem 4">
             <a:extLst>
               <a:ext uri="{FF2B5EF4-FFF2-40B4-BE49-F238E27FC236}">
-                <a16:creationId xmlns:a16="http://schemas.microsoft.com/office/drawing/2014/main" id="{00000000-0008-0000-1600-000032000000}"/>
+                <a16:creationId xmlns:a16="http://schemas.microsoft.com/office/drawing/2014/main" id="{C86AF5D6-BBC9-4182-BF8D-151DEDD42A1C}"/>
               </a:ext>
             </a:extLst>
           </p:cNvPr>
           <p:cNvPicPr>
-            <a:picLocks noChangeAspect="1" noChangeArrowheads="1"/>
+            <a:picLocks noChangeAspect="1"/>
           </p:cNvPicPr>
           <p:nvPr/>
         </p:nvPicPr>
         <p:blipFill>
-          <a:blip r:embed="rId2">
-            <a:extLst>
-              <a:ext uri="{28A0092B-C50C-407E-A947-70E740481C1C}">
-                <a14:useLocalDpi xmlns:a14="http://schemas.microsoft.com/office/drawing/2010/main" val="0"/>
-              </a:ext>
-            </a:extLst>
-          </a:blip>
-          <a:srcRect/>
+          <a:blip r:embed="rId2"/>
           <a:stretch>
             <a:fillRect/>
           </a:stretch>
         </p:blipFill>
-        <p:spPr bwMode="auto">
-          <a:xfrm>
-            <a:off x="201930" y="1937883"/>
-            <a:ext cx="10953750" cy="4143375"/>
+        <p:spPr>
+          <a:xfrm>
+            <a:off x="0" y="1139688"/>
+            <a:ext cx="12192000" cy="5168347"/>
           </a:xfrm>
           <a:prstGeom prst="rect">
             <a:avLst/>
           </a:prstGeom>
-          <a:noFill/>
-          <a:extLst>
-            <a:ext uri="{909E8E84-426E-40DD-AFC4-6F175D3DCCD1}">
-              <a14:hiddenFill xmlns:a14="http://schemas.microsoft.com/office/drawing/2010/main">
-                <a:solidFill>
-                  <a:srgbClr val="FFFFFF"/>
-                </a:solidFill>
-              </a14:hiddenFill>
-            </a:ext>
-          </a:extLst>
         </p:spPr>
       </p:pic>
     </p:spTree>
     <p:extLst>
       <p:ext uri="{BB962C8B-B14F-4D97-AF65-F5344CB8AC3E}">
-        <p14:creationId xmlns:p14="http://schemas.microsoft.com/office/powerpoint/2010/main" val="24217118"/>
+        <p14:creationId xmlns:p14="http://schemas.microsoft.com/office/powerpoint/2010/main" val="3354235638"/>
       </p:ext>
     </p:extLst>
   </p:cSld>
@@ -4707,31 +7378,67 @@
           <a:lstStyle/>
           <a:p>
             <a:r>
-              <a:rPr lang="en-US" dirty="0" err="1"/>
+              <a:rPr lang="en-US" sz="2300" dirty="0" err="1"/>
               <a:t>Quais</a:t>
             </a:r>
             <a:r>
-              <a:rPr lang="en-US" dirty="0"/>
+              <a:rPr lang="en-US" sz="2300" dirty="0"/>
               <a:t> as </a:t>
             </a:r>
             <a:r>
-              <a:rPr lang="en-US" dirty="0" err="1"/>
+              <a:rPr lang="en-US" sz="2300" dirty="0" err="1"/>
               <a:t>possíveis</a:t>
             </a:r>
             <a:r>
-              <a:rPr lang="en-US" dirty="0"/>
+              <a:rPr lang="en-US" sz="2300" dirty="0"/>
               <a:t> </a:t>
             </a:r>
             <a:r>
-              <a:rPr lang="en-US" dirty="0" err="1"/>
+              <a:rPr lang="en-US" sz="2300" dirty="0" err="1"/>
               <a:t>Soluções</a:t>
             </a:r>
             <a:r>
-              <a:rPr lang="en-US" dirty="0"/>
+              <a:rPr lang="en-US" sz="2300" dirty="0"/>
               <a:t>?</a:t>
             </a:r>
           </a:p>
           <a:p>
+            <a:pPr algn="just"/>
+            <a:r>
+              <a:rPr lang="pt-BR" sz="2300" dirty="0"/>
+              <a:t>- Padronização de Códigos para inserção de Comentários evitando baixo rastreamento dos retornos dos PADS (por exemplo: para ciência, para correção,  . );</a:t>
+            </a:r>
+          </a:p>
+          <a:p>
+            <a:pPr algn="just"/>
+            <a:r>
+              <a:rPr lang="pt-BR" sz="2300" dirty="0"/>
+              <a:t>- Versionamento de Documentos para evitar duplicidades;</a:t>
+            </a:r>
+          </a:p>
+          <a:p>
+            <a:pPr algn="just"/>
+            <a:r>
+              <a:rPr lang="pt-BR" sz="2300" dirty="0"/>
+              <a:t>- Padronização da Inspeção com o fim de torna-la mais objetiva;</a:t>
+            </a:r>
+          </a:p>
+          <a:p>
+            <a:pPr algn="just"/>
+            <a:r>
+              <a:rPr lang="pt-BR" sz="2300" dirty="0"/>
+              <a:t>- Treinamentos sobre o que será inspecionado nos documentos e interessados sejam notificados;</a:t>
+            </a:r>
+          </a:p>
+          <a:p>
+            <a:pPr algn="just"/>
+            <a:r>
+              <a:rPr lang="pt-BR" sz="2300" dirty="0"/>
+              <a:t>- Definição de horas para envio/recebimento de documentos para as áreas. Por exemplo: Antes de Feriado, Sexta Feira, Recessos;</a:t>
+            </a:r>
+            <a:endParaRPr lang="en-US" sz="2300" dirty="0"/>
+          </a:p>
+          <a:p>
             <a:endParaRPr lang="en-US" dirty="0"/>
           </a:p>
           <a:p>
@@ -4742,3243 +7449,6 @@
           </a:p>
         </p:txBody>
       </p:sp>
-      <p:graphicFrame>
-        <p:nvGraphicFramePr>
-          <p:cNvPr id="6" name="Table 5">
-            <a:extLst>
-              <a:ext uri="{FF2B5EF4-FFF2-40B4-BE49-F238E27FC236}">
-                <a16:creationId xmlns:a16="http://schemas.microsoft.com/office/drawing/2014/main" id="{F6106EAD-A4AB-47C6-B080-5B62508AB7FD}"/>
-              </a:ext>
-            </a:extLst>
-          </p:cNvPr>
-          <p:cNvGraphicFramePr>
-            <a:graphicFrameLocks noGrp="1"/>
-          </p:cNvGraphicFramePr>
-          <p:nvPr>
-            <p:extLst>
-              <p:ext uri="{D42A27DB-BD31-4B8C-83A1-F6EECF244321}">
-                <p14:modId xmlns:p14="http://schemas.microsoft.com/office/powerpoint/2010/main" val="2903768130"/>
-              </p:ext>
-            </p:extLst>
-          </p:nvPr>
-        </p:nvGraphicFramePr>
-        <p:xfrm>
-          <a:off x="715617" y="2235201"/>
-          <a:ext cx="11476389" cy="3520681"/>
-        </p:xfrm>
-        <a:graphic>
-          <a:graphicData uri="http://schemas.openxmlformats.org/drawingml/2006/table">
-            <a:tbl>
-              <a:tblPr/>
-              <a:tblGrid>
-                <a:gridCol w="3551758">
-                  <a:extLst>
-                    <a:ext uri="{9D8B030D-6E8A-4147-A177-3AD203B41FA5}">
-                      <a16:colId xmlns:a16="http://schemas.microsoft.com/office/drawing/2014/main" val="1333101523"/>
-                    </a:ext>
-                  </a:extLst>
-                </a:gridCol>
-                <a:gridCol w="591960">
-                  <a:extLst>
-                    <a:ext uri="{9D8B030D-6E8A-4147-A177-3AD203B41FA5}">
-                      <a16:colId xmlns:a16="http://schemas.microsoft.com/office/drawing/2014/main" val="4057561418"/>
-                    </a:ext>
-                  </a:extLst>
-                </a:gridCol>
-                <a:gridCol w="591960">
-                  <a:extLst>
-                    <a:ext uri="{9D8B030D-6E8A-4147-A177-3AD203B41FA5}">
-                      <a16:colId xmlns:a16="http://schemas.microsoft.com/office/drawing/2014/main" val="3418571863"/>
-                    </a:ext>
-                  </a:extLst>
-                </a:gridCol>
-                <a:gridCol w="591960">
-                  <a:extLst>
-                    <a:ext uri="{9D8B030D-6E8A-4147-A177-3AD203B41FA5}">
-                      <a16:colId xmlns:a16="http://schemas.microsoft.com/office/drawing/2014/main" val="565312714"/>
-                    </a:ext>
-                  </a:extLst>
-                </a:gridCol>
-                <a:gridCol w="591960">
-                  <a:extLst>
-                    <a:ext uri="{9D8B030D-6E8A-4147-A177-3AD203B41FA5}">
-                      <a16:colId xmlns:a16="http://schemas.microsoft.com/office/drawing/2014/main" val="3209090606"/>
-                    </a:ext>
-                  </a:extLst>
-                </a:gridCol>
-                <a:gridCol w="591960">
-                  <a:extLst>
-                    <a:ext uri="{9D8B030D-6E8A-4147-A177-3AD203B41FA5}">
-                      <a16:colId xmlns:a16="http://schemas.microsoft.com/office/drawing/2014/main" val="1654921750"/>
-                    </a:ext>
-                  </a:extLst>
-                </a:gridCol>
-                <a:gridCol w="591960">
-                  <a:extLst>
-                    <a:ext uri="{9D8B030D-6E8A-4147-A177-3AD203B41FA5}">
-                      <a16:colId xmlns:a16="http://schemas.microsoft.com/office/drawing/2014/main" val="351230077"/>
-                    </a:ext>
-                  </a:extLst>
-                </a:gridCol>
-                <a:gridCol w="591960">
-                  <a:extLst>
-                    <a:ext uri="{9D8B030D-6E8A-4147-A177-3AD203B41FA5}">
-                      <a16:colId xmlns:a16="http://schemas.microsoft.com/office/drawing/2014/main" val="3764478555"/>
-                    </a:ext>
-                  </a:extLst>
-                </a:gridCol>
-                <a:gridCol w="190955">
-                  <a:extLst>
-                    <a:ext uri="{9D8B030D-6E8A-4147-A177-3AD203B41FA5}">
-                      <a16:colId xmlns:a16="http://schemas.microsoft.com/office/drawing/2014/main" val="2783755739"/>
-                    </a:ext>
-                  </a:extLst>
-                </a:gridCol>
-                <a:gridCol w="598326">
-                  <a:extLst>
-                    <a:ext uri="{9D8B030D-6E8A-4147-A177-3AD203B41FA5}">
-                      <a16:colId xmlns:a16="http://schemas.microsoft.com/office/drawing/2014/main" val="3606925959"/>
-                    </a:ext>
-                  </a:extLst>
-                </a:gridCol>
-                <a:gridCol w="598326">
-                  <a:extLst>
-                    <a:ext uri="{9D8B030D-6E8A-4147-A177-3AD203B41FA5}">
-                      <a16:colId xmlns:a16="http://schemas.microsoft.com/office/drawing/2014/main" val="390708543"/>
-                    </a:ext>
-                  </a:extLst>
-                </a:gridCol>
-                <a:gridCol w="598326">
-                  <a:extLst>
-                    <a:ext uri="{9D8B030D-6E8A-4147-A177-3AD203B41FA5}">
-                      <a16:colId xmlns:a16="http://schemas.microsoft.com/office/drawing/2014/main" val="2940058566"/>
-                    </a:ext>
-                  </a:extLst>
-                </a:gridCol>
-                <a:gridCol w="598326">
-                  <a:extLst>
-                    <a:ext uri="{9D8B030D-6E8A-4147-A177-3AD203B41FA5}">
-                      <a16:colId xmlns:a16="http://schemas.microsoft.com/office/drawing/2014/main" val="2356789548"/>
-                    </a:ext>
-                  </a:extLst>
-                </a:gridCol>
-                <a:gridCol w="598326">
-                  <a:extLst>
-                    <a:ext uri="{9D8B030D-6E8A-4147-A177-3AD203B41FA5}">
-                      <a16:colId xmlns:a16="http://schemas.microsoft.com/office/drawing/2014/main" val="551625646"/>
-                    </a:ext>
-                  </a:extLst>
-                </a:gridCol>
-                <a:gridCol w="598326">
-                  <a:extLst>
-                    <a:ext uri="{9D8B030D-6E8A-4147-A177-3AD203B41FA5}">
-                      <a16:colId xmlns:a16="http://schemas.microsoft.com/office/drawing/2014/main" val="1291258616"/>
-                    </a:ext>
-                  </a:extLst>
-                </a:gridCol>
-              </a:tblGrid>
-              <a:tr h="573975">
-                <a:tc gridSpan="9">
-                  <a:txBody>
-                    <a:bodyPr/>
-                    <a:lstStyle/>
-                    <a:p>
-                      <a:pPr algn="l" fontAlgn="b"/>
-                      <a:r>
-                        <a:rPr lang="pt-BR" sz="1200" b="0" i="0" u="none" strike="noStrike" dirty="0">
-                          <a:solidFill>
-                            <a:srgbClr val="000000"/>
-                          </a:solidFill>
-                          <a:effectLst/>
-                          <a:latin typeface="Calibri" panose="020F0502020204030204" pitchFamily="34" charset="0"/>
-                        </a:rPr>
-                        <a:t>Padronização de Códigos para inserção de Comentários evitando baixo rastreamento dos retornos dos PADS (por exemplo: para ciencia, para correção, ...)</a:t>
-                      </a:r>
-                    </a:p>
-                  </a:txBody>
-                  <a:tcPr marL="0" marR="0" marT="0" marB="0" anchor="b">
-                    <a:lnL>
-                      <a:noFill/>
-                    </a:lnL>
-                    <a:lnR>
-                      <a:noFill/>
-                    </a:lnR>
-                    <a:lnT>
-                      <a:noFill/>
-                    </a:lnT>
-                    <a:lnB>
-                      <a:noFill/>
-                    </a:lnB>
-                    <a:solidFill>
-                      <a:srgbClr val="F2F2F2"/>
-                    </a:solidFill>
-                  </a:tcPr>
-                </a:tc>
-                <a:tc hMerge="1">
-                  <a:txBody>
-                    <a:bodyPr/>
-                    <a:lstStyle/>
-                    <a:p>
-                      <a:endParaRPr lang="pt-BR"/>
-                    </a:p>
-                  </a:txBody>
-                  <a:tcPr/>
-                </a:tc>
-                <a:tc hMerge="1">
-                  <a:txBody>
-                    <a:bodyPr/>
-                    <a:lstStyle/>
-                    <a:p>
-                      <a:endParaRPr lang="pt-BR"/>
-                    </a:p>
-                  </a:txBody>
-                  <a:tcPr/>
-                </a:tc>
-                <a:tc hMerge="1">
-                  <a:txBody>
-                    <a:bodyPr/>
-                    <a:lstStyle/>
-                    <a:p>
-                      <a:endParaRPr lang="pt-BR"/>
-                    </a:p>
-                  </a:txBody>
-                  <a:tcPr/>
-                </a:tc>
-                <a:tc hMerge="1">
-                  <a:txBody>
-                    <a:bodyPr/>
-                    <a:lstStyle/>
-                    <a:p>
-                      <a:endParaRPr lang="pt-BR"/>
-                    </a:p>
-                  </a:txBody>
-                  <a:tcPr/>
-                </a:tc>
-                <a:tc hMerge="1">
-                  <a:txBody>
-                    <a:bodyPr/>
-                    <a:lstStyle/>
-                    <a:p>
-                      <a:endParaRPr lang="pt-BR"/>
-                    </a:p>
-                  </a:txBody>
-                  <a:tcPr/>
-                </a:tc>
-                <a:tc hMerge="1">
-                  <a:txBody>
-                    <a:bodyPr/>
-                    <a:lstStyle/>
-                    <a:p>
-                      <a:endParaRPr lang="pt-BR"/>
-                    </a:p>
-                  </a:txBody>
-                  <a:tcPr/>
-                </a:tc>
-                <a:tc hMerge="1">
-                  <a:txBody>
-                    <a:bodyPr/>
-                    <a:lstStyle/>
-                    <a:p>
-                      <a:endParaRPr lang="pt-BR"/>
-                    </a:p>
-                  </a:txBody>
-                  <a:tcPr/>
-                </a:tc>
-                <a:tc hMerge="1">
-                  <a:txBody>
-                    <a:bodyPr/>
-                    <a:lstStyle/>
-                    <a:p>
-                      <a:endParaRPr lang="pt-BR"/>
-                    </a:p>
-                  </a:txBody>
-                  <a:tcPr/>
-                </a:tc>
-                <a:tc>
-                  <a:txBody>
-                    <a:bodyPr/>
-                    <a:lstStyle/>
-                    <a:p>
-                      <a:pPr algn="l" fontAlgn="b"/>
-                      <a:endParaRPr lang="pt-BR" sz="1200" b="0" i="0" u="none" strike="noStrike">
-                        <a:solidFill>
-                          <a:srgbClr val="000000"/>
-                        </a:solidFill>
-                        <a:effectLst/>
-                        <a:latin typeface="Calibri" panose="020F0502020204030204" pitchFamily="34" charset="0"/>
-                      </a:endParaRPr>
-                    </a:p>
-                  </a:txBody>
-                  <a:tcPr marL="0" marR="0" marT="0" marB="0" anchor="b">
-                    <a:lnL>
-                      <a:noFill/>
-                    </a:lnL>
-                    <a:lnR>
-                      <a:noFill/>
-                    </a:lnR>
-                    <a:lnT>
-                      <a:noFill/>
-                    </a:lnT>
-                    <a:lnB>
-                      <a:noFill/>
-                    </a:lnB>
-                  </a:tcPr>
-                </a:tc>
-                <a:tc>
-                  <a:txBody>
-                    <a:bodyPr/>
-                    <a:lstStyle/>
-                    <a:p>
-                      <a:pPr algn="l" fontAlgn="b"/>
-                      <a:endParaRPr lang="pt-BR" sz="1200" b="0" i="0" u="none" strike="noStrike">
-                        <a:solidFill>
-                          <a:srgbClr val="000000"/>
-                        </a:solidFill>
-                        <a:effectLst/>
-                        <a:latin typeface="Calibri" panose="020F0502020204030204" pitchFamily="34" charset="0"/>
-                      </a:endParaRPr>
-                    </a:p>
-                  </a:txBody>
-                  <a:tcPr marL="0" marR="0" marT="0" marB="0" anchor="b">
-                    <a:lnL>
-                      <a:noFill/>
-                    </a:lnL>
-                    <a:lnR>
-                      <a:noFill/>
-                    </a:lnR>
-                    <a:lnT>
-                      <a:noFill/>
-                    </a:lnT>
-                    <a:lnB>
-                      <a:noFill/>
-                    </a:lnB>
-                  </a:tcPr>
-                </a:tc>
-                <a:tc>
-                  <a:txBody>
-                    <a:bodyPr/>
-                    <a:lstStyle/>
-                    <a:p>
-                      <a:pPr algn="l" fontAlgn="b"/>
-                      <a:endParaRPr lang="pt-BR" sz="1200" b="0" i="0" u="none" strike="noStrike">
-                        <a:solidFill>
-                          <a:srgbClr val="000000"/>
-                        </a:solidFill>
-                        <a:effectLst/>
-                        <a:latin typeface="Calibri" panose="020F0502020204030204" pitchFamily="34" charset="0"/>
-                      </a:endParaRPr>
-                    </a:p>
-                  </a:txBody>
-                  <a:tcPr marL="0" marR="0" marT="0" marB="0" anchor="b">
-                    <a:lnL>
-                      <a:noFill/>
-                    </a:lnL>
-                    <a:lnR>
-                      <a:noFill/>
-                    </a:lnR>
-                    <a:lnT>
-                      <a:noFill/>
-                    </a:lnT>
-                    <a:lnB>
-                      <a:noFill/>
-                    </a:lnB>
-                  </a:tcPr>
-                </a:tc>
-                <a:tc>
-                  <a:txBody>
-                    <a:bodyPr/>
-                    <a:lstStyle/>
-                    <a:p>
-                      <a:pPr algn="l" fontAlgn="b"/>
-                      <a:endParaRPr lang="pt-BR" sz="1200" b="0" i="0" u="none" strike="noStrike">
-                        <a:solidFill>
-                          <a:srgbClr val="000000"/>
-                        </a:solidFill>
-                        <a:effectLst/>
-                        <a:latin typeface="Calibri" panose="020F0502020204030204" pitchFamily="34" charset="0"/>
-                      </a:endParaRPr>
-                    </a:p>
-                  </a:txBody>
-                  <a:tcPr marL="0" marR="0" marT="0" marB="0" anchor="b">
-                    <a:lnL>
-                      <a:noFill/>
-                    </a:lnL>
-                    <a:lnR>
-                      <a:noFill/>
-                    </a:lnR>
-                    <a:lnT>
-                      <a:noFill/>
-                    </a:lnT>
-                    <a:lnB>
-                      <a:noFill/>
-                    </a:lnB>
-                  </a:tcPr>
-                </a:tc>
-                <a:tc>
-                  <a:txBody>
-                    <a:bodyPr/>
-                    <a:lstStyle/>
-                    <a:p>
-                      <a:pPr algn="l" fontAlgn="b"/>
-                      <a:endParaRPr lang="pt-BR" sz="1200" b="0" i="0" u="none" strike="noStrike">
-                        <a:solidFill>
-                          <a:srgbClr val="000000"/>
-                        </a:solidFill>
-                        <a:effectLst/>
-                        <a:latin typeface="Calibri" panose="020F0502020204030204" pitchFamily="34" charset="0"/>
-                      </a:endParaRPr>
-                    </a:p>
-                  </a:txBody>
-                  <a:tcPr marL="0" marR="0" marT="0" marB="0" anchor="b">
-                    <a:lnL>
-                      <a:noFill/>
-                    </a:lnL>
-                    <a:lnR>
-                      <a:noFill/>
-                    </a:lnR>
-                    <a:lnT>
-                      <a:noFill/>
-                    </a:lnT>
-                    <a:lnB>
-                      <a:noFill/>
-                    </a:lnB>
-                  </a:tcPr>
-                </a:tc>
-                <a:tc>
-                  <a:txBody>
-                    <a:bodyPr/>
-                    <a:lstStyle/>
-                    <a:p>
-                      <a:pPr algn="l" fontAlgn="b"/>
-                      <a:endParaRPr lang="pt-BR" sz="1200" b="0" i="0" u="none" strike="noStrike">
-                        <a:solidFill>
-                          <a:srgbClr val="000000"/>
-                        </a:solidFill>
-                        <a:effectLst/>
-                        <a:latin typeface="Calibri" panose="020F0502020204030204" pitchFamily="34" charset="0"/>
-                      </a:endParaRPr>
-                    </a:p>
-                  </a:txBody>
-                  <a:tcPr marL="0" marR="0" marT="0" marB="0" anchor="b">
-                    <a:lnL>
-                      <a:noFill/>
-                    </a:lnL>
-                    <a:lnR>
-                      <a:noFill/>
-                    </a:lnR>
-                    <a:lnT>
-                      <a:noFill/>
-                    </a:lnT>
-                    <a:lnB>
-                      <a:noFill/>
-                    </a:lnB>
-                  </a:tcPr>
-                </a:tc>
-                <a:extLst>
-                  <a:ext uri="{0D108BD9-81ED-4DB2-BD59-A6C34878D82A}">
-                    <a16:rowId xmlns:a16="http://schemas.microsoft.com/office/drawing/2014/main" val="1447387580"/>
-                  </a:ext>
-                </a:extLst>
-              </a:tr>
-              <a:tr h="312905">
-                <a:tc>
-                  <a:txBody>
-                    <a:bodyPr/>
-                    <a:lstStyle/>
-                    <a:p>
-                      <a:pPr algn="l" fontAlgn="b"/>
-                      <a:r>
-                        <a:rPr lang="pt-BR" sz="1200" b="0" i="0" u="none" strike="noStrike" dirty="0">
-                          <a:solidFill>
-                            <a:srgbClr val="000000"/>
-                          </a:solidFill>
-                          <a:effectLst/>
-                          <a:latin typeface="Calibri" panose="020F0502020204030204" pitchFamily="34" charset="0"/>
-                        </a:rPr>
-                        <a:t>Versionamento de Documentos para evitar duplicidades</a:t>
-                      </a:r>
-                    </a:p>
-                  </a:txBody>
-                  <a:tcPr marL="0" marR="0" marT="0" marB="0" anchor="b">
-                    <a:lnL>
-                      <a:noFill/>
-                    </a:lnL>
-                    <a:lnR>
-                      <a:noFill/>
-                    </a:lnR>
-                    <a:lnT>
-                      <a:noFill/>
-                    </a:lnT>
-                    <a:lnB>
-                      <a:noFill/>
-                    </a:lnB>
-                    <a:solidFill>
-                      <a:srgbClr val="F2F2F2"/>
-                    </a:solidFill>
-                  </a:tcPr>
-                </a:tc>
-                <a:tc>
-                  <a:txBody>
-                    <a:bodyPr/>
-                    <a:lstStyle/>
-                    <a:p>
-                      <a:pPr algn="l" fontAlgn="b"/>
-                      <a:r>
-                        <a:rPr lang="pt-BR" sz="1200" b="0" i="0" u="none" strike="noStrike">
-                          <a:solidFill>
-                            <a:srgbClr val="404040"/>
-                          </a:solidFill>
-                          <a:effectLst/>
-                          <a:latin typeface="Calibri" panose="020F0502020204030204" pitchFamily="34" charset="0"/>
-                        </a:rPr>
-                        <a:t> </a:t>
-                      </a:r>
-                    </a:p>
-                  </a:txBody>
-                  <a:tcPr marL="0" marR="0" marT="0" marB="0" anchor="b">
-                    <a:lnL>
-                      <a:noFill/>
-                    </a:lnL>
-                    <a:lnR>
-                      <a:noFill/>
-                    </a:lnR>
-                    <a:lnT>
-                      <a:noFill/>
-                    </a:lnT>
-                    <a:lnB>
-                      <a:noFill/>
-                    </a:lnB>
-                    <a:solidFill>
-                      <a:srgbClr val="F2F2F2"/>
-                    </a:solidFill>
-                  </a:tcPr>
-                </a:tc>
-                <a:tc>
-                  <a:txBody>
-                    <a:bodyPr/>
-                    <a:lstStyle/>
-                    <a:p>
-                      <a:pPr algn="l" fontAlgn="b"/>
-                      <a:r>
-                        <a:rPr lang="pt-BR" sz="1200" b="0" i="0" u="none" strike="noStrike">
-                          <a:solidFill>
-                            <a:srgbClr val="404040"/>
-                          </a:solidFill>
-                          <a:effectLst/>
-                          <a:latin typeface="Calibri" panose="020F0502020204030204" pitchFamily="34" charset="0"/>
-                        </a:rPr>
-                        <a:t> </a:t>
-                      </a:r>
-                    </a:p>
-                  </a:txBody>
-                  <a:tcPr marL="0" marR="0" marT="0" marB="0" anchor="b">
-                    <a:lnL>
-                      <a:noFill/>
-                    </a:lnL>
-                    <a:lnR>
-                      <a:noFill/>
-                    </a:lnR>
-                    <a:lnT>
-                      <a:noFill/>
-                    </a:lnT>
-                    <a:lnB>
-                      <a:noFill/>
-                    </a:lnB>
-                    <a:solidFill>
-                      <a:srgbClr val="F2F2F2"/>
-                    </a:solidFill>
-                  </a:tcPr>
-                </a:tc>
-                <a:tc>
-                  <a:txBody>
-                    <a:bodyPr/>
-                    <a:lstStyle/>
-                    <a:p>
-                      <a:pPr algn="l" fontAlgn="b"/>
-                      <a:r>
-                        <a:rPr lang="pt-BR" sz="1200" b="0" i="0" u="none" strike="noStrike">
-                          <a:solidFill>
-                            <a:srgbClr val="404040"/>
-                          </a:solidFill>
-                          <a:effectLst/>
-                          <a:latin typeface="Calibri" panose="020F0502020204030204" pitchFamily="34" charset="0"/>
-                        </a:rPr>
-                        <a:t> </a:t>
-                      </a:r>
-                    </a:p>
-                  </a:txBody>
-                  <a:tcPr marL="0" marR="0" marT="0" marB="0" anchor="b">
-                    <a:lnL>
-                      <a:noFill/>
-                    </a:lnL>
-                    <a:lnR>
-                      <a:noFill/>
-                    </a:lnR>
-                    <a:lnT>
-                      <a:noFill/>
-                    </a:lnT>
-                    <a:lnB>
-                      <a:noFill/>
-                    </a:lnB>
-                    <a:solidFill>
-                      <a:srgbClr val="F2F2F2"/>
-                    </a:solidFill>
-                  </a:tcPr>
-                </a:tc>
-                <a:tc>
-                  <a:txBody>
-                    <a:bodyPr/>
-                    <a:lstStyle/>
-                    <a:p>
-                      <a:pPr algn="l" fontAlgn="b"/>
-                      <a:r>
-                        <a:rPr lang="pt-BR" sz="1200" b="0" i="0" u="none" strike="noStrike">
-                          <a:solidFill>
-                            <a:srgbClr val="404040"/>
-                          </a:solidFill>
-                          <a:effectLst/>
-                          <a:latin typeface="Calibri" panose="020F0502020204030204" pitchFamily="34" charset="0"/>
-                        </a:rPr>
-                        <a:t> </a:t>
-                      </a:r>
-                    </a:p>
-                  </a:txBody>
-                  <a:tcPr marL="0" marR="0" marT="0" marB="0" anchor="b">
-                    <a:lnL>
-                      <a:noFill/>
-                    </a:lnL>
-                    <a:lnR>
-                      <a:noFill/>
-                    </a:lnR>
-                    <a:lnT>
-                      <a:noFill/>
-                    </a:lnT>
-                    <a:lnB>
-                      <a:noFill/>
-                    </a:lnB>
-                    <a:solidFill>
-                      <a:srgbClr val="F2F2F2"/>
-                    </a:solidFill>
-                  </a:tcPr>
-                </a:tc>
-                <a:tc>
-                  <a:txBody>
-                    <a:bodyPr/>
-                    <a:lstStyle/>
-                    <a:p>
-                      <a:pPr algn="l" fontAlgn="b"/>
-                      <a:r>
-                        <a:rPr lang="pt-BR" sz="1200" b="0" i="0" u="none" strike="noStrike">
-                          <a:solidFill>
-                            <a:srgbClr val="404040"/>
-                          </a:solidFill>
-                          <a:effectLst/>
-                          <a:latin typeface="Calibri" panose="020F0502020204030204" pitchFamily="34" charset="0"/>
-                        </a:rPr>
-                        <a:t> </a:t>
-                      </a:r>
-                    </a:p>
-                  </a:txBody>
-                  <a:tcPr marL="0" marR="0" marT="0" marB="0" anchor="b">
-                    <a:lnL>
-                      <a:noFill/>
-                    </a:lnL>
-                    <a:lnR>
-                      <a:noFill/>
-                    </a:lnR>
-                    <a:lnT>
-                      <a:noFill/>
-                    </a:lnT>
-                    <a:lnB>
-                      <a:noFill/>
-                    </a:lnB>
-                    <a:solidFill>
-                      <a:srgbClr val="F2F2F2"/>
-                    </a:solidFill>
-                  </a:tcPr>
-                </a:tc>
-                <a:tc>
-                  <a:txBody>
-                    <a:bodyPr/>
-                    <a:lstStyle/>
-                    <a:p>
-                      <a:pPr algn="l" fontAlgn="b"/>
-                      <a:r>
-                        <a:rPr lang="pt-BR" sz="1200" b="0" i="0" u="none" strike="noStrike">
-                          <a:solidFill>
-                            <a:srgbClr val="404040"/>
-                          </a:solidFill>
-                          <a:effectLst/>
-                          <a:latin typeface="Calibri" panose="020F0502020204030204" pitchFamily="34" charset="0"/>
-                        </a:rPr>
-                        <a:t> </a:t>
-                      </a:r>
-                    </a:p>
-                  </a:txBody>
-                  <a:tcPr marL="0" marR="0" marT="0" marB="0" anchor="b">
-                    <a:lnL>
-                      <a:noFill/>
-                    </a:lnL>
-                    <a:lnR>
-                      <a:noFill/>
-                    </a:lnR>
-                    <a:lnT>
-                      <a:noFill/>
-                    </a:lnT>
-                    <a:lnB>
-                      <a:noFill/>
-                    </a:lnB>
-                    <a:solidFill>
-                      <a:srgbClr val="F2F2F2"/>
-                    </a:solidFill>
-                  </a:tcPr>
-                </a:tc>
-                <a:tc>
-                  <a:txBody>
-                    <a:bodyPr/>
-                    <a:lstStyle/>
-                    <a:p>
-                      <a:pPr algn="l" fontAlgn="b"/>
-                      <a:r>
-                        <a:rPr lang="pt-BR" sz="1200" b="0" i="0" u="none" strike="noStrike">
-                          <a:solidFill>
-                            <a:srgbClr val="404040"/>
-                          </a:solidFill>
-                          <a:effectLst/>
-                          <a:latin typeface="Calibri" panose="020F0502020204030204" pitchFamily="34" charset="0"/>
-                        </a:rPr>
-                        <a:t> </a:t>
-                      </a:r>
-                    </a:p>
-                  </a:txBody>
-                  <a:tcPr marL="0" marR="0" marT="0" marB="0" anchor="b">
-                    <a:lnL>
-                      <a:noFill/>
-                    </a:lnL>
-                    <a:lnR>
-                      <a:noFill/>
-                    </a:lnR>
-                    <a:lnT>
-                      <a:noFill/>
-                    </a:lnT>
-                    <a:lnB>
-                      <a:noFill/>
-                    </a:lnB>
-                    <a:solidFill>
-                      <a:srgbClr val="F2F2F2"/>
-                    </a:solidFill>
-                  </a:tcPr>
-                </a:tc>
-                <a:tc>
-                  <a:txBody>
-                    <a:bodyPr/>
-                    <a:lstStyle/>
-                    <a:p>
-                      <a:pPr algn="l" fontAlgn="b"/>
-                      <a:r>
-                        <a:rPr lang="pt-BR" sz="1200" b="0" i="0" u="none" strike="noStrike">
-                          <a:solidFill>
-                            <a:srgbClr val="000000"/>
-                          </a:solidFill>
-                          <a:effectLst/>
-                          <a:latin typeface="Calibri" panose="020F0502020204030204" pitchFamily="34" charset="0"/>
-                        </a:rPr>
-                        <a:t> </a:t>
-                      </a:r>
-                    </a:p>
-                  </a:txBody>
-                  <a:tcPr marL="0" marR="0" marT="0" marB="0" anchor="b">
-                    <a:lnL>
-                      <a:noFill/>
-                    </a:lnL>
-                    <a:lnR>
-                      <a:noFill/>
-                    </a:lnR>
-                    <a:lnT>
-                      <a:noFill/>
-                    </a:lnT>
-                    <a:lnB>
-                      <a:noFill/>
-                    </a:lnB>
-                    <a:solidFill>
-                      <a:srgbClr val="F2F2F2"/>
-                    </a:solidFill>
-                  </a:tcPr>
-                </a:tc>
-                <a:tc>
-                  <a:txBody>
-                    <a:bodyPr/>
-                    <a:lstStyle/>
-                    <a:p>
-                      <a:pPr algn="l" fontAlgn="b"/>
-                      <a:endParaRPr lang="pt-BR" sz="1200" b="0" i="0" u="none" strike="noStrike">
-                        <a:solidFill>
-                          <a:srgbClr val="000000"/>
-                        </a:solidFill>
-                        <a:effectLst/>
-                        <a:latin typeface="Calibri" panose="020F0502020204030204" pitchFamily="34" charset="0"/>
-                      </a:endParaRPr>
-                    </a:p>
-                  </a:txBody>
-                  <a:tcPr marL="0" marR="0" marT="0" marB="0" anchor="b">
-                    <a:lnL>
-                      <a:noFill/>
-                    </a:lnL>
-                    <a:lnR>
-                      <a:noFill/>
-                    </a:lnR>
-                    <a:lnT>
-                      <a:noFill/>
-                    </a:lnT>
-                    <a:lnB>
-                      <a:noFill/>
-                    </a:lnB>
-                  </a:tcPr>
-                </a:tc>
-                <a:tc>
-                  <a:txBody>
-                    <a:bodyPr/>
-                    <a:lstStyle/>
-                    <a:p>
-                      <a:pPr algn="l" fontAlgn="b"/>
-                      <a:endParaRPr lang="pt-BR" sz="1200" b="0" i="0" u="none" strike="noStrike">
-                        <a:solidFill>
-                          <a:srgbClr val="000000"/>
-                        </a:solidFill>
-                        <a:effectLst/>
-                        <a:latin typeface="Calibri" panose="020F0502020204030204" pitchFamily="34" charset="0"/>
-                      </a:endParaRPr>
-                    </a:p>
-                  </a:txBody>
-                  <a:tcPr marL="0" marR="0" marT="0" marB="0" anchor="b">
-                    <a:lnL>
-                      <a:noFill/>
-                    </a:lnL>
-                    <a:lnR>
-                      <a:noFill/>
-                    </a:lnR>
-                    <a:lnT>
-                      <a:noFill/>
-                    </a:lnT>
-                    <a:lnB>
-                      <a:noFill/>
-                    </a:lnB>
-                  </a:tcPr>
-                </a:tc>
-                <a:tc>
-                  <a:txBody>
-                    <a:bodyPr/>
-                    <a:lstStyle/>
-                    <a:p>
-                      <a:pPr algn="l" fontAlgn="b"/>
-                      <a:endParaRPr lang="pt-BR" sz="1200" b="0" i="0" u="none" strike="noStrike">
-                        <a:solidFill>
-                          <a:srgbClr val="000000"/>
-                        </a:solidFill>
-                        <a:effectLst/>
-                        <a:latin typeface="Calibri" panose="020F0502020204030204" pitchFamily="34" charset="0"/>
-                      </a:endParaRPr>
-                    </a:p>
-                  </a:txBody>
-                  <a:tcPr marL="0" marR="0" marT="0" marB="0" anchor="b">
-                    <a:lnL>
-                      <a:noFill/>
-                    </a:lnL>
-                    <a:lnR>
-                      <a:noFill/>
-                    </a:lnR>
-                    <a:lnT>
-                      <a:noFill/>
-                    </a:lnT>
-                    <a:lnB>
-                      <a:noFill/>
-                    </a:lnB>
-                  </a:tcPr>
-                </a:tc>
-                <a:tc>
-                  <a:txBody>
-                    <a:bodyPr/>
-                    <a:lstStyle/>
-                    <a:p>
-                      <a:pPr algn="l" fontAlgn="b"/>
-                      <a:endParaRPr lang="pt-BR" sz="1200" b="0" i="0" u="none" strike="noStrike">
-                        <a:solidFill>
-                          <a:srgbClr val="000000"/>
-                        </a:solidFill>
-                        <a:effectLst/>
-                        <a:latin typeface="Calibri" panose="020F0502020204030204" pitchFamily="34" charset="0"/>
-                      </a:endParaRPr>
-                    </a:p>
-                  </a:txBody>
-                  <a:tcPr marL="0" marR="0" marT="0" marB="0" anchor="b">
-                    <a:lnL>
-                      <a:noFill/>
-                    </a:lnL>
-                    <a:lnR>
-                      <a:noFill/>
-                    </a:lnR>
-                    <a:lnT>
-                      <a:noFill/>
-                    </a:lnT>
-                    <a:lnB>
-                      <a:noFill/>
-                    </a:lnB>
-                  </a:tcPr>
-                </a:tc>
-                <a:tc>
-                  <a:txBody>
-                    <a:bodyPr/>
-                    <a:lstStyle/>
-                    <a:p>
-                      <a:pPr algn="l" fontAlgn="b"/>
-                      <a:endParaRPr lang="pt-BR" sz="1200" b="0" i="0" u="none" strike="noStrike">
-                        <a:solidFill>
-                          <a:srgbClr val="000000"/>
-                        </a:solidFill>
-                        <a:effectLst/>
-                        <a:latin typeface="Calibri" panose="020F0502020204030204" pitchFamily="34" charset="0"/>
-                      </a:endParaRPr>
-                    </a:p>
-                  </a:txBody>
-                  <a:tcPr marL="0" marR="0" marT="0" marB="0" anchor="b">
-                    <a:lnL>
-                      <a:noFill/>
-                    </a:lnL>
-                    <a:lnR>
-                      <a:noFill/>
-                    </a:lnR>
-                    <a:lnT>
-                      <a:noFill/>
-                    </a:lnT>
-                    <a:lnB>
-                      <a:noFill/>
-                    </a:lnB>
-                  </a:tcPr>
-                </a:tc>
-                <a:tc>
-                  <a:txBody>
-                    <a:bodyPr/>
-                    <a:lstStyle/>
-                    <a:p>
-                      <a:pPr algn="l" fontAlgn="b"/>
-                      <a:endParaRPr lang="pt-BR" sz="1200" b="0" i="0" u="none" strike="noStrike">
-                        <a:solidFill>
-                          <a:srgbClr val="000000"/>
-                        </a:solidFill>
-                        <a:effectLst/>
-                        <a:latin typeface="Calibri" panose="020F0502020204030204" pitchFamily="34" charset="0"/>
-                      </a:endParaRPr>
-                    </a:p>
-                  </a:txBody>
-                  <a:tcPr marL="0" marR="0" marT="0" marB="0" anchor="b">
-                    <a:lnL>
-                      <a:noFill/>
-                    </a:lnL>
-                    <a:lnR>
-                      <a:noFill/>
-                    </a:lnR>
-                    <a:lnT>
-                      <a:noFill/>
-                    </a:lnT>
-                    <a:lnB>
-                      <a:noFill/>
-                    </a:lnB>
-                  </a:tcPr>
-                </a:tc>
-                <a:extLst>
-                  <a:ext uri="{0D108BD9-81ED-4DB2-BD59-A6C34878D82A}">
-                    <a16:rowId xmlns:a16="http://schemas.microsoft.com/office/drawing/2014/main" val="535951868"/>
-                  </a:ext>
-                </a:extLst>
-              </a:tr>
-              <a:tr h="283881">
-                <a:tc gridSpan="2">
-                  <a:txBody>
-                    <a:bodyPr/>
-                    <a:lstStyle/>
-                    <a:p>
-                      <a:pPr algn="l" fontAlgn="b"/>
-                      <a:r>
-                        <a:rPr lang="pt-BR" sz="1200" b="0" i="0" u="none" strike="noStrike">
-                          <a:solidFill>
-                            <a:srgbClr val="000000"/>
-                          </a:solidFill>
-                          <a:effectLst/>
-                          <a:latin typeface="Calibri" panose="020F0502020204030204" pitchFamily="34" charset="0"/>
-                        </a:rPr>
-                        <a:t>Padronização da Inspeção com o fim de torna-la mais objetiva.</a:t>
-                      </a:r>
-                    </a:p>
-                  </a:txBody>
-                  <a:tcPr marL="0" marR="0" marT="0" marB="0" anchor="b">
-                    <a:lnL>
-                      <a:noFill/>
-                    </a:lnL>
-                    <a:lnR>
-                      <a:noFill/>
-                    </a:lnR>
-                    <a:lnT>
-                      <a:noFill/>
-                    </a:lnT>
-                    <a:lnB>
-                      <a:noFill/>
-                    </a:lnB>
-                    <a:solidFill>
-                      <a:srgbClr val="F2F2F2"/>
-                    </a:solidFill>
-                  </a:tcPr>
-                </a:tc>
-                <a:tc hMerge="1">
-                  <a:txBody>
-                    <a:bodyPr/>
-                    <a:lstStyle/>
-                    <a:p>
-                      <a:endParaRPr lang="pt-BR"/>
-                    </a:p>
-                  </a:txBody>
-                  <a:tcPr/>
-                </a:tc>
-                <a:tc>
-                  <a:txBody>
-                    <a:bodyPr/>
-                    <a:lstStyle/>
-                    <a:p>
-                      <a:pPr algn="l" fontAlgn="b"/>
-                      <a:r>
-                        <a:rPr lang="pt-BR" sz="1200" b="0" i="0" u="none" strike="noStrike">
-                          <a:solidFill>
-                            <a:srgbClr val="404040"/>
-                          </a:solidFill>
-                          <a:effectLst/>
-                          <a:latin typeface="Calibri" panose="020F0502020204030204" pitchFamily="34" charset="0"/>
-                        </a:rPr>
-                        <a:t> </a:t>
-                      </a:r>
-                    </a:p>
-                  </a:txBody>
-                  <a:tcPr marL="0" marR="0" marT="0" marB="0" anchor="b">
-                    <a:lnL>
-                      <a:noFill/>
-                    </a:lnL>
-                    <a:lnR>
-                      <a:noFill/>
-                    </a:lnR>
-                    <a:lnT>
-                      <a:noFill/>
-                    </a:lnT>
-                    <a:lnB>
-                      <a:noFill/>
-                    </a:lnB>
-                    <a:solidFill>
-                      <a:srgbClr val="F2F2F2"/>
-                    </a:solidFill>
-                  </a:tcPr>
-                </a:tc>
-                <a:tc>
-                  <a:txBody>
-                    <a:bodyPr/>
-                    <a:lstStyle/>
-                    <a:p>
-                      <a:pPr algn="l" fontAlgn="b"/>
-                      <a:r>
-                        <a:rPr lang="pt-BR" sz="1200" b="0" i="0" u="none" strike="noStrike">
-                          <a:solidFill>
-                            <a:srgbClr val="404040"/>
-                          </a:solidFill>
-                          <a:effectLst/>
-                          <a:latin typeface="Calibri" panose="020F0502020204030204" pitchFamily="34" charset="0"/>
-                        </a:rPr>
-                        <a:t> </a:t>
-                      </a:r>
-                    </a:p>
-                  </a:txBody>
-                  <a:tcPr marL="0" marR="0" marT="0" marB="0" anchor="b">
-                    <a:lnL>
-                      <a:noFill/>
-                    </a:lnL>
-                    <a:lnR>
-                      <a:noFill/>
-                    </a:lnR>
-                    <a:lnT>
-                      <a:noFill/>
-                    </a:lnT>
-                    <a:lnB>
-                      <a:noFill/>
-                    </a:lnB>
-                    <a:solidFill>
-                      <a:srgbClr val="F2F2F2"/>
-                    </a:solidFill>
-                  </a:tcPr>
-                </a:tc>
-                <a:tc>
-                  <a:txBody>
-                    <a:bodyPr/>
-                    <a:lstStyle/>
-                    <a:p>
-                      <a:pPr algn="l" fontAlgn="b"/>
-                      <a:r>
-                        <a:rPr lang="pt-BR" sz="1200" b="0" i="0" u="none" strike="noStrike">
-                          <a:solidFill>
-                            <a:srgbClr val="404040"/>
-                          </a:solidFill>
-                          <a:effectLst/>
-                          <a:latin typeface="Calibri" panose="020F0502020204030204" pitchFamily="34" charset="0"/>
-                        </a:rPr>
-                        <a:t> </a:t>
-                      </a:r>
-                    </a:p>
-                  </a:txBody>
-                  <a:tcPr marL="0" marR="0" marT="0" marB="0" anchor="b">
-                    <a:lnL>
-                      <a:noFill/>
-                    </a:lnL>
-                    <a:lnR>
-                      <a:noFill/>
-                    </a:lnR>
-                    <a:lnT>
-                      <a:noFill/>
-                    </a:lnT>
-                    <a:lnB>
-                      <a:noFill/>
-                    </a:lnB>
-                    <a:solidFill>
-                      <a:srgbClr val="F2F2F2"/>
-                    </a:solidFill>
-                  </a:tcPr>
-                </a:tc>
-                <a:tc>
-                  <a:txBody>
-                    <a:bodyPr/>
-                    <a:lstStyle/>
-                    <a:p>
-                      <a:pPr algn="l" fontAlgn="b"/>
-                      <a:r>
-                        <a:rPr lang="pt-BR" sz="1200" b="0" i="0" u="none" strike="noStrike">
-                          <a:solidFill>
-                            <a:srgbClr val="404040"/>
-                          </a:solidFill>
-                          <a:effectLst/>
-                          <a:latin typeface="Calibri" panose="020F0502020204030204" pitchFamily="34" charset="0"/>
-                        </a:rPr>
-                        <a:t> </a:t>
-                      </a:r>
-                    </a:p>
-                  </a:txBody>
-                  <a:tcPr marL="0" marR="0" marT="0" marB="0" anchor="b">
-                    <a:lnL>
-                      <a:noFill/>
-                    </a:lnL>
-                    <a:lnR>
-                      <a:noFill/>
-                    </a:lnR>
-                    <a:lnT>
-                      <a:noFill/>
-                    </a:lnT>
-                    <a:lnB>
-                      <a:noFill/>
-                    </a:lnB>
-                    <a:solidFill>
-                      <a:srgbClr val="F2F2F2"/>
-                    </a:solidFill>
-                  </a:tcPr>
-                </a:tc>
-                <a:tc>
-                  <a:txBody>
-                    <a:bodyPr/>
-                    <a:lstStyle/>
-                    <a:p>
-                      <a:pPr algn="l" fontAlgn="b"/>
-                      <a:r>
-                        <a:rPr lang="pt-BR" sz="1200" b="0" i="0" u="none" strike="noStrike">
-                          <a:solidFill>
-                            <a:srgbClr val="404040"/>
-                          </a:solidFill>
-                          <a:effectLst/>
-                          <a:latin typeface="Calibri" panose="020F0502020204030204" pitchFamily="34" charset="0"/>
-                        </a:rPr>
-                        <a:t> </a:t>
-                      </a:r>
-                    </a:p>
-                  </a:txBody>
-                  <a:tcPr marL="0" marR="0" marT="0" marB="0" anchor="b">
-                    <a:lnL>
-                      <a:noFill/>
-                    </a:lnL>
-                    <a:lnR>
-                      <a:noFill/>
-                    </a:lnR>
-                    <a:lnT>
-                      <a:noFill/>
-                    </a:lnT>
-                    <a:lnB>
-                      <a:noFill/>
-                    </a:lnB>
-                    <a:solidFill>
-                      <a:srgbClr val="F2F2F2"/>
-                    </a:solidFill>
-                  </a:tcPr>
-                </a:tc>
-                <a:tc>
-                  <a:txBody>
-                    <a:bodyPr/>
-                    <a:lstStyle/>
-                    <a:p>
-                      <a:pPr algn="l" fontAlgn="b"/>
-                      <a:r>
-                        <a:rPr lang="pt-BR" sz="1200" b="0" i="0" u="none" strike="noStrike">
-                          <a:solidFill>
-                            <a:srgbClr val="404040"/>
-                          </a:solidFill>
-                          <a:effectLst/>
-                          <a:latin typeface="Calibri" panose="020F0502020204030204" pitchFamily="34" charset="0"/>
-                        </a:rPr>
-                        <a:t> </a:t>
-                      </a:r>
-                    </a:p>
-                  </a:txBody>
-                  <a:tcPr marL="0" marR="0" marT="0" marB="0" anchor="b">
-                    <a:lnL>
-                      <a:noFill/>
-                    </a:lnL>
-                    <a:lnR>
-                      <a:noFill/>
-                    </a:lnR>
-                    <a:lnT>
-                      <a:noFill/>
-                    </a:lnT>
-                    <a:lnB>
-                      <a:noFill/>
-                    </a:lnB>
-                    <a:solidFill>
-                      <a:srgbClr val="F2F2F2"/>
-                    </a:solidFill>
-                  </a:tcPr>
-                </a:tc>
-                <a:tc>
-                  <a:txBody>
-                    <a:bodyPr/>
-                    <a:lstStyle/>
-                    <a:p>
-                      <a:pPr algn="l" fontAlgn="b"/>
-                      <a:r>
-                        <a:rPr lang="pt-BR" sz="1200" b="0" i="0" u="none" strike="noStrike">
-                          <a:solidFill>
-                            <a:srgbClr val="000000"/>
-                          </a:solidFill>
-                          <a:effectLst/>
-                          <a:latin typeface="Calibri" panose="020F0502020204030204" pitchFamily="34" charset="0"/>
-                        </a:rPr>
-                        <a:t> </a:t>
-                      </a:r>
-                    </a:p>
-                  </a:txBody>
-                  <a:tcPr marL="0" marR="0" marT="0" marB="0" anchor="b">
-                    <a:lnL>
-                      <a:noFill/>
-                    </a:lnL>
-                    <a:lnR>
-                      <a:noFill/>
-                    </a:lnR>
-                    <a:lnT>
-                      <a:noFill/>
-                    </a:lnT>
-                    <a:lnB>
-                      <a:noFill/>
-                    </a:lnB>
-                    <a:solidFill>
-                      <a:srgbClr val="F2F2F2"/>
-                    </a:solidFill>
-                  </a:tcPr>
-                </a:tc>
-                <a:tc>
-                  <a:txBody>
-                    <a:bodyPr/>
-                    <a:lstStyle/>
-                    <a:p>
-                      <a:pPr algn="l" fontAlgn="b"/>
-                      <a:endParaRPr lang="pt-BR" sz="1200" b="0" i="0" u="none" strike="noStrike">
-                        <a:solidFill>
-                          <a:srgbClr val="000000"/>
-                        </a:solidFill>
-                        <a:effectLst/>
-                        <a:latin typeface="Calibri" panose="020F0502020204030204" pitchFamily="34" charset="0"/>
-                      </a:endParaRPr>
-                    </a:p>
-                  </a:txBody>
-                  <a:tcPr marL="0" marR="0" marT="0" marB="0" anchor="b">
-                    <a:lnL>
-                      <a:noFill/>
-                    </a:lnL>
-                    <a:lnR>
-                      <a:noFill/>
-                    </a:lnR>
-                    <a:lnT>
-                      <a:noFill/>
-                    </a:lnT>
-                    <a:lnB>
-                      <a:noFill/>
-                    </a:lnB>
-                  </a:tcPr>
-                </a:tc>
-                <a:tc>
-                  <a:txBody>
-                    <a:bodyPr/>
-                    <a:lstStyle/>
-                    <a:p>
-                      <a:pPr algn="l" fontAlgn="b"/>
-                      <a:endParaRPr lang="pt-BR" sz="1200" b="0" i="0" u="none" strike="noStrike">
-                        <a:solidFill>
-                          <a:srgbClr val="000000"/>
-                        </a:solidFill>
-                        <a:effectLst/>
-                        <a:latin typeface="Calibri" panose="020F0502020204030204" pitchFamily="34" charset="0"/>
-                      </a:endParaRPr>
-                    </a:p>
-                  </a:txBody>
-                  <a:tcPr marL="0" marR="0" marT="0" marB="0" anchor="b">
-                    <a:lnL>
-                      <a:noFill/>
-                    </a:lnL>
-                    <a:lnR>
-                      <a:noFill/>
-                    </a:lnR>
-                    <a:lnT>
-                      <a:noFill/>
-                    </a:lnT>
-                    <a:lnB>
-                      <a:noFill/>
-                    </a:lnB>
-                  </a:tcPr>
-                </a:tc>
-                <a:tc>
-                  <a:txBody>
-                    <a:bodyPr/>
-                    <a:lstStyle/>
-                    <a:p>
-                      <a:pPr algn="l" fontAlgn="b"/>
-                      <a:endParaRPr lang="pt-BR" sz="1200" b="0" i="0" u="none" strike="noStrike">
-                        <a:solidFill>
-                          <a:srgbClr val="000000"/>
-                        </a:solidFill>
-                        <a:effectLst/>
-                        <a:latin typeface="Calibri" panose="020F0502020204030204" pitchFamily="34" charset="0"/>
-                      </a:endParaRPr>
-                    </a:p>
-                  </a:txBody>
-                  <a:tcPr marL="0" marR="0" marT="0" marB="0" anchor="b">
-                    <a:lnL>
-                      <a:noFill/>
-                    </a:lnL>
-                    <a:lnR>
-                      <a:noFill/>
-                    </a:lnR>
-                    <a:lnT>
-                      <a:noFill/>
-                    </a:lnT>
-                    <a:lnB>
-                      <a:noFill/>
-                    </a:lnB>
-                  </a:tcPr>
-                </a:tc>
-                <a:tc>
-                  <a:txBody>
-                    <a:bodyPr/>
-                    <a:lstStyle/>
-                    <a:p>
-                      <a:pPr algn="l" fontAlgn="b"/>
-                      <a:endParaRPr lang="pt-BR" sz="1200" b="0" i="0" u="none" strike="noStrike">
-                        <a:solidFill>
-                          <a:srgbClr val="000000"/>
-                        </a:solidFill>
-                        <a:effectLst/>
-                        <a:latin typeface="Calibri" panose="020F0502020204030204" pitchFamily="34" charset="0"/>
-                      </a:endParaRPr>
-                    </a:p>
-                  </a:txBody>
-                  <a:tcPr marL="0" marR="0" marT="0" marB="0" anchor="b">
-                    <a:lnL>
-                      <a:noFill/>
-                    </a:lnL>
-                    <a:lnR>
-                      <a:noFill/>
-                    </a:lnR>
-                    <a:lnT>
-                      <a:noFill/>
-                    </a:lnT>
-                    <a:lnB>
-                      <a:noFill/>
-                    </a:lnB>
-                  </a:tcPr>
-                </a:tc>
-                <a:tc>
-                  <a:txBody>
-                    <a:bodyPr/>
-                    <a:lstStyle/>
-                    <a:p>
-                      <a:pPr algn="l" fontAlgn="b"/>
-                      <a:endParaRPr lang="pt-BR" sz="1200" b="0" i="0" u="none" strike="noStrike">
-                        <a:solidFill>
-                          <a:srgbClr val="000000"/>
-                        </a:solidFill>
-                        <a:effectLst/>
-                        <a:latin typeface="Calibri" panose="020F0502020204030204" pitchFamily="34" charset="0"/>
-                      </a:endParaRPr>
-                    </a:p>
-                  </a:txBody>
-                  <a:tcPr marL="0" marR="0" marT="0" marB="0" anchor="b">
-                    <a:lnL>
-                      <a:noFill/>
-                    </a:lnL>
-                    <a:lnR>
-                      <a:noFill/>
-                    </a:lnR>
-                    <a:lnT>
-                      <a:noFill/>
-                    </a:lnT>
-                    <a:lnB>
-                      <a:noFill/>
-                    </a:lnB>
-                  </a:tcPr>
-                </a:tc>
-                <a:tc>
-                  <a:txBody>
-                    <a:bodyPr/>
-                    <a:lstStyle/>
-                    <a:p>
-                      <a:pPr algn="l" fontAlgn="b"/>
-                      <a:endParaRPr lang="pt-BR" sz="1200" b="0" i="0" u="none" strike="noStrike">
-                        <a:solidFill>
-                          <a:srgbClr val="000000"/>
-                        </a:solidFill>
-                        <a:effectLst/>
-                        <a:latin typeface="Calibri" panose="020F0502020204030204" pitchFamily="34" charset="0"/>
-                      </a:endParaRPr>
-                    </a:p>
-                  </a:txBody>
-                  <a:tcPr marL="0" marR="0" marT="0" marB="0" anchor="b">
-                    <a:lnL>
-                      <a:noFill/>
-                    </a:lnL>
-                    <a:lnR>
-                      <a:noFill/>
-                    </a:lnR>
-                    <a:lnT>
-                      <a:noFill/>
-                    </a:lnT>
-                    <a:lnB>
-                      <a:noFill/>
-                    </a:lnB>
-                  </a:tcPr>
-                </a:tc>
-                <a:extLst>
-                  <a:ext uri="{0D108BD9-81ED-4DB2-BD59-A6C34878D82A}">
-                    <a16:rowId xmlns:a16="http://schemas.microsoft.com/office/drawing/2014/main" val="486070738"/>
-                  </a:ext>
-                </a:extLst>
-              </a:tr>
-              <a:tr h="312905">
-                <a:tc gridSpan="5">
-                  <a:txBody>
-                    <a:bodyPr/>
-                    <a:lstStyle/>
-                    <a:p>
-                      <a:pPr algn="l" fontAlgn="b"/>
-                      <a:r>
-                        <a:rPr lang="pt-BR" sz="1200" b="0" i="0" u="none" strike="noStrike">
-                          <a:solidFill>
-                            <a:srgbClr val="000000"/>
-                          </a:solidFill>
-                          <a:effectLst/>
-                          <a:latin typeface="Calibri" panose="020F0502020204030204" pitchFamily="34" charset="0"/>
-                        </a:rPr>
-                        <a:t>Treinamentos sobre o que será inspecionado nos documentos e interessados sejam notificados</a:t>
-                      </a:r>
-                    </a:p>
-                  </a:txBody>
-                  <a:tcPr marL="0" marR="0" marT="0" marB="0" anchor="b">
-                    <a:lnL>
-                      <a:noFill/>
-                    </a:lnL>
-                    <a:lnR>
-                      <a:noFill/>
-                    </a:lnR>
-                    <a:lnT>
-                      <a:noFill/>
-                    </a:lnT>
-                    <a:lnB>
-                      <a:noFill/>
-                    </a:lnB>
-                    <a:solidFill>
-                      <a:srgbClr val="F2F2F2"/>
-                    </a:solidFill>
-                  </a:tcPr>
-                </a:tc>
-                <a:tc hMerge="1">
-                  <a:txBody>
-                    <a:bodyPr/>
-                    <a:lstStyle/>
-                    <a:p>
-                      <a:endParaRPr lang="pt-BR"/>
-                    </a:p>
-                  </a:txBody>
-                  <a:tcPr/>
-                </a:tc>
-                <a:tc hMerge="1">
-                  <a:txBody>
-                    <a:bodyPr/>
-                    <a:lstStyle/>
-                    <a:p>
-                      <a:endParaRPr lang="pt-BR"/>
-                    </a:p>
-                  </a:txBody>
-                  <a:tcPr/>
-                </a:tc>
-                <a:tc hMerge="1">
-                  <a:txBody>
-                    <a:bodyPr/>
-                    <a:lstStyle/>
-                    <a:p>
-                      <a:endParaRPr lang="pt-BR"/>
-                    </a:p>
-                  </a:txBody>
-                  <a:tcPr/>
-                </a:tc>
-                <a:tc hMerge="1">
-                  <a:txBody>
-                    <a:bodyPr/>
-                    <a:lstStyle/>
-                    <a:p>
-                      <a:endParaRPr lang="pt-BR"/>
-                    </a:p>
-                  </a:txBody>
-                  <a:tcPr/>
-                </a:tc>
-                <a:tc>
-                  <a:txBody>
-                    <a:bodyPr/>
-                    <a:lstStyle/>
-                    <a:p>
-                      <a:pPr algn="l" fontAlgn="b"/>
-                      <a:r>
-                        <a:rPr lang="pt-BR" sz="1200" b="0" i="0" u="none" strike="noStrike">
-                          <a:solidFill>
-                            <a:srgbClr val="404040"/>
-                          </a:solidFill>
-                          <a:effectLst/>
-                          <a:latin typeface="Calibri" panose="020F0502020204030204" pitchFamily="34" charset="0"/>
-                        </a:rPr>
-                        <a:t> </a:t>
-                      </a:r>
-                    </a:p>
-                  </a:txBody>
-                  <a:tcPr marL="0" marR="0" marT="0" marB="0" anchor="b">
-                    <a:lnL>
-                      <a:noFill/>
-                    </a:lnL>
-                    <a:lnR>
-                      <a:noFill/>
-                    </a:lnR>
-                    <a:lnT>
-                      <a:noFill/>
-                    </a:lnT>
-                    <a:lnB>
-                      <a:noFill/>
-                    </a:lnB>
-                    <a:solidFill>
-                      <a:srgbClr val="F2F2F2"/>
-                    </a:solidFill>
-                  </a:tcPr>
-                </a:tc>
-                <a:tc>
-                  <a:txBody>
-                    <a:bodyPr/>
-                    <a:lstStyle/>
-                    <a:p>
-                      <a:pPr algn="l" fontAlgn="b"/>
-                      <a:r>
-                        <a:rPr lang="pt-BR" sz="1200" b="0" i="0" u="none" strike="noStrike">
-                          <a:solidFill>
-                            <a:srgbClr val="404040"/>
-                          </a:solidFill>
-                          <a:effectLst/>
-                          <a:latin typeface="Calibri" panose="020F0502020204030204" pitchFamily="34" charset="0"/>
-                        </a:rPr>
-                        <a:t> </a:t>
-                      </a:r>
-                    </a:p>
-                  </a:txBody>
-                  <a:tcPr marL="0" marR="0" marT="0" marB="0" anchor="b">
-                    <a:lnL>
-                      <a:noFill/>
-                    </a:lnL>
-                    <a:lnR>
-                      <a:noFill/>
-                    </a:lnR>
-                    <a:lnT>
-                      <a:noFill/>
-                    </a:lnT>
-                    <a:lnB>
-                      <a:noFill/>
-                    </a:lnB>
-                    <a:solidFill>
-                      <a:srgbClr val="F2F2F2"/>
-                    </a:solidFill>
-                  </a:tcPr>
-                </a:tc>
-                <a:tc>
-                  <a:txBody>
-                    <a:bodyPr/>
-                    <a:lstStyle/>
-                    <a:p>
-                      <a:pPr algn="l" fontAlgn="b"/>
-                      <a:r>
-                        <a:rPr lang="pt-BR" sz="1200" b="0" i="0" u="none" strike="noStrike">
-                          <a:solidFill>
-                            <a:srgbClr val="404040"/>
-                          </a:solidFill>
-                          <a:effectLst/>
-                          <a:latin typeface="Calibri" panose="020F0502020204030204" pitchFamily="34" charset="0"/>
-                        </a:rPr>
-                        <a:t> </a:t>
-                      </a:r>
-                    </a:p>
-                  </a:txBody>
-                  <a:tcPr marL="0" marR="0" marT="0" marB="0" anchor="b">
-                    <a:lnL>
-                      <a:noFill/>
-                    </a:lnL>
-                    <a:lnR>
-                      <a:noFill/>
-                    </a:lnR>
-                    <a:lnT>
-                      <a:noFill/>
-                    </a:lnT>
-                    <a:lnB>
-                      <a:noFill/>
-                    </a:lnB>
-                    <a:solidFill>
-                      <a:srgbClr val="F2F2F2"/>
-                    </a:solidFill>
-                  </a:tcPr>
-                </a:tc>
-                <a:tc>
-                  <a:txBody>
-                    <a:bodyPr/>
-                    <a:lstStyle/>
-                    <a:p>
-                      <a:pPr algn="l" fontAlgn="b"/>
-                      <a:r>
-                        <a:rPr lang="pt-BR" sz="1200" b="0" i="0" u="none" strike="noStrike">
-                          <a:solidFill>
-                            <a:srgbClr val="000000"/>
-                          </a:solidFill>
-                          <a:effectLst/>
-                          <a:latin typeface="Calibri" panose="020F0502020204030204" pitchFamily="34" charset="0"/>
-                        </a:rPr>
-                        <a:t> </a:t>
-                      </a:r>
-                    </a:p>
-                  </a:txBody>
-                  <a:tcPr marL="0" marR="0" marT="0" marB="0" anchor="b">
-                    <a:lnL>
-                      <a:noFill/>
-                    </a:lnL>
-                    <a:lnR>
-                      <a:noFill/>
-                    </a:lnR>
-                    <a:lnT>
-                      <a:noFill/>
-                    </a:lnT>
-                    <a:lnB>
-                      <a:noFill/>
-                    </a:lnB>
-                    <a:solidFill>
-                      <a:srgbClr val="F2F2F2"/>
-                    </a:solidFill>
-                  </a:tcPr>
-                </a:tc>
-                <a:tc>
-                  <a:txBody>
-                    <a:bodyPr/>
-                    <a:lstStyle/>
-                    <a:p>
-                      <a:pPr algn="l" fontAlgn="b"/>
-                      <a:endParaRPr lang="pt-BR" sz="1200" b="0" i="0" u="none" strike="noStrike">
-                        <a:solidFill>
-                          <a:srgbClr val="000000"/>
-                        </a:solidFill>
-                        <a:effectLst/>
-                        <a:latin typeface="Calibri" panose="020F0502020204030204" pitchFamily="34" charset="0"/>
-                      </a:endParaRPr>
-                    </a:p>
-                  </a:txBody>
-                  <a:tcPr marL="0" marR="0" marT="0" marB="0" anchor="b">
-                    <a:lnL>
-                      <a:noFill/>
-                    </a:lnL>
-                    <a:lnR>
-                      <a:noFill/>
-                    </a:lnR>
-                    <a:lnT>
-                      <a:noFill/>
-                    </a:lnT>
-                    <a:lnB>
-                      <a:noFill/>
-                    </a:lnB>
-                  </a:tcPr>
-                </a:tc>
-                <a:tc>
-                  <a:txBody>
-                    <a:bodyPr/>
-                    <a:lstStyle/>
-                    <a:p>
-                      <a:pPr algn="l" fontAlgn="b"/>
-                      <a:endParaRPr lang="pt-BR" sz="1200" b="0" i="0" u="none" strike="noStrike">
-                        <a:solidFill>
-                          <a:srgbClr val="000000"/>
-                        </a:solidFill>
-                        <a:effectLst/>
-                        <a:latin typeface="Calibri" panose="020F0502020204030204" pitchFamily="34" charset="0"/>
-                      </a:endParaRPr>
-                    </a:p>
-                  </a:txBody>
-                  <a:tcPr marL="0" marR="0" marT="0" marB="0" anchor="b">
-                    <a:lnL>
-                      <a:noFill/>
-                    </a:lnL>
-                    <a:lnR>
-                      <a:noFill/>
-                    </a:lnR>
-                    <a:lnT>
-                      <a:noFill/>
-                    </a:lnT>
-                    <a:lnB>
-                      <a:noFill/>
-                    </a:lnB>
-                  </a:tcPr>
-                </a:tc>
-                <a:tc>
-                  <a:txBody>
-                    <a:bodyPr/>
-                    <a:lstStyle/>
-                    <a:p>
-                      <a:pPr algn="l" fontAlgn="b"/>
-                      <a:endParaRPr lang="pt-BR" sz="1200" b="0" i="0" u="none" strike="noStrike">
-                        <a:solidFill>
-                          <a:srgbClr val="000000"/>
-                        </a:solidFill>
-                        <a:effectLst/>
-                        <a:latin typeface="Calibri" panose="020F0502020204030204" pitchFamily="34" charset="0"/>
-                      </a:endParaRPr>
-                    </a:p>
-                  </a:txBody>
-                  <a:tcPr marL="0" marR="0" marT="0" marB="0" anchor="b">
-                    <a:lnL>
-                      <a:noFill/>
-                    </a:lnL>
-                    <a:lnR>
-                      <a:noFill/>
-                    </a:lnR>
-                    <a:lnT>
-                      <a:noFill/>
-                    </a:lnT>
-                    <a:lnB>
-                      <a:noFill/>
-                    </a:lnB>
-                  </a:tcPr>
-                </a:tc>
-                <a:tc>
-                  <a:txBody>
-                    <a:bodyPr/>
-                    <a:lstStyle/>
-                    <a:p>
-                      <a:pPr algn="l" fontAlgn="b"/>
-                      <a:endParaRPr lang="pt-BR" sz="1200" b="0" i="0" u="none" strike="noStrike">
-                        <a:solidFill>
-                          <a:srgbClr val="000000"/>
-                        </a:solidFill>
-                        <a:effectLst/>
-                        <a:latin typeface="Calibri" panose="020F0502020204030204" pitchFamily="34" charset="0"/>
-                      </a:endParaRPr>
-                    </a:p>
-                  </a:txBody>
-                  <a:tcPr marL="0" marR="0" marT="0" marB="0" anchor="b">
-                    <a:lnL>
-                      <a:noFill/>
-                    </a:lnL>
-                    <a:lnR>
-                      <a:noFill/>
-                    </a:lnR>
-                    <a:lnT>
-                      <a:noFill/>
-                    </a:lnT>
-                    <a:lnB>
-                      <a:noFill/>
-                    </a:lnB>
-                  </a:tcPr>
-                </a:tc>
-                <a:tc>
-                  <a:txBody>
-                    <a:bodyPr/>
-                    <a:lstStyle/>
-                    <a:p>
-                      <a:pPr algn="l" fontAlgn="b"/>
-                      <a:endParaRPr lang="pt-BR" sz="1200" b="0" i="0" u="none" strike="noStrike">
-                        <a:solidFill>
-                          <a:srgbClr val="000000"/>
-                        </a:solidFill>
-                        <a:effectLst/>
-                        <a:latin typeface="Calibri" panose="020F0502020204030204" pitchFamily="34" charset="0"/>
-                      </a:endParaRPr>
-                    </a:p>
-                  </a:txBody>
-                  <a:tcPr marL="0" marR="0" marT="0" marB="0" anchor="b">
-                    <a:lnL>
-                      <a:noFill/>
-                    </a:lnL>
-                    <a:lnR>
-                      <a:noFill/>
-                    </a:lnR>
-                    <a:lnT>
-                      <a:noFill/>
-                    </a:lnT>
-                    <a:lnB>
-                      <a:noFill/>
-                    </a:lnB>
-                  </a:tcPr>
-                </a:tc>
-                <a:tc>
-                  <a:txBody>
-                    <a:bodyPr/>
-                    <a:lstStyle/>
-                    <a:p>
-                      <a:pPr algn="l" fontAlgn="b"/>
-                      <a:endParaRPr lang="pt-BR" sz="1200" b="0" i="0" u="none" strike="noStrike">
-                        <a:solidFill>
-                          <a:srgbClr val="000000"/>
-                        </a:solidFill>
-                        <a:effectLst/>
-                        <a:latin typeface="Calibri" panose="020F0502020204030204" pitchFamily="34" charset="0"/>
-                      </a:endParaRPr>
-                    </a:p>
-                  </a:txBody>
-                  <a:tcPr marL="0" marR="0" marT="0" marB="0" anchor="b">
-                    <a:lnL>
-                      <a:noFill/>
-                    </a:lnL>
-                    <a:lnR>
-                      <a:noFill/>
-                    </a:lnR>
-                    <a:lnT>
-                      <a:noFill/>
-                    </a:lnT>
-                    <a:lnB>
-                      <a:noFill/>
-                    </a:lnB>
-                  </a:tcPr>
-                </a:tc>
-                <a:extLst>
-                  <a:ext uri="{0D108BD9-81ED-4DB2-BD59-A6C34878D82A}">
-                    <a16:rowId xmlns:a16="http://schemas.microsoft.com/office/drawing/2014/main" val="939675609"/>
-                  </a:ext>
-                </a:extLst>
-              </a:tr>
-              <a:tr h="312905">
-                <a:tc gridSpan="8">
-                  <a:txBody>
-                    <a:bodyPr/>
-                    <a:lstStyle/>
-                    <a:p>
-                      <a:pPr algn="l" fontAlgn="b"/>
-                      <a:r>
-                        <a:rPr lang="pt-BR" sz="1200" b="0" i="0" u="none" strike="noStrike">
-                          <a:solidFill>
-                            <a:srgbClr val="000000"/>
-                          </a:solidFill>
-                          <a:effectLst/>
-                          <a:latin typeface="Calibri" panose="020F0502020204030204" pitchFamily="34" charset="0"/>
-                        </a:rPr>
-                        <a:t>Definição de horas para envio/recebimento de documentos para as áreas. Por exemplo: Antes de Feriado, Sexta Feira, Recessos.</a:t>
-                      </a:r>
-                    </a:p>
-                  </a:txBody>
-                  <a:tcPr marL="0" marR="0" marT="0" marB="0" anchor="b">
-                    <a:lnL>
-                      <a:noFill/>
-                    </a:lnL>
-                    <a:lnR>
-                      <a:noFill/>
-                    </a:lnR>
-                    <a:lnT>
-                      <a:noFill/>
-                    </a:lnT>
-                    <a:lnB>
-                      <a:noFill/>
-                    </a:lnB>
-                    <a:solidFill>
-                      <a:srgbClr val="F2F2F2"/>
-                    </a:solidFill>
-                  </a:tcPr>
-                </a:tc>
-                <a:tc hMerge="1">
-                  <a:txBody>
-                    <a:bodyPr/>
-                    <a:lstStyle/>
-                    <a:p>
-                      <a:endParaRPr lang="pt-BR"/>
-                    </a:p>
-                  </a:txBody>
-                  <a:tcPr/>
-                </a:tc>
-                <a:tc hMerge="1">
-                  <a:txBody>
-                    <a:bodyPr/>
-                    <a:lstStyle/>
-                    <a:p>
-                      <a:endParaRPr lang="pt-BR"/>
-                    </a:p>
-                  </a:txBody>
-                  <a:tcPr/>
-                </a:tc>
-                <a:tc hMerge="1">
-                  <a:txBody>
-                    <a:bodyPr/>
-                    <a:lstStyle/>
-                    <a:p>
-                      <a:endParaRPr lang="pt-BR"/>
-                    </a:p>
-                  </a:txBody>
-                  <a:tcPr/>
-                </a:tc>
-                <a:tc hMerge="1">
-                  <a:txBody>
-                    <a:bodyPr/>
-                    <a:lstStyle/>
-                    <a:p>
-                      <a:endParaRPr lang="pt-BR"/>
-                    </a:p>
-                  </a:txBody>
-                  <a:tcPr/>
-                </a:tc>
-                <a:tc hMerge="1">
-                  <a:txBody>
-                    <a:bodyPr/>
-                    <a:lstStyle/>
-                    <a:p>
-                      <a:endParaRPr lang="pt-BR"/>
-                    </a:p>
-                  </a:txBody>
-                  <a:tcPr/>
-                </a:tc>
-                <a:tc hMerge="1">
-                  <a:txBody>
-                    <a:bodyPr/>
-                    <a:lstStyle/>
-                    <a:p>
-                      <a:endParaRPr lang="pt-BR"/>
-                    </a:p>
-                  </a:txBody>
-                  <a:tcPr/>
-                </a:tc>
-                <a:tc hMerge="1">
-                  <a:txBody>
-                    <a:bodyPr/>
-                    <a:lstStyle/>
-                    <a:p>
-                      <a:endParaRPr lang="pt-BR"/>
-                    </a:p>
-                  </a:txBody>
-                  <a:tcPr/>
-                </a:tc>
-                <a:tc>
-                  <a:txBody>
-                    <a:bodyPr/>
-                    <a:lstStyle/>
-                    <a:p>
-                      <a:pPr algn="l" fontAlgn="b"/>
-                      <a:r>
-                        <a:rPr lang="pt-BR" sz="1200" b="0" i="0" u="none" strike="noStrike">
-                          <a:solidFill>
-                            <a:srgbClr val="000000"/>
-                          </a:solidFill>
-                          <a:effectLst/>
-                          <a:latin typeface="Calibri" panose="020F0502020204030204" pitchFamily="34" charset="0"/>
-                        </a:rPr>
-                        <a:t> </a:t>
-                      </a:r>
-                    </a:p>
-                  </a:txBody>
-                  <a:tcPr marL="0" marR="0" marT="0" marB="0" anchor="b">
-                    <a:lnL>
-                      <a:noFill/>
-                    </a:lnL>
-                    <a:lnR>
-                      <a:noFill/>
-                    </a:lnR>
-                    <a:lnT>
-                      <a:noFill/>
-                    </a:lnT>
-                    <a:lnB>
-                      <a:noFill/>
-                    </a:lnB>
-                    <a:solidFill>
-                      <a:srgbClr val="F2F2F2"/>
-                    </a:solidFill>
-                  </a:tcPr>
-                </a:tc>
-                <a:tc>
-                  <a:txBody>
-                    <a:bodyPr/>
-                    <a:lstStyle/>
-                    <a:p>
-                      <a:pPr algn="l" fontAlgn="b"/>
-                      <a:endParaRPr lang="pt-BR" sz="1200" b="0" i="0" u="none" strike="noStrike">
-                        <a:solidFill>
-                          <a:srgbClr val="000000"/>
-                        </a:solidFill>
-                        <a:effectLst/>
-                        <a:latin typeface="Calibri" panose="020F0502020204030204" pitchFamily="34" charset="0"/>
-                      </a:endParaRPr>
-                    </a:p>
-                  </a:txBody>
-                  <a:tcPr marL="0" marR="0" marT="0" marB="0" anchor="b">
-                    <a:lnL>
-                      <a:noFill/>
-                    </a:lnL>
-                    <a:lnR>
-                      <a:noFill/>
-                    </a:lnR>
-                    <a:lnT>
-                      <a:noFill/>
-                    </a:lnT>
-                    <a:lnB>
-                      <a:noFill/>
-                    </a:lnB>
-                  </a:tcPr>
-                </a:tc>
-                <a:tc>
-                  <a:txBody>
-                    <a:bodyPr/>
-                    <a:lstStyle/>
-                    <a:p>
-                      <a:pPr algn="l" fontAlgn="b"/>
-                      <a:endParaRPr lang="pt-BR" sz="1200" b="0" i="0" u="none" strike="noStrike">
-                        <a:solidFill>
-                          <a:srgbClr val="000000"/>
-                        </a:solidFill>
-                        <a:effectLst/>
-                        <a:latin typeface="Calibri" panose="020F0502020204030204" pitchFamily="34" charset="0"/>
-                      </a:endParaRPr>
-                    </a:p>
-                  </a:txBody>
-                  <a:tcPr marL="0" marR="0" marT="0" marB="0" anchor="b">
-                    <a:lnL>
-                      <a:noFill/>
-                    </a:lnL>
-                    <a:lnR>
-                      <a:noFill/>
-                    </a:lnR>
-                    <a:lnT>
-                      <a:noFill/>
-                    </a:lnT>
-                    <a:lnB>
-                      <a:noFill/>
-                    </a:lnB>
-                  </a:tcPr>
-                </a:tc>
-                <a:tc>
-                  <a:txBody>
-                    <a:bodyPr/>
-                    <a:lstStyle/>
-                    <a:p>
-                      <a:pPr algn="l" fontAlgn="b"/>
-                      <a:endParaRPr lang="pt-BR" sz="1200" b="0" i="0" u="none" strike="noStrike">
-                        <a:solidFill>
-                          <a:srgbClr val="000000"/>
-                        </a:solidFill>
-                        <a:effectLst/>
-                        <a:latin typeface="Calibri" panose="020F0502020204030204" pitchFamily="34" charset="0"/>
-                      </a:endParaRPr>
-                    </a:p>
-                  </a:txBody>
-                  <a:tcPr marL="0" marR="0" marT="0" marB="0" anchor="b">
-                    <a:lnL>
-                      <a:noFill/>
-                    </a:lnL>
-                    <a:lnR>
-                      <a:noFill/>
-                    </a:lnR>
-                    <a:lnT>
-                      <a:noFill/>
-                    </a:lnT>
-                    <a:lnB>
-                      <a:noFill/>
-                    </a:lnB>
-                  </a:tcPr>
-                </a:tc>
-                <a:tc>
-                  <a:txBody>
-                    <a:bodyPr/>
-                    <a:lstStyle/>
-                    <a:p>
-                      <a:pPr algn="l" fontAlgn="b"/>
-                      <a:endParaRPr lang="pt-BR" sz="1200" b="0" i="0" u="none" strike="noStrike">
-                        <a:solidFill>
-                          <a:srgbClr val="000000"/>
-                        </a:solidFill>
-                        <a:effectLst/>
-                        <a:latin typeface="Calibri" panose="020F0502020204030204" pitchFamily="34" charset="0"/>
-                      </a:endParaRPr>
-                    </a:p>
-                  </a:txBody>
-                  <a:tcPr marL="0" marR="0" marT="0" marB="0" anchor="b">
-                    <a:lnL>
-                      <a:noFill/>
-                    </a:lnL>
-                    <a:lnR>
-                      <a:noFill/>
-                    </a:lnR>
-                    <a:lnT>
-                      <a:noFill/>
-                    </a:lnT>
-                    <a:lnB>
-                      <a:noFill/>
-                    </a:lnB>
-                  </a:tcPr>
-                </a:tc>
-                <a:tc>
-                  <a:txBody>
-                    <a:bodyPr/>
-                    <a:lstStyle/>
-                    <a:p>
-                      <a:pPr algn="l" fontAlgn="b"/>
-                      <a:endParaRPr lang="pt-BR" sz="1200" b="0" i="0" u="none" strike="noStrike">
-                        <a:solidFill>
-                          <a:srgbClr val="000000"/>
-                        </a:solidFill>
-                        <a:effectLst/>
-                        <a:latin typeface="Calibri" panose="020F0502020204030204" pitchFamily="34" charset="0"/>
-                      </a:endParaRPr>
-                    </a:p>
-                  </a:txBody>
-                  <a:tcPr marL="0" marR="0" marT="0" marB="0" anchor="b">
-                    <a:lnL>
-                      <a:noFill/>
-                    </a:lnL>
-                    <a:lnR>
-                      <a:noFill/>
-                    </a:lnR>
-                    <a:lnT>
-                      <a:noFill/>
-                    </a:lnT>
-                    <a:lnB>
-                      <a:noFill/>
-                    </a:lnB>
-                  </a:tcPr>
-                </a:tc>
-                <a:tc>
-                  <a:txBody>
-                    <a:bodyPr/>
-                    <a:lstStyle/>
-                    <a:p>
-                      <a:pPr algn="l" fontAlgn="b"/>
-                      <a:endParaRPr lang="pt-BR" sz="1200" b="0" i="0" u="none" strike="noStrike">
-                        <a:solidFill>
-                          <a:srgbClr val="000000"/>
-                        </a:solidFill>
-                        <a:effectLst/>
-                        <a:latin typeface="Calibri" panose="020F0502020204030204" pitchFamily="34" charset="0"/>
-                      </a:endParaRPr>
-                    </a:p>
-                  </a:txBody>
-                  <a:tcPr marL="0" marR="0" marT="0" marB="0" anchor="b">
-                    <a:lnL>
-                      <a:noFill/>
-                    </a:lnL>
-                    <a:lnR>
-                      <a:noFill/>
-                    </a:lnR>
-                    <a:lnT>
-                      <a:noFill/>
-                    </a:lnT>
-                    <a:lnB>
-                      <a:noFill/>
-                    </a:lnB>
-                  </a:tcPr>
-                </a:tc>
-                <a:extLst>
-                  <a:ext uri="{0D108BD9-81ED-4DB2-BD59-A6C34878D82A}">
-                    <a16:rowId xmlns:a16="http://schemas.microsoft.com/office/drawing/2014/main" val="623495523"/>
-                  </a:ext>
-                </a:extLst>
-              </a:tr>
-              <a:tr h="573975">
-                <a:tc gridSpan="9">
-                  <a:txBody>
-                    <a:bodyPr/>
-                    <a:lstStyle/>
-                    <a:p>
-                      <a:pPr algn="l" fontAlgn="b"/>
-                      <a:r>
-                        <a:rPr lang="pt-BR" sz="1200" b="0" i="0" u="none" strike="noStrike">
-                          <a:solidFill>
-                            <a:srgbClr val="000000"/>
-                          </a:solidFill>
-                          <a:effectLst/>
-                          <a:latin typeface="Calibri" panose="020F0502020204030204" pitchFamily="34" charset="0"/>
-                        </a:rPr>
-                        <a:t>Criação de um repositório de conhecimento onde alterações nos padrões sejam replicadas mais rapidamente e as pessoas sejam notificadas destas mudanças</a:t>
-                      </a:r>
-                    </a:p>
-                  </a:txBody>
-                  <a:tcPr marL="0" marR="0" marT="0" marB="0" anchor="b">
-                    <a:lnL>
-                      <a:noFill/>
-                    </a:lnL>
-                    <a:lnR>
-                      <a:noFill/>
-                    </a:lnR>
-                    <a:lnT>
-                      <a:noFill/>
-                    </a:lnT>
-                    <a:lnB>
-                      <a:noFill/>
-                    </a:lnB>
-                    <a:solidFill>
-                      <a:srgbClr val="F2F2F2"/>
-                    </a:solidFill>
-                  </a:tcPr>
-                </a:tc>
-                <a:tc hMerge="1">
-                  <a:txBody>
-                    <a:bodyPr/>
-                    <a:lstStyle/>
-                    <a:p>
-                      <a:endParaRPr lang="pt-BR"/>
-                    </a:p>
-                  </a:txBody>
-                  <a:tcPr/>
-                </a:tc>
-                <a:tc hMerge="1">
-                  <a:txBody>
-                    <a:bodyPr/>
-                    <a:lstStyle/>
-                    <a:p>
-                      <a:endParaRPr lang="pt-BR"/>
-                    </a:p>
-                  </a:txBody>
-                  <a:tcPr/>
-                </a:tc>
-                <a:tc hMerge="1">
-                  <a:txBody>
-                    <a:bodyPr/>
-                    <a:lstStyle/>
-                    <a:p>
-                      <a:endParaRPr lang="pt-BR"/>
-                    </a:p>
-                  </a:txBody>
-                  <a:tcPr/>
-                </a:tc>
-                <a:tc hMerge="1">
-                  <a:txBody>
-                    <a:bodyPr/>
-                    <a:lstStyle/>
-                    <a:p>
-                      <a:endParaRPr lang="pt-BR"/>
-                    </a:p>
-                  </a:txBody>
-                  <a:tcPr/>
-                </a:tc>
-                <a:tc hMerge="1">
-                  <a:txBody>
-                    <a:bodyPr/>
-                    <a:lstStyle/>
-                    <a:p>
-                      <a:endParaRPr lang="pt-BR"/>
-                    </a:p>
-                  </a:txBody>
-                  <a:tcPr/>
-                </a:tc>
-                <a:tc hMerge="1">
-                  <a:txBody>
-                    <a:bodyPr/>
-                    <a:lstStyle/>
-                    <a:p>
-                      <a:endParaRPr lang="pt-BR"/>
-                    </a:p>
-                  </a:txBody>
-                  <a:tcPr/>
-                </a:tc>
-                <a:tc hMerge="1">
-                  <a:txBody>
-                    <a:bodyPr/>
-                    <a:lstStyle/>
-                    <a:p>
-                      <a:endParaRPr lang="pt-BR"/>
-                    </a:p>
-                  </a:txBody>
-                  <a:tcPr/>
-                </a:tc>
-                <a:tc hMerge="1">
-                  <a:txBody>
-                    <a:bodyPr/>
-                    <a:lstStyle/>
-                    <a:p>
-                      <a:endParaRPr lang="pt-BR"/>
-                    </a:p>
-                  </a:txBody>
-                  <a:tcPr/>
-                </a:tc>
-                <a:tc>
-                  <a:txBody>
-                    <a:bodyPr/>
-                    <a:lstStyle/>
-                    <a:p>
-                      <a:pPr algn="l" fontAlgn="b"/>
-                      <a:endParaRPr lang="pt-BR" sz="1200" b="0" i="0" u="none" strike="noStrike">
-                        <a:solidFill>
-                          <a:srgbClr val="000000"/>
-                        </a:solidFill>
-                        <a:effectLst/>
-                        <a:latin typeface="Calibri" panose="020F0502020204030204" pitchFamily="34" charset="0"/>
-                      </a:endParaRPr>
-                    </a:p>
-                  </a:txBody>
-                  <a:tcPr marL="0" marR="0" marT="0" marB="0" anchor="b">
-                    <a:lnL>
-                      <a:noFill/>
-                    </a:lnL>
-                    <a:lnR>
-                      <a:noFill/>
-                    </a:lnR>
-                    <a:lnT>
-                      <a:noFill/>
-                    </a:lnT>
-                    <a:lnB>
-                      <a:noFill/>
-                    </a:lnB>
-                  </a:tcPr>
-                </a:tc>
-                <a:tc>
-                  <a:txBody>
-                    <a:bodyPr/>
-                    <a:lstStyle/>
-                    <a:p>
-                      <a:pPr algn="l" fontAlgn="b"/>
-                      <a:endParaRPr lang="pt-BR" sz="1200" b="0" i="0" u="none" strike="noStrike">
-                        <a:solidFill>
-                          <a:srgbClr val="000000"/>
-                        </a:solidFill>
-                        <a:effectLst/>
-                        <a:latin typeface="Calibri" panose="020F0502020204030204" pitchFamily="34" charset="0"/>
-                      </a:endParaRPr>
-                    </a:p>
-                  </a:txBody>
-                  <a:tcPr marL="0" marR="0" marT="0" marB="0" anchor="b">
-                    <a:lnL>
-                      <a:noFill/>
-                    </a:lnL>
-                    <a:lnR>
-                      <a:noFill/>
-                    </a:lnR>
-                    <a:lnT>
-                      <a:noFill/>
-                    </a:lnT>
-                    <a:lnB>
-                      <a:noFill/>
-                    </a:lnB>
-                  </a:tcPr>
-                </a:tc>
-                <a:tc>
-                  <a:txBody>
-                    <a:bodyPr/>
-                    <a:lstStyle/>
-                    <a:p>
-                      <a:pPr algn="l" fontAlgn="b"/>
-                      <a:endParaRPr lang="pt-BR" sz="1200" b="0" i="0" u="none" strike="noStrike">
-                        <a:solidFill>
-                          <a:srgbClr val="000000"/>
-                        </a:solidFill>
-                        <a:effectLst/>
-                        <a:latin typeface="Calibri" panose="020F0502020204030204" pitchFamily="34" charset="0"/>
-                      </a:endParaRPr>
-                    </a:p>
-                  </a:txBody>
-                  <a:tcPr marL="0" marR="0" marT="0" marB="0" anchor="b">
-                    <a:lnL>
-                      <a:noFill/>
-                    </a:lnL>
-                    <a:lnR>
-                      <a:noFill/>
-                    </a:lnR>
-                    <a:lnT>
-                      <a:noFill/>
-                    </a:lnT>
-                    <a:lnB>
-                      <a:noFill/>
-                    </a:lnB>
-                  </a:tcPr>
-                </a:tc>
-                <a:tc>
-                  <a:txBody>
-                    <a:bodyPr/>
-                    <a:lstStyle/>
-                    <a:p>
-                      <a:pPr algn="l" fontAlgn="b"/>
-                      <a:endParaRPr lang="pt-BR" sz="1200" b="0" i="0" u="none" strike="noStrike">
-                        <a:solidFill>
-                          <a:srgbClr val="000000"/>
-                        </a:solidFill>
-                        <a:effectLst/>
-                        <a:latin typeface="Calibri" panose="020F0502020204030204" pitchFamily="34" charset="0"/>
-                      </a:endParaRPr>
-                    </a:p>
-                  </a:txBody>
-                  <a:tcPr marL="0" marR="0" marT="0" marB="0" anchor="b">
-                    <a:lnL>
-                      <a:noFill/>
-                    </a:lnL>
-                    <a:lnR>
-                      <a:noFill/>
-                    </a:lnR>
-                    <a:lnT>
-                      <a:noFill/>
-                    </a:lnT>
-                    <a:lnB>
-                      <a:noFill/>
-                    </a:lnB>
-                  </a:tcPr>
-                </a:tc>
-                <a:tc>
-                  <a:txBody>
-                    <a:bodyPr/>
-                    <a:lstStyle/>
-                    <a:p>
-                      <a:pPr algn="l" fontAlgn="b"/>
-                      <a:endParaRPr lang="pt-BR" sz="1200" b="0" i="0" u="none" strike="noStrike">
-                        <a:solidFill>
-                          <a:srgbClr val="000000"/>
-                        </a:solidFill>
-                        <a:effectLst/>
-                        <a:latin typeface="Calibri" panose="020F0502020204030204" pitchFamily="34" charset="0"/>
-                      </a:endParaRPr>
-                    </a:p>
-                  </a:txBody>
-                  <a:tcPr marL="0" marR="0" marT="0" marB="0" anchor="b">
-                    <a:lnL>
-                      <a:noFill/>
-                    </a:lnL>
-                    <a:lnR>
-                      <a:noFill/>
-                    </a:lnR>
-                    <a:lnT>
-                      <a:noFill/>
-                    </a:lnT>
-                    <a:lnB>
-                      <a:noFill/>
-                    </a:lnB>
-                  </a:tcPr>
-                </a:tc>
-                <a:tc>
-                  <a:txBody>
-                    <a:bodyPr/>
-                    <a:lstStyle/>
-                    <a:p>
-                      <a:pPr algn="l" fontAlgn="b"/>
-                      <a:endParaRPr lang="pt-BR" sz="1200" b="0" i="0" u="none" strike="noStrike">
-                        <a:solidFill>
-                          <a:srgbClr val="000000"/>
-                        </a:solidFill>
-                        <a:effectLst/>
-                        <a:latin typeface="Calibri" panose="020F0502020204030204" pitchFamily="34" charset="0"/>
-                      </a:endParaRPr>
-                    </a:p>
-                  </a:txBody>
-                  <a:tcPr marL="0" marR="0" marT="0" marB="0" anchor="b">
-                    <a:lnL>
-                      <a:noFill/>
-                    </a:lnL>
-                    <a:lnR>
-                      <a:noFill/>
-                    </a:lnR>
-                    <a:lnT>
-                      <a:noFill/>
-                    </a:lnT>
-                    <a:lnB>
-                      <a:noFill/>
-                    </a:lnB>
-                  </a:tcPr>
-                </a:tc>
-                <a:extLst>
-                  <a:ext uri="{0D108BD9-81ED-4DB2-BD59-A6C34878D82A}">
-                    <a16:rowId xmlns:a16="http://schemas.microsoft.com/office/drawing/2014/main" val="3492161654"/>
-                  </a:ext>
-                </a:extLst>
-              </a:tr>
-              <a:tr h="312905">
-                <a:tc gridSpan="6">
-                  <a:txBody>
-                    <a:bodyPr/>
-                    <a:lstStyle/>
-                    <a:p>
-                      <a:pPr algn="l" fontAlgn="b"/>
-                      <a:r>
-                        <a:rPr lang="pt-BR" sz="1200" b="0" i="0" u="none" strike="noStrike">
-                          <a:solidFill>
-                            <a:srgbClr val="000000"/>
-                          </a:solidFill>
-                          <a:effectLst/>
-                          <a:latin typeface="Calibri" panose="020F0502020204030204" pitchFamily="34" charset="0"/>
-                        </a:rPr>
-                        <a:t>Utilização de tecnicas de desenvolvimento agil como ( Kanban e Stand Up meetings ) para alinhar o trabalho. </a:t>
-                      </a:r>
-                    </a:p>
-                  </a:txBody>
-                  <a:tcPr marL="0" marR="0" marT="0" marB="0" anchor="b">
-                    <a:lnL>
-                      <a:noFill/>
-                    </a:lnL>
-                    <a:lnR>
-                      <a:noFill/>
-                    </a:lnR>
-                    <a:lnT>
-                      <a:noFill/>
-                    </a:lnT>
-                    <a:lnB>
-                      <a:noFill/>
-                    </a:lnB>
-                  </a:tcPr>
-                </a:tc>
-                <a:tc hMerge="1">
-                  <a:txBody>
-                    <a:bodyPr/>
-                    <a:lstStyle/>
-                    <a:p>
-                      <a:endParaRPr lang="pt-BR"/>
-                    </a:p>
-                  </a:txBody>
-                  <a:tcPr/>
-                </a:tc>
-                <a:tc hMerge="1">
-                  <a:txBody>
-                    <a:bodyPr/>
-                    <a:lstStyle/>
-                    <a:p>
-                      <a:endParaRPr lang="pt-BR"/>
-                    </a:p>
-                  </a:txBody>
-                  <a:tcPr/>
-                </a:tc>
-                <a:tc hMerge="1">
-                  <a:txBody>
-                    <a:bodyPr/>
-                    <a:lstStyle/>
-                    <a:p>
-                      <a:endParaRPr lang="pt-BR"/>
-                    </a:p>
-                  </a:txBody>
-                  <a:tcPr/>
-                </a:tc>
-                <a:tc hMerge="1">
-                  <a:txBody>
-                    <a:bodyPr/>
-                    <a:lstStyle/>
-                    <a:p>
-                      <a:endParaRPr lang="pt-BR"/>
-                    </a:p>
-                  </a:txBody>
-                  <a:tcPr/>
-                </a:tc>
-                <a:tc hMerge="1">
-                  <a:txBody>
-                    <a:bodyPr/>
-                    <a:lstStyle/>
-                    <a:p>
-                      <a:endParaRPr lang="pt-BR"/>
-                    </a:p>
-                  </a:txBody>
-                  <a:tcPr/>
-                </a:tc>
-                <a:tc>
-                  <a:txBody>
-                    <a:bodyPr/>
-                    <a:lstStyle/>
-                    <a:p>
-                      <a:pPr algn="l" fontAlgn="b"/>
-                      <a:endParaRPr lang="pt-BR" sz="1200" b="0" i="0" u="none" strike="noStrike">
-                        <a:solidFill>
-                          <a:srgbClr val="000000"/>
-                        </a:solidFill>
-                        <a:effectLst/>
-                        <a:latin typeface="Calibri" panose="020F0502020204030204" pitchFamily="34" charset="0"/>
-                      </a:endParaRPr>
-                    </a:p>
-                  </a:txBody>
-                  <a:tcPr marL="0" marR="0" marT="0" marB="0" anchor="b">
-                    <a:lnL>
-                      <a:noFill/>
-                    </a:lnL>
-                    <a:lnR>
-                      <a:noFill/>
-                    </a:lnR>
-                    <a:lnT>
-                      <a:noFill/>
-                    </a:lnT>
-                    <a:lnB>
-                      <a:noFill/>
-                    </a:lnB>
-                  </a:tcPr>
-                </a:tc>
-                <a:tc>
-                  <a:txBody>
-                    <a:bodyPr/>
-                    <a:lstStyle/>
-                    <a:p>
-                      <a:pPr algn="l" fontAlgn="b"/>
-                      <a:endParaRPr lang="pt-BR" sz="1200" b="0" i="0" u="none" strike="noStrike">
-                        <a:solidFill>
-                          <a:srgbClr val="000000"/>
-                        </a:solidFill>
-                        <a:effectLst/>
-                        <a:latin typeface="Calibri" panose="020F0502020204030204" pitchFamily="34" charset="0"/>
-                      </a:endParaRPr>
-                    </a:p>
-                  </a:txBody>
-                  <a:tcPr marL="0" marR="0" marT="0" marB="0" anchor="b">
-                    <a:lnL>
-                      <a:noFill/>
-                    </a:lnL>
-                    <a:lnR>
-                      <a:noFill/>
-                    </a:lnR>
-                    <a:lnT>
-                      <a:noFill/>
-                    </a:lnT>
-                    <a:lnB>
-                      <a:noFill/>
-                    </a:lnB>
-                  </a:tcPr>
-                </a:tc>
-                <a:tc>
-                  <a:txBody>
-                    <a:bodyPr/>
-                    <a:lstStyle/>
-                    <a:p>
-                      <a:pPr algn="l" fontAlgn="b"/>
-                      <a:endParaRPr lang="pt-BR" sz="1200" b="0" i="0" u="none" strike="noStrike">
-                        <a:solidFill>
-                          <a:srgbClr val="000000"/>
-                        </a:solidFill>
-                        <a:effectLst/>
-                        <a:latin typeface="Calibri" panose="020F0502020204030204" pitchFamily="34" charset="0"/>
-                      </a:endParaRPr>
-                    </a:p>
-                  </a:txBody>
-                  <a:tcPr marL="0" marR="0" marT="0" marB="0" anchor="b">
-                    <a:lnL>
-                      <a:noFill/>
-                    </a:lnL>
-                    <a:lnR>
-                      <a:noFill/>
-                    </a:lnR>
-                    <a:lnT>
-                      <a:noFill/>
-                    </a:lnT>
-                    <a:lnB>
-                      <a:noFill/>
-                    </a:lnB>
-                  </a:tcPr>
-                </a:tc>
-                <a:tc>
-                  <a:txBody>
-                    <a:bodyPr/>
-                    <a:lstStyle/>
-                    <a:p>
-                      <a:pPr algn="l" fontAlgn="b"/>
-                      <a:endParaRPr lang="pt-BR" sz="1200" b="0" i="0" u="none" strike="noStrike">
-                        <a:solidFill>
-                          <a:srgbClr val="000000"/>
-                        </a:solidFill>
-                        <a:effectLst/>
-                        <a:latin typeface="Calibri" panose="020F0502020204030204" pitchFamily="34" charset="0"/>
-                      </a:endParaRPr>
-                    </a:p>
-                  </a:txBody>
-                  <a:tcPr marL="0" marR="0" marT="0" marB="0" anchor="b">
-                    <a:lnL>
-                      <a:noFill/>
-                    </a:lnL>
-                    <a:lnR>
-                      <a:noFill/>
-                    </a:lnR>
-                    <a:lnT>
-                      <a:noFill/>
-                    </a:lnT>
-                    <a:lnB>
-                      <a:noFill/>
-                    </a:lnB>
-                  </a:tcPr>
-                </a:tc>
-                <a:tc>
-                  <a:txBody>
-                    <a:bodyPr/>
-                    <a:lstStyle/>
-                    <a:p>
-                      <a:pPr algn="l" fontAlgn="b"/>
-                      <a:endParaRPr lang="pt-BR" sz="1200" b="0" i="0" u="none" strike="noStrike">
-                        <a:solidFill>
-                          <a:srgbClr val="000000"/>
-                        </a:solidFill>
-                        <a:effectLst/>
-                        <a:latin typeface="Calibri" panose="020F0502020204030204" pitchFamily="34" charset="0"/>
-                      </a:endParaRPr>
-                    </a:p>
-                  </a:txBody>
-                  <a:tcPr marL="0" marR="0" marT="0" marB="0" anchor="b">
-                    <a:lnL>
-                      <a:noFill/>
-                    </a:lnL>
-                    <a:lnR>
-                      <a:noFill/>
-                    </a:lnR>
-                    <a:lnT>
-                      <a:noFill/>
-                    </a:lnT>
-                    <a:lnB>
-                      <a:noFill/>
-                    </a:lnB>
-                  </a:tcPr>
-                </a:tc>
-                <a:tc>
-                  <a:txBody>
-                    <a:bodyPr/>
-                    <a:lstStyle/>
-                    <a:p>
-                      <a:pPr algn="l" fontAlgn="b"/>
-                      <a:endParaRPr lang="pt-BR" sz="1200" b="0" i="0" u="none" strike="noStrike">
-                        <a:solidFill>
-                          <a:srgbClr val="000000"/>
-                        </a:solidFill>
-                        <a:effectLst/>
-                        <a:latin typeface="Calibri" panose="020F0502020204030204" pitchFamily="34" charset="0"/>
-                      </a:endParaRPr>
-                    </a:p>
-                  </a:txBody>
-                  <a:tcPr marL="0" marR="0" marT="0" marB="0" anchor="b">
-                    <a:lnL>
-                      <a:noFill/>
-                    </a:lnL>
-                    <a:lnR>
-                      <a:noFill/>
-                    </a:lnR>
-                    <a:lnT>
-                      <a:noFill/>
-                    </a:lnT>
-                    <a:lnB>
-                      <a:noFill/>
-                    </a:lnB>
-                  </a:tcPr>
-                </a:tc>
-                <a:tc>
-                  <a:txBody>
-                    <a:bodyPr/>
-                    <a:lstStyle/>
-                    <a:p>
-                      <a:pPr algn="l" fontAlgn="b"/>
-                      <a:endParaRPr lang="pt-BR" sz="1200" b="0" i="0" u="none" strike="noStrike">
-                        <a:solidFill>
-                          <a:srgbClr val="000000"/>
-                        </a:solidFill>
-                        <a:effectLst/>
-                        <a:latin typeface="Calibri" panose="020F0502020204030204" pitchFamily="34" charset="0"/>
-                      </a:endParaRPr>
-                    </a:p>
-                  </a:txBody>
-                  <a:tcPr marL="0" marR="0" marT="0" marB="0" anchor="b">
-                    <a:lnL>
-                      <a:noFill/>
-                    </a:lnL>
-                    <a:lnR>
-                      <a:noFill/>
-                    </a:lnR>
-                    <a:lnT>
-                      <a:noFill/>
-                    </a:lnT>
-                    <a:lnB>
-                      <a:noFill/>
-                    </a:lnB>
-                  </a:tcPr>
-                </a:tc>
-                <a:tc>
-                  <a:txBody>
-                    <a:bodyPr/>
-                    <a:lstStyle/>
-                    <a:p>
-                      <a:pPr algn="l" fontAlgn="b"/>
-                      <a:endParaRPr lang="pt-BR" sz="1200" b="0" i="0" u="none" strike="noStrike">
-                        <a:solidFill>
-                          <a:srgbClr val="000000"/>
-                        </a:solidFill>
-                        <a:effectLst/>
-                        <a:latin typeface="Calibri" panose="020F0502020204030204" pitchFamily="34" charset="0"/>
-                      </a:endParaRPr>
-                    </a:p>
-                  </a:txBody>
-                  <a:tcPr marL="0" marR="0" marT="0" marB="0" anchor="b">
-                    <a:lnL>
-                      <a:noFill/>
-                    </a:lnL>
-                    <a:lnR>
-                      <a:noFill/>
-                    </a:lnR>
-                    <a:lnT>
-                      <a:noFill/>
-                    </a:lnT>
-                    <a:lnB>
-                      <a:noFill/>
-                    </a:lnB>
-                  </a:tcPr>
-                </a:tc>
-                <a:tc>
-                  <a:txBody>
-                    <a:bodyPr/>
-                    <a:lstStyle/>
-                    <a:p>
-                      <a:pPr algn="l" fontAlgn="b"/>
-                      <a:endParaRPr lang="pt-BR" sz="1200" b="0" i="0" u="none" strike="noStrike">
-                        <a:solidFill>
-                          <a:srgbClr val="000000"/>
-                        </a:solidFill>
-                        <a:effectLst/>
-                        <a:latin typeface="Calibri" panose="020F0502020204030204" pitchFamily="34" charset="0"/>
-                      </a:endParaRPr>
-                    </a:p>
-                  </a:txBody>
-                  <a:tcPr marL="0" marR="0" marT="0" marB="0" anchor="b">
-                    <a:lnL>
-                      <a:noFill/>
-                    </a:lnL>
-                    <a:lnR>
-                      <a:noFill/>
-                    </a:lnR>
-                    <a:lnT>
-                      <a:noFill/>
-                    </a:lnT>
-                    <a:lnB>
-                      <a:noFill/>
-                    </a:lnB>
-                  </a:tcPr>
-                </a:tc>
-                <a:extLst>
-                  <a:ext uri="{0D108BD9-81ED-4DB2-BD59-A6C34878D82A}">
-                    <a16:rowId xmlns:a16="http://schemas.microsoft.com/office/drawing/2014/main" val="3259447469"/>
-                  </a:ext>
-                </a:extLst>
-              </a:tr>
-              <a:tr h="312905">
-                <a:tc gridSpan="13">
-                  <a:txBody>
-                    <a:bodyPr/>
-                    <a:lstStyle/>
-                    <a:p>
-                      <a:pPr algn="l" fontAlgn="b"/>
-                      <a:r>
-                        <a:rPr lang="pt-BR" sz="1200" b="0" i="0" u="none" strike="noStrike">
-                          <a:solidFill>
-                            <a:srgbClr val="000000"/>
-                          </a:solidFill>
-                          <a:effectLst/>
-                          <a:latin typeface="Calibri" panose="020F0502020204030204" pitchFamily="34" charset="0"/>
-                        </a:rPr>
-                        <a:t>Organização da pasta de conhecimento K onde estão contidos os modelos de documento. Todos precisam ser notificados quando houver alterações de forma automática. </a:t>
-                      </a:r>
-                    </a:p>
-                  </a:txBody>
-                  <a:tcPr marL="0" marR="0" marT="0" marB="0" anchor="b">
-                    <a:lnL>
-                      <a:noFill/>
-                    </a:lnL>
-                    <a:lnR>
-                      <a:noFill/>
-                    </a:lnR>
-                    <a:lnT>
-                      <a:noFill/>
-                    </a:lnT>
-                    <a:lnB>
-                      <a:noFill/>
-                    </a:lnB>
-                  </a:tcPr>
-                </a:tc>
-                <a:tc hMerge="1">
-                  <a:txBody>
-                    <a:bodyPr/>
-                    <a:lstStyle/>
-                    <a:p>
-                      <a:endParaRPr lang="pt-BR"/>
-                    </a:p>
-                  </a:txBody>
-                  <a:tcPr/>
-                </a:tc>
-                <a:tc hMerge="1">
-                  <a:txBody>
-                    <a:bodyPr/>
-                    <a:lstStyle/>
-                    <a:p>
-                      <a:endParaRPr lang="pt-BR"/>
-                    </a:p>
-                  </a:txBody>
-                  <a:tcPr/>
-                </a:tc>
-                <a:tc hMerge="1">
-                  <a:txBody>
-                    <a:bodyPr/>
-                    <a:lstStyle/>
-                    <a:p>
-                      <a:endParaRPr lang="pt-BR"/>
-                    </a:p>
-                  </a:txBody>
-                  <a:tcPr/>
-                </a:tc>
-                <a:tc hMerge="1">
-                  <a:txBody>
-                    <a:bodyPr/>
-                    <a:lstStyle/>
-                    <a:p>
-                      <a:endParaRPr lang="pt-BR"/>
-                    </a:p>
-                  </a:txBody>
-                  <a:tcPr/>
-                </a:tc>
-                <a:tc hMerge="1">
-                  <a:txBody>
-                    <a:bodyPr/>
-                    <a:lstStyle/>
-                    <a:p>
-                      <a:endParaRPr lang="pt-BR"/>
-                    </a:p>
-                  </a:txBody>
-                  <a:tcPr/>
-                </a:tc>
-                <a:tc hMerge="1">
-                  <a:txBody>
-                    <a:bodyPr/>
-                    <a:lstStyle/>
-                    <a:p>
-                      <a:endParaRPr lang="pt-BR"/>
-                    </a:p>
-                  </a:txBody>
-                  <a:tcPr/>
-                </a:tc>
-                <a:tc hMerge="1">
-                  <a:txBody>
-                    <a:bodyPr/>
-                    <a:lstStyle/>
-                    <a:p>
-                      <a:endParaRPr lang="pt-BR"/>
-                    </a:p>
-                  </a:txBody>
-                  <a:tcPr/>
-                </a:tc>
-                <a:tc hMerge="1">
-                  <a:txBody>
-                    <a:bodyPr/>
-                    <a:lstStyle/>
-                    <a:p>
-                      <a:endParaRPr lang="pt-BR"/>
-                    </a:p>
-                  </a:txBody>
-                  <a:tcPr/>
-                </a:tc>
-                <a:tc hMerge="1">
-                  <a:txBody>
-                    <a:bodyPr/>
-                    <a:lstStyle/>
-                    <a:p>
-                      <a:endParaRPr lang="pt-BR"/>
-                    </a:p>
-                  </a:txBody>
-                  <a:tcPr/>
-                </a:tc>
-                <a:tc hMerge="1">
-                  <a:txBody>
-                    <a:bodyPr/>
-                    <a:lstStyle/>
-                    <a:p>
-                      <a:endParaRPr lang="pt-BR"/>
-                    </a:p>
-                  </a:txBody>
-                  <a:tcPr/>
-                </a:tc>
-                <a:tc hMerge="1">
-                  <a:txBody>
-                    <a:bodyPr/>
-                    <a:lstStyle/>
-                    <a:p>
-                      <a:endParaRPr lang="pt-BR"/>
-                    </a:p>
-                  </a:txBody>
-                  <a:tcPr/>
-                </a:tc>
-                <a:tc hMerge="1">
-                  <a:txBody>
-                    <a:bodyPr/>
-                    <a:lstStyle/>
-                    <a:p>
-                      <a:endParaRPr lang="pt-BR"/>
-                    </a:p>
-                  </a:txBody>
-                  <a:tcPr/>
-                </a:tc>
-                <a:tc>
-                  <a:txBody>
-                    <a:bodyPr/>
-                    <a:lstStyle/>
-                    <a:p>
-                      <a:pPr algn="l" fontAlgn="b"/>
-                      <a:endParaRPr lang="pt-BR" sz="1200" b="0" i="0" u="none" strike="noStrike">
-                        <a:solidFill>
-                          <a:srgbClr val="000000"/>
-                        </a:solidFill>
-                        <a:effectLst/>
-                        <a:latin typeface="Calibri" panose="020F0502020204030204" pitchFamily="34" charset="0"/>
-                      </a:endParaRPr>
-                    </a:p>
-                  </a:txBody>
-                  <a:tcPr marL="0" marR="0" marT="0" marB="0" anchor="b">
-                    <a:lnL>
-                      <a:noFill/>
-                    </a:lnL>
-                    <a:lnR>
-                      <a:noFill/>
-                    </a:lnR>
-                    <a:lnT>
-                      <a:noFill/>
-                    </a:lnT>
-                    <a:lnB>
-                      <a:noFill/>
-                    </a:lnB>
-                  </a:tcPr>
-                </a:tc>
-                <a:tc>
-                  <a:txBody>
-                    <a:bodyPr/>
-                    <a:lstStyle/>
-                    <a:p>
-                      <a:pPr algn="l" fontAlgn="b"/>
-                      <a:endParaRPr lang="pt-BR" sz="1200" b="0" i="0" u="none" strike="noStrike">
-                        <a:solidFill>
-                          <a:srgbClr val="000000"/>
-                        </a:solidFill>
-                        <a:effectLst/>
-                        <a:latin typeface="Calibri" panose="020F0502020204030204" pitchFamily="34" charset="0"/>
-                      </a:endParaRPr>
-                    </a:p>
-                  </a:txBody>
-                  <a:tcPr marL="0" marR="0" marT="0" marB="0" anchor="b">
-                    <a:lnL>
-                      <a:noFill/>
-                    </a:lnL>
-                    <a:lnR>
-                      <a:noFill/>
-                    </a:lnR>
-                    <a:lnT>
-                      <a:noFill/>
-                    </a:lnT>
-                    <a:lnB>
-                      <a:noFill/>
-                    </a:lnB>
-                  </a:tcPr>
-                </a:tc>
-                <a:extLst>
-                  <a:ext uri="{0D108BD9-81ED-4DB2-BD59-A6C34878D82A}">
-                    <a16:rowId xmlns:a16="http://schemas.microsoft.com/office/drawing/2014/main" val="1832681166"/>
-                  </a:ext>
-                </a:extLst>
-              </a:tr>
-              <a:tr h="312905">
-                <a:tc gridSpan="15">
-                  <a:txBody>
-                    <a:bodyPr/>
-                    <a:lstStyle/>
-                    <a:p>
-                      <a:pPr algn="l" fontAlgn="b"/>
-                      <a:r>
-                        <a:rPr lang="pt-BR" sz="1200" b="0" i="0" u="none" strike="noStrike" dirty="0">
-                          <a:solidFill>
-                            <a:srgbClr val="000000"/>
-                          </a:solidFill>
-                          <a:effectLst/>
-                          <a:latin typeface="Calibri" panose="020F0502020204030204" pitchFamily="34" charset="0"/>
-                        </a:rPr>
-                        <a:t>Alterações nos modelos de checklist e Documentos precisam ser atualizados no site do TRE e todos precisam referir ao mesmo em caso de dúvidas. A versão valida e aprovada deve estar no site.</a:t>
-                      </a:r>
-                    </a:p>
-                  </a:txBody>
-                  <a:tcPr marL="0" marR="0" marT="0" marB="0" anchor="b">
-                    <a:lnL>
-                      <a:noFill/>
-                    </a:lnL>
-                    <a:lnR>
-                      <a:noFill/>
-                    </a:lnR>
-                    <a:lnT>
-                      <a:noFill/>
-                    </a:lnT>
-                    <a:lnB>
-                      <a:noFill/>
-                    </a:lnB>
-                  </a:tcPr>
-                </a:tc>
-                <a:tc hMerge="1">
-                  <a:txBody>
-                    <a:bodyPr/>
-                    <a:lstStyle/>
-                    <a:p>
-                      <a:endParaRPr lang="pt-BR"/>
-                    </a:p>
-                  </a:txBody>
-                  <a:tcPr/>
-                </a:tc>
-                <a:tc hMerge="1">
-                  <a:txBody>
-                    <a:bodyPr/>
-                    <a:lstStyle/>
-                    <a:p>
-                      <a:endParaRPr lang="pt-BR"/>
-                    </a:p>
-                  </a:txBody>
-                  <a:tcPr/>
-                </a:tc>
-                <a:tc hMerge="1">
-                  <a:txBody>
-                    <a:bodyPr/>
-                    <a:lstStyle/>
-                    <a:p>
-                      <a:endParaRPr lang="pt-BR"/>
-                    </a:p>
-                  </a:txBody>
-                  <a:tcPr/>
-                </a:tc>
-                <a:tc hMerge="1">
-                  <a:txBody>
-                    <a:bodyPr/>
-                    <a:lstStyle/>
-                    <a:p>
-                      <a:endParaRPr lang="pt-BR"/>
-                    </a:p>
-                  </a:txBody>
-                  <a:tcPr/>
-                </a:tc>
-                <a:tc hMerge="1">
-                  <a:txBody>
-                    <a:bodyPr/>
-                    <a:lstStyle/>
-                    <a:p>
-                      <a:endParaRPr lang="pt-BR"/>
-                    </a:p>
-                  </a:txBody>
-                  <a:tcPr/>
-                </a:tc>
-                <a:tc hMerge="1">
-                  <a:txBody>
-                    <a:bodyPr/>
-                    <a:lstStyle/>
-                    <a:p>
-                      <a:endParaRPr lang="pt-BR"/>
-                    </a:p>
-                  </a:txBody>
-                  <a:tcPr/>
-                </a:tc>
-                <a:tc hMerge="1">
-                  <a:txBody>
-                    <a:bodyPr/>
-                    <a:lstStyle/>
-                    <a:p>
-                      <a:endParaRPr lang="pt-BR"/>
-                    </a:p>
-                  </a:txBody>
-                  <a:tcPr/>
-                </a:tc>
-                <a:tc hMerge="1">
-                  <a:txBody>
-                    <a:bodyPr/>
-                    <a:lstStyle/>
-                    <a:p>
-                      <a:endParaRPr lang="pt-BR"/>
-                    </a:p>
-                  </a:txBody>
-                  <a:tcPr/>
-                </a:tc>
-                <a:tc hMerge="1">
-                  <a:txBody>
-                    <a:bodyPr/>
-                    <a:lstStyle/>
-                    <a:p>
-                      <a:endParaRPr lang="pt-BR"/>
-                    </a:p>
-                  </a:txBody>
-                  <a:tcPr/>
-                </a:tc>
-                <a:tc hMerge="1">
-                  <a:txBody>
-                    <a:bodyPr/>
-                    <a:lstStyle/>
-                    <a:p>
-                      <a:endParaRPr lang="pt-BR"/>
-                    </a:p>
-                  </a:txBody>
-                  <a:tcPr/>
-                </a:tc>
-                <a:tc hMerge="1">
-                  <a:txBody>
-                    <a:bodyPr/>
-                    <a:lstStyle/>
-                    <a:p>
-                      <a:endParaRPr lang="pt-BR"/>
-                    </a:p>
-                  </a:txBody>
-                  <a:tcPr/>
-                </a:tc>
-                <a:tc hMerge="1">
-                  <a:txBody>
-                    <a:bodyPr/>
-                    <a:lstStyle/>
-                    <a:p>
-                      <a:endParaRPr lang="pt-BR"/>
-                    </a:p>
-                  </a:txBody>
-                  <a:tcPr/>
-                </a:tc>
-                <a:tc hMerge="1">
-                  <a:txBody>
-                    <a:bodyPr/>
-                    <a:lstStyle/>
-                    <a:p>
-                      <a:endParaRPr lang="pt-BR"/>
-                    </a:p>
-                  </a:txBody>
-                  <a:tcPr/>
-                </a:tc>
-                <a:tc hMerge="1">
-                  <a:txBody>
-                    <a:bodyPr/>
-                    <a:lstStyle/>
-                    <a:p>
-                      <a:endParaRPr lang="pt-BR"/>
-                    </a:p>
-                  </a:txBody>
-                  <a:tcPr/>
-                </a:tc>
-                <a:extLst>
-                  <a:ext uri="{0D108BD9-81ED-4DB2-BD59-A6C34878D82A}">
-                    <a16:rowId xmlns:a16="http://schemas.microsoft.com/office/drawing/2014/main" val="1466212511"/>
-                  </a:ext>
-                </a:extLst>
-              </a:tr>
-            </a:tbl>
-          </a:graphicData>
-        </a:graphic>
-      </p:graphicFrame>
     </p:spTree>
     <p:extLst>
       <p:ext uri="{BB962C8B-B14F-4D97-AF65-F5344CB8AC3E}">
@@ -8042,6 +7512,161 @@
             <p:ph idx="1"/>
           </p:nvPr>
         </p:nvSpPr>
+        <p:spPr>
+          <a:xfrm>
+            <a:off x="1097280" y="1845734"/>
+            <a:ext cx="10058400" cy="4396040"/>
+          </a:xfrm>
+        </p:spPr>
+        <p:txBody>
+          <a:bodyPr>
+            <a:normAutofit lnSpcReduction="10000"/>
+          </a:bodyPr>
+          <a:lstStyle/>
+          <a:p>
+            <a:r>
+              <a:rPr lang="en-US" sz="2300" dirty="0" err="1"/>
+              <a:t>Quais</a:t>
+            </a:r>
+            <a:r>
+              <a:rPr lang="en-US" sz="2300" dirty="0"/>
+              <a:t> as </a:t>
+            </a:r>
+            <a:r>
+              <a:rPr lang="en-US" sz="2300" dirty="0" err="1"/>
+              <a:t>possíveis</a:t>
+            </a:r>
+            <a:r>
+              <a:rPr lang="en-US" sz="2300" dirty="0"/>
+              <a:t> </a:t>
+            </a:r>
+            <a:r>
+              <a:rPr lang="en-US" sz="2300" dirty="0" err="1"/>
+              <a:t>Soluções</a:t>
+            </a:r>
+            <a:r>
+              <a:rPr lang="en-US" sz="2300" dirty="0"/>
+              <a:t>?</a:t>
+            </a:r>
+          </a:p>
+          <a:p>
+            <a:pPr algn="just"/>
+            <a:r>
+              <a:rPr lang="pt-BR" sz="2300" dirty="0"/>
+              <a:t>- Criação de um repositório de conhecimento onde alterações nos padrões sejam replicadas mais rapidamente e as pessoas sejam notificadas destas mudanças;</a:t>
+            </a:r>
+          </a:p>
+          <a:p>
+            <a:pPr algn="just"/>
+            <a:r>
+              <a:rPr lang="pt-BR" sz="2300" dirty="0"/>
+              <a:t>- Utilização de técnicas de desenvolvimento ágil como: Kankan e Stand </a:t>
+            </a:r>
+            <a:r>
+              <a:rPr lang="pt-BR" sz="2300" dirty="0" err="1"/>
+              <a:t>up</a:t>
+            </a:r>
+            <a:r>
+              <a:rPr lang="pt-BR" sz="2300" dirty="0"/>
+              <a:t> meetings; para alinhar o trabalho;</a:t>
+            </a:r>
+          </a:p>
+          <a:p>
+            <a:pPr algn="just"/>
+            <a:r>
+              <a:rPr lang="pt-BR" sz="2300" dirty="0"/>
+              <a:t>- Organização da pasta de conhecimento K onde estão contidos os modelos de documento. Todos precisam ser notificados quando houver alterações de forma automática;</a:t>
+            </a:r>
+          </a:p>
+          <a:p>
+            <a:pPr algn="just"/>
+            <a:r>
+              <a:rPr lang="pt-BR" sz="2300" dirty="0"/>
+              <a:t>- Alterações nos modelos de checklist e Documentos precisam ser atualizados no site do TRE e todos precisam referir ao mesmo em caso de dúvidas. A versão valida e aprovada deve estar no site;</a:t>
+            </a:r>
+          </a:p>
+          <a:p>
+            <a:pPr algn="just"/>
+            <a:r>
+              <a:rPr lang="pt-BR" sz="2300" dirty="0"/>
+              <a:t>- Criar um fluxo de aprovação de alteração nos modelos.</a:t>
+            </a:r>
+            <a:endParaRPr lang="en-US" sz="2300" dirty="0"/>
+          </a:p>
+          <a:p>
+            <a:endParaRPr lang="en-US" dirty="0"/>
+          </a:p>
+          <a:p>
+            <a:endParaRPr lang="en-US" dirty="0"/>
+          </a:p>
+          <a:p>
+            <a:endParaRPr lang="en-US" dirty="0"/>
+          </a:p>
+        </p:txBody>
+      </p:sp>
+    </p:spTree>
+    <p:extLst>
+      <p:ext uri="{BB962C8B-B14F-4D97-AF65-F5344CB8AC3E}">
+        <p14:creationId xmlns:p14="http://schemas.microsoft.com/office/powerpoint/2010/main" val="2187733194"/>
+      </p:ext>
+    </p:extLst>
+  </p:cSld>
+  <p:clrMapOvr>
+    <a:masterClrMapping/>
+  </p:clrMapOvr>
+</p:sld>
+</file>
+
+<file path=ppt/slides/slide7.xml><?xml version="1.0" encoding="utf-8"?>
+<p:sld xmlns:a="http://schemas.openxmlformats.org/drawingml/2006/main" xmlns:r="http://schemas.openxmlformats.org/officeDocument/2006/relationships" xmlns:p="http://schemas.openxmlformats.org/presentationml/2006/main">
+  <p:cSld>
+    <p:spTree>
+      <p:nvGrpSpPr>
+        <p:cNvPr id="1" name=""/>
+        <p:cNvGrpSpPr/>
+        <p:nvPr/>
+      </p:nvGrpSpPr>
+      <p:grpSpPr>
+        <a:xfrm>
+          <a:off x="0" y="0"/>
+          <a:ext cx="0" cy="0"/>
+          <a:chOff x="0" y="0"/>
+          <a:chExt cx="0" cy="0"/>
+        </a:xfrm>
+      </p:grpSpPr>
+      <p:sp>
+        <p:nvSpPr>
+          <p:cNvPr id="2" name="Title 1"/>
+          <p:cNvSpPr>
+            <a:spLocks noGrp="1"/>
+          </p:cNvSpPr>
+          <p:nvPr>
+            <p:ph type="title"/>
+          </p:nvPr>
+        </p:nvSpPr>
+        <p:spPr/>
+        <p:txBody>
+          <a:bodyPr/>
+          <a:lstStyle/>
+          <a:p>
+            <a:r>
+              <a:rPr lang="en-US" dirty="0" err="1"/>
+              <a:t>Perguntas</a:t>
+            </a:r>
+            <a:endParaRPr lang="en-US" dirty="0"/>
+          </a:p>
+        </p:txBody>
+      </p:sp>
+      <p:sp>
+        <p:nvSpPr>
+          <p:cNvPr id="3" name="Content Placeholder 2"/>
+          <p:cNvSpPr>
+            <a:spLocks noGrp="1"/>
+          </p:cNvSpPr>
+          <p:nvPr>
+            <p:ph idx="1"/>
+          </p:nvPr>
+        </p:nvSpPr>
         <p:spPr/>
         <p:txBody>
           <a:bodyPr/>
@@ -8140,8 +7765,8 @@
         </p:blipFill>
         <p:spPr>
           <a:xfrm>
-            <a:off x="8587698" y="5106410"/>
-            <a:ext cx="1920645" cy="1230851"/>
+            <a:off x="8508187" y="4987142"/>
+            <a:ext cx="1802006" cy="1230851"/>
           </a:xfrm>
           <a:prstGeom prst="rect">
             <a:avLst/>
@@ -8170,7 +7795,7 @@
         </p:blipFill>
         <p:spPr>
           <a:xfrm>
-            <a:off x="8587697" y="2389567"/>
+            <a:off x="8494933" y="2283551"/>
             <a:ext cx="1802007" cy="1377177"/>
           </a:xfrm>
           <a:prstGeom prst="rect">
@@ -8200,8 +7825,8 @@
         </p:blipFill>
         <p:spPr>
           <a:xfrm>
-            <a:off x="8513665" y="3842772"/>
-            <a:ext cx="1950069" cy="1187610"/>
+            <a:off x="8513665" y="3723504"/>
+            <a:ext cx="1783275" cy="1187610"/>
           </a:xfrm>
           <a:prstGeom prst="rect">
             <a:avLst/>
@@ -8221,7 +7846,7 @@
 </p:sld>
 </file>
 
-<file path=ppt/slides/slide7.xml><?xml version="1.0" encoding="utf-8"?>
+<file path=ppt/slides/slide8.xml><?xml version="1.0" encoding="utf-8"?>
 <p:sld xmlns:a="http://schemas.openxmlformats.org/drawingml/2006/main" xmlns:r="http://schemas.openxmlformats.org/officeDocument/2006/relationships" xmlns:p="http://schemas.openxmlformats.org/presentationml/2006/main">
   <p:cSld>
     <p:spTree>
@@ -8376,120 +8001,6 @@
 </p:sld>
 </file>
 
-<file path=ppt/slides/slide8.xml><?xml version="1.0" encoding="utf-8"?>
-<p:sld xmlns:a="http://schemas.openxmlformats.org/drawingml/2006/main" xmlns:r="http://schemas.openxmlformats.org/officeDocument/2006/relationships" xmlns:p="http://schemas.openxmlformats.org/presentationml/2006/main">
-  <p:cSld>
-    <p:spTree>
-      <p:nvGrpSpPr>
-        <p:cNvPr id="1" name=""/>
-        <p:cNvGrpSpPr/>
-        <p:nvPr/>
-      </p:nvGrpSpPr>
-      <p:grpSpPr>
-        <a:xfrm>
-          <a:off x="0" y="0"/>
-          <a:ext cx="0" cy="0"/>
-          <a:chOff x="0" y="0"/>
-          <a:chExt cx="0" cy="0"/>
-        </a:xfrm>
-      </p:grpSpPr>
-      <p:sp>
-        <p:nvSpPr>
-          <p:cNvPr id="2" name="Title 1"/>
-          <p:cNvSpPr>
-            <a:spLocks noGrp="1"/>
-          </p:cNvSpPr>
-          <p:nvPr>
-            <p:ph type="title"/>
-          </p:nvPr>
-        </p:nvSpPr>
-        <p:spPr>
-          <a:xfrm>
-            <a:off x="792480" y="0"/>
-            <a:ext cx="10058400" cy="1450757"/>
-          </a:xfrm>
-        </p:spPr>
-        <p:txBody>
-          <a:bodyPr/>
-          <a:lstStyle/>
-          <a:p>
-            <a:r>
-              <a:rPr lang="en-US" dirty="0" err="1"/>
-              <a:t>Perguntas</a:t>
-            </a:r>
-            <a:endParaRPr lang="en-US" dirty="0"/>
-          </a:p>
-        </p:txBody>
-      </p:sp>
-      <p:sp>
-        <p:nvSpPr>
-          <p:cNvPr id="3" name="Content Placeholder 2"/>
-          <p:cNvSpPr>
-            <a:spLocks noGrp="1"/>
-          </p:cNvSpPr>
-          <p:nvPr>
-            <p:ph idx="1"/>
-          </p:nvPr>
-        </p:nvSpPr>
-        <p:spPr>
-          <a:xfrm>
-            <a:off x="1693628" y="1885490"/>
-            <a:ext cx="4521642" cy="354127"/>
-          </a:xfrm>
-        </p:spPr>
-        <p:txBody>
-          <a:bodyPr>
-            <a:normAutofit fontScale="92500" lnSpcReduction="10000"/>
-          </a:bodyPr>
-          <a:lstStyle/>
-          <a:p>
-            <a:r>
-              <a:rPr lang="en-US" dirty="0"/>
-              <a:t>Como </a:t>
-            </a:r>
-            <a:r>
-              <a:rPr lang="en-US" dirty="0" err="1"/>
-              <a:t>os</a:t>
-            </a:r>
-            <a:r>
-              <a:rPr lang="en-US" dirty="0"/>
-              <a:t> testes </a:t>
-            </a:r>
-            <a:r>
-              <a:rPr lang="en-US" dirty="0" err="1"/>
-              <a:t>serão</a:t>
-            </a:r>
-            <a:r>
-              <a:rPr lang="en-US" dirty="0"/>
-              <a:t> </a:t>
-            </a:r>
-            <a:r>
-              <a:rPr lang="en-US" dirty="0" err="1"/>
-              <a:t>implementados</a:t>
-            </a:r>
-            <a:r>
-              <a:rPr lang="en-US" dirty="0"/>
-              <a:t>?</a:t>
-            </a:r>
-          </a:p>
-          <a:p>
-            <a:endParaRPr lang="en-US" dirty="0"/>
-          </a:p>
-        </p:txBody>
-      </p:sp>
-    </p:spTree>
-    <p:extLst>
-      <p:ext uri="{BB962C8B-B14F-4D97-AF65-F5344CB8AC3E}">
-        <p14:creationId xmlns:p14="http://schemas.microsoft.com/office/powerpoint/2010/main" val="3825737845"/>
-      </p:ext>
-    </p:extLst>
-  </p:cSld>
-  <p:clrMapOvr>
-    <a:masterClrMapping/>
-  </p:clrMapOvr>
-</p:sld>
-</file>
-
 <file path=ppt/slides/slide9.xml><?xml version="1.0" encoding="utf-8"?>
 <p:sld xmlns:a="http://schemas.openxmlformats.org/drawingml/2006/main" xmlns:r="http://schemas.openxmlformats.org/officeDocument/2006/relationships" xmlns:p="http://schemas.openxmlformats.org/presentationml/2006/main">
   <p:cSld>
@@ -8529,203 +8040,72 @@
           <a:p>
             <a:r>
               <a:rPr lang="en-US" dirty="0" err="1"/>
-              <a:t>Implementação</a:t>
-            </a:r>
-            <a:r>
-              <a:rPr lang="en-US" dirty="0"/>
-              <a:t> das </a:t>
-            </a:r>
-            <a:r>
-              <a:rPr lang="en-US" dirty="0" err="1"/>
-              <a:t>solucões</a:t>
+              <a:t>Perguntas</a:t>
             </a:r>
             <a:endParaRPr lang="en-US" dirty="0"/>
           </a:p>
         </p:txBody>
       </p:sp>
-      <p:pic>
-        <p:nvPicPr>
-          <p:cNvPr id="7" name="Content Placeholder 6">
-            <a:extLst>
-              <a:ext uri="{FF2B5EF4-FFF2-40B4-BE49-F238E27FC236}">
-                <a16:creationId xmlns:a16="http://schemas.microsoft.com/office/drawing/2014/main" id="{C24FB75A-129C-4B1A-A26D-F54CA58B0DDD}"/>
-              </a:ext>
-            </a:extLst>
-          </p:cNvPr>
-          <p:cNvPicPr>
-            <a:picLocks noGrp="1" noChangeAspect="1"/>
-          </p:cNvPicPr>
+      <p:sp>
+        <p:nvSpPr>
+          <p:cNvPr id="3" name="Content Placeholder 2"/>
+          <p:cNvSpPr>
+            <a:spLocks noGrp="1"/>
+          </p:cNvSpPr>
           <p:nvPr>
             <p:ph idx="1"/>
           </p:nvPr>
-        </p:nvPicPr>
-        <p:blipFill>
-          <a:blip r:embed="rId2"/>
-          <a:stretch>
-            <a:fillRect/>
-          </a:stretch>
-        </p:blipFill>
-        <p:spPr>
-          <a:xfrm>
-            <a:off x="7857096" y="1752281"/>
-            <a:ext cx="4015590" cy="2416484"/>
-          </a:xfrm>
-        </p:spPr>
-      </p:pic>
-      <p:pic>
-        <p:nvPicPr>
-          <p:cNvPr id="9" name="Picture 8">
-            <a:extLst>
-              <a:ext uri="{FF2B5EF4-FFF2-40B4-BE49-F238E27FC236}">
-                <a16:creationId xmlns:a16="http://schemas.microsoft.com/office/drawing/2014/main" id="{91E74FC0-D784-46B7-BB34-A19C68208230}"/>
-              </a:ext>
-            </a:extLst>
-          </p:cNvPr>
-          <p:cNvPicPr>
-            <a:picLocks noChangeAspect="1"/>
-          </p:cNvPicPr>
-          <p:nvPr/>
-        </p:nvPicPr>
-        <p:blipFill>
-          <a:blip r:embed="rId3"/>
-          <a:stretch>
-            <a:fillRect/>
-          </a:stretch>
-        </p:blipFill>
-        <p:spPr>
-          <a:xfrm>
-            <a:off x="4027058" y="3439934"/>
-            <a:ext cx="3663781" cy="2747836"/>
-          </a:xfrm>
-          <a:prstGeom prst="rect">
-            <a:avLst/>
-          </a:prstGeom>
-        </p:spPr>
-      </p:pic>
-      <p:pic>
-        <p:nvPicPr>
-          <p:cNvPr id="11" name="Picture 10">
-            <a:extLst>
-              <a:ext uri="{FF2B5EF4-FFF2-40B4-BE49-F238E27FC236}">
-                <a16:creationId xmlns:a16="http://schemas.microsoft.com/office/drawing/2014/main" id="{7F73D499-D5F5-41F9-8F6E-10F87F0341A4}"/>
-              </a:ext>
-            </a:extLst>
-          </p:cNvPr>
-          <p:cNvPicPr>
-            <a:picLocks noChangeAspect="1"/>
-          </p:cNvPicPr>
-          <p:nvPr/>
-        </p:nvPicPr>
-        <p:blipFill>
-          <a:blip r:embed="rId4"/>
-          <a:stretch>
-            <a:fillRect/>
-          </a:stretch>
-        </p:blipFill>
-        <p:spPr>
-          <a:xfrm>
-            <a:off x="197020" y="3979625"/>
-            <a:ext cx="3663780" cy="2416484"/>
-          </a:xfrm>
-          <a:prstGeom prst="rect">
-            <a:avLst/>
-          </a:prstGeom>
-        </p:spPr>
-      </p:pic>
-      <p:pic>
-        <p:nvPicPr>
-          <p:cNvPr id="13" name="Picture 12">
-            <a:extLst>
-              <a:ext uri="{FF2B5EF4-FFF2-40B4-BE49-F238E27FC236}">
-                <a16:creationId xmlns:a16="http://schemas.microsoft.com/office/drawing/2014/main" id="{BE50E276-80F5-4B54-B42B-44AA7915525F}"/>
-              </a:ext>
-            </a:extLst>
-          </p:cNvPr>
-          <p:cNvPicPr>
-            <a:picLocks noChangeAspect="1"/>
-          </p:cNvPicPr>
-          <p:nvPr/>
-        </p:nvPicPr>
-        <p:blipFill>
-          <a:blip r:embed="rId5"/>
-          <a:stretch>
-            <a:fillRect/>
-          </a:stretch>
-        </p:blipFill>
-        <p:spPr>
-          <a:xfrm>
-            <a:off x="197020" y="1847936"/>
-            <a:ext cx="3663781" cy="2060877"/>
-          </a:xfrm>
-          <a:prstGeom prst="rect">
-            <a:avLst/>
-          </a:prstGeom>
-        </p:spPr>
-      </p:pic>
-      <p:pic>
-        <p:nvPicPr>
-          <p:cNvPr id="15" name="Picture 14">
-            <a:extLst>
-              <a:ext uri="{FF2B5EF4-FFF2-40B4-BE49-F238E27FC236}">
-                <a16:creationId xmlns:a16="http://schemas.microsoft.com/office/drawing/2014/main" id="{C6A9F032-A117-4976-96BF-EF02DE92C2D3}"/>
-              </a:ext>
-            </a:extLst>
-          </p:cNvPr>
-          <p:cNvPicPr>
-            <a:picLocks noChangeAspect="1"/>
-          </p:cNvPicPr>
-          <p:nvPr/>
-        </p:nvPicPr>
-        <p:blipFill>
-          <a:blip r:embed="rId6"/>
-          <a:stretch>
-            <a:fillRect/>
-          </a:stretch>
-        </p:blipFill>
-        <p:spPr>
-          <a:xfrm>
-            <a:off x="7857096" y="4187964"/>
-            <a:ext cx="4015590" cy="1999806"/>
-          </a:xfrm>
-          <a:prstGeom prst="rect">
-            <a:avLst/>
-          </a:prstGeom>
-        </p:spPr>
-      </p:pic>
-      <p:pic>
-        <p:nvPicPr>
-          <p:cNvPr id="17" name="Picture 16">
-            <a:extLst>
-              <a:ext uri="{FF2B5EF4-FFF2-40B4-BE49-F238E27FC236}">
-                <a16:creationId xmlns:a16="http://schemas.microsoft.com/office/drawing/2014/main" id="{84ABC840-4C01-44A7-AD1C-45EDB7F301E9}"/>
-              </a:ext>
-            </a:extLst>
-          </p:cNvPr>
-          <p:cNvPicPr>
-            <a:picLocks noChangeAspect="1"/>
-          </p:cNvPicPr>
-          <p:nvPr/>
-        </p:nvPicPr>
-        <p:blipFill>
-          <a:blip r:embed="rId7"/>
-          <a:stretch>
-            <a:fillRect/>
-          </a:stretch>
-        </p:blipFill>
-        <p:spPr>
-          <a:xfrm>
-            <a:off x="4027056" y="1778832"/>
-            <a:ext cx="3663779" cy="2443035"/>
-          </a:xfrm>
-          <a:prstGeom prst="rect">
-            <a:avLst/>
-          </a:prstGeom>
-        </p:spPr>
-      </p:pic>
+        </p:nvSpPr>
+        <p:spPr>
+          <a:xfrm>
+            <a:off x="1693628" y="1885490"/>
+            <a:ext cx="4826442" cy="460145"/>
+          </a:xfrm>
+        </p:spPr>
+        <p:txBody>
+          <a:bodyPr>
+            <a:normAutofit fontScale="92500"/>
+          </a:bodyPr>
+          <a:lstStyle/>
+          <a:p>
+            <a:r>
+              <a:rPr lang="en-US" sz="2500" dirty="0"/>
+              <a:t>Como </a:t>
+            </a:r>
+            <a:r>
+              <a:rPr lang="en-US" sz="2500" dirty="0" err="1"/>
+              <a:t>os</a:t>
+            </a:r>
+            <a:r>
+              <a:rPr lang="en-US" sz="2500" dirty="0"/>
+              <a:t> testes </a:t>
+            </a:r>
+            <a:r>
+              <a:rPr lang="en-US" sz="2500" dirty="0" err="1"/>
+              <a:t>serão</a:t>
+            </a:r>
+            <a:r>
+              <a:rPr lang="en-US" sz="2500" dirty="0"/>
+              <a:t> </a:t>
+            </a:r>
+            <a:r>
+              <a:rPr lang="en-US" sz="2500" dirty="0" err="1"/>
+              <a:t>implementados</a:t>
+            </a:r>
+            <a:r>
+              <a:rPr lang="en-US" sz="2500" dirty="0"/>
+              <a:t>?</a:t>
+            </a:r>
+          </a:p>
+          <a:p>
+            <a:endParaRPr lang="en-US" dirty="0"/>
+          </a:p>
+        </p:txBody>
+      </p:sp>
     </p:spTree>
     <p:extLst>
       <p:ext uri="{BB962C8B-B14F-4D97-AF65-F5344CB8AC3E}">
-        <p14:creationId xmlns:p14="http://schemas.microsoft.com/office/powerpoint/2010/main" val="181413399"/>
+        <p14:creationId xmlns:p14="http://schemas.microsoft.com/office/powerpoint/2010/main" val="3825737845"/>
       </p:ext>
     </p:extLst>
   </p:cSld>

--- a/Apresentações/TRE DMAIC - Improve -FollowUP.pptx
+++ b/Apresentações/TRE DMAIC - Improve -FollowUP.pptx
@@ -12,25 +12,26 @@
     <p:sldId id="259" r:id="rId6"/>
     <p:sldId id="284" r:id="rId7"/>
     <p:sldId id="260" r:id="rId8"/>
-    <p:sldId id="261" r:id="rId9"/>
-    <p:sldId id="262" r:id="rId10"/>
-    <p:sldId id="266" r:id="rId11"/>
-    <p:sldId id="267" r:id="rId12"/>
-    <p:sldId id="264" r:id="rId13"/>
-    <p:sldId id="273" r:id="rId14"/>
-    <p:sldId id="274" r:id="rId15"/>
-    <p:sldId id="268" r:id="rId16"/>
-    <p:sldId id="275" r:id="rId17"/>
-    <p:sldId id="276" r:id="rId18"/>
-    <p:sldId id="269" r:id="rId19"/>
-    <p:sldId id="277" r:id="rId20"/>
-    <p:sldId id="278" r:id="rId21"/>
-    <p:sldId id="270" r:id="rId22"/>
-    <p:sldId id="279" r:id="rId23"/>
-    <p:sldId id="271" r:id="rId24"/>
-    <p:sldId id="280" r:id="rId25"/>
-    <p:sldId id="272" r:id="rId26"/>
-    <p:sldId id="282" r:id="rId27"/>
+    <p:sldId id="285" r:id="rId9"/>
+    <p:sldId id="261" r:id="rId10"/>
+    <p:sldId id="262" r:id="rId11"/>
+    <p:sldId id="266" r:id="rId12"/>
+    <p:sldId id="267" r:id="rId13"/>
+    <p:sldId id="264" r:id="rId14"/>
+    <p:sldId id="273" r:id="rId15"/>
+    <p:sldId id="274" r:id="rId16"/>
+    <p:sldId id="268" r:id="rId17"/>
+    <p:sldId id="275" r:id="rId18"/>
+    <p:sldId id="276" r:id="rId19"/>
+    <p:sldId id="269" r:id="rId20"/>
+    <p:sldId id="277" r:id="rId21"/>
+    <p:sldId id="278" r:id="rId22"/>
+    <p:sldId id="270" r:id="rId23"/>
+    <p:sldId id="279" r:id="rId24"/>
+    <p:sldId id="271" r:id="rId25"/>
+    <p:sldId id="280" r:id="rId26"/>
+    <p:sldId id="272" r:id="rId27"/>
+    <p:sldId id="282" r:id="rId28"/>
   </p:sldIdLst>
   <p:sldSz cx="12192000" cy="6858000"/>
   <p:notesSz cx="6858000" cy="9144000"/>
@@ -363,7 +364,7 @@
           <a:p>
             <a:fld id="{96DFF08F-DC6B-4601-B491-B0F83F6DD2DA}" type="datetimeFigureOut">
               <a:rPr lang="en-US" dirty="0"/>
-              <a:t>2/28/2018</a:t>
+              <a:t>3/1/2018</a:t>
             </a:fld>
             <a:endParaRPr lang="en-US" dirty="0"/>
           </a:p>
@@ -405,7 +406,7 @@
           <a:p>
             <a:fld id="{4FAB73BC-B049-4115-A692-8D63A059BFB8}" type="slidenum">
               <a:rPr lang="en-US" dirty="0"/>
-              <a:t>‹nº›</a:t>
+              <a:t>‹#›</a:t>
             </a:fld>
             <a:endParaRPr lang="en-US" dirty="0"/>
           </a:p>
@@ -566,7 +567,7 @@
           <a:p>
             <a:fld id="{96DFF08F-DC6B-4601-B491-B0F83F6DD2DA}" type="datetimeFigureOut">
               <a:rPr lang="en-US" dirty="0"/>
-              <a:t>2/28/2018</a:t>
+              <a:t>3/1/2018</a:t>
             </a:fld>
             <a:endParaRPr lang="en-US" dirty="0"/>
           </a:p>
@@ -608,7 +609,7 @@
           <a:p>
             <a:fld id="{4FAB73BC-B049-4115-A692-8D63A059BFB8}" type="slidenum">
               <a:rPr lang="en-US" dirty="0"/>
-              <a:t>‹nº›</a:t>
+              <a:t>‹#›</a:t>
             </a:fld>
             <a:endParaRPr lang="en-US" dirty="0"/>
           </a:p>
@@ -817,7 +818,7 @@
           <a:p>
             <a:fld id="{96DFF08F-DC6B-4601-B491-B0F83F6DD2DA}" type="datetimeFigureOut">
               <a:rPr lang="en-US" dirty="0"/>
-              <a:t>2/28/2018</a:t>
+              <a:t>3/1/2018</a:t>
             </a:fld>
             <a:endParaRPr lang="en-US" dirty="0"/>
           </a:p>
@@ -859,7 +860,7 @@
           <a:p>
             <a:fld id="{4FAB73BC-B049-4115-A692-8D63A059BFB8}" type="slidenum">
               <a:rPr lang="en-US" dirty="0"/>
-              <a:t>‹nº›</a:t>
+              <a:t>‹#›</a:t>
             </a:fld>
             <a:endParaRPr lang="en-US" dirty="0"/>
           </a:p>
@@ -982,7 +983,7 @@
           <a:p>
             <a:fld id="{D62CEF3B-A037-46D0-B02C-1428F07E9383}" type="datetimeFigureOut">
               <a:rPr lang="en-US" dirty="0"/>
-              <a:t>2/28/2018</a:t>
+              <a:t>3/1/2018</a:t>
             </a:fld>
             <a:endParaRPr lang="en-US" dirty="0"/>
           </a:p>
@@ -1024,7 +1025,7 @@
           <a:p>
             <a:fld id="{4CE482DC-2269-4F26-9D2A-7E44B1A4CD85}" type="slidenum">
               <a:rPr lang="en-US" dirty="0"/>
-              <a:t>‹nº›</a:t>
+              <a:t>‹#›</a:t>
             </a:fld>
             <a:endParaRPr lang="en-US" dirty="0"/>
           </a:p>
@@ -1320,7 +1321,7 @@
           <a:p>
             <a:fld id="{96DFF08F-DC6B-4601-B491-B0F83F6DD2DA}" type="datetimeFigureOut">
               <a:rPr lang="en-US" dirty="0"/>
-              <a:t>2/28/2018</a:t>
+              <a:t>3/1/2018</a:t>
             </a:fld>
             <a:endParaRPr lang="en-US" dirty="0"/>
           </a:p>
@@ -1362,7 +1363,7 @@
           <a:p>
             <a:fld id="{4FAB73BC-B049-4115-A692-8D63A059BFB8}" type="slidenum">
               <a:rPr lang="en-US" dirty="0"/>
-              <a:t>‹nº›</a:t>
+              <a:t>‹#›</a:t>
             </a:fld>
             <a:endParaRPr lang="en-US" dirty="0"/>
           </a:p>
@@ -1590,7 +1591,7 @@
           <a:p>
             <a:fld id="{96DFF08F-DC6B-4601-B491-B0F83F6DD2DA}" type="datetimeFigureOut">
               <a:rPr lang="en-US" dirty="0"/>
-              <a:t>2/28/2018</a:t>
+              <a:t>3/1/2018</a:t>
             </a:fld>
             <a:endParaRPr lang="en-US" dirty="0"/>
           </a:p>
@@ -1632,7 +1633,7 @@
           <a:p>
             <a:fld id="{4FAB73BC-B049-4115-A692-8D63A059BFB8}" type="slidenum">
               <a:rPr lang="en-US" dirty="0"/>
-              <a:t>‹nº›</a:t>
+              <a:t>‹#›</a:t>
             </a:fld>
             <a:endParaRPr lang="en-US" dirty="0"/>
           </a:p>
@@ -1964,7 +1965,7 @@
           <a:p>
             <a:fld id="{96DFF08F-DC6B-4601-B491-B0F83F6DD2DA}" type="datetimeFigureOut">
               <a:rPr lang="en-US" dirty="0"/>
-              <a:t>2/28/2018</a:t>
+              <a:t>3/1/2018</a:t>
             </a:fld>
             <a:endParaRPr lang="en-US" dirty="0"/>
           </a:p>
@@ -2006,7 +2007,7 @@
           <a:p>
             <a:fld id="{4FAB73BC-B049-4115-A692-8D63A059BFB8}" type="slidenum">
               <a:rPr lang="en-US" dirty="0"/>
-              <a:t>‹nº›</a:t>
+              <a:t>‹#›</a:t>
             </a:fld>
             <a:endParaRPr lang="en-US" dirty="0"/>
           </a:p>
@@ -2077,7 +2078,7 @@
           <a:p>
             <a:fld id="{96DFF08F-DC6B-4601-B491-B0F83F6DD2DA}" type="datetimeFigureOut">
               <a:rPr lang="en-US" dirty="0"/>
-              <a:t>2/28/2018</a:t>
+              <a:t>3/1/2018</a:t>
             </a:fld>
             <a:endParaRPr lang="en-US" dirty="0"/>
           </a:p>
@@ -2119,7 +2120,7 @@
           <a:p>
             <a:fld id="{4FAB73BC-B049-4115-A692-8D63A059BFB8}" type="slidenum">
               <a:rPr lang="en-US" dirty="0"/>
-              <a:t>‹nº›</a:t>
+              <a:t>‹#›</a:t>
             </a:fld>
             <a:endParaRPr lang="en-US" dirty="0"/>
           </a:p>
@@ -2244,7 +2245,7 @@
             <a:fld id="{96DFF08F-DC6B-4601-B491-B0F83F6DD2DA}" type="datetimeFigureOut">
               <a:rPr lang="en-US" dirty="0"/>
               <a:pPr/>
-              <a:t>2/28/2018</a:t>
+              <a:t>3/1/2018</a:t>
             </a:fld>
             <a:endParaRPr lang="en-US" dirty="0"/>
           </a:p>
@@ -2295,7 +2296,7 @@
             <a:fld id="{4FAB73BC-B049-4115-A692-8D63A059BFB8}" type="slidenum">
               <a:rPr lang="en-US" dirty="0"/>
               <a:pPr/>
-              <a:t>‹nº›</a:t>
+              <a:t>‹#›</a:t>
             </a:fld>
             <a:endParaRPr lang="en-US" dirty="0"/>
           </a:p>
@@ -2595,7 +2596,7 @@
             <a:fld id="{96DFF08F-DC6B-4601-B491-B0F83F6DD2DA}" type="datetimeFigureOut">
               <a:rPr lang="en-US" dirty="0"/>
               <a:pPr/>
-              <a:t>2/28/2018</a:t>
+              <a:t>3/1/2018</a:t>
             </a:fld>
             <a:endParaRPr lang="en-US" dirty="0"/>
           </a:p>
@@ -2659,7 +2660,7 @@
             <a:fld id="{4FAB73BC-B049-4115-A692-8D63A059BFB8}" type="slidenum">
               <a:rPr lang="en-US" dirty="0"/>
               <a:pPr/>
-              <a:t>‹nº›</a:t>
+              <a:t>‹#›</a:t>
             </a:fld>
             <a:endParaRPr lang="en-US" dirty="0"/>
           </a:p>
@@ -2968,7 +2969,7 @@
           <a:p>
             <a:fld id="{96DFF08F-DC6B-4601-B491-B0F83F6DD2DA}" type="datetimeFigureOut">
               <a:rPr lang="en-US" dirty="0"/>
-              <a:t>2/28/2018</a:t>
+              <a:t>3/1/2018</a:t>
             </a:fld>
             <a:endParaRPr lang="en-US" dirty="0"/>
           </a:p>
@@ -3010,7 +3011,7 @@
           <a:p>
             <a:fld id="{4FAB73BC-B049-4115-A692-8D63A059BFB8}" type="slidenum">
               <a:rPr lang="en-US" dirty="0"/>
-              <a:t>‹nº›</a:t>
+              <a:t>‹#›</a:t>
             </a:fld>
             <a:endParaRPr lang="en-US" dirty="0"/>
           </a:p>
@@ -3251,7 +3252,7 @@
             <a:fld id="{96DFF08F-DC6B-4601-B491-B0F83F6DD2DA}" type="datetimeFigureOut">
               <a:rPr lang="en-US" dirty="0"/>
               <a:pPr/>
-              <a:t>2/28/2018</a:t>
+              <a:t>3/1/2018</a:t>
             </a:fld>
             <a:endParaRPr lang="en-US" dirty="0"/>
           </a:p>
@@ -3326,7 +3327,7 @@
             <a:fld id="{4FAB73BC-B049-4115-A692-8D63A059BFB8}" type="slidenum">
               <a:rPr lang="en-US" dirty="0"/>
               <a:pPr/>
-              <a:t>‹nº›</a:t>
+              <a:t>‹#›</a:t>
             </a:fld>
             <a:endParaRPr lang="en-US" dirty="0"/>
           </a:p>
@@ -4036,8 +4037,8 @@
         </p:nvSpPr>
         <p:spPr>
           <a:xfrm>
-            <a:off x="832237" y="134517"/>
-            <a:ext cx="10058400" cy="915350"/>
+            <a:off x="792480" y="0"/>
+            <a:ext cx="10058400" cy="1450757"/>
           </a:xfrm>
         </p:spPr>
         <p:txBody>
@@ -4046,203 +4047,152 @@
           <a:p>
             <a:r>
               <a:rPr lang="en-US" dirty="0" err="1"/>
-              <a:t>Implementação</a:t>
-            </a:r>
-            <a:r>
-              <a:rPr lang="en-US" dirty="0"/>
-              <a:t> das </a:t>
-            </a:r>
-            <a:r>
-              <a:rPr lang="en-US" dirty="0" err="1"/>
-              <a:t>solucões</a:t>
+              <a:t>Perguntas</a:t>
             </a:r>
             <a:endParaRPr lang="en-US" dirty="0"/>
           </a:p>
         </p:txBody>
       </p:sp>
-      <p:pic>
-        <p:nvPicPr>
-          <p:cNvPr id="11" name="Picture 10">
-            <a:extLst>
-              <a:ext uri="{FF2B5EF4-FFF2-40B4-BE49-F238E27FC236}">
-                <a16:creationId xmlns:a16="http://schemas.microsoft.com/office/drawing/2014/main" id="{7F73D499-D5F5-41F9-8F6E-10F87F0341A4}"/>
-              </a:ext>
-            </a:extLst>
-          </p:cNvPr>
-          <p:cNvPicPr>
-            <a:picLocks noChangeAspect="1"/>
-          </p:cNvPicPr>
+      <p:sp>
+        <p:nvSpPr>
+          <p:cNvPr id="3" name="Content Placeholder 2"/>
+          <p:cNvSpPr>
+            <a:spLocks noGrp="1"/>
+          </p:cNvSpPr>
+          <p:nvPr>
+            <p:ph idx="1"/>
+          </p:nvPr>
+        </p:nvSpPr>
+        <p:spPr>
+          <a:xfrm>
+            <a:off x="1693628" y="1885490"/>
+            <a:ext cx="4826442" cy="460145"/>
+          </a:xfrm>
+        </p:spPr>
+        <p:txBody>
+          <a:bodyPr>
+            <a:normAutofit fontScale="92500"/>
+          </a:bodyPr>
+          <a:lstStyle/>
+          <a:p>
+            <a:r>
+              <a:rPr lang="en-US" sz="2500" dirty="0"/>
+              <a:t>Como </a:t>
+            </a:r>
+            <a:r>
+              <a:rPr lang="en-US" sz="2500" dirty="0" err="1"/>
+              <a:t>os</a:t>
+            </a:r>
+            <a:r>
+              <a:rPr lang="en-US" sz="2500" dirty="0"/>
+              <a:t> testes </a:t>
+            </a:r>
+            <a:r>
+              <a:rPr lang="en-US" sz="2500" dirty="0" err="1"/>
+              <a:t>serão</a:t>
+            </a:r>
+            <a:r>
+              <a:rPr lang="en-US" sz="2500" dirty="0"/>
+              <a:t> </a:t>
+            </a:r>
+            <a:r>
+              <a:rPr lang="en-US" sz="2500" dirty="0" err="1"/>
+              <a:t>implementados</a:t>
+            </a:r>
+            <a:r>
+              <a:rPr lang="en-US" sz="2500" dirty="0"/>
+              <a:t>?</a:t>
+            </a:r>
+          </a:p>
+          <a:p>
+            <a:endParaRPr lang="en-US" dirty="0"/>
+          </a:p>
+        </p:txBody>
+      </p:sp>
+      <p:sp>
+        <p:nvSpPr>
+          <p:cNvPr id="4" name="TextBox 3"/>
+          <p:cNvSpPr txBox="1"/>
           <p:nvPr/>
-        </p:nvPicPr>
-        <p:blipFill>
-          <a:blip r:embed="rId2"/>
-          <a:stretch>
-            <a:fillRect/>
-          </a:stretch>
-        </p:blipFill>
-        <p:spPr>
-          <a:xfrm rot="21011834">
-            <a:off x="261822" y="1745008"/>
-            <a:ext cx="3663780" cy="2416484"/>
+        </p:nvSpPr>
+        <p:spPr>
+          <a:xfrm>
+            <a:off x="1888435" y="2862470"/>
+            <a:ext cx="9807300" cy="1200329"/>
           </a:xfrm>
           <a:prstGeom prst="rect">
             <a:avLst/>
           </a:prstGeom>
-        </p:spPr>
-      </p:pic>
-      <p:pic>
-        <p:nvPicPr>
-          <p:cNvPr id="13" name="Picture 12">
-            <a:extLst>
-              <a:ext uri="{FF2B5EF4-FFF2-40B4-BE49-F238E27FC236}">
-                <a16:creationId xmlns:a16="http://schemas.microsoft.com/office/drawing/2014/main" id="{BE50E276-80F5-4B54-B42B-44AA7915525F}"/>
-              </a:ext>
-            </a:extLst>
-          </p:cNvPr>
-          <p:cNvPicPr>
-            <a:picLocks noChangeAspect="1"/>
-          </p:cNvPicPr>
-          <p:nvPr/>
-        </p:nvPicPr>
-        <p:blipFill>
-          <a:blip r:embed="rId3"/>
-          <a:stretch>
-            <a:fillRect/>
-          </a:stretch>
-        </p:blipFill>
-        <p:spPr>
-          <a:xfrm rot="432731">
-            <a:off x="4125582" y="4157427"/>
-            <a:ext cx="3663781" cy="2060877"/>
-          </a:xfrm>
-          <a:prstGeom prst="rect">
-            <a:avLst/>
-          </a:prstGeom>
-        </p:spPr>
-      </p:pic>
-      <p:pic>
-        <p:nvPicPr>
-          <p:cNvPr id="17" name="Picture 16">
-            <a:extLst>
-              <a:ext uri="{FF2B5EF4-FFF2-40B4-BE49-F238E27FC236}">
-                <a16:creationId xmlns:a16="http://schemas.microsoft.com/office/drawing/2014/main" id="{84ABC840-4C01-44A7-AD1C-45EDB7F301E9}"/>
-              </a:ext>
-            </a:extLst>
-          </p:cNvPr>
-          <p:cNvPicPr>
-            <a:picLocks noChangeAspect="1"/>
-          </p:cNvPicPr>
-          <p:nvPr/>
-        </p:nvPicPr>
-        <p:blipFill>
-          <a:blip r:embed="rId4"/>
-          <a:stretch>
-            <a:fillRect/>
-          </a:stretch>
-        </p:blipFill>
-        <p:spPr>
-          <a:xfrm>
-            <a:off x="4128194" y="1491790"/>
-            <a:ext cx="3950435" cy="2443806"/>
-          </a:xfrm>
-          <a:prstGeom prst="rect">
-            <a:avLst/>
-          </a:prstGeom>
-        </p:spPr>
-      </p:pic>
-      <p:pic>
-        <p:nvPicPr>
-          <p:cNvPr id="4" name="Picture 3">
-            <a:extLst>
-              <a:ext uri="{FF2B5EF4-FFF2-40B4-BE49-F238E27FC236}">
-                <a16:creationId xmlns:a16="http://schemas.microsoft.com/office/drawing/2014/main" id="{76171C17-5B55-43E4-9D89-409EF4C156AA}"/>
-              </a:ext>
-            </a:extLst>
-          </p:cNvPr>
-          <p:cNvPicPr>
-            <a:picLocks noChangeAspect="1"/>
-          </p:cNvPicPr>
-          <p:nvPr/>
-        </p:nvPicPr>
-        <p:blipFill>
-          <a:blip r:embed="rId5"/>
-          <a:stretch>
-            <a:fillRect/>
-          </a:stretch>
-        </p:blipFill>
-        <p:spPr>
-          <a:xfrm>
-            <a:off x="170348" y="4110667"/>
-            <a:ext cx="3950435" cy="2154398"/>
-          </a:xfrm>
-          <a:prstGeom prst="rect">
-            <a:avLst/>
-          </a:prstGeom>
-        </p:spPr>
-      </p:pic>
-      <p:pic>
-        <p:nvPicPr>
-          <p:cNvPr id="10" name="Content Placeholder 9">
-            <a:extLst>
-              <a:ext uri="{FF2B5EF4-FFF2-40B4-BE49-F238E27FC236}">
-                <a16:creationId xmlns:a16="http://schemas.microsoft.com/office/drawing/2014/main" id="{AC27A7BF-ACD3-4235-83B1-DC77E39F6323}"/>
-              </a:ext>
-            </a:extLst>
-          </p:cNvPr>
-          <p:cNvPicPr>
-            <a:picLocks noGrp="1" noChangeAspect="1"/>
-          </p:cNvPicPr>
-          <p:nvPr>
-            <p:ph idx="1"/>
-          </p:nvPr>
-        </p:nvPicPr>
-        <p:blipFill>
-          <a:blip r:embed="rId6"/>
-          <a:stretch>
-            <a:fillRect/>
-          </a:stretch>
-        </p:blipFill>
-        <p:spPr>
-          <a:xfrm rot="616676">
-            <a:off x="8125204" y="1525677"/>
-            <a:ext cx="3550701" cy="1997269"/>
-          </a:xfrm>
-        </p:spPr>
-      </p:pic>
-      <p:pic>
-        <p:nvPicPr>
-          <p:cNvPr id="9" name="Imagem 8">
-            <a:extLst>
-              <a:ext uri="{FF2B5EF4-FFF2-40B4-BE49-F238E27FC236}">
-                <a16:creationId xmlns:a16="http://schemas.microsoft.com/office/drawing/2014/main" id="{8BFC63E6-653E-4BE6-BD22-44682F206A3C}"/>
-              </a:ext>
-            </a:extLst>
-          </p:cNvPr>
-          <p:cNvPicPr>
-            <a:picLocks noChangeAspect="1"/>
-          </p:cNvPicPr>
-          <p:nvPr/>
-        </p:nvPicPr>
-        <p:blipFill>
-          <a:blip r:embed="rId7"/>
-          <a:stretch>
-            <a:fillRect/>
-          </a:stretch>
-        </p:blipFill>
-        <p:spPr>
-          <a:xfrm>
-            <a:off x="8063807" y="3597864"/>
-            <a:ext cx="4012016" cy="2747333"/>
-          </a:xfrm>
-          <a:prstGeom prst="rect">
-            <a:avLst/>
-          </a:prstGeom>
-        </p:spPr>
-      </p:pic>
+          <a:noFill/>
+        </p:spPr>
+        <p:txBody>
+          <a:bodyPr wrap="none" rtlCol="0">
+            <a:spAutoFit/>
+          </a:bodyPr>
+          <a:lstStyle/>
+          <a:p>
+            <a:pPr marL="285750" indent="-285750">
+              <a:buFontTx/>
+              <a:buChar char="-"/>
+            </a:pPr>
+            <a:r>
+              <a:rPr lang="en-US" dirty="0" err="1" smtClean="0"/>
+              <a:t>Metodologia</a:t>
+            </a:r>
+            <a:r>
+              <a:rPr lang="en-US" dirty="0" smtClean="0"/>
+              <a:t> </a:t>
+            </a:r>
+            <a:r>
+              <a:rPr lang="pt-BR" dirty="0" smtClean="0"/>
+              <a:t>ágil de reuniões de status.</a:t>
+            </a:r>
+          </a:p>
+          <a:p>
+            <a:pPr marL="285750" indent="-285750">
+              <a:buFontTx/>
+              <a:buChar char="-"/>
+            </a:pPr>
+            <a:r>
+              <a:rPr lang="pt-BR" dirty="0" smtClean="0"/>
+              <a:t>Criação de </a:t>
+            </a:r>
+            <a:r>
+              <a:rPr lang="pt-BR" u="sng" dirty="0" smtClean="0"/>
+              <a:t>apenas uma</a:t>
+            </a:r>
+            <a:r>
+              <a:rPr lang="pt-BR" dirty="0" smtClean="0"/>
+              <a:t> pasta central compartilhada, para ser usada como repositório de referência.</a:t>
+            </a:r>
+          </a:p>
+          <a:p>
+            <a:pPr marL="285750" indent="-285750">
+              <a:buFontTx/>
+              <a:buChar char="-"/>
+            </a:pPr>
+            <a:r>
+              <a:rPr lang="pt-BR" dirty="0" smtClean="0"/>
+              <a:t>Revisões constantes dos documentos padrões.</a:t>
+            </a:r>
+          </a:p>
+          <a:p>
+            <a:pPr marL="285750" indent="-285750">
+              <a:buFontTx/>
+              <a:buChar char="-"/>
+            </a:pPr>
+            <a:r>
+              <a:rPr lang="pt-BR" dirty="0" smtClean="0"/>
+              <a:t>Treinamento constantes para disseminação do conhecimento.</a:t>
+            </a:r>
+            <a:endParaRPr lang="en-US" dirty="0"/>
+          </a:p>
+        </p:txBody>
+      </p:sp>
     </p:spTree>
     <p:extLst>
       <p:ext uri="{BB962C8B-B14F-4D97-AF65-F5344CB8AC3E}">
-        <p14:creationId xmlns:p14="http://schemas.microsoft.com/office/powerpoint/2010/main" val="181413399"/>
+        <p14:creationId xmlns:p14="http://schemas.microsoft.com/office/powerpoint/2010/main" val="3825737845"/>
       </p:ext>
     </p:extLst>
   </p:cSld>
@@ -4281,8 +4231,8 @@
         </p:nvSpPr>
         <p:spPr>
           <a:xfrm>
-            <a:off x="792480" y="0"/>
-            <a:ext cx="10058400" cy="1450757"/>
+            <a:off x="832237" y="134517"/>
+            <a:ext cx="10058400" cy="915350"/>
           </a:xfrm>
         </p:spPr>
         <p:txBody>
@@ -4290,99 +4240,204 @@
           <a:lstStyle/>
           <a:p>
             <a:r>
+              <a:rPr lang="en-US" dirty="0" err="1"/>
+              <a:t>Implementação</a:t>
+            </a:r>
+            <a:r>
               <a:rPr lang="en-US" dirty="0"/>
-              <a:t>Acompanhamento dos Dados</a:t>
-            </a:r>
-            <a:br>
-              <a:rPr lang="en-US" dirty="0"/>
-            </a:br>
-            <a:r>
-              <a:rPr lang="en-US" dirty="0"/>
-              <a:t>Cartas de </a:t>
+              <a:t> das </a:t>
             </a:r>
             <a:r>
               <a:rPr lang="en-US" dirty="0" err="1"/>
-              <a:t>Controle</a:t>
+              <a:t>solucões</a:t>
             </a:r>
             <a:endParaRPr lang="en-US" dirty="0"/>
           </a:p>
         </p:txBody>
       </p:sp>
-      <p:sp>
-        <p:nvSpPr>
-          <p:cNvPr id="3" name="TextBox 2">
+      <p:pic>
+        <p:nvPicPr>
+          <p:cNvPr id="11" name="Picture 10">
             <a:extLst>
               <a:ext uri="{FF2B5EF4-FFF2-40B4-BE49-F238E27FC236}">
-                <a16:creationId xmlns:a16="http://schemas.microsoft.com/office/drawing/2014/main" id="{65273BDD-CC3E-4D5A-A47F-B32E58ED5B40}"/>
+                <a16:creationId xmlns:a16="http://schemas.microsoft.com/office/drawing/2014/main" xmlns="" id="{7F73D499-D5F5-41F9-8F6E-10F87F0341A4}"/>
               </a:ext>
             </a:extLst>
           </p:cNvPr>
-          <p:cNvSpPr txBox="1"/>
+          <p:cNvPicPr>
+            <a:picLocks noChangeAspect="1"/>
+          </p:cNvPicPr>
           <p:nvPr/>
-        </p:nvSpPr>
-        <p:spPr>
-          <a:xfrm>
-            <a:off x="928048" y="2101755"/>
-            <a:ext cx="1610436" cy="2954655"/>
+        </p:nvPicPr>
+        <p:blipFill>
+          <a:blip r:embed="rId2"/>
+          <a:stretch>
+            <a:fillRect/>
+          </a:stretch>
+        </p:blipFill>
+        <p:spPr>
+          <a:xfrm rot="21011834">
+            <a:off x="261822" y="1745008"/>
+            <a:ext cx="3663780" cy="2416484"/>
           </a:xfrm>
           <a:prstGeom prst="rect">
             <a:avLst/>
           </a:prstGeom>
-          <a:noFill/>
-        </p:spPr>
-        <p:txBody>
-          <a:bodyPr wrap="square" rtlCol="0">
-            <a:spAutoFit/>
-          </a:bodyPr>
-          <a:lstStyle/>
-          <a:p>
-            <a:r>
-              <a:rPr lang="pt-BR" sz="2400" dirty="0"/>
-              <a:t>CSTA</a:t>
-            </a:r>
-          </a:p>
-          <a:p>
-            <a:r>
-              <a:rPr lang="pt-BR" sz="2400" dirty="0"/>
-              <a:t>ST</a:t>
-            </a:r>
-          </a:p>
-          <a:p>
-            <a:r>
-              <a:rPr lang="pt-BR" sz="2400" dirty="0"/>
-              <a:t>SESEG</a:t>
-            </a:r>
-          </a:p>
-          <a:p>
-            <a:endParaRPr lang="pt-BR" sz="2400" dirty="0"/>
-          </a:p>
-          <a:p>
-            <a:r>
-              <a:rPr lang="pt-BR" sz="2400" dirty="0"/>
-              <a:t>SAPRE</a:t>
-            </a:r>
-          </a:p>
-          <a:p>
-            <a:r>
-              <a:rPr lang="pt-BR" sz="2400" dirty="0"/>
-              <a:t>SMIC</a:t>
-            </a:r>
-          </a:p>
-          <a:p>
-            <a:r>
-              <a:rPr lang="pt-BR" sz="2400" dirty="0"/>
-              <a:t>SMIN</a:t>
-            </a:r>
-          </a:p>
-          <a:p>
-            <a:endParaRPr lang="pt-BR" dirty="0"/>
-          </a:p>
-        </p:txBody>
-      </p:sp>
+        </p:spPr>
+      </p:pic>
+      <p:pic>
+        <p:nvPicPr>
+          <p:cNvPr id="13" name="Picture 12">
+            <a:extLst>
+              <a:ext uri="{FF2B5EF4-FFF2-40B4-BE49-F238E27FC236}">
+                <a16:creationId xmlns:a16="http://schemas.microsoft.com/office/drawing/2014/main" xmlns="" id="{BE50E276-80F5-4B54-B42B-44AA7915525F}"/>
+              </a:ext>
+            </a:extLst>
+          </p:cNvPr>
+          <p:cNvPicPr>
+            <a:picLocks noChangeAspect="1"/>
+          </p:cNvPicPr>
+          <p:nvPr/>
+        </p:nvPicPr>
+        <p:blipFill>
+          <a:blip r:embed="rId3"/>
+          <a:stretch>
+            <a:fillRect/>
+          </a:stretch>
+        </p:blipFill>
+        <p:spPr>
+          <a:xfrm rot="432731">
+            <a:off x="4125582" y="4157427"/>
+            <a:ext cx="3663781" cy="2060877"/>
+          </a:xfrm>
+          <a:prstGeom prst="rect">
+            <a:avLst/>
+          </a:prstGeom>
+        </p:spPr>
+      </p:pic>
+      <p:pic>
+        <p:nvPicPr>
+          <p:cNvPr id="17" name="Picture 16">
+            <a:extLst>
+              <a:ext uri="{FF2B5EF4-FFF2-40B4-BE49-F238E27FC236}">
+                <a16:creationId xmlns:a16="http://schemas.microsoft.com/office/drawing/2014/main" xmlns="" id="{84ABC840-4C01-44A7-AD1C-45EDB7F301E9}"/>
+              </a:ext>
+            </a:extLst>
+          </p:cNvPr>
+          <p:cNvPicPr>
+            <a:picLocks noChangeAspect="1"/>
+          </p:cNvPicPr>
+          <p:nvPr/>
+        </p:nvPicPr>
+        <p:blipFill>
+          <a:blip r:embed="rId4"/>
+          <a:stretch>
+            <a:fillRect/>
+          </a:stretch>
+        </p:blipFill>
+        <p:spPr>
+          <a:xfrm>
+            <a:off x="4128194" y="1491790"/>
+            <a:ext cx="3950435" cy="2443806"/>
+          </a:xfrm>
+          <a:prstGeom prst="rect">
+            <a:avLst/>
+          </a:prstGeom>
+        </p:spPr>
+      </p:pic>
+      <p:pic>
+        <p:nvPicPr>
+          <p:cNvPr id="4" name="Picture 3">
+            <a:extLst>
+              <a:ext uri="{FF2B5EF4-FFF2-40B4-BE49-F238E27FC236}">
+                <a16:creationId xmlns:a16="http://schemas.microsoft.com/office/drawing/2014/main" xmlns="" id="{76171C17-5B55-43E4-9D89-409EF4C156AA}"/>
+              </a:ext>
+            </a:extLst>
+          </p:cNvPr>
+          <p:cNvPicPr>
+            <a:picLocks noChangeAspect="1"/>
+          </p:cNvPicPr>
+          <p:nvPr/>
+        </p:nvPicPr>
+        <p:blipFill>
+          <a:blip r:embed="rId5"/>
+          <a:stretch>
+            <a:fillRect/>
+          </a:stretch>
+        </p:blipFill>
+        <p:spPr>
+          <a:xfrm>
+            <a:off x="170348" y="4110667"/>
+            <a:ext cx="3950435" cy="2154398"/>
+          </a:xfrm>
+          <a:prstGeom prst="rect">
+            <a:avLst/>
+          </a:prstGeom>
+        </p:spPr>
+      </p:pic>
+      <p:pic>
+        <p:nvPicPr>
+          <p:cNvPr id="10" name="Content Placeholder 9">
+            <a:extLst>
+              <a:ext uri="{FF2B5EF4-FFF2-40B4-BE49-F238E27FC236}">
+                <a16:creationId xmlns:a16="http://schemas.microsoft.com/office/drawing/2014/main" xmlns="" id="{AC27A7BF-ACD3-4235-83B1-DC77E39F6323}"/>
+              </a:ext>
+            </a:extLst>
+          </p:cNvPr>
+          <p:cNvPicPr>
+            <a:picLocks noGrp="1" noChangeAspect="1"/>
+          </p:cNvPicPr>
+          <p:nvPr>
+            <p:ph idx="1"/>
+          </p:nvPr>
+        </p:nvPicPr>
+        <p:blipFill>
+          <a:blip r:embed="rId6"/>
+          <a:stretch>
+            <a:fillRect/>
+          </a:stretch>
+        </p:blipFill>
+        <p:spPr>
+          <a:xfrm rot="616676">
+            <a:off x="8125204" y="1525677"/>
+            <a:ext cx="3550701" cy="1997269"/>
+          </a:xfrm>
+        </p:spPr>
+      </p:pic>
+      <p:pic>
+        <p:nvPicPr>
+          <p:cNvPr id="9" name="Imagem 8">
+            <a:extLst>
+              <a:ext uri="{FF2B5EF4-FFF2-40B4-BE49-F238E27FC236}">
+                <a16:creationId xmlns:a16="http://schemas.microsoft.com/office/drawing/2014/main" xmlns="" id="{8BFC63E6-653E-4BE6-BD22-44682F206A3C}"/>
+              </a:ext>
+            </a:extLst>
+          </p:cNvPr>
+          <p:cNvPicPr>
+            <a:picLocks noChangeAspect="1"/>
+          </p:cNvPicPr>
+          <p:nvPr/>
+        </p:nvPicPr>
+        <p:blipFill>
+          <a:blip r:embed="rId7"/>
+          <a:stretch>
+            <a:fillRect/>
+          </a:stretch>
+        </p:blipFill>
+        <p:spPr>
+          <a:xfrm>
+            <a:off x="8063807" y="3597864"/>
+            <a:ext cx="4012016" cy="2747333"/>
+          </a:xfrm>
+          <a:prstGeom prst="rect">
+            <a:avLst/>
+          </a:prstGeom>
+        </p:spPr>
+      </p:pic>
     </p:spTree>
     <p:extLst>
       <p:ext uri="{BB962C8B-B14F-4D97-AF65-F5344CB8AC3E}">
-        <p14:creationId xmlns:p14="http://schemas.microsoft.com/office/powerpoint/2010/main" val="1149324235"/>
+        <p14:creationId xmlns:p14="http://schemas.microsoft.com/office/powerpoint/2010/main" val="181413399"/>
       </p:ext>
     </p:extLst>
   </p:cSld>
@@ -4411,13 +4466,7 @@
       </p:grpSpPr>
       <p:sp>
         <p:nvSpPr>
-          <p:cNvPr id="2" name="Title 1">
-            <a:extLst>
-              <a:ext uri="{FF2B5EF4-FFF2-40B4-BE49-F238E27FC236}">
-                <a16:creationId xmlns:a16="http://schemas.microsoft.com/office/drawing/2014/main" id="{BADC52AC-57CB-4192-872F-0792D0CF119A}"/>
-              </a:ext>
-            </a:extLst>
-          </p:cNvPr>
+          <p:cNvPr id="2" name="Title 1"/>
           <p:cNvSpPr>
             <a:spLocks noGrp="1"/>
           </p:cNvSpPr>
@@ -4425,15 +4474,40 @@
             <p:ph type="title"/>
           </p:nvPr>
         </p:nvSpPr>
-        <p:spPr/>
+        <p:spPr>
+          <a:xfrm>
+            <a:off x="792480" y="0"/>
+            <a:ext cx="10058400" cy="1450757"/>
+          </a:xfrm>
+        </p:spPr>
         <p:txBody>
           <a:bodyPr/>
           <a:lstStyle/>
           <a:p>
             <a:r>
-              <a:rPr lang="pt-BR" dirty="0"/>
-              <a:t>CSTA</a:t>
-            </a:r>
+              <a:rPr lang="en-US" dirty="0"/>
+              <a:t>Acompanhamento dos </a:t>
+            </a:r>
+            <a:r>
+              <a:rPr lang="en-US" dirty="0" smtClean="0"/>
+              <a:t>Dados com </a:t>
+            </a:r>
+            <a:r>
+              <a:rPr lang="en-US" dirty="0"/>
+              <a:t/>
+            </a:r>
+            <a:br>
+              <a:rPr lang="en-US" dirty="0"/>
+            </a:br>
+            <a:r>
+              <a:rPr lang="en-US" dirty="0"/>
+              <a:t>Cartas de </a:t>
+            </a:r>
+            <a:r>
+              <a:rPr lang="en-US" dirty="0" err="1"/>
+              <a:t>Controle</a:t>
+            </a:r>
+            <a:endParaRPr lang="en-US" dirty="0"/>
           </a:p>
         </p:txBody>
       </p:sp>
@@ -4442,7 +4516,7 @@
           <p:cNvPr id="3" name="TextBox 2">
             <a:extLst>
               <a:ext uri="{FF2B5EF4-FFF2-40B4-BE49-F238E27FC236}">
-                <a16:creationId xmlns:a16="http://schemas.microsoft.com/office/drawing/2014/main" id="{DDFB070A-D0FD-40F3-9F18-82EB481C4E49}"/>
+                <a16:creationId xmlns:a16="http://schemas.microsoft.com/office/drawing/2014/main" xmlns="" id="{65273BDD-CC3E-4D5A-A47F-B32E58ED5B40}"/>
               </a:ext>
             </a:extLst>
           </p:cNvPr>
@@ -4451,8 +4525,8 @@
         </p:nvSpPr>
         <p:spPr>
           <a:xfrm>
-            <a:off x="421716" y="1951672"/>
-            <a:ext cx="1526354" cy="707886"/>
+            <a:off x="928048" y="2101755"/>
+            <a:ext cx="1610436" cy="2954655"/>
           </a:xfrm>
           <a:prstGeom prst="rect">
             <a:avLst/>
@@ -4466,82 +4540,52 @@
           <a:lstStyle/>
           <a:p>
             <a:r>
-              <a:rPr lang="pt-BR" sz="2000" dirty="0"/>
-              <a:t>META:</a:t>
-            </a:r>
-          </a:p>
-          <a:p>
-            <a:r>
-              <a:rPr lang="pt-BR" sz="2000" dirty="0"/>
-              <a:t>7,31 Dias </a:t>
-            </a:r>
-          </a:p>
-        </p:txBody>
-      </p:sp>
-      <p:pic>
-        <p:nvPicPr>
-          <p:cNvPr id="4" name="Picture 3">
-            <a:extLst>
-              <a:ext uri="{FF2B5EF4-FFF2-40B4-BE49-F238E27FC236}">
-                <a16:creationId xmlns:a16="http://schemas.microsoft.com/office/drawing/2014/main" id="{D9DEF0ED-7126-48A1-8806-D7D17BBE910E}"/>
-              </a:ext>
-            </a:extLst>
-          </p:cNvPr>
-          <p:cNvPicPr>
-            <a:picLocks noChangeAspect="1"/>
-          </p:cNvPicPr>
-          <p:nvPr/>
-        </p:nvPicPr>
-        <p:blipFill>
-          <a:blip r:embed="rId2"/>
-          <a:stretch>
-            <a:fillRect/>
-          </a:stretch>
-        </p:blipFill>
-        <p:spPr>
-          <a:xfrm>
-            <a:off x="421716" y="2812315"/>
-            <a:ext cx="5231017" cy="3501094"/>
-          </a:xfrm>
-          <a:prstGeom prst="rect">
-            <a:avLst/>
-          </a:prstGeom>
-        </p:spPr>
-      </p:pic>
-      <p:pic>
-        <p:nvPicPr>
-          <p:cNvPr id="5" name="Picture 4">
-            <a:extLst>
-              <a:ext uri="{FF2B5EF4-FFF2-40B4-BE49-F238E27FC236}">
-                <a16:creationId xmlns:a16="http://schemas.microsoft.com/office/drawing/2014/main" id="{48F2900F-A0A2-42B1-86E4-2146FC5951D3}"/>
-              </a:ext>
-            </a:extLst>
-          </p:cNvPr>
-          <p:cNvPicPr>
-            <a:picLocks noChangeAspect="1"/>
-          </p:cNvPicPr>
-          <p:nvPr/>
-        </p:nvPicPr>
-        <p:blipFill>
-          <a:blip r:embed="rId3"/>
-          <a:stretch>
-            <a:fillRect/>
-          </a:stretch>
-        </p:blipFill>
-        <p:spPr>
-          <a:xfrm>
-            <a:off x="5924663" y="2812315"/>
-            <a:ext cx="5231017" cy="3501094"/>
-          </a:xfrm>
-          <a:prstGeom prst="rect">
-            <a:avLst/>
-          </a:prstGeom>
-        </p:spPr>
-      </p:pic>
+              <a:rPr lang="pt-BR" sz="2400" dirty="0"/>
+              <a:t>CSTA</a:t>
+            </a:r>
+          </a:p>
+          <a:p>
+            <a:r>
+              <a:rPr lang="pt-BR" sz="2400" dirty="0"/>
+              <a:t>ST</a:t>
+            </a:r>
+          </a:p>
+          <a:p>
+            <a:r>
+              <a:rPr lang="pt-BR" sz="2400" dirty="0"/>
+              <a:t>SESEG</a:t>
+            </a:r>
+          </a:p>
+          <a:p>
+            <a:endParaRPr lang="pt-BR" sz="2400" dirty="0"/>
+          </a:p>
+          <a:p>
+            <a:r>
+              <a:rPr lang="pt-BR" sz="2400" dirty="0"/>
+              <a:t>SAPRE</a:t>
+            </a:r>
+          </a:p>
+          <a:p>
+            <a:r>
+              <a:rPr lang="pt-BR" sz="2400" dirty="0"/>
+              <a:t>SMIC</a:t>
+            </a:r>
+          </a:p>
+          <a:p>
+            <a:r>
+              <a:rPr lang="pt-BR" sz="2400" dirty="0"/>
+              <a:t>SMIN</a:t>
+            </a:r>
+          </a:p>
+          <a:p>
+            <a:endParaRPr lang="pt-BR" dirty="0"/>
+          </a:p>
+        </p:txBody>
+      </p:sp>
     </p:spTree>
     <p:extLst>
       <p:ext uri="{BB962C8B-B14F-4D97-AF65-F5344CB8AC3E}">
-        <p14:creationId xmlns:p14="http://schemas.microsoft.com/office/powerpoint/2010/main" val="2028095013"/>
+        <p14:creationId xmlns:p14="http://schemas.microsoft.com/office/powerpoint/2010/main" val="1149324235"/>
       </p:ext>
     </p:extLst>
   </p:cSld>
@@ -4573,7 +4617,7 @@
           <p:cNvPr id="2" name="Title 1">
             <a:extLst>
               <a:ext uri="{FF2B5EF4-FFF2-40B4-BE49-F238E27FC236}">
-                <a16:creationId xmlns:a16="http://schemas.microsoft.com/office/drawing/2014/main" id="{BADC52AC-57CB-4192-872F-0792D0CF119A}"/>
+                <a16:creationId xmlns:a16="http://schemas.microsoft.com/office/drawing/2014/main" xmlns="" id="{BADC52AC-57CB-4192-872F-0792D0CF119A}"/>
               </a:ext>
             </a:extLst>
           </p:cNvPr>
@@ -4601,7 +4645,7 @@
           <p:cNvPr id="3" name="TextBox 2">
             <a:extLst>
               <a:ext uri="{FF2B5EF4-FFF2-40B4-BE49-F238E27FC236}">
-                <a16:creationId xmlns:a16="http://schemas.microsoft.com/office/drawing/2014/main" id="{DDFB070A-D0FD-40F3-9F18-82EB481C4E49}"/>
+                <a16:creationId xmlns:a16="http://schemas.microsoft.com/office/drawing/2014/main" xmlns="" id="{DDFB070A-D0FD-40F3-9F18-82EB481C4E49}"/>
               </a:ext>
             </a:extLst>
           </p:cNvPr>
@@ -4611,7 +4655,7 @@
         <p:spPr>
           <a:xfrm>
             <a:off x="421716" y="1951672"/>
-            <a:ext cx="1351128" cy="707886"/>
+            <a:ext cx="1526354" cy="707886"/>
           </a:xfrm>
           <a:prstGeom prst="rect">
             <a:avLst/>
@@ -4632,17 +4676,17 @@
           <a:p>
             <a:r>
               <a:rPr lang="pt-BR" sz="2000" dirty="0"/>
-              <a:t>7,31 Dias</a:t>
+              <a:t>7,31 Dias </a:t>
             </a:r>
           </a:p>
         </p:txBody>
       </p:sp>
       <p:pic>
         <p:nvPicPr>
-          <p:cNvPr id="7" name="Picture 6">
+          <p:cNvPr id="4" name="Picture 3">
             <a:extLst>
               <a:ext uri="{FF2B5EF4-FFF2-40B4-BE49-F238E27FC236}">
-                <a16:creationId xmlns:a16="http://schemas.microsoft.com/office/drawing/2014/main" id="{0D9EB8C8-BE27-4365-A968-D58C078CE593}"/>
+                <a16:creationId xmlns:a16="http://schemas.microsoft.com/office/drawing/2014/main" xmlns="" id="{D9DEF0ED-7126-48A1-8806-D7D17BBE910E}"/>
               </a:ext>
             </a:extLst>
           </p:cNvPr>
@@ -4659,8 +4703,38 @@
         </p:blipFill>
         <p:spPr>
           <a:xfrm>
-            <a:off x="2346051" y="1737360"/>
-            <a:ext cx="6938664" cy="4644014"/>
+            <a:off x="421716" y="2812315"/>
+            <a:ext cx="5231017" cy="3501094"/>
+          </a:xfrm>
+          <a:prstGeom prst="rect">
+            <a:avLst/>
+          </a:prstGeom>
+        </p:spPr>
+      </p:pic>
+      <p:pic>
+        <p:nvPicPr>
+          <p:cNvPr id="5" name="Picture 4">
+            <a:extLst>
+              <a:ext uri="{FF2B5EF4-FFF2-40B4-BE49-F238E27FC236}">
+                <a16:creationId xmlns:a16="http://schemas.microsoft.com/office/drawing/2014/main" xmlns="" id="{48F2900F-A0A2-42B1-86E4-2146FC5951D3}"/>
+              </a:ext>
+            </a:extLst>
+          </p:cNvPr>
+          <p:cNvPicPr>
+            <a:picLocks noChangeAspect="1"/>
+          </p:cNvPicPr>
+          <p:nvPr/>
+        </p:nvPicPr>
+        <p:blipFill>
+          <a:blip r:embed="rId3"/>
+          <a:stretch>
+            <a:fillRect/>
+          </a:stretch>
+        </p:blipFill>
+        <p:spPr>
+          <a:xfrm>
+            <a:off x="5924663" y="2812315"/>
+            <a:ext cx="5231017" cy="3501094"/>
           </a:xfrm>
           <a:prstGeom prst="rect">
             <a:avLst/>
@@ -4670,7 +4744,7 @@
     </p:spTree>
     <p:extLst>
       <p:ext uri="{BB962C8B-B14F-4D97-AF65-F5344CB8AC3E}">
-        <p14:creationId xmlns:p14="http://schemas.microsoft.com/office/powerpoint/2010/main" val="2734478045"/>
+        <p14:creationId xmlns:p14="http://schemas.microsoft.com/office/powerpoint/2010/main" val="2028095013"/>
       </p:ext>
     </p:extLst>
   </p:cSld>
@@ -4702,7 +4776,7 @@
           <p:cNvPr id="2" name="Title 1">
             <a:extLst>
               <a:ext uri="{FF2B5EF4-FFF2-40B4-BE49-F238E27FC236}">
-                <a16:creationId xmlns:a16="http://schemas.microsoft.com/office/drawing/2014/main" id="{BADC52AC-57CB-4192-872F-0792D0CF119A}"/>
+                <a16:creationId xmlns:a16="http://schemas.microsoft.com/office/drawing/2014/main" xmlns="" id="{BADC52AC-57CB-4192-872F-0792D0CF119A}"/>
               </a:ext>
             </a:extLst>
           </p:cNvPr>
@@ -4720,7 +4794,7 @@
           <a:p>
             <a:r>
               <a:rPr lang="pt-BR" dirty="0"/>
-              <a:t>Detalhamento dos pontos-fora dos limites</a:t>
+              <a:t>CSTA</a:t>
             </a:r>
           </a:p>
         </p:txBody>
@@ -4730,7 +4804,7 @@
           <p:cNvPr id="3" name="TextBox 2">
             <a:extLst>
               <a:ext uri="{FF2B5EF4-FFF2-40B4-BE49-F238E27FC236}">
-                <a16:creationId xmlns:a16="http://schemas.microsoft.com/office/drawing/2014/main" id="{DDFB070A-D0FD-40F3-9F18-82EB481C4E49}"/>
+                <a16:creationId xmlns:a16="http://schemas.microsoft.com/office/drawing/2014/main" xmlns="" id="{DDFB070A-D0FD-40F3-9F18-82EB481C4E49}"/>
               </a:ext>
             </a:extLst>
           </p:cNvPr>
@@ -4739,7 +4813,7 @@
         </p:nvSpPr>
         <p:spPr>
           <a:xfrm>
-            <a:off x="421716" y="1885412"/>
+            <a:off x="421716" y="1951672"/>
             <a:ext cx="1351128" cy="707886"/>
           </a:xfrm>
           <a:prstGeom prst="rect">
@@ -4768,10 +4842,10 @@
       </p:sp>
       <p:pic>
         <p:nvPicPr>
-          <p:cNvPr id="5" name="Picture 4" descr="Screen Clipping">
+          <p:cNvPr id="7" name="Picture 6">
             <a:extLst>
               <a:ext uri="{FF2B5EF4-FFF2-40B4-BE49-F238E27FC236}">
-                <a16:creationId xmlns:a16="http://schemas.microsoft.com/office/drawing/2014/main" id="{87A72D3D-ABE0-484B-ACD3-9B5E8999C606}"/>
+                <a16:creationId xmlns:a16="http://schemas.microsoft.com/office/drawing/2014/main" xmlns="" id="{0D9EB8C8-BE27-4365-A968-D58C078CE593}"/>
               </a:ext>
             </a:extLst>
           </p:cNvPr>
@@ -4788,128 +4862,8 @@
         </p:blipFill>
         <p:spPr>
           <a:xfrm>
-            <a:off x="861875" y="2658980"/>
-            <a:ext cx="8326012" cy="933580"/>
-          </a:xfrm>
-          <a:prstGeom prst="rect">
-            <a:avLst/>
-          </a:prstGeom>
-        </p:spPr>
-      </p:pic>
-      <p:pic>
-        <p:nvPicPr>
-          <p:cNvPr id="8" name="Picture 7" descr="Screen Clipping">
-            <a:extLst>
-              <a:ext uri="{FF2B5EF4-FFF2-40B4-BE49-F238E27FC236}">
-                <a16:creationId xmlns:a16="http://schemas.microsoft.com/office/drawing/2014/main" id="{2CA5BB5B-317F-4A84-BE5A-CDFF2CE29D55}"/>
-              </a:ext>
-            </a:extLst>
-          </p:cNvPr>
-          <p:cNvPicPr>
-            <a:picLocks noChangeAspect="1"/>
-          </p:cNvPicPr>
-          <p:nvPr/>
-        </p:nvPicPr>
-        <p:blipFill>
-          <a:blip r:embed="rId3"/>
-          <a:stretch>
-            <a:fillRect/>
-          </a:stretch>
-        </p:blipFill>
-        <p:spPr>
-          <a:xfrm>
-            <a:off x="852349" y="3765124"/>
-            <a:ext cx="8335538" cy="266737"/>
-          </a:xfrm>
-          <a:prstGeom prst="rect">
-            <a:avLst/>
-          </a:prstGeom>
-        </p:spPr>
-      </p:pic>
-      <p:pic>
-        <p:nvPicPr>
-          <p:cNvPr id="10" name="Picture 9" descr="Screen Clipping">
-            <a:extLst>
-              <a:ext uri="{FF2B5EF4-FFF2-40B4-BE49-F238E27FC236}">
-                <a16:creationId xmlns:a16="http://schemas.microsoft.com/office/drawing/2014/main" id="{8C265B5D-48AF-45E1-AA45-6F4D6D463772}"/>
-              </a:ext>
-            </a:extLst>
-          </p:cNvPr>
-          <p:cNvPicPr>
-            <a:picLocks noChangeAspect="1"/>
-          </p:cNvPicPr>
-          <p:nvPr/>
-        </p:nvPicPr>
-        <p:blipFill>
-          <a:blip r:embed="rId4"/>
-          <a:stretch>
-            <a:fillRect/>
-          </a:stretch>
-        </p:blipFill>
-        <p:spPr>
-          <a:xfrm>
-            <a:off x="852349" y="4140919"/>
-            <a:ext cx="8221222" cy="238158"/>
-          </a:xfrm>
-          <a:prstGeom prst="rect">
-            <a:avLst/>
-          </a:prstGeom>
-        </p:spPr>
-      </p:pic>
-      <p:pic>
-        <p:nvPicPr>
-          <p:cNvPr id="12" name="Picture 11" descr="Screen Clipping">
-            <a:extLst>
-              <a:ext uri="{FF2B5EF4-FFF2-40B4-BE49-F238E27FC236}">
-                <a16:creationId xmlns:a16="http://schemas.microsoft.com/office/drawing/2014/main" id="{6C6C4AC4-3DE7-4548-ADC1-9FF9BE87037D}"/>
-              </a:ext>
-            </a:extLst>
-          </p:cNvPr>
-          <p:cNvPicPr>
-            <a:picLocks noChangeAspect="1"/>
-          </p:cNvPicPr>
-          <p:nvPr/>
-        </p:nvPicPr>
-        <p:blipFill>
-          <a:blip r:embed="rId5"/>
-          <a:stretch>
-            <a:fillRect/>
-          </a:stretch>
-        </p:blipFill>
-        <p:spPr>
-          <a:xfrm>
-            <a:off x="852349" y="4477787"/>
-            <a:ext cx="8326012" cy="333422"/>
-          </a:xfrm>
-          <a:prstGeom prst="rect">
-            <a:avLst/>
-          </a:prstGeom>
-        </p:spPr>
-      </p:pic>
-      <p:pic>
-        <p:nvPicPr>
-          <p:cNvPr id="14" name="Picture 13" descr="Screen Clipping">
-            <a:extLst>
-              <a:ext uri="{FF2B5EF4-FFF2-40B4-BE49-F238E27FC236}">
-                <a16:creationId xmlns:a16="http://schemas.microsoft.com/office/drawing/2014/main" id="{C1FB1112-2F2E-4A44-955D-BF507CA027EA}"/>
-              </a:ext>
-            </a:extLst>
-          </p:cNvPr>
-          <p:cNvPicPr>
-            <a:picLocks noChangeAspect="1"/>
-          </p:cNvPicPr>
-          <p:nvPr/>
-        </p:nvPicPr>
-        <p:blipFill>
-          <a:blip r:embed="rId6"/>
-          <a:stretch>
-            <a:fillRect/>
-          </a:stretch>
-        </p:blipFill>
-        <p:spPr>
-          <a:xfrm>
-            <a:off x="861875" y="4872186"/>
-            <a:ext cx="8326012" cy="1190791"/>
+            <a:off x="2346051" y="1737360"/>
+            <a:ext cx="6938664" cy="4644014"/>
           </a:xfrm>
           <a:prstGeom prst="rect">
             <a:avLst/>
@@ -4919,7 +4873,7 @@
     </p:spTree>
     <p:extLst>
       <p:ext uri="{BB962C8B-B14F-4D97-AF65-F5344CB8AC3E}">
-        <p14:creationId xmlns:p14="http://schemas.microsoft.com/office/powerpoint/2010/main" val="781040077"/>
+        <p14:creationId xmlns:p14="http://schemas.microsoft.com/office/powerpoint/2010/main" val="2734478045"/>
       </p:ext>
     </p:extLst>
   </p:cSld>
@@ -4951,7 +4905,7 @@
           <p:cNvPr id="2" name="Title 1">
             <a:extLst>
               <a:ext uri="{FF2B5EF4-FFF2-40B4-BE49-F238E27FC236}">
-                <a16:creationId xmlns:a16="http://schemas.microsoft.com/office/drawing/2014/main" id="{BADC52AC-57CB-4192-872F-0792D0CF119A}"/>
+                <a16:creationId xmlns:a16="http://schemas.microsoft.com/office/drawing/2014/main" xmlns="" id="{BADC52AC-57CB-4192-872F-0792D0CF119A}"/>
               </a:ext>
             </a:extLst>
           </p:cNvPr>
@@ -4969,7 +4923,7 @@
           <a:p>
             <a:r>
               <a:rPr lang="pt-BR" dirty="0"/>
-              <a:t>ST</a:t>
+              <a:t>Detalhamento dos pontos-fora dos limites</a:t>
             </a:r>
           </a:p>
         </p:txBody>
@@ -4979,7 +4933,7 @@
           <p:cNvPr id="3" name="TextBox 2">
             <a:extLst>
               <a:ext uri="{FF2B5EF4-FFF2-40B4-BE49-F238E27FC236}">
-                <a16:creationId xmlns:a16="http://schemas.microsoft.com/office/drawing/2014/main" id="{DDFB070A-D0FD-40F3-9F18-82EB481C4E49}"/>
+                <a16:creationId xmlns:a16="http://schemas.microsoft.com/office/drawing/2014/main" xmlns="" id="{DDFB070A-D0FD-40F3-9F18-82EB481C4E49}"/>
               </a:ext>
             </a:extLst>
           </p:cNvPr>
@@ -4988,7 +4942,7 @@
         </p:nvSpPr>
         <p:spPr>
           <a:xfrm>
-            <a:off x="421716" y="1951672"/>
+            <a:off x="421716" y="1885412"/>
             <a:ext cx="1351128" cy="707886"/>
           </a:xfrm>
           <a:prstGeom prst="rect">
@@ -5010,17 +4964,17 @@
           <a:p>
             <a:r>
               <a:rPr lang="pt-BR" sz="2000" dirty="0"/>
-              <a:t>3,10 Dias</a:t>
+              <a:t>7,31 Dias</a:t>
             </a:r>
           </a:p>
         </p:txBody>
       </p:sp>
       <p:pic>
         <p:nvPicPr>
-          <p:cNvPr id="6" name="Picture 5">
+          <p:cNvPr id="5" name="Picture 4" descr="Screen Clipping">
             <a:extLst>
               <a:ext uri="{FF2B5EF4-FFF2-40B4-BE49-F238E27FC236}">
-                <a16:creationId xmlns:a16="http://schemas.microsoft.com/office/drawing/2014/main" id="{D2FE4F16-B6BE-41EB-A9F9-47EE71DDB11A}"/>
+                <a16:creationId xmlns:a16="http://schemas.microsoft.com/office/drawing/2014/main" xmlns="" id="{87A72D3D-ABE0-484B-ACD3-9B5E8999C606}"/>
               </a:ext>
             </a:extLst>
           </p:cNvPr>
@@ -5037,8 +4991,8 @@
         </p:blipFill>
         <p:spPr>
           <a:xfrm>
-            <a:off x="524640" y="2812315"/>
-            <a:ext cx="5231017" cy="3501094"/>
+            <a:off x="861875" y="2658980"/>
+            <a:ext cx="8326012" cy="933580"/>
           </a:xfrm>
           <a:prstGeom prst="rect">
             <a:avLst/>
@@ -5047,10 +5001,10 @@
       </p:pic>
       <p:pic>
         <p:nvPicPr>
-          <p:cNvPr id="8" name="Picture 7">
+          <p:cNvPr id="8" name="Picture 7" descr="Screen Clipping">
             <a:extLst>
               <a:ext uri="{FF2B5EF4-FFF2-40B4-BE49-F238E27FC236}">
-                <a16:creationId xmlns:a16="http://schemas.microsoft.com/office/drawing/2014/main" id="{3744CB26-A353-4BB1-B8E5-F0D61C306690}"/>
+                <a16:creationId xmlns:a16="http://schemas.microsoft.com/office/drawing/2014/main" xmlns="" id="{2CA5BB5B-317F-4A84-BE5A-CDFF2CE29D55}"/>
               </a:ext>
             </a:extLst>
           </p:cNvPr>
@@ -5067,8 +5021,98 @@
         </p:blipFill>
         <p:spPr>
           <a:xfrm>
-            <a:off x="5924663" y="2812315"/>
-            <a:ext cx="5231017" cy="3501094"/>
+            <a:off x="852349" y="3765124"/>
+            <a:ext cx="8335538" cy="266737"/>
+          </a:xfrm>
+          <a:prstGeom prst="rect">
+            <a:avLst/>
+          </a:prstGeom>
+        </p:spPr>
+      </p:pic>
+      <p:pic>
+        <p:nvPicPr>
+          <p:cNvPr id="10" name="Picture 9" descr="Screen Clipping">
+            <a:extLst>
+              <a:ext uri="{FF2B5EF4-FFF2-40B4-BE49-F238E27FC236}">
+                <a16:creationId xmlns:a16="http://schemas.microsoft.com/office/drawing/2014/main" xmlns="" id="{8C265B5D-48AF-45E1-AA45-6F4D6D463772}"/>
+              </a:ext>
+            </a:extLst>
+          </p:cNvPr>
+          <p:cNvPicPr>
+            <a:picLocks noChangeAspect="1"/>
+          </p:cNvPicPr>
+          <p:nvPr/>
+        </p:nvPicPr>
+        <p:blipFill>
+          <a:blip r:embed="rId4"/>
+          <a:stretch>
+            <a:fillRect/>
+          </a:stretch>
+        </p:blipFill>
+        <p:spPr>
+          <a:xfrm>
+            <a:off x="852349" y="4140919"/>
+            <a:ext cx="8221222" cy="238158"/>
+          </a:xfrm>
+          <a:prstGeom prst="rect">
+            <a:avLst/>
+          </a:prstGeom>
+        </p:spPr>
+      </p:pic>
+      <p:pic>
+        <p:nvPicPr>
+          <p:cNvPr id="12" name="Picture 11" descr="Screen Clipping">
+            <a:extLst>
+              <a:ext uri="{FF2B5EF4-FFF2-40B4-BE49-F238E27FC236}">
+                <a16:creationId xmlns:a16="http://schemas.microsoft.com/office/drawing/2014/main" xmlns="" id="{6C6C4AC4-3DE7-4548-ADC1-9FF9BE87037D}"/>
+              </a:ext>
+            </a:extLst>
+          </p:cNvPr>
+          <p:cNvPicPr>
+            <a:picLocks noChangeAspect="1"/>
+          </p:cNvPicPr>
+          <p:nvPr/>
+        </p:nvPicPr>
+        <p:blipFill>
+          <a:blip r:embed="rId5"/>
+          <a:stretch>
+            <a:fillRect/>
+          </a:stretch>
+        </p:blipFill>
+        <p:spPr>
+          <a:xfrm>
+            <a:off x="852349" y="4477787"/>
+            <a:ext cx="8326012" cy="333422"/>
+          </a:xfrm>
+          <a:prstGeom prst="rect">
+            <a:avLst/>
+          </a:prstGeom>
+        </p:spPr>
+      </p:pic>
+      <p:pic>
+        <p:nvPicPr>
+          <p:cNvPr id="14" name="Picture 13" descr="Screen Clipping">
+            <a:extLst>
+              <a:ext uri="{FF2B5EF4-FFF2-40B4-BE49-F238E27FC236}">
+                <a16:creationId xmlns:a16="http://schemas.microsoft.com/office/drawing/2014/main" xmlns="" id="{C1FB1112-2F2E-4A44-955D-BF507CA027EA}"/>
+              </a:ext>
+            </a:extLst>
+          </p:cNvPr>
+          <p:cNvPicPr>
+            <a:picLocks noChangeAspect="1"/>
+          </p:cNvPicPr>
+          <p:nvPr/>
+        </p:nvPicPr>
+        <p:blipFill>
+          <a:blip r:embed="rId6"/>
+          <a:stretch>
+            <a:fillRect/>
+          </a:stretch>
+        </p:blipFill>
+        <p:spPr>
+          <a:xfrm>
+            <a:off x="861875" y="4872186"/>
+            <a:ext cx="8326012" cy="1190791"/>
           </a:xfrm>
           <a:prstGeom prst="rect">
             <a:avLst/>
@@ -5078,7 +5122,7 @@
     </p:spTree>
     <p:extLst>
       <p:ext uri="{BB962C8B-B14F-4D97-AF65-F5344CB8AC3E}">
-        <p14:creationId xmlns:p14="http://schemas.microsoft.com/office/powerpoint/2010/main" val="2406898303"/>
+        <p14:creationId xmlns:p14="http://schemas.microsoft.com/office/powerpoint/2010/main" val="781040077"/>
       </p:ext>
     </p:extLst>
   </p:cSld>
@@ -5110,7 +5154,7 @@
           <p:cNvPr id="2" name="Title 1">
             <a:extLst>
               <a:ext uri="{FF2B5EF4-FFF2-40B4-BE49-F238E27FC236}">
-                <a16:creationId xmlns:a16="http://schemas.microsoft.com/office/drawing/2014/main" id="{BADC52AC-57CB-4192-872F-0792D0CF119A}"/>
+                <a16:creationId xmlns:a16="http://schemas.microsoft.com/office/drawing/2014/main" xmlns="" id="{BADC52AC-57CB-4192-872F-0792D0CF119A}"/>
               </a:ext>
             </a:extLst>
           </p:cNvPr>
@@ -5138,7 +5182,7 @@
           <p:cNvPr id="3" name="TextBox 2">
             <a:extLst>
               <a:ext uri="{FF2B5EF4-FFF2-40B4-BE49-F238E27FC236}">
-                <a16:creationId xmlns:a16="http://schemas.microsoft.com/office/drawing/2014/main" id="{DDFB070A-D0FD-40F3-9F18-82EB481C4E49}"/>
+                <a16:creationId xmlns:a16="http://schemas.microsoft.com/office/drawing/2014/main" xmlns="" id="{DDFB070A-D0FD-40F3-9F18-82EB481C4E49}"/>
               </a:ext>
             </a:extLst>
           </p:cNvPr>
@@ -5176,10 +5220,10 @@
       </p:sp>
       <p:pic>
         <p:nvPicPr>
-          <p:cNvPr id="9" name="Picture 8">
+          <p:cNvPr id="6" name="Picture 5">
             <a:extLst>
               <a:ext uri="{FF2B5EF4-FFF2-40B4-BE49-F238E27FC236}">
-                <a16:creationId xmlns:a16="http://schemas.microsoft.com/office/drawing/2014/main" id="{60A2BBC3-C6F2-423A-8F2B-0D38E39641ED}"/>
+                <a16:creationId xmlns:a16="http://schemas.microsoft.com/office/drawing/2014/main" xmlns="" id="{D2FE4F16-B6BE-41EB-A9F9-47EE71DDB11A}"/>
               </a:ext>
             </a:extLst>
           </p:cNvPr>
@@ -5196,8 +5240,38 @@
         </p:blipFill>
         <p:spPr>
           <a:xfrm>
-            <a:off x="2291882" y="1951672"/>
-            <a:ext cx="6579116" cy="4403370"/>
+            <a:off x="524640" y="2812315"/>
+            <a:ext cx="5231017" cy="3501094"/>
+          </a:xfrm>
+          <a:prstGeom prst="rect">
+            <a:avLst/>
+          </a:prstGeom>
+        </p:spPr>
+      </p:pic>
+      <p:pic>
+        <p:nvPicPr>
+          <p:cNvPr id="8" name="Picture 7">
+            <a:extLst>
+              <a:ext uri="{FF2B5EF4-FFF2-40B4-BE49-F238E27FC236}">
+                <a16:creationId xmlns:a16="http://schemas.microsoft.com/office/drawing/2014/main" xmlns="" id="{3744CB26-A353-4BB1-B8E5-F0D61C306690}"/>
+              </a:ext>
+            </a:extLst>
+          </p:cNvPr>
+          <p:cNvPicPr>
+            <a:picLocks noChangeAspect="1"/>
+          </p:cNvPicPr>
+          <p:nvPr/>
+        </p:nvPicPr>
+        <p:blipFill>
+          <a:blip r:embed="rId3"/>
+          <a:stretch>
+            <a:fillRect/>
+          </a:stretch>
+        </p:blipFill>
+        <p:spPr>
+          <a:xfrm>
+            <a:off x="5924663" y="2812315"/>
+            <a:ext cx="5231017" cy="3501094"/>
           </a:xfrm>
           <a:prstGeom prst="rect">
             <a:avLst/>
@@ -5207,7 +5281,7 @@
     </p:spTree>
     <p:extLst>
       <p:ext uri="{BB962C8B-B14F-4D97-AF65-F5344CB8AC3E}">
-        <p14:creationId xmlns:p14="http://schemas.microsoft.com/office/powerpoint/2010/main" val="3658033880"/>
+        <p14:creationId xmlns:p14="http://schemas.microsoft.com/office/powerpoint/2010/main" val="2406898303"/>
       </p:ext>
     </p:extLst>
   </p:cSld>
@@ -5239,7 +5313,7 @@
           <p:cNvPr id="2" name="Title 1">
             <a:extLst>
               <a:ext uri="{FF2B5EF4-FFF2-40B4-BE49-F238E27FC236}">
-                <a16:creationId xmlns:a16="http://schemas.microsoft.com/office/drawing/2014/main" id="{BADC52AC-57CB-4192-872F-0792D0CF119A}"/>
+                <a16:creationId xmlns:a16="http://schemas.microsoft.com/office/drawing/2014/main" xmlns="" id="{BADC52AC-57CB-4192-872F-0792D0CF119A}"/>
               </a:ext>
             </a:extLst>
           </p:cNvPr>
@@ -5257,7 +5331,7 @@
           <a:p>
             <a:r>
               <a:rPr lang="pt-BR" dirty="0"/>
-              <a:t>ST  Detalhamento dos pontos-fora dos limites</a:t>
+              <a:t>ST</a:t>
             </a:r>
           </a:p>
         </p:txBody>
@@ -5267,7 +5341,7 @@
           <p:cNvPr id="3" name="TextBox 2">
             <a:extLst>
               <a:ext uri="{FF2B5EF4-FFF2-40B4-BE49-F238E27FC236}">
-                <a16:creationId xmlns:a16="http://schemas.microsoft.com/office/drawing/2014/main" id="{DDFB070A-D0FD-40F3-9F18-82EB481C4E49}"/>
+                <a16:creationId xmlns:a16="http://schemas.microsoft.com/office/drawing/2014/main" xmlns="" id="{DDFB070A-D0FD-40F3-9F18-82EB481C4E49}"/>
               </a:ext>
             </a:extLst>
           </p:cNvPr>
@@ -5305,10 +5379,10 @@
       </p:sp>
       <p:pic>
         <p:nvPicPr>
-          <p:cNvPr id="6" name="Picture 5" descr="Screen Clipping">
+          <p:cNvPr id="9" name="Picture 8">
             <a:extLst>
               <a:ext uri="{FF2B5EF4-FFF2-40B4-BE49-F238E27FC236}">
-                <a16:creationId xmlns:a16="http://schemas.microsoft.com/office/drawing/2014/main" id="{4DDD5A8C-F501-4C2A-8801-8C8C21ED0223}"/>
+                <a16:creationId xmlns:a16="http://schemas.microsoft.com/office/drawing/2014/main" xmlns="" id="{60A2BBC3-C6F2-423A-8F2B-0D38E39641ED}"/>
               </a:ext>
             </a:extLst>
           </p:cNvPr>
@@ -5325,38 +5399,8 @@
         </p:blipFill>
         <p:spPr>
           <a:xfrm>
-            <a:off x="1946544" y="1951672"/>
-            <a:ext cx="9383434" cy="2133898"/>
-          </a:xfrm>
-          <a:prstGeom prst="rect">
-            <a:avLst/>
-          </a:prstGeom>
-        </p:spPr>
-      </p:pic>
-      <p:pic>
-        <p:nvPicPr>
-          <p:cNvPr id="7" name="Picture 6" descr="Screen Clipping">
-            <a:extLst>
-              <a:ext uri="{FF2B5EF4-FFF2-40B4-BE49-F238E27FC236}">
-                <a16:creationId xmlns:a16="http://schemas.microsoft.com/office/drawing/2014/main" id="{27567888-55D8-43BC-B344-FD297D25B80D}"/>
-              </a:ext>
-            </a:extLst>
-          </p:cNvPr>
-          <p:cNvPicPr>
-            <a:picLocks noChangeAspect="1"/>
-          </p:cNvPicPr>
-          <p:nvPr/>
-        </p:nvPicPr>
-        <p:blipFill>
-          <a:blip r:embed="rId3"/>
-          <a:stretch>
-            <a:fillRect/>
-          </a:stretch>
-        </p:blipFill>
-        <p:spPr>
-          <a:xfrm>
-            <a:off x="1946544" y="4299882"/>
-            <a:ext cx="8630854" cy="552527"/>
+            <a:off x="2291882" y="1951672"/>
+            <a:ext cx="6579116" cy="4403370"/>
           </a:xfrm>
           <a:prstGeom prst="rect">
             <a:avLst/>
@@ -5366,7 +5410,7 @@
     </p:spTree>
     <p:extLst>
       <p:ext uri="{BB962C8B-B14F-4D97-AF65-F5344CB8AC3E}">
-        <p14:creationId xmlns:p14="http://schemas.microsoft.com/office/powerpoint/2010/main" val="100868315"/>
+        <p14:creationId xmlns:p14="http://schemas.microsoft.com/office/powerpoint/2010/main" val="3658033880"/>
       </p:ext>
     </p:extLst>
   </p:cSld>
@@ -5398,7 +5442,7 @@
           <p:cNvPr id="2" name="Title 1">
             <a:extLst>
               <a:ext uri="{FF2B5EF4-FFF2-40B4-BE49-F238E27FC236}">
-                <a16:creationId xmlns:a16="http://schemas.microsoft.com/office/drawing/2014/main" id="{BADC52AC-57CB-4192-872F-0792D0CF119A}"/>
+                <a16:creationId xmlns:a16="http://schemas.microsoft.com/office/drawing/2014/main" xmlns="" id="{BADC52AC-57CB-4192-872F-0792D0CF119A}"/>
               </a:ext>
             </a:extLst>
           </p:cNvPr>
@@ -5416,7 +5460,7 @@
           <a:p>
             <a:r>
               <a:rPr lang="pt-BR" dirty="0"/>
-              <a:t>SESEG</a:t>
+              <a:t>ST  Detalhamento dos pontos-fora dos limites</a:t>
             </a:r>
           </a:p>
         </p:txBody>
@@ -5426,7 +5470,7 @@
           <p:cNvPr id="3" name="TextBox 2">
             <a:extLst>
               <a:ext uri="{FF2B5EF4-FFF2-40B4-BE49-F238E27FC236}">
-                <a16:creationId xmlns:a16="http://schemas.microsoft.com/office/drawing/2014/main" id="{DDFB070A-D0FD-40F3-9F18-82EB481C4E49}"/>
+                <a16:creationId xmlns:a16="http://schemas.microsoft.com/office/drawing/2014/main" xmlns="" id="{DDFB070A-D0FD-40F3-9F18-82EB481C4E49}"/>
               </a:ext>
             </a:extLst>
           </p:cNvPr>
@@ -5435,7 +5479,7 @@
         </p:nvSpPr>
         <p:spPr>
           <a:xfrm>
-            <a:off x="421716" y="1819152"/>
+            <a:off x="421716" y="1951672"/>
             <a:ext cx="1351128" cy="707886"/>
           </a:xfrm>
           <a:prstGeom prst="rect">
@@ -5457,17 +5501,17 @@
           <a:p>
             <a:r>
               <a:rPr lang="pt-BR" sz="2000" dirty="0"/>
-              <a:t> 8,88 Dias</a:t>
+              <a:t>3,10 Dias</a:t>
             </a:r>
           </a:p>
         </p:txBody>
       </p:sp>
       <p:pic>
         <p:nvPicPr>
-          <p:cNvPr id="6" name="Picture 5">
+          <p:cNvPr id="6" name="Picture 5" descr="Screen Clipping">
             <a:extLst>
               <a:ext uri="{FF2B5EF4-FFF2-40B4-BE49-F238E27FC236}">
-                <a16:creationId xmlns:a16="http://schemas.microsoft.com/office/drawing/2014/main" id="{C2681076-2F48-4911-B3F5-A365FDD1AE3B}"/>
+                <a16:creationId xmlns:a16="http://schemas.microsoft.com/office/drawing/2014/main" xmlns="" id="{4DDD5A8C-F501-4C2A-8801-8C8C21ED0223}"/>
               </a:ext>
             </a:extLst>
           </p:cNvPr>
@@ -5484,8 +5528,8 @@
         </p:blipFill>
         <p:spPr>
           <a:xfrm>
-            <a:off x="567170" y="2598003"/>
-            <a:ext cx="5231017" cy="3501094"/>
+            <a:off x="1946544" y="1951672"/>
+            <a:ext cx="9383434" cy="2133898"/>
           </a:xfrm>
           <a:prstGeom prst="rect">
             <a:avLst/>
@@ -5494,10 +5538,10 @@
       </p:pic>
       <p:pic>
         <p:nvPicPr>
-          <p:cNvPr id="7" name="Picture 6">
+          <p:cNvPr id="7" name="Picture 6" descr="Screen Clipping">
             <a:extLst>
               <a:ext uri="{FF2B5EF4-FFF2-40B4-BE49-F238E27FC236}">
-                <a16:creationId xmlns:a16="http://schemas.microsoft.com/office/drawing/2014/main" id="{9FADDA66-006D-445A-AC8A-80E594AE769B}"/>
+                <a16:creationId xmlns:a16="http://schemas.microsoft.com/office/drawing/2014/main" xmlns="" id="{27567888-55D8-43BC-B344-FD297D25B80D}"/>
               </a:ext>
             </a:extLst>
           </p:cNvPr>
@@ -5514,8 +5558,8 @@
         </p:blipFill>
         <p:spPr>
           <a:xfrm>
-            <a:off x="6126480" y="2598003"/>
-            <a:ext cx="5231017" cy="3501094"/>
+            <a:off x="1946544" y="4299882"/>
+            <a:ext cx="8630854" cy="552527"/>
           </a:xfrm>
           <a:prstGeom prst="rect">
             <a:avLst/>
@@ -5525,7 +5569,7 @@
     </p:spTree>
     <p:extLst>
       <p:ext uri="{BB962C8B-B14F-4D97-AF65-F5344CB8AC3E}">
-        <p14:creationId xmlns:p14="http://schemas.microsoft.com/office/powerpoint/2010/main" val="1693170418"/>
+        <p14:creationId xmlns:p14="http://schemas.microsoft.com/office/powerpoint/2010/main" val="100868315"/>
       </p:ext>
     </p:extLst>
   </p:cSld>
@@ -5557,7 +5601,7 @@
           <p:cNvPr id="2" name="Title 1">
             <a:extLst>
               <a:ext uri="{FF2B5EF4-FFF2-40B4-BE49-F238E27FC236}">
-                <a16:creationId xmlns:a16="http://schemas.microsoft.com/office/drawing/2014/main" id="{BADC52AC-57CB-4192-872F-0792D0CF119A}"/>
+                <a16:creationId xmlns:a16="http://schemas.microsoft.com/office/drawing/2014/main" xmlns="" id="{BADC52AC-57CB-4192-872F-0792D0CF119A}"/>
               </a:ext>
             </a:extLst>
           </p:cNvPr>
@@ -5585,7 +5629,7 @@
           <p:cNvPr id="3" name="TextBox 2">
             <a:extLst>
               <a:ext uri="{FF2B5EF4-FFF2-40B4-BE49-F238E27FC236}">
-                <a16:creationId xmlns:a16="http://schemas.microsoft.com/office/drawing/2014/main" id="{DDFB070A-D0FD-40F3-9F18-82EB481C4E49}"/>
+                <a16:creationId xmlns:a16="http://schemas.microsoft.com/office/drawing/2014/main" xmlns="" id="{DDFB070A-D0FD-40F3-9F18-82EB481C4E49}"/>
               </a:ext>
             </a:extLst>
           </p:cNvPr>
@@ -5594,7 +5638,7 @@
         </p:nvSpPr>
         <p:spPr>
           <a:xfrm>
-            <a:off x="421716" y="1951672"/>
+            <a:off x="421716" y="1819152"/>
             <a:ext cx="1351128" cy="707886"/>
           </a:xfrm>
           <a:prstGeom prst="rect">
@@ -5623,10 +5667,10 @@
       </p:sp>
       <p:pic>
         <p:nvPicPr>
-          <p:cNvPr id="4" name="Picture 3">
+          <p:cNvPr id="6" name="Picture 5">
             <a:extLst>
               <a:ext uri="{FF2B5EF4-FFF2-40B4-BE49-F238E27FC236}">
-                <a16:creationId xmlns:a16="http://schemas.microsoft.com/office/drawing/2014/main" id="{21AF1701-58C6-4312-997C-9B6F1F20B287}"/>
+                <a16:creationId xmlns:a16="http://schemas.microsoft.com/office/drawing/2014/main" xmlns="" id="{C2681076-2F48-4911-B3F5-A365FDD1AE3B}"/>
               </a:ext>
             </a:extLst>
           </p:cNvPr>
@@ -5643,8 +5687,38 @@
         </p:blipFill>
         <p:spPr>
           <a:xfrm>
-            <a:off x="2638003" y="1869838"/>
-            <a:ext cx="6722092" cy="4499063"/>
+            <a:off x="567170" y="2598003"/>
+            <a:ext cx="5231017" cy="3501094"/>
+          </a:xfrm>
+          <a:prstGeom prst="rect">
+            <a:avLst/>
+          </a:prstGeom>
+        </p:spPr>
+      </p:pic>
+      <p:pic>
+        <p:nvPicPr>
+          <p:cNvPr id="7" name="Picture 6">
+            <a:extLst>
+              <a:ext uri="{FF2B5EF4-FFF2-40B4-BE49-F238E27FC236}">
+                <a16:creationId xmlns:a16="http://schemas.microsoft.com/office/drawing/2014/main" xmlns="" id="{9FADDA66-006D-445A-AC8A-80E594AE769B}"/>
+              </a:ext>
+            </a:extLst>
+          </p:cNvPr>
+          <p:cNvPicPr>
+            <a:picLocks noChangeAspect="1"/>
+          </p:cNvPicPr>
+          <p:nvPr/>
+        </p:nvPicPr>
+        <p:blipFill>
+          <a:blip r:embed="rId3"/>
+          <a:stretch>
+            <a:fillRect/>
+          </a:stretch>
+        </p:blipFill>
+        <p:spPr>
+          <a:xfrm>
+            <a:off x="6126480" y="2598003"/>
+            <a:ext cx="5231017" cy="3501094"/>
           </a:xfrm>
           <a:prstGeom prst="rect">
             <a:avLst/>
@@ -5654,7 +5728,7 @@
     </p:spTree>
     <p:extLst>
       <p:ext uri="{BB962C8B-B14F-4D97-AF65-F5344CB8AC3E}">
-        <p14:creationId xmlns:p14="http://schemas.microsoft.com/office/powerpoint/2010/main" val="2491815973"/>
+        <p14:creationId xmlns:p14="http://schemas.microsoft.com/office/powerpoint/2010/main" val="1693170418"/>
       </p:ext>
     </p:extLst>
   </p:cSld>
@@ -5972,7 +6046,7 @@
           <p:cNvPr id="2" name="Title 1">
             <a:extLst>
               <a:ext uri="{FF2B5EF4-FFF2-40B4-BE49-F238E27FC236}">
-                <a16:creationId xmlns:a16="http://schemas.microsoft.com/office/drawing/2014/main" id="{BADC52AC-57CB-4192-872F-0792D0CF119A}"/>
+                <a16:creationId xmlns:a16="http://schemas.microsoft.com/office/drawing/2014/main" xmlns="" id="{BADC52AC-57CB-4192-872F-0792D0CF119A}"/>
               </a:ext>
             </a:extLst>
           </p:cNvPr>
@@ -5990,7 +6064,7 @@
           <a:p>
             <a:r>
               <a:rPr lang="pt-BR" dirty="0"/>
-              <a:t>SESEG Detalhamento dos pontos-fora dos limites</a:t>
+              <a:t>SESEG</a:t>
             </a:r>
           </a:p>
         </p:txBody>
@@ -6000,7 +6074,7 @@
           <p:cNvPr id="3" name="TextBox 2">
             <a:extLst>
               <a:ext uri="{FF2B5EF4-FFF2-40B4-BE49-F238E27FC236}">
-                <a16:creationId xmlns:a16="http://schemas.microsoft.com/office/drawing/2014/main" id="{DDFB070A-D0FD-40F3-9F18-82EB481C4E49}"/>
+                <a16:creationId xmlns:a16="http://schemas.microsoft.com/office/drawing/2014/main" xmlns="" id="{DDFB070A-D0FD-40F3-9F18-82EB481C4E49}"/>
               </a:ext>
             </a:extLst>
           </p:cNvPr>
@@ -6010,7 +6084,7 @@
         <p:spPr>
           <a:xfrm>
             <a:off x="421716" y="1951672"/>
-            <a:ext cx="1318851" cy="707886"/>
+            <a:ext cx="1351128" cy="707886"/>
           </a:xfrm>
           <a:prstGeom prst="rect">
             <a:avLst/>
@@ -6038,10 +6112,10 @@
       </p:sp>
       <p:pic>
         <p:nvPicPr>
-          <p:cNvPr id="6" name="Picture 5" descr="Screen Clipping">
+          <p:cNvPr id="4" name="Picture 3">
             <a:extLst>
               <a:ext uri="{FF2B5EF4-FFF2-40B4-BE49-F238E27FC236}">
-                <a16:creationId xmlns:a16="http://schemas.microsoft.com/office/drawing/2014/main" id="{DB23E6D0-A6DA-4E9A-999C-96A10E5F69C6}"/>
+                <a16:creationId xmlns:a16="http://schemas.microsoft.com/office/drawing/2014/main" xmlns="" id="{21AF1701-58C6-4312-997C-9B6F1F20B287}"/>
               </a:ext>
             </a:extLst>
           </p:cNvPr>
@@ -6058,158 +6132,8 @@
         </p:blipFill>
         <p:spPr>
           <a:xfrm>
-            <a:off x="1801526" y="2493213"/>
-            <a:ext cx="8649907" cy="209579"/>
-          </a:xfrm>
-          <a:prstGeom prst="rect">
-            <a:avLst/>
-          </a:prstGeom>
-        </p:spPr>
-      </p:pic>
-      <p:pic>
-        <p:nvPicPr>
-          <p:cNvPr id="8" name="Picture 7" descr="Screen Clipping">
-            <a:extLst>
-              <a:ext uri="{FF2B5EF4-FFF2-40B4-BE49-F238E27FC236}">
-                <a16:creationId xmlns:a16="http://schemas.microsoft.com/office/drawing/2014/main" id="{08B9A532-4498-4575-9C91-DF8FE0D378AD}"/>
-              </a:ext>
-            </a:extLst>
-          </p:cNvPr>
-          <p:cNvPicPr>
-            <a:picLocks noChangeAspect="1"/>
-          </p:cNvPicPr>
-          <p:nvPr/>
-        </p:nvPicPr>
-        <p:blipFill>
-          <a:blip r:embed="rId3"/>
-          <a:stretch>
-            <a:fillRect/>
-          </a:stretch>
-        </p:blipFill>
-        <p:spPr>
-          <a:xfrm>
-            <a:off x="1772844" y="2980195"/>
-            <a:ext cx="8735644" cy="247685"/>
-          </a:xfrm>
-          <a:prstGeom prst="rect">
-            <a:avLst/>
-          </a:prstGeom>
-        </p:spPr>
-      </p:pic>
-      <p:pic>
-        <p:nvPicPr>
-          <p:cNvPr id="10" name="Picture 9" descr="Screen Clipping">
-            <a:extLst>
-              <a:ext uri="{FF2B5EF4-FFF2-40B4-BE49-F238E27FC236}">
-                <a16:creationId xmlns:a16="http://schemas.microsoft.com/office/drawing/2014/main" id="{A38903AA-E272-48F6-B48F-3E862D9A71FE}"/>
-              </a:ext>
-            </a:extLst>
-          </p:cNvPr>
-          <p:cNvPicPr>
-            <a:picLocks noChangeAspect="1"/>
-          </p:cNvPicPr>
-          <p:nvPr/>
-        </p:nvPicPr>
-        <p:blipFill>
-          <a:blip r:embed="rId4"/>
-          <a:stretch>
-            <a:fillRect/>
-          </a:stretch>
-        </p:blipFill>
-        <p:spPr>
-          <a:xfrm>
-            <a:off x="1742467" y="3429000"/>
-            <a:ext cx="8707065" cy="314369"/>
-          </a:xfrm>
-          <a:prstGeom prst="rect">
-            <a:avLst/>
-          </a:prstGeom>
-        </p:spPr>
-      </p:pic>
-      <p:pic>
-        <p:nvPicPr>
-          <p:cNvPr id="12" name="Picture 11" descr="Screen Clipping">
-            <a:extLst>
-              <a:ext uri="{FF2B5EF4-FFF2-40B4-BE49-F238E27FC236}">
-                <a16:creationId xmlns:a16="http://schemas.microsoft.com/office/drawing/2014/main" id="{DC9DFCB5-B452-405A-821F-1A3FEE90C91F}"/>
-              </a:ext>
-            </a:extLst>
-          </p:cNvPr>
-          <p:cNvPicPr>
-            <a:picLocks noChangeAspect="1"/>
-          </p:cNvPicPr>
-          <p:nvPr/>
-        </p:nvPicPr>
-        <p:blipFill>
-          <a:blip r:embed="rId5"/>
-          <a:stretch>
-            <a:fillRect/>
-          </a:stretch>
-        </p:blipFill>
-        <p:spPr>
-          <a:xfrm>
-            <a:off x="1742467" y="3930395"/>
-            <a:ext cx="8916644" cy="390580"/>
-          </a:xfrm>
-          <a:prstGeom prst="rect">
-            <a:avLst/>
-          </a:prstGeom>
-        </p:spPr>
-      </p:pic>
-      <p:pic>
-        <p:nvPicPr>
-          <p:cNvPr id="14" name="Picture 13" descr="Screen Clipping">
-            <a:extLst>
-              <a:ext uri="{FF2B5EF4-FFF2-40B4-BE49-F238E27FC236}">
-                <a16:creationId xmlns:a16="http://schemas.microsoft.com/office/drawing/2014/main" id="{AD9BD945-E5EA-406D-AC17-BA38E3339881}"/>
-              </a:ext>
-            </a:extLst>
-          </p:cNvPr>
-          <p:cNvPicPr>
-            <a:picLocks noChangeAspect="1"/>
-          </p:cNvPicPr>
-          <p:nvPr/>
-        </p:nvPicPr>
-        <p:blipFill>
-          <a:blip r:embed="rId6"/>
-          <a:stretch>
-            <a:fillRect/>
-          </a:stretch>
-        </p:blipFill>
-        <p:spPr>
-          <a:xfrm>
-            <a:off x="1742467" y="4508001"/>
-            <a:ext cx="8840434" cy="323895"/>
-          </a:xfrm>
-          <a:prstGeom prst="rect">
-            <a:avLst/>
-          </a:prstGeom>
-        </p:spPr>
-      </p:pic>
-      <p:pic>
-        <p:nvPicPr>
-          <p:cNvPr id="16" name="Picture 15" descr="Screen Clipping">
-            <a:extLst>
-              <a:ext uri="{FF2B5EF4-FFF2-40B4-BE49-F238E27FC236}">
-                <a16:creationId xmlns:a16="http://schemas.microsoft.com/office/drawing/2014/main" id="{538D797B-FF8F-4D4B-B6C3-8CF1256526FA}"/>
-              </a:ext>
-            </a:extLst>
-          </p:cNvPr>
-          <p:cNvPicPr>
-            <a:picLocks noChangeAspect="1"/>
-          </p:cNvPicPr>
-          <p:nvPr/>
-        </p:nvPicPr>
-        <p:blipFill>
-          <a:blip r:embed="rId7"/>
-          <a:stretch>
-            <a:fillRect/>
-          </a:stretch>
-        </p:blipFill>
-        <p:spPr>
-          <a:xfrm>
-            <a:off x="1742468" y="5020777"/>
-            <a:ext cx="8916644" cy="790685"/>
+            <a:off x="2638003" y="1869838"/>
+            <a:ext cx="6722092" cy="4499063"/>
           </a:xfrm>
           <a:prstGeom prst="rect">
             <a:avLst/>
@@ -6219,7 +6143,7 @@
     </p:spTree>
     <p:extLst>
       <p:ext uri="{BB962C8B-B14F-4D97-AF65-F5344CB8AC3E}">
-        <p14:creationId xmlns:p14="http://schemas.microsoft.com/office/powerpoint/2010/main" val="1985005480"/>
+        <p14:creationId xmlns:p14="http://schemas.microsoft.com/office/powerpoint/2010/main" val="2491815973"/>
       </p:ext>
     </p:extLst>
   </p:cSld>
@@ -6251,7 +6175,7 @@
           <p:cNvPr id="2" name="Title 1">
             <a:extLst>
               <a:ext uri="{FF2B5EF4-FFF2-40B4-BE49-F238E27FC236}">
-                <a16:creationId xmlns:a16="http://schemas.microsoft.com/office/drawing/2014/main" id="{BADC52AC-57CB-4192-872F-0792D0CF119A}"/>
+                <a16:creationId xmlns:a16="http://schemas.microsoft.com/office/drawing/2014/main" xmlns="" id="{BADC52AC-57CB-4192-872F-0792D0CF119A}"/>
               </a:ext>
             </a:extLst>
           </p:cNvPr>
@@ -6269,7 +6193,7 @@
           <a:p>
             <a:r>
               <a:rPr lang="pt-BR" dirty="0"/>
-              <a:t>SAPRE</a:t>
+              <a:t>SESEG Detalhamento dos pontos-fora dos limites</a:t>
             </a:r>
           </a:p>
         </p:txBody>
@@ -6279,7 +6203,7 @@
           <p:cNvPr id="3" name="TextBox 2">
             <a:extLst>
               <a:ext uri="{FF2B5EF4-FFF2-40B4-BE49-F238E27FC236}">
-                <a16:creationId xmlns:a16="http://schemas.microsoft.com/office/drawing/2014/main" id="{DDFB070A-D0FD-40F3-9F18-82EB481C4E49}"/>
+                <a16:creationId xmlns:a16="http://schemas.microsoft.com/office/drawing/2014/main" xmlns="" id="{DDFB070A-D0FD-40F3-9F18-82EB481C4E49}"/>
               </a:ext>
             </a:extLst>
           </p:cNvPr>
@@ -6288,8 +6212,8 @@
         </p:nvSpPr>
         <p:spPr>
           <a:xfrm>
-            <a:off x="421716" y="1819152"/>
-            <a:ext cx="1351128" cy="707886"/>
+            <a:off x="421716" y="1951672"/>
+            <a:ext cx="1318851" cy="707886"/>
           </a:xfrm>
           <a:prstGeom prst="rect">
             <a:avLst/>
@@ -6310,17 +6234,17 @@
           <a:p>
             <a:r>
               <a:rPr lang="pt-BR" sz="2000" dirty="0"/>
-              <a:t>18 Dias</a:t>
+              <a:t> 8,88 Dias</a:t>
             </a:r>
           </a:p>
         </p:txBody>
       </p:sp>
       <p:pic>
         <p:nvPicPr>
-          <p:cNvPr id="6" name="Picture 5">
+          <p:cNvPr id="6" name="Picture 5" descr="Screen Clipping">
             <a:extLst>
               <a:ext uri="{FF2B5EF4-FFF2-40B4-BE49-F238E27FC236}">
-                <a16:creationId xmlns:a16="http://schemas.microsoft.com/office/drawing/2014/main" id="{67EC6AAF-549D-4500-9189-51B09FDFC3E0}"/>
+                <a16:creationId xmlns:a16="http://schemas.microsoft.com/office/drawing/2014/main" xmlns="" id="{DB23E6D0-A6DA-4E9A-999C-96A10E5F69C6}"/>
               </a:ext>
             </a:extLst>
           </p:cNvPr>
@@ -6337,8 +6261,8 @@
         </p:blipFill>
         <p:spPr>
           <a:xfrm>
-            <a:off x="971207" y="2598003"/>
-            <a:ext cx="5231017" cy="3501094"/>
+            <a:off x="1801526" y="2493213"/>
+            <a:ext cx="8649907" cy="209579"/>
           </a:xfrm>
           <a:prstGeom prst="rect">
             <a:avLst/>
@@ -6347,10 +6271,10 @@
       </p:pic>
       <p:pic>
         <p:nvPicPr>
-          <p:cNvPr id="7" name="Picture 6">
+          <p:cNvPr id="8" name="Picture 7" descr="Screen Clipping">
             <a:extLst>
               <a:ext uri="{FF2B5EF4-FFF2-40B4-BE49-F238E27FC236}">
-                <a16:creationId xmlns:a16="http://schemas.microsoft.com/office/drawing/2014/main" id="{3A1B608B-E3B7-4B49-BF90-655E74524312}"/>
+                <a16:creationId xmlns:a16="http://schemas.microsoft.com/office/drawing/2014/main" xmlns="" id="{08B9A532-4498-4575-9C91-DF8FE0D378AD}"/>
               </a:ext>
             </a:extLst>
           </p:cNvPr>
@@ -6367,8 +6291,128 @@
         </p:blipFill>
         <p:spPr>
           <a:xfrm>
-            <a:off x="6372547" y="2598003"/>
-            <a:ext cx="5231017" cy="3501094"/>
+            <a:off x="1772844" y="2980195"/>
+            <a:ext cx="8735644" cy="247685"/>
+          </a:xfrm>
+          <a:prstGeom prst="rect">
+            <a:avLst/>
+          </a:prstGeom>
+        </p:spPr>
+      </p:pic>
+      <p:pic>
+        <p:nvPicPr>
+          <p:cNvPr id="10" name="Picture 9" descr="Screen Clipping">
+            <a:extLst>
+              <a:ext uri="{FF2B5EF4-FFF2-40B4-BE49-F238E27FC236}">
+                <a16:creationId xmlns:a16="http://schemas.microsoft.com/office/drawing/2014/main" xmlns="" id="{A38903AA-E272-48F6-B48F-3E862D9A71FE}"/>
+              </a:ext>
+            </a:extLst>
+          </p:cNvPr>
+          <p:cNvPicPr>
+            <a:picLocks noChangeAspect="1"/>
+          </p:cNvPicPr>
+          <p:nvPr/>
+        </p:nvPicPr>
+        <p:blipFill>
+          <a:blip r:embed="rId4"/>
+          <a:stretch>
+            <a:fillRect/>
+          </a:stretch>
+        </p:blipFill>
+        <p:spPr>
+          <a:xfrm>
+            <a:off x="1742467" y="3429000"/>
+            <a:ext cx="8707065" cy="314369"/>
+          </a:xfrm>
+          <a:prstGeom prst="rect">
+            <a:avLst/>
+          </a:prstGeom>
+        </p:spPr>
+      </p:pic>
+      <p:pic>
+        <p:nvPicPr>
+          <p:cNvPr id="12" name="Picture 11" descr="Screen Clipping">
+            <a:extLst>
+              <a:ext uri="{FF2B5EF4-FFF2-40B4-BE49-F238E27FC236}">
+                <a16:creationId xmlns:a16="http://schemas.microsoft.com/office/drawing/2014/main" xmlns="" id="{DC9DFCB5-B452-405A-821F-1A3FEE90C91F}"/>
+              </a:ext>
+            </a:extLst>
+          </p:cNvPr>
+          <p:cNvPicPr>
+            <a:picLocks noChangeAspect="1"/>
+          </p:cNvPicPr>
+          <p:nvPr/>
+        </p:nvPicPr>
+        <p:blipFill>
+          <a:blip r:embed="rId5"/>
+          <a:stretch>
+            <a:fillRect/>
+          </a:stretch>
+        </p:blipFill>
+        <p:spPr>
+          <a:xfrm>
+            <a:off x="1742467" y="3930395"/>
+            <a:ext cx="8916644" cy="390580"/>
+          </a:xfrm>
+          <a:prstGeom prst="rect">
+            <a:avLst/>
+          </a:prstGeom>
+        </p:spPr>
+      </p:pic>
+      <p:pic>
+        <p:nvPicPr>
+          <p:cNvPr id="14" name="Picture 13" descr="Screen Clipping">
+            <a:extLst>
+              <a:ext uri="{FF2B5EF4-FFF2-40B4-BE49-F238E27FC236}">
+                <a16:creationId xmlns:a16="http://schemas.microsoft.com/office/drawing/2014/main" xmlns="" id="{AD9BD945-E5EA-406D-AC17-BA38E3339881}"/>
+              </a:ext>
+            </a:extLst>
+          </p:cNvPr>
+          <p:cNvPicPr>
+            <a:picLocks noChangeAspect="1"/>
+          </p:cNvPicPr>
+          <p:nvPr/>
+        </p:nvPicPr>
+        <p:blipFill>
+          <a:blip r:embed="rId6"/>
+          <a:stretch>
+            <a:fillRect/>
+          </a:stretch>
+        </p:blipFill>
+        <p:spPr>
+          <a:xfrm>
+            <a:off x="1742467" y="4508001"/>
+            <a:ext cx="8840434" cy="323895"/>
+          </a:xfrm>
+          <a:prstGeom prst="rect">
+            <a:avLst/>
+          </a:prstGeom>
+        </p:spPr>
+      </p:pic>
+      <p:pic>
+        <p:nvPicPr>
+          <p:cNvPr id="16" name="Picture 15" descr="Screen Clipping">
+            <a:extLst>
+              <a:ext uri="{FF2B5EF4-FFF2-40B4-BE49-F238E27FC236}">
+                <a16:creationId xmlns:a16="http://schemas.microsoft.com/office/drawing/2014/main" xmlns="" id="{538D797B-FF8F-4D4B-B6C3-8CF1256526FA}"/>
+              </a:ext>
+            </a:extLst>
+          </p:cNvPr>
+          <p:cNvPicPr>
+            <a:picLocks noChangeAspect="1"/>
+          </p:cNvPicPr>
+          <p:nvPr/>
+        </p:nvPicPr>
+        <p:blipFill>
+          <a:blip r:embed="rId7"/>
+          <a:stretch>
+            <a:fillRect/>
+          </a:stretch>
+        </p:blipFill>
+        <p:spPr>
+          <a:xfrm>
+            <a:off x="1742468" y="5020777"/>
+            <a:ext cx="8916644" cy="790685"/>
           </a:xfrm>
           <a:prstGeom prst="rect">
             <a:avLst/>
@@ -6378,7 +6422,7 @@
     </p:spTree>
     <p:extLst>
       <p:ext uri="{BB962C8B-B14F-4D97-AF65-F5344CB8AC3E}">
-        <p14:creationId xmlns:p14="http://schemas.microsoft.com/office/powerpoint/2010/main" val="3524198294"/>
+        <p14:creationId xmlns:p14="http://schemas.microsoft.com/office/powerpoint/2010/main" val="1985005480"/>
       </p:ext>
     </p:extLst>
   </p:cSld>
@@ -6410,7 +6454,7 @@
           <p:cNvPr id="2" name="Title 1">
             <a:extLst>
               <a:ext uri="{FF2B5EF4-FFF2-40B4-BE49-F238E27FC236}">
-                <a16:creationId xmlns:a16="http://schemas.microsoft.com/office/drawing/2014/main" id="{BADC52AC-57CB-4192-872F-0792D0CF119A}"/>
+                <a16:creationId xmlns:a16="http://schemas.microsoft.com/office/drawing/2014/main" xmlns="" id="{BADC52AC-57CB-4192-872F-0792D0CF119A}"/>
               </a:ext>
             </a:extLst>
           </p:cNvPr>
@@ -6438,7 +6482,7 @@
           <p:cNvPr id="3" name="TextBox 2">
             <a:extLst>
               <a:ext uri="{FF2B5EF4-FFF2-40B4-BE49-F238E27FC236}">
-                <a16:creationId xmlns:a16="http://schemas.microsoft.com/office/drawing/2014/main" id="{DDFB070A-D0FD-40F3-9F18-82EB481C4E49}"/>
+                <a16:creationId xmlns:a16="http://schemas.microsoft.com/office/drawing/2014/main" xmlns="" id="{DDFB070A-D0FD-40F3-9F18-82EB481C4E49}"/>
               </a:ext>
             </a:extLst>
           </p:cNvPr>
@@ -6447,7 +6491,7 @@
         </p:nvSpPr>
         <p:spPr>
           <a:xfrm>
-            <a:off x="421716" y="1951672"/>
+            <a:off x="421716" y="1819152"/>
             <a:ext cx="1351128" cy="707886"/>
           </a:xfrm>
           <a:prstGeom prst="rect">
@@ -6476,10 +6520,10 @@
       </p:sp>
       <p:pic>
         <p:nvPicPr>
-          <p:cNvPr id="4" name="Picture 3">
+          <p:cNvPr id="6" name="Picture 5">
             <a:extLst>
               <a:ext uri="{FF2B5EF4-FFF2-40B4-BE49-F238E27FC236}">
-                <a16:creationId xmlns:a16="http://schemas.microsoft.com/office/drawing/2014/main" id="{C6963C1E-8F1D-4517-9B1C-4FDF30F48E49}"/>
+                <a16:creationId xmlns:a16="http://schemas.microsoft.com/office/drawing/2014/main" xmlns="" id="{67EC6AAF-549D-4500-9189-51B09FDFC3E0}"/>
               </a:ext>
             </a:extLst>
           </p:cNvPr>
@@ -6496,8 +6540,38 @@
         </p:blipFill>
         <p:spPr>
           <a:xfrm>
-            <a:off x="2236481" y="1822787"/>
-            <a:ext cx="6737398" cy="4509308"/>
+            <a:off x="971207" y="2598003"/>
+            <a:ext cx="5231017" cy="3501094"/>
+          </a:xfrm>
+          <a:prstGeom prst="rect">
+            <a:avLst/>
+          </a:prstGeom>
+        </p:spPr>
+      </p:pic>
+      <p:pic>
+        <p:nvPicPr>
+          <p:cNvPr id="7" name="Picture 6">
+            <a:extLst>
+              <a:ext uri="{FF2B5EF4-FFF2-40B4-BE49-F238E27FC236}">
+                <a16:creationId xmlns:a16="http://schemas.microsoft.com/office/drawing/2014/main" xmlns="" id="{3A1B608B-E3B7-4B49-BF90-655E74524312}"/>
+              </a:ext>
+            </a:extLst>
+          </p:cNvPr>
+          <p:cNvPicPr>
+            <a:picLocks noChangeAspect="1"/>
+          </p:cNvPicPr>
+          <p:nvPr/>
+        </p:nvPicPr>
+        <p:blipFill>
+          <a:blip r:embed="rId3"/>
+          <a:stretch>
+            <a:fillRect/>
+          </a:stretch>
+        </p:blipFill>
+        <p:spPr>
+          <a:xfrm>
+            <a:off x="6372547" y="2598003"/>
+            <a:ext cx="5231017" cy="3501094"/>
           </a:xfrm>
           <a:prstGeom prst="rect">
             <a:avLst/>
@@ -6507,7 +6581,7 @@
     </p:spTree>
     <p:extLst>
       <p:ext uri="{BB962C8B-B14F-4D97-AF65-F5344CB8AC3E}">
-        <p14:creationId xmlns:p14="http://schemas.microsoft.com/office/powerpoint/2010/main" val="38120862"/>
+        <p14:creationId xmlns:p14="http://schemas.microsoft.com/office/powerpoint/2010/main" val="3524198294"/>
       </p:ext>
     </p:extLst>
   </p:cSld>
@@ -6539,7 +6613,7 @@
           <p:cNvPr id="2" name="Title 1">
             <a:extLst>
               <a:ext uri="{FF2B5EF4-FFF2-40B4-BE49-F238E27FC236}">
-                <a16:creationId xmlns:a16="http://schemas.microsoft.com/office/drawing/2014/main" id="{BADC52AC-57CB-4192-872F-0792D0CF119A}"/>
+                <a16:creationId xmlns:a16="http://schemas.microsoft.com/office/drawing/2014/main" xmlns="" id="{BADC52AC-57CB-4192-872F-0792D0CF119A}"/>
               </a:ext>
             </a:extLst>
           </p:cNvPr>
@@ -6557,7 +6631,7 @@
           <a:p>
             <a:r>
               <a:rPr lang="pt-BR" dirty="0"/>
-              <a:t>SMIC</a:t>
+              <a:t>SAPRE</a:t>
             </a:r>
           </a:p>
         </p:txBody>
@@ -6567,7 +6641,7 @@
           <p:cNvPr id="3" name="TextBox 2">
             <a:extLst>
               <a:ext uri="{FF2B5EF4-FFF2-40B4-BE49-F238E27FC236}">
-                <a16:creationId xmlns:a16="http://schemas.microsoft.com/office/drawing/2014/main" id="{DDFB070A-D0FD-40F3-9F18-82EB481C4E49}"/>
+                <a16:creationId xmlns:a16="http://schemas.microsoft.com/office/drawing/2014/main" xmlns="" id="{DDFB070A-D0FD-40F3-9F18-82EB481C4E49}"/>
               </a:ext>
             </a:extLst>
           </p:cNvPr>
@@ -6576,7 +6650,7 @@
         </p:nvSpPr>
         <p:spPr>
           <a:xfrm>
-            <a:off x="421716" y="1832404"/>
+            <a:off x="421716" y="1951672"/>
             <a:ext cx="1351128" cy="707886"/>
           </a:xfrm>
           <a:prstGeom prst="rect">
@@ -6598,17 +6672,17 @@
           <a:p>
             <a:r>
               <a:rPr lang="pt-BR" sz="2000" dirty="0"/>
-              <a:t>9,14 Dias</a:t>
+              <a:t>18 Dias</a:t>
             </a:r>
           </a:p>
         </p:txBody>
       </p:sp>
       <p:pic>
         <p:nvPicPr>
-          <p:cNvPr id="8" name="Picture 7">
+          <p:cNvPr id="4" name="Picture 3">
             <a:extLst>
               <a:ext uri="{FF2B5EF4-FFF2-40B4-BE49-F238E27FC236}">
-                <a16:creationId xmlns:a16="http://schemas.microsoft.com/office/drawing/2014/main" id="{BA3721EE-0D95-4A65-844D-2A5036D3F38E}"/>
+                <a16:creationId xmlns:a16="http://schemas.microsoft.com/office/drawing/2014/main" xmlns="" id="{C6963C1E-8F1D-4517-9B1C-4FDF30F48E49}"/>
               </a:ext>
             </a:extLst>
           </p:cNvPr>
@@ -6625,38 +6699,8 @@
         </p:blipFill>
         <p:spPr>
           <a:xfrm>
-            <a:off x="6126480" y="2598003"/>
-            <a:ext cx="5231017" cy="3501094"/>
-          </a:xfrm>
-          <a:prstGeom prst="rect">
-            <a:avLst/>
-          </a:prstGeom>
-        </p:spPr>
-      </p:pic>
-      <p:pic>
-        <p:nvPicPr>
-          <p:cNvPr id="9" name="Picture 8">
-            <a:extLst>
-              <a:ext uri="{FF2B5EF4-FFF2-40B4-BE49-F238E27FC236}">
-                <a16:creationId xmlns:a16="http://schemas.microsoft.com/office/drawing/2014/main" id="{78CD7448-D016-4118-9F5C-F83205A988AE}"/>
-              </a:ext>
-            </a:extLst>
-          </p:cNvPr>
-          <p:cNvPicPr>
-            <a:picLocks noChangeAspect="1"/>
-          </p:cNvPicPr>
-          <p:nvPr/>
-        </p:nvPicPr>
-        <p:blipFill>
-          <a:blip r:embed="rId3"/>
-          <a:stretch>
-            <a:fillRect/>
-          </a:stretch>
-        </p:blipFill>
-        <p:spPr>
-          <a:xfrm>
-            <a:off x="716025" y="2598003"/>
-            <a:ext cx="5231017" cy="3501094"/>
+            <a:off x="2236481" y="1822787"/>
+            <a:ext cx="6737398" cy="4509308"/>
           </a:xfrm>
           <a:prstGeom prst="rect">
             <a:avLst/>
@@ -6666,7 +6710,7 @@
     </p:spTree>
     <p:extLst>
       <p:ext uri="{BB962C8B-B14F-4D97-AF65-F5344CB8AC3E}">
-        <p14:creationId xmlns:p14="http://schemas.microsoft.com/office/powerpoint/2010/main" val="2203971453"/>
+        <p14:creationId xmlns:p14="http://schemas.microsoft.com/office/powerpoint/2010/main" val="38120862"/>
       </p:ext>
     </p:extLst>
   </p:cSld>
@@ -6698,7 +6742,7 @@
           <p:cNvPr id="2" name="Title 1">
             <a:extLst>
               <a:ext uri="{FF2B5EF4-FFF2-40B4-BE49-F238E27FC236}">
-                <a16:creationId xmlns:a16="http://schemas.microsoft.com/office/drawing/2014/main" id="{BADC52AC-57CB-4192-872F-0792D0CF119A}"/>
+                <a16:creationId xmlns:a16="http://schemas.microsoft.com/office/drawing/2014/main" xmlns="" id="{BADC52AC-57CB-4192-872F-0792D0CF119A}"/>
               </a:ext>
             </a:extLst>
           </p:cNvPr>
@@ -6726,7 +6770,7 @@
           <p:cNvPr id="3" name="TextBox 2">
             <a:extLst>
               <a:ext uri="{FF2B5EF4-FFF2-40B4-BE49-F238E27FC236}">
-                <a16:creationId xmlns:a16="http://schemas.microsoft.com/office/drawing/2014/main" id="{DDFB070A-D0FD-40F3-9F18-82EB481C4E49}"/>
+                <a16:creationId xmlns:a16="http://schemas.microsoft.com/office/drawing/2014/main" xmlns="" id="{DDFB070A-D0FD-40F3-9F18-82EB481C4E49}"/>
               </a:ext>
             </a:extLst>
           </p:cNvPr>
@@ -6735,7 +6779,7 @@
         </p:nvSpPr>
         <p:spPr>
           <a:xfrm>
-            <a:off x="421716" y="1951672"/>
+            <a:off x="421716" y="1832404"/>
             <a:ext cx="1351128" cy="707886"/>
           </a:xfrm>
           <a:prstGeom prst="rect">
@@ -6764,10 +6808,10 @@
       </p:sp>
       <p:pic>
         <p:nvPicPr>
-          <p:cNvPr id="4" name="Picture 3">
+          <p:cNvPr id="8" name="Picture 7">
             <a:extLst>
               <a:ext uri="{FF2B5EF4-FFF2-40B4-BE49-F238E27FC236}">
-                <a16:creationId xmlns:a16="http://schemas.microsoft.com/office/drawing/2014/main" id="{5CAD49BA-A858-4822-BB46-22B35E58028C}"/>
+                <a16:creationId xmlns:a16="http://schemas.microsoft.com/office/drawing/2014/main" xmlns="" id="{BA3721EE-0D95-4A65-844D-2A5036D3F38E}"/>
               </a:ext>
             </a:extLst>
           </p:cNvPr>
@@ -6784,8 +6828,38 @@
         </p:blipFill>
         <p:spPr>
           <a:xfrm>
-            <a:off x="2395970" y="1951672"/>
-            <a:ext cx="6503481" cy="4352748"/>
+            <a:off x="6126480" y="2598003"/>
+            <a:ext cx="5231017" cy="3501094"/>
+          </a:xfrm>
+          <a:prstGeom prst="rect">
+            <a:avLst/>
+          </a:prstGeom>
+        </p:spPr>
+      </p:pic>
+      <p:pic>
+        <p:nvPicPr>
+          <p:cNvPr id="9" name="Picture 8">
+            <a:extLst>
+              <a:ext uri="{FF2B5EF4-FFF2-40B4-BE49-F238E27FC236}">
+                <a16:creationId xmlns:a16="http://schemas.microsoft.com/office/drawing/2014/main" xmlns="" id="{78CD7448-D016-4118-9F5C-F83205A988AE}"/>
+              </a:ext>
+            </a:extLst>
+          </p:cNvPr>
+          <p:cNvPicPr>
+            <a:picLocks noChangeAspect="1"/>
+          </p:cNvPicPr>
+          <p:nvPr/>
+        </p:nvPicPr>
+        <p:blipFill>
+          <a:blip r:embed="rId3"/>
+          <a:stretch>
+            <a:fillRect/>
+          </a:stretch>
+        </p:blipFill>
+        <p:spPr>
+          <a:xfrm>
+            <a:off x="716025" y="2598003"/>
+            <a:ext cx="5231017" cy="3501094"/>
           </a:xfrm>
           <a:prstGeom prst="rect">
             <a:avLst/>
@@ -6795,7 +6869,7 @@
     </p:spTree>
     <p:extLst>
       <p:ext uri="{BB962C8B-B14F-4D97-AF65-F5344CB8AC3E}">
-        <p14:creationId xmlns:p14="http://schemas.microsoft.com/office/powerpoint/2010/main" val="3730482238"/>
+        <p14:creationId xmlns:p14="http://schemas.microsoft.com/office/powerpoint/2010/main" val="2203971453"/>
       </p:ext>
     </p:extLst>
   </p:cSld>
@@ -6827,7 +6901,7 @@
           <p:cNvPr id="2" name="Title 1">
             <a:extLst>
               <a:ext uri="{FF2B5EF4-FFF2-40B4-BE49-F238E27FC236}">
-                <a16:creationId xmlns:a16="http://schemas.microsoft.com/office/drawing/2014/main" id="{BADC52AC-57CB-4192-872F-0792D0CF119A}"/>
+                <a16:creationId xmlns:a16="http://schemas.microsoft.com/office/drawing/2014/main" xmlns="" id="{BADC52AC-57CB-4192-872F-0792D0CF119A}"/>
               </a:ext>
             </a:extLst>
           </p:cNvPr>
@@ -6845,7 +6919,7 @@
           <a:p>
             <a:r>
               <a:rPr lang="pt-BR" dirty="0"/>
-              <a:t>SMIN</a:t>
+              <a:t>SMIC</a:t>
             </a:r>
           </a:p>
         </p:txBody>
@@ -6855,7 +6929,7 @@
           <p:cNvPr id="3" name="TextBox 2">
             <a:extLst>
               <a:ext uri="{FF2B5EF4-FFF2-40B4-BE49-F238E27FC236}">
-                <a16:creationId xmlns:a16="http://schemas.microsoft.com/office/drawing/2014/main" id="{DDFB070A-D0FD-40F3-9F18-82EB481C4E49}"/>
+                <a16:creationId xmlns:a16="http://schemas.microsoft.com/office/drawing/2014/main" xmlns="" id="{DDFB070A-D0FD-40F3-9F18-82EB481C4E49}"/>
               </a:ext>
             </a:extLst>
           </p:cNvPr>
@@ -6886,17 +6960,17 @@
           <a:p>
             <a:r>
               <a:rPr lang="pt-BR" sz="2000" dirty="0"/>
-              <a:t>19,20 Dias</a:t>
+              <a:t>9,14 Dias</a:t>
             </a:r>
           </a:p>
         </p:txBody>
       </p:sp>
       <p:pic>
         <p:nvPicPr>
-          <p:cNvPr id="6" name="Picture 5">
+          <p:cNvPr id="4" name="Picture 3">
             <a:extLst>
               <a:ext uri="{FF2B5EF4-FFF2-40B4-BE49-F238E27FC236}">
-                <a16:creationId xmlns:a16="http://schemas.microsoft.com/office/drawing/2014/main" id="{5DFCA716-062F-4C1D-993F-7367DF08FC20}"/>
+                <a16:creationId xmlns:a16="http://schemas.microsoft.com/office/drawing/2014/main" xmlns="" id="{5CAD49BA-A858-4822-BB46-22B35E58028C}"/>
               </a:ext>
             </a:extLst>
           </p:cNvPr>
@@ -6913,8 +6987,8 @@
         </p:blipFill>
         <p:spPr>
           <a:xfrm>
-            <a:off x="2821373" y="2385352"/>
-            <a:ext cx="5231017" cy="3501094"/>
+            <a:off x="2395970" y="1951672"/>
+            <a:ext cx="6503481" cy="4352748"/>
           </a:xfrm>
           <a:prstGeom prst="rect">
             <a:avLst/>
@@ -6924,7 +6998,7 @@
     </p:spTree>
     <p:extLst>
       <p:ext uri="{BB962C8B-B14F-4D97-AF65-F5344CB8AC3E}">
-        <p14:creationId xmlns:p14="http://schemas.microsoft.com/office/powerpoint/2010/main" val="1018087795"/>
+        <p14:creationId xmlns:p14="http://schemas.microsoft.com/office/powerpoint/2010/main" val="3730482238"/>
       </p:ext>
     </p:extLst>
   </p:cSld>
@@ -6956,7 +7030,7 @@
           <p:cNvPr id="2" name="Title 1">
             <a:extLst>
               <a:ext uri="{FF2B5EF4-FFF2-40B4-BE49-F238E27FC236}">
-                <a16:creationId xmlns:a16="http://schemas.microsoft.com/office/drawing/2014/main" id="{BADC52AC-57CB-4192-872F-0792D0CF119A}"/>
+                <a16:creationId xmlns:a16="http://schemas.microsoft.com/office/drawing/2014/main" xmlns="" id="{BADC52AC-57CB-4192-872F-0792D0CF119A}"/>
               </a:ext>
             </a:extLst>
           </p:cNvPr>
@@ -6984,7 +7058,7 @@
           <p:cNvPr id="3" name="TextBox 2">
             <a:extLst>
               <a:ext uri="{FF2B5EF4-FFF2-40B4-BE49-F238E27FC236}">
-                <a16:creationId xmlns:a16="http://schemas.microsoft.com/office/drawing/2014/main" id="{DDFB070A-D0FD-40F3-9F18-82EB481C4E49}"/>
+                <a16:creationId xmlns:a16="http://schemas.microsoft.com/office/drawing/2014/main" xmlns="" id="{DDFB070A-D0FD-40F3-9F18-82EB481C4E49}"/>
               </a:ext>
             </a:extLst>
           </p:cNvPr>
@@ -7022,10 +7096,139 @@
       </p:sp>
       <p:pic>
         <p:nvPicPr>
+          <p:cNvPr id="6" name="Picture 5">
+            <a:extLst>
+              <a:ext uri="{FF2B5EF4-FFF2-40B4-BE49-F238E27FC236}">
+                <a16:creationId xmlns:a16="http://schemas.microsoft.com/office/drawing/2014/main" xmlns="" id="{5DFCA716-062F-4C1D-993F-7367DF08FC20}"/>
+              </a:ext>
+            </a:extLst>
+          </p:cNvPr>
+          <p:cNvPicPr>
+            <a:picLocks noChangeAspect="1"/>
+          </p:cNvPicPr>
+          <p:nvPr/>
+        </p:nvPicPr>
+        <p:blipFill>
+          <a:blip r:embed="rId2"/>
+          <a:stretch>
+            <a:fillRect/>
+          </a:stretch>
+        </p:blipFill>
+        <p:spPr>
+          <a:xfrm>
+            <a:off x="2821373" y="2385352"/>
+            <a:ext cx="5231017" cy="3501094"/>
+          </a:xfrm>
+          <a:prstGeom prst="rect">
+            <a:avLst/>
+          </a:prstGeom>
+        </p:spPr>
+      </p:pic>
+    </p:spTree>
+    <p:extLst>
+      <p:ext uri="{BB962C8B-B14F-4D97-AF65-F5344CB8AC3E}">
+        <p14:creationId xmlns:p14="http://schemas.microsoft.com/office/powerpoint/2010/main" val="1018087795"/>
+      </p:ext>
+    </p:extLst>
+  </p:cSld>
+  <p:clrMapOvr>
+    <a:masterClrMapping/>
+  </p:clrMapOvr>
+</p:sld>
+</file>
+
+<file path=ppt/slides/slide27.xml><?xml version="1.0" encoding="utf-8"?>
+<p:sld xmlns:a="http://schemas.openxmlformats.org/drawingml/2006/main" xmlns:r="http://schemas.openxmlformats.org/officeDocument/2006/relationships" xmlns:p="http://schemas.openxmlformats.org/presentationml/2006/main">
+  <p:cSld>
+    <p:spTree>
+      <p:nvGrpSpPr>
+        <p:cNvPr id="1" name=""/>
+        <p:cNvGrpSpPr/>
+        <p:nvPr/>
+      </p:nvGrpSpPr>
+      <p:grpSpPr>
+        <a:xfrm>
+          <a:off x="0" y="0"/>
+          <a:ext cx="0" cy="0"/>
+          <a:chOff x="0" y="0"/>
+          <a:chExt cx="0" cy="0"/>
+        </a:xfrm>
+      </p:grpSpPr>
+      <p:sp>
+        <p:nvSpPr>
+          <p:cNvPr id="2" name="Title 1">
+            <a:extLst>
+              <a:ext uri="{FF2B5EF4-FFF2-40B4-BE49-F238E27FC236}">
+                <a16:creationId xmlns:a16="http://schemas.microsoft.com/office/drawing/2014/main" xmlns="" id="{BADC52AC-57CB-4192-872F-0792D0CF119A}"/>
+              </a:ext>
+            </a:extLst>
+          </p:cNvPr>
+          <p:cNvSpPr>
+            <a:spLocks noGrp="1"/>
+          </p:cNvSpPr>
+          <p:nvPr>
+            <p:ph type="title"/>
+          </p:nvPr>
+        </p:nvSpPr>
+        <p:spPr/>
+        <p:txBody>
+          <a:bodyPr/>
+          <a:lstStyle/>
+          <a:p>
+            <a:r>
+              <a:rPr lang="pt-BR" dirty="0"/>
+              <a:t>SMIN</a:t>
+            </a:r>
+          </a:p>
+        </p:txBody>
+      </p:sp>
+      <p:sp>
+        <p:nvSpPr>
+          <p:cNvPr id="3" name="TextBox 2">
+            <a:extLst>
+              <a:ext uri="{FF2B5EF4-FFF2-40B4-BE49-F238E27FC236}">
+                <a16:creationId xmlns:a16="http://schemas.microsoft.com/office/drawing/2014/main" xmlns="" id="{DDFB070A-D0FD-40F3-9F18-82EB481C4E49}"/>
+              </a:ext>
+            </a:extLst>
+          </p:cNvPr>
+          <p:cNvSpPr txBox="1"/>
+          <p:nvPr/>
+        </p:nvSpPr>
+        <p:spPr>
+          <a:xfrm>
+            <a:off x="421716" y="1951672"/>
+            <a:ext cx="1351128" cy="707886"/>
+          </a:xfrm>
+          <a:prstGeom prst="rect">
+            <a:avLst/>
+          </a:prstGeom>
+          <a:noFill/>
+        </p:spPr>
+        <p:txBody>
+          <a:bodyPr wrap="square" rtlCol="0">
+            <a:spAutoFit/>
+          </a:bodyPr>
+          <a:lstStyle/>
+          <a:p>
+            <a:r>
+              <a:rPr lang="pt-BR" sz="2000" dirty="0"/>
+              <a:t>META:</a:t>
+            </a:r>
+          </a:p>
+          <a:p>
+            <a:r>
+              <a:rPr lang="pt-BR" sz="2000" dirty="0"/>
+              <a:t>19,20 Dias</a:t>
+            </a:r>
+          </a:p>
+        </p:txBody>
+      </p:sp>
+      <p:pic>
+        <p:nvPicPr>
           <p:cNvPr id="4" name="Picture 3">
             <a:extLst>
               <a:ext uri="{FF2B5EF4-FFF2-40B4-BE49-F238E27FC236}">
-                <a16:creationId xmlns:a16="http://schemas.microsoft.com/office/drawing/2014/main" id="{B17E228D-EE12-4EB8-B1FD-B142FB26915D}"/>
+                <a16:creationId xmlns:a16="http://schemas.microsoft.com/office/drawing/2014/main" xmlns="" id="{B17E228D-EE12-4EB8-B1FD-B142FB26915D}"/>
               </a:ext>
             </a:extLst>
           </p:cNvPr>
@@ -7085,7 +7288,7 @@
           <p:cNvPr id="2" name="Title 1">
             <a:extLst>
               <a:ext uri="{FF2B5EF4-FFF2-40B4-BE49-F238E27FC236}">
-                <a16:creationId xmlns:a16="http://schemas.microsoft.com/office/drawing/2014/main" id="{2DCE1C3C-6FDB-4AF5-A73D-CFA10C90FCB6}"/>
+                <a16:creationId xmlns:a16="http://schemas.microsoft.com/office/drawing/2014/main" xmlns="" id="{2DCE1C3C-6FDB-4AF5-A73D-CFA10C90FCB6}"/>
               </a:ext>
             </a:extLst>
           </p:cNvPr>
@@ -7119,7 +7322,7 @@
           <p:cNvPr id="5" name="Imagem 4">
             <a:extLst>
               <a:ext uri="{FF2B5EF4-FFF2-40B4-BE49-F238E27FC236}">
-                <a16:creationId xmlns:a16="http://schemas.microsoft.com/office/drawing/2014/main" id="{C86AF5D6-BBC9-4182-BF8D-151DEDD42A1C}"/>
+                <a16:creationId xmlns:a16="http://schemas.microsoft.com/office/drawing/2014/main" xmlns="" id="{C86AF5D6-BBC9-4182-BF8D-151DEDD42A1C}"/>
               </a:ext>
             </a:extLst>
           </p:cNvPr>
@@ -7184,7 +7387,12 @@
             <p:ph type="title"/>
           </p:nvPr>
         </p:nvSpPr>
-        <p:spPr/>
+        <p:spPr>
+          <a:xfrm>
+            <a:off x="1097280" y="137518"/>
+            <a:ext cx="10058400" cy="1450757"/>
+          </a:xfrm>
+        </p:spPr>
         <p:txBody>
           <a:bodyPr/>
           <a:lstStyle/>
@@ -7199,113 +7407,349 @@
       </p:sp>
       <p:sp>
         <p:nvSpPr>
-          <p:cNvPr id="3" name="TextBox 2">
-            <a:extLst>
-              <a:ext uri="{FF2B5EF4-FFF2-40B4-BE49-F238E27FC236}">
-                <a16:creationId xmlns:a16="http://schemas.microsoft.com/office/drawing/2014/main" id="{15A2FCD7-AC8B-4279-9C0C-0EB5A026C1B6}"/>
-              </a:ext>
-            </a:extLst>
-          </p:cNvPr>
-          <p:cNvSpPr txBox="1"/>
+          <p:cNvPr id="4" name="Rounded Rectangle 3"/>
+          <p:cNvSpPr/>
           <p:nvPr/>
         </p:nvSpPr>
         <p:spPr>
           <a:xfrm>
-            <a:off x="357809" y="2173357"/>
-            <a:ext cx="10797871" cy="707886"/>
-          </a:xfrm>
-          <a:prstGeom prst="rect">
-            <a:avLst/>
-          </a:prstGeom>
-          <a:noFill/>
-        </p:spPr>
-        <p:txBody>
-          <a:bodyPr wrap="square" rtlCol="0">
-            <a:spAutoFit/>
-          </a:bodyPr>
-          <a:lstStyle/>
-          <a:p>
-            <a:r>
-              <a:rPr lang="en-GB" sz="2000" dirty="0" err="1"/>
+            <a:off x="1097280" y="1986725"/>
+            <a:ext cx="2146852" cy="547757"/>
+          </a:xfrm>
+          <a:prstGeom prst="roundRect">
+            <a:avLst/>
+          </a:prstGeom>
+        </p:spPr>
+        <p:style>
+          <a:lnRef idx="2">
+            <a:schemeClr val="accent1">
+              <a:shade val="50000"/>
+            </a:schemeClr>
+          </a:lnRef>
+          <a:fillRef idx="1">
+            <a:schemeClr val="accent1"/>
+          </a:fillRef>
+          <a:effectRef idx="0">
+            <a:schemeClr val="accent1"/>
+          </a:effectRef>
+          <a:fontRef idx="minor">
+            <a:schemeClr val="lt1"/>
+          </a:fontRef>
+        </p:style>
+        <p:txBody>
+          <a:bodyPr rtlCol="0" anchor="ctr"/>
+          <a:lstStyle/>
+          <a:p>
+            <a:pPr algn="ctr"/>
+            <a:r>
+              <a:rPr lang="en-US" dirty="0" err="1" smtClean="0"/>
               <a:t>Discutir</a:t>
             </a:r>
             <a:r>
-              <a:rPr lang="en-GB" sz="2000" dirty="0"/>
-              <a:t> -&gt; </a:t>
-            </a:r>
-            <a:r>
-              <a:rPr lang="en-GB" sz="2000" dirty="0" err="1"/>
+              <a:rPr lang="en-US" dirty="0" smtClean="0"/>
+              <a:t> </a:t>
+            </a:r>
+            <a:r>
+              <a:rPr lang="en-US" dirty="0" err="1" smtClean="0"/>
+              <a:t>sobre</a:t>
+            </a:r>
+            <a:r>
+              <a:rPr lang="en-US" dirty="0" smtClean="0"/>
+              <a:t> </a:t>
+            </a:r>
+            <a:r>
+              <a:rPr lang="en-US" dirty="0" err="1" smtClean="0"/>
+              <a:t>os</a:t>
+            </a:r>
+            <a:r>
+              <a:rPr lang="en-US" dirty="0" smtClean="0"/>
+              <a:t> </a:t>
+            </a:r>
+            <a:r>
+              <a:rPr lang="en-US" dirty="0" err="1" smtClean="0"/>
+              <a:t>problemas</a:t>
+            </a:r>
+            <a:endParaRPr lang="en-US" dirty="0"/>
+          </a:p>
+        </p:txBody>
+      </p:sp>
+      <p:sp>
+        <p:nvSpPr>
+          <p:cNvPr id="8" name="Rounded Rectangle 7"/>
+          <p:cNvSpPr/>
+          <p:nvPr/>
+        </p:nvSpPr>
+        <p:spPr>
+          <a:xfrm>
+            <a:off x="2452315" y="2694611"/>
+            <a:ext cx="2146852" cy="547757"/>
+          </a:xfrm>
+          <a:prstGeom prst="roundRect">
+            <a:avLst/>
+          </a:prstGeom>
+        </p:spPr>
+        <p:style>
+          <a:lnRef idx="2">
+            <a:schemeClr val="accent1">
+              <a:shade val="50000"/>
+            </a:schemeClr>
+          </a:lnRef>
+          <a:fillRef idx="1">
+            <a:schemeClr val="accent1"/>
+          </a:fillRef>
+          <a:effectRef idx="0">
+            <a:schemeClr val="accent1"/>
+          </a:effectRef>
+          <a:fontRef idx="minor">
+            <a:schemeClr val="lt1"/>
+          </a:fontRef>
+        </p:style>
+        <p:txBody>
+          <a:bodyPr rtlCol="0" anchor="ctr"/>
+          <a:lstStyle/>
+          <a:p>
+            <a:pPr algn="ctr"/>
+            <a:r>
+              <a:rPr lang="en-US" dirty="0" err="1" smtClean="0"/>
               <a:t>Gerar</a:t>
             </a:r>
             <a:r>
-              <a:rPr lang="en-GB" sz="2000" dirty="0"/>
+              <a:rPr lang="en-US" dirty="0" smtClean="0"/>
               <a:t> </a:t>
             </a:r>
             <a:r>
-              <a:rPr lang="en-GB" sz="2000" dirty="0" err="1"/>
-              <a:t>Soluções</a:t>
-            </a:r>
-            <a:r>
-              <a:rPr lang="en-GB" sz="2000" dirty="0"/>
-              <a:t> -&gt; </a:t>
-            </a:r>
-            <a:r>
-              <a:rPr lang="en-GB" sz="2000" dirty="0" err="1"/>
+              <a:rPr lang="en-US" dirty="0" err="1" smtClean="0"/>
+              <a:t>possíveis</a:t>
+            </a:r>
+            <a:r>
+              <a:rPr lang="en-US" dirty="0" smtClean="0"/>
+              <a:t> </a:t>
+            </a:r>
+            <a:r>
+              <a:rPr lang="en-US" dirty="0" err="1" smtClean="0"/>
+              <a:t>soluções</a:t>
+            </a:r>
+            <a:endParaRPr lang="en-US" dirty="0"/>
+          </a:p>
+        </p:txBody>
+      </p:sp>
+      <p:sp>
+        <p:nvSpPr>
+          <p:cNvPr id="9" name="Rounded Rectangle 8"/>
+          <p:cNvSpPr/>
+          <p:nvPr/>
+        </p:nvSpPr>
+        <p:spPr>
+          <a:xfrm>
+            <a:off x="3825902" y="3402497"/>
+            <a:ext cx="2146852" cy="547757"/>
+          </a:xfrm>
+          <a:prstGeom prst="roundRect">
+            <a:avLst/>
+          </a:prstGeom>
+        </p:spPr>
+        <p:style>
+          <a:lnRef idx="2">
+            <a:schemeClr val="accent1">
+              <a:shade val="50000"/>
+            </a:schemeClr>
+          </a:lnRef>
+          <a:fillRef idx="1">
+            <a:schemeClr val="accent1"/>
+          </a:fillRef>
+          <a:effectRef idx="0">
+            <a:schemeClr val="accent1"/>
+          </a:effectRef>
+          <a:fontRef idx="minor">
+            <a:schemeClr val="lt1"/>
+          </a:fontRef>
+        </p:style>
+        <p:txBody>
+          <a:bodyPr rtlCol="0" anchor="ctr"/>
+          <a:lstStyle/>
+          <a:p>
+            <a:pPr algn="ctr"/>
+            <a:r>
+              <a:rPr lang="en-US" dirty="0" err="1" smtClean="0"/>
               <a:t>Priorizar</a:t>
             </a:r>
             <a:r>
-              <a:rPr lang="en-GB" sz="2000" dirty="0"/>
-              <a:t> -&gt; </a:t>
-            </a:r>
-            <a:r>
-              <a:rPr lang="en-GB" sz="2000" dirty="0" err="1"/>
+              <a:rPr lang="en-US" dirty="0" smtClean="0"/>
+              <a:t> as </a:t>
+            </a:r>
+            <a:r>
+              <a:rPr lang="en-US" dirty="0" err="1" smtClean="0"/>
+              <a:t>soluções</a:t>
+            </a:r>
+            <a:endParaRPr lang="en-US" dirty="0"/>
+          </a:p>
+        </p:txBody>
+      </p:sp>
+      <p:sp>
+        <p:nvSpPr>
+          <p:cNvPr id="10" name="Rounded Rectangle 9"/>
+          <p:cNvSpPr/>
+          <p:nvPr/>
+        </p:nvSpPr>
+        <p:spPr>
+          <a:xfrm>
+            <a:off x="5043776" y="4075038"/>
+            <a:ext cx="2146852" cy="547757"/>
+          </a:xfrm>
+          <a:prstGeom prst="roundRect">
+            <a:avLst/>
+          </a:prstGeom>
+        </p:spPr>
+        <p:style>
+          <a:lnRef idx="2">
+            <a:schemeClr val="accent1">
+              <a:shade val="50000"/>
+            </a:schemeClr>
+          </a:lnRef>
+          <a:fillRef idx="1">
+            <a:schemeClr val="accent1"/>
+          </a:fillRef>
+          <a:effectRef idx="0">
+            <a:schemeClr val="accent1"/>
+          </a:effectRef>
+          <a:fontRef idx="minor">
+            <a:schemeClr val="lt1"/>
+          </a:fontRef>
+        </p:style>
+        <p:txBody>
+          <a:bodyPr rtlCol="0" anchor="ctr"/>
+          <a:lstStyle/>
+          <a:p>
+            <a:pPr algn="ctr"/>
+            <a:r>
+              <a:rPr lang="en-US" dirty="0" err="1" smtClean="0"/>
               <a:t>Analisar</a:t>
             </a:r>
             <a:r>
-              <a:rPr lang="en-GB" sz="2000" dirty="0"/>
+              <a:rPr lang="en-US" dirty="0" smtClean="0"/>
               <a:t> </a:t>
             </a:r>
             <a:r>
-              <a:rPr lang="en-GB" sz="2000" dirty="0" err="1"/>
+              <a:rPr lang="en-US" dirty="0" err="1" smtClean="0"/>
+              <a:t>os</a:t>
+            </a:r>
+            <a:r>
+              <a:rPr lang="en-US" dirty="0" smtClean="0"/>
+              <a:t> </a:t>
+            </a:r>
+            <a:r>
+              <a:rPr lang="en-US" dirty="0" err="1" smtClean="0"/>
               <a:t>Riscos</a:t>
             </a:r>
-            <a:r>
-              <a:rPr lang="en-GB" sz="2000" dirty="0"/>
-              <a:t>  -&gt; </a:t>
-            </a:r>
-            <a:r>
-              <a:rPr lang="en-GB" sz="2000" dirty="0" err="1"/>
-              <a:t>Testar</a:t>
-            </a:r>
-            <a:r>
-              <a:rPr lang="en-GB" sz="2000" dirty="0"/>
-              <a:t> -&gt; </a:t>
-            </a:r>
-            <a:r>
-              <a:rPr lang="en-GB" sz="2000" dirty="0" err="1"/>
+            <a:endParaRPr lang="en-US" dirty="0"/>
+          </a:p>
+        </p:txBody>
+      </p:sp>
+      <p:sp>
+        <p:nvSpPr>
+          <p:cNvPr id="11" name="Rounded Rectangle 10"/>
+          <p:cNvSpPr/>
+          <p:nvPr/>
+        </p:nvSpPr>
+        <p:spPr>
+          <a:xfrm>
+            <a:off x="6416702" y="4747579"/>
+            <a:ext cx="2146852" cy="547757"/>
+          </a:xfrm>
+          <a:prstGeom prst="roundRect">
+            <a:avLst/>
+          </a:prstGeom>
+        </p:spPr>
+        <p:style>
+          <a:lnRef idx="2">
+            <a:schemeClr val="accent1">
+              <a:shade val="50000"/>
+            </a:schemeClr>
+          </a:lnRef>
+          <a:fillRef idx="1">
+            <a:schemeClr val="accent1"/>
+          </a:fillRef>
+          <a:effectRef idx="0">
+            <a:schemeClr val="accent1"/>
+          </a:effectRef>
+          <a:fontRef idx="minor">
+            <a:schemeClr val="lt1"/>
+          </a:fontRef>
+        </p:style>
+        <p:txBody>
+          <a:bodyPr rtlCol="0" anchor="ctr"/>
+          <a:lstStyle/>
+          <a:p>
+            <a:pPr algn="ctr"/>
+            <a:r>
+              <a:rPr lang="pt-BR" dirty="0" smtClean="0"/>
+              <a:t>Testar as Soluções</a:t>
+            </a:r>
+            <a:endParaRPr lang="en-US" dirty="0"/>
+          </a:p>
+        </p:txBody>
+      </p:sp>
+      <p:sp>
+        <p:nvSpPr>
+          <p:cNvPr id="12" name="Rounded Rectangle 11"/>
+          <p:cNvSpPr/>
+          <p:nvPr/>
+        </p:nvSpPr>
+        <p:spPr>
+          <a:xfrm>
+            <a:off x="7879741" y="5420120"/>
+            <a:ext cx="2600078" cy="547757"/>
+          </a:xfrm>
+          <a:prstGeom prst="roundRect">
+            <a:avLst/>
+          </a:prstGeom>
+        </p:spPr>
+        <p:style>
+          <a:lnRef idx="2">
+            <a:schemeClr val="accent1">
+              <a:shade val="50000"/>
+            </a:schemeClr>
+          </a:lnRef>
+          <a:fillRef idx="1">
+            <a:schemeClr val="accent1"/>
+          </a:fillRef>
+          <a:effectRef idx="0">
+            <a:schemeClr val="accent1"/>
+          </a:effectRef>
+          <a:fontRef idx="minor">
+            <a:schemeClr val="lt1"/>
+          </a:fontRef>
+        </p:style>
+        <p:txBody>
+          <a:bodyPr rtlCol="0" anchor="ctr"/>
+          <a:lstStyle/>
+          <a:p>
+            <a:pPr algn="ctr"/>
+            <a:r>
+              <a:rPr lang="en-US" dirty="0" err="1" smtClean="0"/>
               <a:t>Provar</a:t>
             </a:r>
             <a:r>
-              <a:rPr lang="en-GB" sz="2000" dirty="0"/>
+              <a:rPr lang="en-US" dirty="0" smtClean="0"/>
               <a:t> o </a:t>
             </a:r>
             <a:r>
-              <a:rPr lang="en-GB" sz="2000" dirty="0" err="1"/>
+              <a:rPr lang="en-US" dirty="0" err="1" smtClean="0"/>
               <a:t>atingimento</a:t>
             </a:r>
             <a:r>
-              <a:rPr lang="en-GB" sz="2000" dirty="0"/>
+              <a:rPr lang="en-US" dirty="0" smtClean="0"/>
               <a:t> da meta com </a:t>
             </a:r>
             <a:r>
-              <a:rPr lang="en-GB" sz="2000" dirty="0" err="1"/>
+              <a:rPr lang="en-US" dirty="0" err="1" smtClean="0"/>
               <a:t>os</a:t>
             </a:r>
             <a:r>
-              <a:rPr lang="en-GB" sz="2000" dirty="0"/>
-              <a:t> testes</a:t>
-            </a:r>
-            <a:endParaRPr lang="pt-BR" sz="2000" dirty="0"/>
+              <a:rPr lang="en-US" dirty="0" smtClean="0"/>
+              <a:t> tests</a:t>
+            </a:r>
+            <a:endParaRPr lang="en-US" dirty="0"/>
           </a:p>
         </p:txBody>
       </p:sp>
@@ -7718,7 +8162,7 @@
           <p:cNvPr id="5" name="Picture 4">
             <a:extLst>
               <a:ext uri="{FF2B5EF4-FFF2-40B4-BE49-F238E27FC236}">
-                <a16:creationId xmlns:a16="http://schemas.microsoft.com/office/drawing/2014/main" id="{888C128C-5269-4983-8E62-782CC3812D38}"/>
+                <a16:creationId xmlns:a16="http://schemas.microsoft.com/office/drawing/2014/main" xmlns="" id="{888C128C-5269-4983-8E62-782CC3812D38}"/>
               </a:ext>
             </a:extLst>
           </p:cNvPr>
@@ -7748,7 +8192,7 @@
           <p:cNvPr id="13" name="Picture 12">
             <a:extLst>
               <a:ext uri="{FF2B5EF4-FFF2-40B4-BE49-F238E27FC236}">
-                <a16:creationId xmlns:a16="http://schemas.microsoft.com/office/drawing/2014/main" id="{73590F63-BD5D-42CA-B0B8-B95CFD1D1E88}"/>
+                <a16:creationId xmlns:a16="http://schemas.microsoft.com/office/drawing/2014/main" xmlns="" id="{73590F63-BD5D-42CA-B0B8-B95CFD1D1E88}"/>
               </a:ext>
             </a:extLst>
           </p:cNvPr>
@@ -7778,7 +8222,7 @@
           <p:cNvPr id="15" name="Picture 14">
             <a:extLst>
               <a:ext uri="{FF2B5EF4-FFF2-40B4-BE49-F238E27FC236}">
-                <a16:creationId xmlns:a16="http://schemas.microsoft.com/office/drawing/2014/main" id="{9E17D4F8-F869-438F-8B2F-1D0060775FAE}"/>
+                <a16:creationId xmlns:a16="http://schemas.microsoft.com/office/drawing/2014/main" xmlns="" id="{9E17D4F8-F869-438F-8B2F-1D0060775FAE}"/>
               </a:ext>
             </a:extLst>
           </p:cNvPr>
@@ -7808,7 +8252,7 @@
           <p:cNvPr id="17" name="Picture 16">
             <a:extLst>
               <a:ext uri="{FF2B5EF4-FFF2-40B4-BE49-F238E27FC236}">
-                <a16:creationId xmlns:a16="http://schemas.microsoft.com/office/drawing/2014/main" id="{3771CBCC-4773-4B79-A0BD-54DC02307FFC}"/>
+                <a16:creationId xmlns:a16="http://schemas.microsoft.com/office/drawing/2014/main" xmlns="" id="{3771CBCC-4773-4B79-A0BD-54DC02307FFC}"/>
               </a:ext>
             </a:extLst>
           </p:cNvPr>
@@ -7843,10 +8287,160 @@
   <p:clrMapOvr>
     <a:masterClrMapping/>
   </p:clrMapOvr>
+  <p:timing>
+    <p:tnLst>
+      <p:par>
+        <p:cTn id="1" dur="indefinite" restart="never" nodeType="tmRoot"/>
+      </p:par>
+    </p:tnLst>
+  </p:timing>
 </p:sld>
 </file>
 
 <file path=ppt/slides/slide8.xml><?xml version="1.0" encoding="utf-8"?>
+<p:sld xmlns:a="http://schemas.openxmlformats.org/drawingml/2006/main" xmlns:r="http://schemas.openxmlformats.org/officeDocument/2006/relationships" xmlns:p="http://schemas.openxmlformats.org/presentationml/2006/main">
+  <p:cSld>
+    <p:spTree>
+      <p:nvGrpSpPr>
+        <p:cNvPr id="1" name=""/>
+        <p:cNvGrpSpPr/>
+        <p:nvPr/>
+      </p:nvGrpSpPr>
+      <p:grpSpPr>
+        <a:xfrm>
+          <a:off x="0" y="0"/>
+          <a:ext cx="0" cy="0"/>
+          <a:chOff x="0" y="0"/>
+          <a:chExt cx="0" cy="0"/>
+        </a:xfrm>
+      </p:grpSpPr>
+      <p:sp>
+        <p:nvSpPr>
+          <p:cNvPr id="2" name="Title 1"/>
+          <p:cNvSpPr>
+            <a:spLocks noGrp="1"/>
+          </p:cNvSpPr>
+          <p:nvPr>
+            <p:ph type="title"/>
+          </p:nvPr>
+        </p:nvSpPr>
+        <p:spPr/>
+        <p:txBody>
+          <a:bodyPr/>
+          <a:lstStyle/>
+          <a:p>
+            <a:r>
+              <a:rPr lang="en-US" dirty="0" err="1"/>
+              <a:t>Perguntas</a:t>
+            </a:r>
+            <a:endParaRPr lang="en-US" dirty="0"/>
+          </a:p>
+        </p:txBody>
+      </p:sp>
+      <p:sp>
+        <p:nvSpPr>
+          <p:cNvPr id="3" name="Content Placeholder 2"/>
+          <p:cNvSpPr>
+            <a:spLocks noGrp="1"/>
+          </p:cNvSpPr>
+          <p:nvPr>
+            <p:ph idx="1"/>
+          </p:nvPr>
+        </p:nvSpPr>
+        <p:spPr/>
+        <p:txBody>
+          <a:bodyPr/>
+          <a:lstStyle/>
+          <a:p>
+            <a:r>
+              <a:rPr lang="pt-BR" dirty="0"/>
+              <a:t>Será necessário testar as soluções? Como os testes serão realizados?</a:t>
+            </a:r>
+            <a:endParaRPr lang="en-US" dirty="0"/>
+          </a:p>
+          <a:p>
+            <a:endParaRPr lang="en-US" dirty="0"/>
+          </a:p>
+        </p:txBody>
+      </p:sp>
+      <p:sp>
+        <p:nvSpPr>
+          <p:cNvPr id="8" name="Title 1"/>
+          <p:cNvSpPr txBox="1">
+            <a:spLocks/>
+          </p:cNvSpPr>
+          <p:nvPr/>
+        </p:nvSpPr>
+        <p:spPr>
+          <a:xfrm>
+            <a:off x="2356239" y="2655136"/>
+            <a:ext cx="7162800" cy="1450757"/>
+          </a:xfrm>
+          <a:prstGeom prst="rect">
+            <a:avLst/>
+          </a:prstGeom>
+        </p:spPr>
+        <p:txBody>
+          <a:bodyPr vert="horz" lIns="91440" tIns="45720" rIns="91440" bIns="45720" rtlCol="0" anchor="b">
+            <a:normAutofit/>
+          </a:bodyPr>
+          <a:lstStyle>
+            <a:lvl1pPr algn="l" defTabSz="914400" rtl="0" eaLnBrk="1" latinLnBrk="0" hangingPunct="1">
+              <a:lnSpc>
+                <a:spcPct val="85000"/>
+              </a:lnSpc>
+              <a:spcBef>
+                <a:spcPct val="0"/>
+              </a:spcBef>
+              <a:buNone/>
+              <a:defRPr sz="4800" kern="1200" spc="-50" baseline="0">
+                <a:solidFill>
+                  <a:schemeClr val="tx1">
+                    <a:lumMod val="75000"/>
+                    <a:lumOff val="25000"/>
+                  </a:schemeClr>
+                </a:solidFill>
+                <a:latin typeface="+mj-lt"/>
+                <a:ea typeface="+mj-ea"/>
+                <a:cs typeface="+mj-cs"/>
+              </a:defRPr>
+            </a:lvl1pPr>
+          </a:lstStyle>
+          <a:p>
+            <a:pPr algn="ctr"/>
+            <a:r>
+              <a:rPr lang="en-US" dirty="0" err="1" smtClean="0"/>
+              <a:t>Matriz</a:t>
+            </a:r>
+            <a:r>
+              <a:rPr lang="en-US" dirty="0" smtClean="0"/>
+              <a:t> 5W2H</a:t>
+            </a:r>
+            <a:endParaRPr lang="en-US" dirty="0"/>
+          </a:p>
+        </p:txBody>
+      </p:sp>
+    </p:spTree>
+    <p:extLst>
+      <p:ext uri="{BB962C8B-B14F-4D97-AF65-F5344CB8AC3E}">
+        <p14:creationId xmlns:p14="http://schemas.microsoft.com/office/powerpoint/2010/main" val="900316164"/>
+      </p:ext>
+    </p:extLst>
+  </p:cSld>
+  <p:clrMapOvr>
+    <a:masterClrMapping/>
+  </p:clrMapOvr>
+  <p:timing>
+    <p:tnLst>
+      <p:par>
+        <p:cTn id="1" dur="indefinite" restart="never" nodeType="tmRoot"/>
+      </p:par>
+    </p:tnLst>
+  </p:timing>
+</p:sld>
+</file>
+
+<file path=ppt/slides/slide9.xml><?xml version="1.0" encoding="utf-8"?>
 <p:sld xmlns:a="http://schemas.openxmlformats.org/drawingml/2006/main" xmlns:r="http://schemas.openxmlformats.org/officeDocument/2006/relationships" xmlns:p="http://schemas.openxmlformats.org/presentationml/2006/main">
   <p:cSld>
     <p:spTree>
@@ -7868,7 +8462,7 @@
           <p:cNvPr id="5" name="Picture 4">
             <a:extLst>
               <a:ext uri="{FF2B5EF4-FFF2-40B4-BE49-F238E27FC236}">
-                <a16:creationId xmlns:a16="http://schemas.microsoft.com/office/drawing/2014/main" id="{413991A7-E118-4482-A1D9-9F8579F5A567}"/>
+                <a16:creationId xmlns:a16="http://schemas.microsoft.com/office/drawing/2014/main" xmlns="" id="{413991A7-E118-4482-A1D9-9F8579F5A567}"/>
               </a:ext>
             </a:extLst>
           </p:cNvPr>
@@ -7998,120 +8592,13 @@
   <p:clrMapOvr>
     <a:masterClrMapping/>
   </p:clrMapOvr>
-</p:sld>
-</file>
-
-<file path=ppt/slides/slide9.xml><?xml version="1.0" encoding="utf-8"?>
-<p:sld xmlns:a="http://schemas.openxmlformats.org/drawingml/2006/main" xmlns:r="http://schemas.openxmlformats.org/officeDocument/2006/relationships" xmlns:p="http://schemas.openxmlformats.org/presentationml/2006/main">
-  <p:cSld>
-    <p:spTree>
-      <p:nvGrpSpPr>
-        <p:cNvPr id="1" name=""/>
-        <p:cNvGrpSpPr/>
-        <p:nvPr/>
-      </p:nvGrpSpPr>
-      <p:grpSpPr>
-        <a:xfrm>
-          <a:off x="0" y="0"/>
-          <a:ext cx="0" cy="0"/>
-          <a:chOff x="0" y="0"/>
-          <a:chExt cx="0" cy="0"/>
-        </a:xfrm>
-      </p:grpSpPr>
-      <p:sp>
-        <p:nvSpPr>
-          <p:cNvPr id="2" name="Title 1"/>
-          <p:cNvSpPr>
-            <a:spLocks noGrp="1"/>
-          </p:cNvSpPr>
-          <p:nvPr>
-            <p:ph type="title"/>
-          </p:nvPr>
-        </p:nvSpPr>
-        <p:spPr>
-          <a:xfrm>
-            <a:off x="792480" y="0"/>
-            <a:ext cx="10058400" cy="1450757"/>
-          </a:xfrm>
-        </p:spPr>
-        <p:txBody>
-          <a:bodyPr/>
-          <a:lstStyle/>
-          <a:p>
-            <a:r>
-              <a:rPr lang="en-US" dirty="0" err="1"/>
-              <a:t>Perguntas</a:t>
-            </a:r>
-            <a:endParaRPr lang="en-US" dirty="0"/>
-          </a:p>
-        </p:txBody>
-      </p:sp>
-      <p:sp>
-        <p:nvSpPr>
-          <p:cNvPr id="3" name="Content Placeholder 2"/>
-          <p:cNvSpPr>
-            <a:spLocks noGrp="1"/>
-          </p:cNvSpPr>
-          <p:nvPr>
-            <p:ph idx="1"/>
-          </p:nvPr>
-        </p:nvSpPr>
-        <p:spPr>
-          <a:xfrm>
-            <a:off x="1693628" y="1885490"/>
-            <a:ext cx="4826442" cy="460145"/>
-          </a:xfrm>
-        </p:spPr>
-        <p:txBody>
-          <a:bodyPr>
-            <a:normAutofit fontScale="92500"/>
-          </a:bodyPr>
-          <a:lstStyle/>
-          <a:p>
-            <a:r>
-              <a:rPr lang="en-US" sz="2500" dirty="0"/>
-              <a:t>Como </a:t>
-            </a:r>
-            <a:r>
-              <a:rPr lang="en-US" sz="2500" dirty="0" err="1"/>
-              <a:t>os</a:t>
-            </a:r>
-            <a:r>
-              <a:rPr lang="en-US" sz="2500" dirty="0"/>
-              <a:t> testes </a:t>
-            </a:r>
-            <a:r>
-              <a:rPr lang="en-US" sz="2500" dirty="0" err="1"/>
-              <a:t>serão</a:t>
-            </a:r>
-            <a:r>
-              <a:rPr lang="en-US" sz="2500" dirty="0"/>
-              <a:t> </a:t>
-            </a:r>
-            <a:r>
-              <a:rPr lang="en-US" sz="2500" dirty="0" err="1"/>
-              <a:t>implementados</a:t>
-            </a:r>
-            <a:r>
-              <a:rPr lang="en-US" sz="2500" dirty="0"/>
-              <a:t>?</a:t>
-            </a:r>
-          </a:p>
-          <a:p>
-            <a:endParaRPr lang="en-US" dirty="0"/>
-          </a:p>
-        </p:txBody>
-      </p:sp>
-    </p:spTree>
-    <p:extLst>
-      <p:ext uri="{BB962C8B-B14F-4D97-AF65-F5344CB8AC3E}">
-        <p14:creationId xmlns:p14="http://schemas.microsoft.com/office/powerpoint/2010/main" val="3825737845"/>
-      </p:ext>
-    </p:extLst>
-  </p:cSld>
-  <p:clrMapOvr>
-    <a:masterClrMapping/>
-  </p:clrMapOvr>
+  <p:timing>
+    <p:tnLst>
+      <p:par>
+        <p:cTn id="1" dur="indefinite" restart="never" nodeType="tmRoot"/>
+      </p:par>
+    </p:tnLst>
+  </p:timing>
 </p:sld>
 </file>
 
